--- a/進捗報告_第2回_20190115.pptx
+++ b/進捗報告_第2回_20190115.pptx
@@ -282,7 +282,7 @@
               <a:pPr>
                 <a:defRPr/>
               </a:pPr>
-              <a:t>2019/1/14</a:t>
+              <a:t>2019/1/15</a:t>
             </a:fld>
             <a:endParaRPr lang="ja-JP" altLang="en-US"/>
           </a:p>
@@ -9166,7 +9166,7 @@
         <p:spPr>
           <a:xfrm>
             <a:off x="76200" y="1200090"/>
-            <a:ext cx="3635932" cy="400110"/>
+            <a:ext cx="3764172" cy="400110"/>
           </a:xfrm>
           <a:prstGeom prst="rect">
             <a:avLst/>
@@ -9189,7 +9189,7 @@
             </a:r>
             <a:r>
               <a:rPr kumimoji="1" lang="en-US" altLang="ja-JP" sz="2000"/>
-              <a:t>5, satimage, Local</a:t>
+              <a:t>5, satimage, Global</a:t>
             </a:r>
             <a:r>
               <a:rPr kumimoji="1" lang="ja-JP" altLang="en-US" sz="2000"/>

--- a/進捗報告_第2回_20190115.pptx
+++ b/進捗報告_第2回_20190115.pptx
@@ -6,22 +6,20 @@
     <p:sldMasterId id="2147483650" r:id="rId2"/>
   </p:sldMasterIdLst>
   <p:notesMasterIdLst>
-    <p:notesMasterId r:id="rId13"/>
+    <p:notesMasterId r:id="rId11"/>
   </p:notesMasterIdLst>
   <p:handoutMasterIdLst>
-    <p:handoutMasterId r:id="rId14"/>
+    <p:handoutMasterId r:id="rId12"/>
   </p:handoutMasterIdLst>
   <p:sldIdLst>
     <p:sldId id="256" r:id="rId3"/>
-    <p:sldId id="261" r:id="rId4"/>
-    <p:sldId id="264" r:id="rId5"/>
-    <p:sldId id="270" r:id="rId6"/>
-    <p:sldId id="271" r:id="rId7"/>
-    <p:sldId id="273" r:id="rId8"/>
-    <p:sldId id="276" r:id="rId9"/>
-    <p:sldId id="268" r:id="rId10"/>
-    <p:sldId id="274" r:id="rId11"/>
-    <p:sldId id="277" r:id="rId12"/>
+    <p:sldId id="270" r:id="rId4"/>
+    <p:sldId id="271" r:id="rId5"/>
+    <p:sldId id="273" r:id="rId6"/>
+    <p:sldId id="276" r:id="rId7"/>
+    <p:sldId id="268" r:id="rId8"/>
+    <p:sldId id="274" r:id="rId9"/>
+    <p:sldId id="277" r:id="rId10"/>
   </p:sldIdLst>
   <p:sldSz cx="9144000" cy="6858000" type="screen4x3"/>
   <p:notesSz cx="6858000" cy="9144000"/>
@@ -1198,96 +1196,6 @@
 </p:notes>
 </file>
 
-<file path=ppt/notesSlides/notesSlide2.xml><?xml version="1.0" encoding="utf-8"?>
-<p:notes xmlns:a="http://schemas.openxmlformats.org/drawingml/2006/main" xmlns:r="http://schemas.openxmlformats.org/officeDocument/2006/relationships" xmlns:p="http://schemas.openxmlformats.org/presentationml/2006/main">
-  <p:cSld>
-    <p:spTree>
-      <p:nvGrpSpPr>
-        <p:cNvPr id="1" name=""/>
-        <p:cNvGrpSpPr/>
-        <p:nvPr/>
-      </p:nvGrpSpPr>
-      <p:grpSpPr>
-        <a:xfrm>
-          <a:off x="0" y="0"/>
-          <a:ext cx="0" cy="0"/>
-          <a:chOff x="0" y="0"/>
-          <a:chExt cx="0" cy="0"/>
-        </a:xfrm>
-      </p:grpSpPr>
-      <p:sp>
-        <p:nvSpPr>
-          <p:cNvPr id="2" name="スライド イメージ プレースホルダー 1"/>
-          <p:cNvSpPr>
-            <a:spLocks noGrp="1" noRot="1" noChangeAspect="1"/>
-          </p:cNvSpPr>
-          <p:nvPr>
-            <p:ph type="sldImg"/>
-          </p:nvPr>
-        </p:nvSpPr>
-        <p:spPr/>
-      </p:sp>
-      <p:sp>
-        <p:nvSpPr>
-          <p:cNvPr id="3" name="ノート プレースホルダー 2"/>
-          <p:cNvSpPr>
-            <a:spLocks noGrp="1"/>
-          </p:cNvSpPr>
-          <p:nvPr>
-            <p:ph type="body" idx="1"/>
-          </p:nvPr>
-        </p:nvSpPr>
-        <p:spPr/>
-        <p:txBody>
-          <a:bodyPr/>
-          <a:lstStyle/>
-          <a:p>
-            <a:endParaRPr kumimoji="1" lang="ja-JP" altLang="en-US"/>
-          </a:p>
-        </p:txBody>
-      </p:sp>
-      <p:sp>
-        <p:nvSpPr>
-          <p:cNvPr id="4" name="スライド番号プレースホルダー 3"/>
-          <p:cNvSpPr>
-            <a:spLocks noGrp="1"/>
-          </p:cNvSpPr>
-          <p:nvPr>
-            <p:ph type="sldNum" sz="quarter" idx="5"/>
-          </p:nvPr>
-        </p:nvSpPr>
-        <p:spPr/>
-        <p:txBody>
-          <a:bodyPr/>
-          <a:lstStyle/>
-          <a:p>
-            <a:pPr>
-              <a:defRPr/>
-            </a:pPr>
-            <a:fld id="{6AF993FB-784A-624D-9487-CA229CBFB36A}" type="slidenum">
-              <a:rPr lang="en-US" altLang="ja-JP"/>
-              <a:pPr>
-                <a:defRPr/>
-              </a:pPr>
-              <a:t>3</a:t>
-            </a:fld>
-            <a:endParaRPr lang="en-US" altLang="ja-JP"/>
-          </a:p>
-        </p:txBody>
-      </p:sp>
-    </p:spTree>
-    <p:extLst>
-      <p:ext uri="{BB962C8B-B14F-4D97-AF65-F5344CB8AC3E}">
-        <p14:creationId xmlns:p14="http://schemas.microsoft.com/office/powerpoint/2010/main" val="3404815055"/>
-      </p:ext>
-    </p:extLst>
-  </p:cSld>
-  <p:clrMapOvr>
-    <a:masterClrMapping/>
-  </p:clrMapOvr>
-</p:notes>
-</file>
-
 <file path=ppt/slideLayouts/slideLayout1.xml><?xml version="1.0" encoding="utf-8"?>
 <p:sldLayout xmlns:a="http://schemas.openxmlformats.org/drawingml/2006/main" xmlns:r="http://schemas.openxmlformats.org/officeDocument/2006/relationships" xmlns:p="http://schemas.openxmlformats.org/presentationml/2006/main" showMasterSp="0" type="title" preserve="1">
   <p:cSld name="タイトル スライド">
@@ -6076,7 +5984,7 @@
         <p:spPr bwMode="auto">
           <a:xfrm>
             <a:off x="7848600" y="390525"/>
-            <a:ext cx="1447800" cy="954107"/>
+            <a:ext cx="1447800" cy="523220"/>
           </a:xfrm>
           <a:prstGeom prst="rect">
             <a:avLst/>
@@ -6248,7 +6156,7 @@
                 </a:solidFill>
                 <a:latin typeface="ＭＳ Ｐゴシック" panose="020B0600070205080204" pitchFamily="34" charset="-128"/>
               </a:rPr>
-              <a:t>/10)</a:t>
+              <a:t>/8)</a:t>
             </a:r>
             <a:endParaRPr lang="ja-JP" altLang="en-US" sz="2800" b="1">
               <a:solidFill>
@@ -6306,7 +6214,7 @@
         <p:spPr bwMode="auto">
           <a:xfrm>
             <a:off x="7848600" y="390525"/>
-            <a:ext cx="1447800" cy="954107"/>
+            <a:ext cx="1447800" cy="523220"/>
           </a:xfrm>
           <a:prstGeom prst="rect">
             <a:avLst/>
@@ -6478,7 +6386,7 @@
                 </a:solidFill>
                 <a:latin typeface="ＭＳ Ｐゴシック" panose="020B0600070205080204" pitchFamily="34" charset="-128"/>
               </a:rPr>
-              <a:t>/10)</a:t>
+              <a:t>/8)</a:t>
             </a:r>
             <a:endParaRPr lang="ja-JP" altLang="en-US" sz="2800" b="1">
               <a:solidFill>
@@ -9052,6155 +8960,7 @@
 </p:sld>
 </file>
 
-<file path=ppt/slides/slide10.xml><?xml version="1.0" encoding="utf-8"?>
-<p:sld xmlns:a="http://schemas.openxmlformats.org/drawingml/2006/main" xmlns:r="http://schemas.openxmlformats.org/officeDocument/2006/relationships" xmlns:p="http://schemas.openxmlformats.org/presentationml/2006/main">
-  <p:cSld>
-    <p:spTree>
-      <p:nvGrpSpPr>
-        <p:cNvPr id="1" name=""/>
-        <p:cNvGrpSpPr/>
-        <p:nvPr/>
-      </p:nvGrpSpPr>
-      <p:grpSpPr>
-        <a:xfrm>
-          <a:off x="0" y="0"/>
-          <a:ext cx="0" cy="0"/>
-          <a:chOff x="0" y="0"/>
-          <a:chExt cx="0" cy="0"/>
-        </a:xfrm>
-      </p:grpSpPr>
-      <p:sp>
-        <p:nvSpPr>
-          <p:cNvPr id="2" name="タイトル 1">
-            <a:extLst>
-              <a:ext uri="{FF2B5EF4-FFF2-40B4-BE49-F238E27FC236}">
-                <a16:creationId xmlns:a16="http://schemas.microsoft.com/office/drawing/2014/main" id="{CF6946CE-9F12-204B-8F5C-905116DA4E5C}"/>
-              </a:ext>
-            </a:extLst>
-          </p:cNvPr>
-          <p:cNvSpPr>
-            <a:spLocks noGrp="1"/>
-          </p:cNvSpPr>
-          <p:nvPr>
-            <p:ph type="title"/>
-          </p:nvPr>
-        </p:nvSpPr>
-        <p:spPr/>
-        <p:txBody>
-          <a:bodyPr/>
-          <a:lstStyle/>
-          <a:p>
-            <a:r>
-              <a:rPr kumimoji="1" lang="ja-JP" altLang="en-US"/>
-              <a:t>非劣解集合</a:t>
-            </a:r>
-            <a:r>
-              <a:rPr kumimoji="1" lang="en-US" altLang="ja-JP"/>
-              <a:t> </a:t>
-            </a:r>
-            <a:r>
-              <a:rPr kumimoji="1" lang="ja-JP" altLang="en-US"/>
-              <a:t>弱識別器</a:t>
-            </a:r>
-          </a:p>
-        </p:txBody>
-      </p:sp>
-      <p:pic>
-        <p:nvPicPr>
-          <p:cNvPr id="4" name="図 3" descr="地図 が含まれている画像&#10;&#10;&#10;&#10;自動的に生成された説明">
-            <a:extLst>
-              <a:ext uri="{FF2B5EF4-FFF2-40B4-BE49-F238E27FC236}">
-                <a16:creationId xmlns:a16="http://schemas.microsoft.com/office/drawing/2014/main" id="{4177BABE-FCF9-3C44-A958-F8265485F9ED}"/>
-              </a:ext>
-            </a:extLst>
-          </p:cNvPr>
-          <p:cNvPicPr>
-            <a:picLocks noChangeAspect="1"/>
-          </p:cNvPicPr>
-          <p:nvPr/>
-        </p:nvPicPr>
-        <p:blipFill>
-          <a:blip r:embed="rId2">
-            <a:clrChange>
-              <a:clrFrom>
-                <a:srgbClr val="FFFFFF"/>
-              </a:clrFrom>
-              <a:clrTo>
-                <a:srgbClr val="FFFFFF">
-                  <a:alpha val="0"/>
-                </a:srgbClr>
-              </a:clrTo>
-            </a:clrChange>
-            <a:extLst>
-              <a:ext uri="{28A0092B-C50C-407E-A947-70E740481C1C}">
-                <a14:useLocalDpi xmlns:a14="http://schemas.microsoft.com/office/drawing/2010/main" val="0"/>
-              </a:ext>
-            </a:extLst>
-          </a:blip>
-          <a:stretch>
-            <a:fillRect/>
-          </a:stretch>
-        </p:blipFill>
-        <p:spPr>
-          <a:xfrm>
-            <a:off x="-163200" y="1066800"/>
-            <a:ext cx="5040000" cy="5040000"/>
-          </a:xfrm>
-          <a:prstGeom prst="rect">
-            <a:avLst/>
-          </a:prstGeom>
-        </p:spPr>
-      </p:pic>
-      <p:sp>
-        <p:nvSpPr>
-          <p:cNvPr id="5" name="テキスト ボックス 4">
-            <a:extLst>
-              <a:ext uri="{FF2B5EF4-FFF2-40B4-BE49-F238E27FC236}">
-                <a16:creationId xmlns:a16="http://schemas.microsoft.com/office/drawing/2014/main" id="{8FE4F9B2-B99A-FD4D-B18C-225C649360F5}"/>
-              </a:ext>
-            </a:extLst>
-          </p:cNvPr>
-          <p:cNvSpPr txBox="1"/>
-          <p:nvPr/>
-        </p:nvSpPr>
-        <p:spPr>
-          <a:xfrm>
-            <a:off x="76200" y="1200090"/>
-            <a:ext cx="3764172" cy="400110"/>
-          </a:xfrm>
-          <a:prstGeom prst="rect">
-            <a:avLst/>
-          </a:prstGeom>
-          <a:noFill/>
-        </p:spPr>
-        <p:txBody>
-          <a:bodyPr wrap="none" rtlCol="0">
-            <a:spAutoFit/>
-          </a:bodyPr>
-          <a:lstStyle/>
-          <a:p>
-            <a:pPr marL="342900" indent="-342900">
-              <a:buFont typeface="Arial" panose="020B0604020202020204" pitchFamily="34" charset="0"/>
-              <a:buChar char="•"/>
-            </a:pPr>
-            <a:r>
-              <a:rPr kumimoji="1" lang="ja-JP" altLang="en-US" sz="2000"/>
-              <a:t>島数</a:t>
-            </a:r>
-            <a:r>
-              <a:rPr kumimoji="1" lang="en-US" altLang="ja-JP" sz="2000"/>
-              <a:t>5, satimage, Global</a:t>
-            </a:r>
-            <a:r>
-              <a:rPr kumimoji="1" lang="ja-JP" altLang="en-US" sz="2000"/>
-              <a:t>最良</a:t>
-            </a:r>
-          </a:p>
-        </p:txBody>
-      </p:sp>
-      <p:pic>
-        <p:nvPicPr>
-          <p:cNvPr id="7" name="図 6" descr="地図, テキスト が含まれている画像&#10;&#10;&#10;&#10;自動的に生成された説明">
-            <a:extLst>
-              <a:ext uri="{FF2B5EF4-FFF2-40B4-BE49-F238E27FC236}">
-                <a16:creationId xmlns:a16="http://schemas.microsoft.com/office/drawing/2014/main" id="{E6B773ED-7684-6C4F-8C75-4C495CF9091A}"/>
-              </a:ext>
-            </a:extLst>
-          </p:cNvPr>
-          <p:cNvPicPr>
-            <a:picLocks noChangeAspect="1"/>
-          </p:cNvPicPr>
-          <p:nvPr/>
-        </p:nvPicPr>
-        <p:blipFill>
-          <a:blip r:embed="rId3">
-            <a:clrChange>
-              <a:clrFrom>
-                <a:srgbClr val="FFFFFF"/>
-              </a:clrFrom>
-              <a:clrTo>
-                <a:srgbClr val="FFFFFF">
-                  <a:alpha val="0"/>
-                </a:srgbClr>
-              </a:clrTo>
-            </a:clrChange>
-            <a:extLst>
-              <a:ext uri="{28A0092B-C50C-407E-A947-70E740481C1C}">
-                <a14:useLocalDpi xmlns:a14="http://schemas.microsoft.com/office/drawing/2010/main" val="0"/>
-              </a:ext>
-            </a:extLst>
-          </a:blip>
-          <a:stretch>
-            <a:fillRect/>
-          </a:stretch>
-        </p:blipFill>
-        <p:spPr>
-          <a:xfrm>
-            <a:off x="4267200" y="1066800"/>
-            <a:ext cx="5040000" cy="5040000"/>
-          </a:xfrm>
-          <a:prstGeom prst="rect">
-            <a:avLst/>
-          </a:prstGeom>
-        </p:spPr>
-      </p:pic>
-      <p:sp>
-        <p:nvSpPr>
-          <p:cNvPr id="8" name="テキスト ボックス 7">
-            <a:extLst>
-              <a:ext uri="{FF2B5EF4-FFF2-40B4-BE49-F238E27FC236}">
-                <a16:creationId xmlns:a16="http://schemas.microsoft.com/office/drawing/2014/main" id="{CD286047-8CB1-2E4A-9194-AA1EF681BEA5}"/>
-              </a:ext>
-            </a:extLst>
-          </p:cNvPr>
-          <p:cNvSpPr txBox="1"/>
-          <p:nvPr/>
-        </p:nvSpPr>
-        <p:spPr>
-          <a:xfrm>
-            <a:off x="1608037" y="5737468"/>
-            <a:ext cx="1497526" cy="369332"/>
-          </a:xfrm>
-          <a:prstGeom prst="rect">
-            <a:avLst/>
-          </a:prstGeom>
-          <a:noFill/>
-        </p:spPr>
-        <p:txBody>
-          <a:bodyPr wrap="none" rtlCol="0">
-            <a:spAutoFit/>
-          </a:bodyPr>
-          <a:lstStyle/>
-          <a:p>
-            <a:r>
-              <a:rPr kumimoji="1" lang="ja-JP" altLang="en-US"/>
-              <a:t>過剰適合あり</a:t>
-            </a:r>
-          </a:p>
-        </p:txBody>
-      </p:sp>
-      <p:sp>
-        <p:nvSpPr>
-          <p:cNvPr id="9" name="テキスト ボックス 8">
-            <a:extLst>
-              <a:ext uri="{FF2B5EF4-FFF2-40B4-BE49-F238E27FC236}">
-                <a16:creationId xmlns:a16="http://schemas.microsoft.com/office/drawing/2014/main" id="{4BF79A82-68CC-AD43-AF59-6A66190FF08F}"/>
-              </a:ext>
-            </a:extLst>
-          </p:cNvPr>
-          <p:cNvSpPr txBox="1"/>
-          <p:nvPr/>
-        </p:nvSpPr>
-        <p:spPr>
-          <a:xfrm>
-            <a:off x="6038437" y="5737468"/>
-            <a:ext cx="1492716" cy="369332"/>
-          </a:xfrm>
-          <a:prstGeom prst="rect">
-            <a:avLst/>
-          </a:prstGeom>
-          <a:noFill/>
-        </p:spPr>
-        <p:txBody>
-          <a:bodyPr wrap="none" rtlCol="0">
-            <a:spAutoFit/>
-          </a:bodyPr>
-          <a:lstStyle/>
-          <a:p>
-            <a:r>
-              <a:rPr kumimoji="1" lang="ja-JP" altLang="en-US"/>
-              <a:t>過剰適合なし</a:t>
-            </a:r>
-          </a:p>
-        </p:txBody>
-      </p:sp>
-      <p:sp>
-        <p:nvSpPr>
-          <p:cNvPr id="11" name="テキスト ボックス 10">
-            <a:extLst>
-              <a:ext uri="{FF2B5EF4-FFF2-40B4-BE49-F238E27FC236}">
-                <a16:creationId xmlns:a16="http://schemas.microsoft.com/office/drawing/2014/main" id="{93E2FB28-8682-D948-B8DF-ADD5198A76A6}"/>
-              </a:ext>
-            </a:extLst>
-          </p:cNvPr>
-          <p:cNvSpPr txBox="1"/>
-          <p:nvPr/>
-        </p:nvSpPr>
-        <p:spPr>
-          <a:xfrm>
-            <a:off x="697885" y="6106800"/>
-            <a:ext cx="7824429" cy="646331"/>
-          </a:xfrm>
-          <a:prstGeom prst="rect">
-            <a:avLst/>
-          </a:prstGeom>
-          <a:noFill/>
-          <a:ln w="19050">
-            <a:solidFill>
-              <a:srgbClr val="FF0000"/>
-            </a:solidFill>
-          </a:ln>
-        </p:spPr>
-        <p:txBody>
-          <a:bodyPr wrap="square" rtlCol="0">
-            <a:spAutoFit/>
-          </a:bodyPr>
-          <a:lstStyle/>
-          <a:p>
-            <a:r>
-              <a:rPr lang="ja-JP" altLang="en-US"/>
-              <a:t>過剰適合ありの方が</a:t>
-            </a:r>
-            <a:r>
-              <a:rPr lang="en-US" altLang="ja-JP"/>
-              <a:t>2</a:t>
-            </a:r>
-            <a:r>
-              <a:rPr lang="ja-JP" altLang="en-US"/>
-              <a:t>目的空間において広く分布した非劣解が得られる．</a:t>
-            </a:r>
-            <a:endParaRPr lang="en-US" altLang="ja-JP"/>
-          </a:p>
-          <a:p>
-            <a:r>
-              <a:rPr lang="ja-JP" altLang="en-US"/>
-              <a:t>過剰適合なしの方が識別率が高い個体を得ているが，重複した個体も多い．</a:t>
-            </a:r>
-            <a:endParaRPr lang="en-US" altLang="ja-JP"/>
-          </a:p>
-        </p:txBody>
-      </p:sp>
-    </p:spTree>
-    <p:extLst>
-      <p:ext uri="{BB962C8B-B14F-4D97-AF65-F5344CB8AC3E}">
-        <p14:creationId xmlns:p14="http://schemas.microsoft.com/office/powerpoint/2010/main" val="1074252344"/>
-      </p:ext>
-    </p:extLst>
-  </p:cSld>
-  <p:clrMapOvr>
-    <a:masterClrMapping/>
-  </p:clrMapOvr>
-</p:sld>
-</file>
-
 <file path=ppt/slides/slide2.xml><?xml version="1.0" encoding="utf-8"?>
-<p:sld xmlns:a="http://schemas.openxmlformats.org/drawingml/2006/main" xmlns:r="http://schemas.openxmlformats.org/officeDocument/2006/relationships" xmlns:p="http://schemas.openxmlformats.org/presentationml/2006/main">
-  <p:cSld>
-    <p:spTree>
-      <p:nvGrpSpPr>
-        <p:cNvPr id="1" name=""/>
-        <p:cNvGrpSpPr/>
-        <p:nvPr/>
-      </p:nvGrpSpPr>
-      <p:grpSpPr>
-        <a:xfrm>
-          <a:off x="0" y="0"/>
-          <a:ext cx="0" cy="0"/>
-          <a:chOff x="0" y="0"/>
-          <a:chExt cx="0" cy="0"/>
-        </a:xfrm>
-      </p:grpSpPr>
-      <p:sp>
-        <p:nvSpPr>
-          <p:cNvPr id="2" name="タイトル 1">
-            <a:extLst>
-              <a:ext uri="{FF2B5EF4-FFF2-40B4-BE49-F238E27FC236}">
-                <a16:creationId xmlns:a16="http://schemas.microsoft.com/office/drawing/2014/main" id="{9926C8B9-C81E-1B47-BA83-C0E09154C0AD}"/>
-              </a:ext>
-            </a:extLst>
-          </p:cNvPr>
-          <p:cNvSpPr>
-            <a:spLocks noGrp="1"/>
-          </p:cNvSpPr>
-          <p:nvPr>
-            <p:ph type="title"/>
-          </p:nvPr>
-        </p:nvSpPr>
-        <p:spPr/>
-        <p:txBody>
-          <a:bodyPr/>
-          <a:lstStyle/>
-          <a:p>
-            <a:r>
-              <a:rPr kumimoji="1" lang="ja-JP" altLang="en-US"/>
-              <a:t>並列分散型ファジィ</a:t>
-            </a:r>
-            <a:r>
-              <a:rPr kumimoji="1" lang="en-US" altLang="ja-JP"/>
-              <a:t>GBML</a:t>
-            </a:r>
-            <a:endParaRPr kumimoji="1" lang="ja-JP" altLang="en-US"/>
-          </a:p>
-        </p:txBody>
-      </p:sp>
-      <p:sp>
-        <p:nvSpPr>
-          <p:cNvPr id="6" name="正方形/長方形 5">
-            <a:extLst>
-              <a:ext uri="{FF2B5EF4-FFF2-40B4-BE49-F238E27FC236}">
-                <a16:creationId xmlns:a16="http://schemas.microsoft.com/office/drawing/2014/main" id="{95EFB2B9-0084-BE43-9245-6FFDEB967997}"/>
-              </a:ext>
-            </a:extLst>
-          </p:cNvPr>
-          <p:cNvSpPr/>
-          <p:nvPr/>
-        </p:nvSpPr>
-        <p:spPr>
-          <a:xfrm>
-            <a:off x="1800132" y="2969189"/>
-            <a:ext cx="1066800" cy="533400"/>
-          </a:xfrm>
-          <a:prstGeom prst="rect">
-            <a:avLst/>
-          </a:prstGeom>
-          <a:solidFill>
-            <a:srgbClr val="FFFF00"/>
-          </a:solidFill>
-          <a:ln>
-            <a:solidFill>
-              <a:schemeClr val="tx1"/>
-            </a:solidFill>
-          </a:ln>
-        </p:spPr>
-        <p:style>
-          <a:lnRef idx="2">
-            <a:schemeClr val="accent1">
-              <a:shade val="50000"/>
-            </a:schemeClr>
-          </a:lnRef>
-          <a:fillRef idx="1">
-            <a:schemeClr val="accent1"/>
-          </a:fillRef>
-          <a:effectRef idx="0">
-            <a:schemeClr val="accent1"/>
-          </a:effectRef>
-          <a:fontRef idx="minor">
-            <a:schemeClr val="lt1"/>
-          </a:fontRef>
-        </p:style>
-        <p:txBody>
-          <a:bodyPr rtlCol="0" anchor="ctr"/>
-          <a:lstStyle/>
-          <a:p>
-            <a:pPr algn="ctr"/>
-            <a:endParaRPr kumimoji="1" lang="ja-JP" altLang="en-US"/>
-          </a:p>
-        </p:txBody>
-      </p:sp>
-      <p:sp>
-        <p:nvSpPr>
-          <p:cNvPr id="7" name="テキスト ボックス 6">
-            <a:extLst>
-              <a:ext uri="{FF2B5EF4-FFF2-40B4-BE49-F238E27FC236}">
-                <a16:creationId xmlns:a16="http://schemas.microsoft.com/office/drawing/2014/main" id="{C475204F-B586-E44C-BD0C-60A1F102975D}"/>
-              </a:ext>
-            </a:extLst>
-          </p:cNvPr>
-          <p:cNvSpPr txBox="1"/>
-          <p:nvPr/>
-        </p:nvSpPr>
-        <p:spPr>
-          <a:xfrm>
-            <a:off x="7207692" y="1516301"/>
-            <a:ext cx="1765227" cy="646331"/>
-          </a:xfrm>
-          <a:prstGeom prst="rect">
-            <a:avLst/>
-          </a:prstGeom>
-          <a:noFill/>
-          <a:ln>
-            <a:solidFill>
-              <a:schemeClr val="tx1"/>
-            </a:solidFill>
-          </a:ln>
-        </p:spPr>
-        <p:txBody>
-          <a:bodyPr wrap="none" rtlCol="0">
-            <a:spAutoFit/>
-          </a:bodyPr>
-          <a:lstStyle/>
-          <a:p>
-            <a:r>
-              <a:rPr lang="ja-JP" altLang="en-US"/>
-              <a:t>並列分割</a:t>
-            </a:r>
-            <a:r>
-              <a:rPr kumimoji="1" lang="ja-JP" altLang="en-US"/>
-              <a:t>数</a:t>
-            </a:r>
-            <a:r>
-              <a:rPr lang="ja-JP" altLang="en-US"/>
-              <a:t>：</a:t>
-            </a:r>
-            <a:r>
-              <a:rPr kumimoji="1" lang="en-US" altLang="ja-JP"/>
-              <a:t>3</a:t>
-            </a:r>
-            <a:endParaRPr lang="en-US" altLang="ja-JP"/>
-          </a:p>
-          <a:p>
-            <a:r>
-              <a:rPr kumimoji="1" lang="ja-JP" altLang="en-US"/>
-              <a:t>個体群サイズ：</a:t>
-            </a:r>
-            <a:r>
-              <a:rPr kumimoji="1" lang="en-US" altLang="ja-JP"/>
-              <a:t>9</a:t>
-            </a:r>
-            <a:endParaRPr kumimoji="1" lang="ja-JP" altLang="en-US"/>
-          </a:p>
-        </p:txBody>
-      </p:sp>
-      <p:sp>
-        <p:nvSpPr>
-          <p:cNvPr id="10" name="円/楕円 9">
-            <a:extLst>
-              <a:ext uri="{FF2B5EF4-FFF2-40B4-BE49-F238E27FC236}">
-                <a16:creationId xmlns:a16="http://schemas.microsoft.com/office/drawing/2014/main" id="{9055ED69-EDA8-EB46-8F8A-A255DFEF4FFA}"/>
-              </a:ext>
-            </a:extLst>
-          </p:cNvPr>
-          <p:cNvSpPr/>
-          <p:nvPr/>
-        </p:nvSpPr>
-        <p:spPr>
-          <a:xfrm>
-            <a:off x="1685832" y="4162660"/>
-            <a:ext cx="1295400" cy="1295400"/>
-          </a:xfrm>
-          <a:prstGeom prst="ellipse">
-            <a:avLst/>
-          </a:prstGeom>
-          <a:ln>
-            <a:solidFill>
-              <a:schemeClr val="tx1"/>
-            </a:solidFill>
-          </a:ln>
-        </p:spPr>
-        <p:style>
-          <a:lnRef idx="2">
-            <a:schemeClr val="accent1">
-              <a:shade val="50000"/>
-            </a:schemeClr>
-          </a:lnRef>
-          <a:fillRef idx="1">
-            <a:schemeClr val="accent1"/>
-          </a:fillRef>
-          <a:effectRef idx="0">
-            <a:schemeClr val="accent1"/>
-          </a:effectRef>
-          <a:fontRef idx="minor">
-            <a:schemeClr val="lt1"/>
-          </a:fontRef>
-        </p:style>
-        <p:txBody>
-          <a:bodyPr rtlCol="0" anchor="ctr"/>
-          <a:lstStyle/>
-          <a:p>
-            <a:pPr algn="ctr"/>
-            <a:endParaRPr kumimoji="1" lang="ja-JP" altLang="en-US"/>
-          </a:p>
-        </p:txBody>
-      </p:sp>
-      <p:sp>
-        <p:nvSpPr>
-          <p:cNvPr id="13" name="円/楕円 12">
-            <a:extLst>
-              <a:ext uri="{FF2B5EF4-FFF2-40B4-BE49-F238E27FC236}">
-                <a16:creationId xmlns:a16="http://schemas.microsoft.com/office/drawing/2014/main" id="{8F5FF7A3-5C0F-2D44-844E-CD2235D51C53}"/>
-              </a:ext>
-            </a:extLst>
-          </p:cNvPr>
-          <p:cNvSpPr/>
-          <p:nvPr/>
-        </p:nvSpPr>
-        <p:spPr>
-          <a:xfrm>
-            <a:off x="2485932" y="4570594"/>
-            <a:ext cx="228600" cy="228600"/>
-          </a:xfrm>
-          <a:prstGeom prst="ellipse">
-            <a:avLst/>
-          </a:prstGeom>
-          <a:solidFill>
-            <a:srgbClr val="FFC000"/>
-          </a:solidFill>
-          <a:ln>
-            <a:solidFill>
-              <a:schemeClr val="tx1"/>
-            </a:solidFill>
-          </a:ln>
-        </p:spPr>
-        <p:style>
-          <a:lnRef idx="2">
-            <a:schemeClr val="accent1">
-              <a:shade val="50000"/>
-            </a:schemeClr>
-          </a:lnRef>
-          <a:fillRef idx="1">
-            <a:schemeClr val="accent1"/>
-          </a:fillRef>
-          <a:effectRef idx="0">
-            <a:schemeClr val="accent1"/>
-          </a:effectRef>
-          <a:fontRef idx="minor">
-            <a:schemeClr val="lt1"/>
-          </a:fontRef>
-        </p:style>
-        <p:txBody>
-          <a:bodyPr rtlCol="0" anchor="ctr"/>
-          <a:lstStyle/>
-          <a:p>
-            <a:pPr algn="ctr"/>
-            <a:endParaRPr kumimoji="1" lang="ja-JP" altLang="en-US"/>
-          </a:p>
-        </p:txBody>
-      </p:sp>
-      <p:sp>
-        <p:nvSpPr>
-          <p:cNvPr id="14" name="円/楕円 13">
-            <a:extLst>
-              <a:ext uri="{FF2B5EF4-FFF2-40B4-BE49-F238E27FC236}">
-                <a16:creationId xmlns:a16="http://schemas.microsoft.com/office/drawing/2014/main" id="{336EA75B-2E8E-A747-91F8-C53485475BD6}"/>
-              </a:ext>
-            </a:extLst>
-          </p:cNvPr>
-          <p:cNvSpPr/>
-          <p:nvPr/>
-        </p:nvSpPr>
-        <p:spPr>
-          <a:xfrm>
-            <a:off x="2090689" y="4970611"/>
-            <a:ext cx="228600" cy="228600"/>
-          </a:xfrm>
-          <a:prstGeom prst="ellipse">
-            <a:avLst/>
-          </a:prstGeom>
-          <a:solidFill>
-            <a:srgbClr val="FFC000"/>
-          </a:solidFill>
-          <a:ln>
-            <a:solidFill>
-              <a:schemeClr val="tx1"/>
-            </a:solidFill>
-          </a:ln>
-        </p:spPr>
-        <p:style>
-          <a:lnRef idx="2">
-            <a:schemeClr val="accent1">
-              <a:shade val="50000"/>
-            </a:schemeClr>
-          </a:lnRef>
-          <a:fillRef idx="1">
-            <a:schemeClr val="accent1"/>
-          </a:fillRef>
-          <a:effectRef idx="0">
-            <a:schemeClr val="accent1"/>
-          </a:effectRef>
-          <a:fontRef idx="minor">
-            <a:schemeClr val="lt1"/>
-          </a:fontRef>
-        </p:style>
-        <p:txBody>
-          <a:bodyPr rtlCol="0" anchor="ctr"/>
-          <a:lstStyle/>
-          <a:p>
-            <a:pPr algn="ctr"/>
-            <a:endParaRPr kumimoji="1" lang="ja-JP" altLang="en-US"/>
-          </a:p>
-        </p:txBody>
-      </p:sp>
-      <p:sp>
-        <p:nvSpPr>
-          <p:cNvPr id="15" name="円/楕円 14">
-            <a:extLst>
-              <a:ext uri="{FF2B5EF4-FFF2-40B4-BE49-F238E27FC236}">
-                <a16:creationId xmlns:a16="http://schemas.microsoft.com/office/drawing/2014/main" id="{DD52963E-B563-114E-BEA1-4D181720D790}"/>
-              </a:ext>
-            </a:extLst>
-          </p:cNvPr>
-          <p:cNvSpPr/>
-          <p:nvPr/>
-        </p:nvSpPr>
-        <p:spPr>
-          <a:xfrm>
-            <a:off x="1964019" y="4484003"/>
-            <a:ext cx="228600" cy="228600"/>
-          </a:xfrm>
-          <a:prstGeom prst="ellipse">
-            <a:avLst/>
-          </a:prstGeom>
-          <a:solidFill>
-            <a:srgbClr val="FFC000"/>
-          </a:solidFill>
-          <a:ln>
-            <a:solidFill>
-              <a:schemeClr val="tx1"/>
-            </a:solidFill>
-          </a:ln>
-        </p:spPr>
-        <p:style>
-          <a:lnRef idx="2">
-            <a:schemeClr val="accent1">
-              <a:shade val="50000"/>
-            </a:schemeClr>
-          </a:lnRef>
-          <a:fillRef idx="1">
-            <a:schemeClr val="accent1"/>
-          </a:fillRef>
-          <a:effectRef idx="0">
-            <a:schemeClr val="accent1"/>
-          </a:effectRef>
-          <a:fontRef idx="minor">
-            <a:schemeClr val="lt1"/>
-          </a:fontRef>
-        </p:style>
-        <p:txBody>
-          <a:bodyPr rtlCol="0" anchor="ctr"/>
-          <a:lstStyle/>
-          <a:p>
-            <a:pPr algn="ctr"/>
-            <a:endParaRPr kumimoji="1" lang="ja-JP" altLang="en-US"/>
-          </a:p>
-        </p:txBody>
-      </p:sp>
-      <p:sp>
-        <p:nvSpPr>
-          <p:cNvPr id="22" name="テキスト ボックス 21">
-            <a:extLst>
-              <a:ext uri="{FF2B5EF4-FFF2-40B4-BE49-F238E27FC236}">
-                <a16:creationId xmlns:a16="http://schemas.microsoft.com/office/drawing/2014/main" id="{1D7F26AD-E493-984F-859A-0A690D4FEE15}"/>
-              </a:ext>
-            </a:extLst>
-          </p:cNvPr>
-          <p:cNvSpPr txBox="1"/>
-          <p:nvPr/>
-        </p:nvSpPr>
-        <p:spPr>
-          <a:xfrm>
-            <a:off x="984965" y="1608694"/>
-            <a:ext cx="1858201" cy="369332"/>
-          </a:xfrm>
-          <a:prstGeom prst="rect">
-            <a:avLst/>
-          </a:prstGeom>
-          <a:noFill/>
-        </p:spPr>
-        <p:txBody>
-          <a:bodyPr wrap="none" rtlCol="0">
-            <a:spAutoFit/>
-          </a:bodyPr>
-          <a:lstStyle/>
-          <a:p>
-            <a:r>
-              <a:rPr kumimoji="1" lang="ja-JP" altLang="en-US"/>
-              <a:t>学習データセット</a:t>
-            </a:r>
-          </a:p>
-        </p:txBody>
-      </p:sp>
-      <p:sp>
-        <p:nvSpPr>
-          <p:cNvPr id="23" name="テキスト ボックス 22">
-            <a:extLst>
-              <a:ext uri="{FF2B5EF4-FFF2-40B4-BE49-F238E27FC236}">
-                <a16:creationId xmlns:a16="http://schemas.microsoft.com/office/drawing/2014/main" id="{1AB5D20E-A4C5-A94E-A241-1D85399E58E7}"/>
-              </a:ext>
-            </a:extLst>
-          </p:cNvPr>
-          <p:cNvSpPr txBox="1"/>
-          <p:nvPr/>
-        </p:nvSpPr>
-        <p:spPr>
-          <a:xfrm>
-            <a:off x="538229" y="3977994"/>
-            <a:ext cx="646331" cy="369332"/>
-          </a:xfrm>
-          <a:prstGeom prst="rect">
-            <a:avLst/>
-          </a:prstGeom>
-          <a:noFill/>
-        </p:spPr>
-        <p:txBody>
-          <a:bodyPr wrap="none" rtlCol="0">
-            <a:spAutoFit/>
-          </a:bodyPr>
-          <a:lstStyle/>
-          <a:p>
-            <a:r>
-              <a:rPr kumimoji="1" lang="ja-JP" altLang="en-US"/>
-              <a:t>個体</a:t>
-            </a:r>
-          </a:p>
-        </p:txBody>
-      </p:sp>
-      <p:cxnSp>
-        <p:nvCxnSpPr>
-          <p:cNvPr id="25" name="直線コネクタ 24">
-            <a:extLst>
-              <a:ext uri="{FF2B5EF4-FFF2-40B4-BE49-F238E27FC236}">
-                <a16:creationId xmlns:a16="http://schemas.microsoft.com/office/drawing/2014/main" id="{000C58D6-3804-1B45-AA55-B8FDE2CE0513}"/>
-              </a:ext>
-            </a:extLst>
-          </p:cNvPr>
-          <p:cNvCxnSpPr>
-            <a:cxnSpLocks/>
-            <a:stCxn id="23" idx="3"/>
-          </p:cNvCxnSpPr>
-          <p:nvPr/>
-        </p:nvCxnSpPr>
-        <p:spPr>
-          <a:xfrm>
-            <a:off x="1184560" y="4162660"/>
-            <a:ext cx="752633" cy="321042"/>
-          </a:xfrm>
-          <a:prstGeom prst="line">
-            <a:avLst/>
-          </a:prstGeom>
-          <a:ln>
-            <a:solidFill>
-              <a:srgbClr val="FF0000"/>
-            </a:solidFill>
-          </a:ln>
-        </p:spPr>
-        <p:style>
-          <a:lnRef idx="1">
-            <a:schemeClr val="accent1"/>
-          </a:lnRef>
-          <a:fillRef idx="0">
-            <a:schemeClr val="accent1"/>
-          </a:fillRef>
-          <a:effectRef idx="0">
-            <a:schemeClr val="accent1"/>
-          </a:effectRef>
-          <a:fontRef idx="minor">
-            <a:schemeClr val="tx1"/>
-          </a:fontRef>
-        </p:style>
-      </p:cxnSp>
-      <p:sp>
-        <p:nvSpPr>
-          <p:cNvPr id="31" name="角丸四角形 30">
-            <a:extLst>
-              <a:ext uri="{FF2B5EF4-FFF2-40B4-BE49-F238E27FC236}">
-                <a16:creationId xmlns:a16="http://schemas.microsoft.com/office/drawing/2014/main" id="{671A898A-CA23-3F4E-8634-4AD97520CB7C}"/>
-              </a:ext>
-            </a:extLst>
-          </p:cNvPr>
-          <p:cNvSpPr/>
-          <p:nvPr/>
-        </p:nvSpPr>
-        <p:spPr>
-          <a:xfrm>
-            <a:off x="1404431" y="2689752"/>
-            <a:ext cx="1858201" cy="2973005"/>
-          </a:xfrm>
-          <a:prstGeom prst="roundRect">
-            <a:avLst/>
-          </a:prstGeom>
-          <a:noFill/>
-          <a:ln>
-            <a:solidFill>
-              <a:schemeClr val="accent2"/>
-            </a:solidFill>
-            <a:prstDash val="dash"/>
-          </a:ln>
-        </p:spPr>
-        <p:style>
-          <a:lnRef idx="2">
-            <a:schemeClr val="accent1">
-              <a:shade val="50000"/>
-            </a:schemeClr>
-          </a:lnRef>
-          <a:fillRef idx="1">
-            <a:schemeClr val="accent1"/>
-          </a:fillRef>
-          <a:effectRef idx="0">
-            <a:schemeClr val="accent1"/>
-          </a:effectRef>
-          <a:fontRef idx="minor">
-            <a:schemeClr val="lt1"/>
-          </a:fontRef>
-        </p:style>
-        <p:txBody>
-          <a:bodyPr rtlCol="0" anchor="ctr"/>
-          <a:lstStyle/>
-          <a:p>
-            <a:pPr algn="ctr"/>
-            <a:endParaRPr kumimoji="1" lang="ja-JP" altLang="en-US"/>
-          </a:p>
-        </p:txBody>
-      </p:sp>
-      <p:sp>
-        <p:nvSpPr>
-          <p:cNvPr id="34" name="上下矢印 33">
-            <a:extLst>
-              <a:ext uri="{FF2B5EF4-FFF2-40B4-BE49-F238E27FC236}">
-                <a16:creationId xmlns:a16="http://schemas.microsoft.com/office/drawing/2014/main" id="{4CA690B5-3FB2-8349-9F88-E757D05ABB48}"/>
-              </a:ext>
-            </a:extLst>
-          </p:cNvPr>
-          <p:cNvSpPr/>
-          <p:nvPr/>
-        </p:nvSpPr>
-        <p:spPr>
-          <a:xfrm>
-            <a:off x="2172632" y="3565924"/>
-            <a:ext cx="293313" cy="533400"/>
-          </a:xfrm>
-          <a:prstGeom prst="upDownArrow">
-            <a:avLst/>
-          </a:prstGeom>
-          <a:ln>
-            <a:solidFill>
-              <a:schemeClr val="tx1"/>
-            </a:solidFill>
-          </a:ln>
-        </p:spPr>
-        <p:style>
-          <a:lnRef idx="2">
-            <a:schemeClr val="accent1">
-              <a:shade val="50000"/>
-            </a:schemeClr>
-          </a:lnRef>
-          <a:fillRef idx="1">
-            <a:schemeClr val="accent1"/>
-          </a:fillRef>
-          <a:effectRef idx="0">
-            <a:schemeClr val="accent1"/>
-          </a:effectRef>
-          <a:fontRef idx="minor">
-            <a:schemeClr val="lt1"/>
-          </a:fontRef>
-        </p:style>
-        <p:txBody>
-          <a:bodyPr rtlCol="0" anchor="ctr"/>
-          <a:lstStyle/>
-          <a:p>
-            <a:pPr algn="ctr"/>
-            <a:endParaRPr kumimoji="1" lang="ja-JP" altLang="en-US"/>
-          </a:p>
-        </p:txBody>
-      </p:sp>
-      <p:sp>
-        <p:nvSpPr>
-          <p:cNvPr id="37" name="円/楕円 36">
-            <a:extLst>
-              <a:ext uri="{FF2B5EF4-FFF2-40B4-BE49-F238E27FC236}">
-                <a16:creationId xmlns:a16="http://schemas.microsoft.com/office/drawing/2014/main" id="{D61D07FA-A124-4340-B18F-961CFB237007}"/>
-              </a:ext>
-            </a:extLst>
-          </p:cNvPr>
-          <p:cNvSpPr/>
-          <p:nvPr/>
-        </p:nvSpPr>
-        <p:spPr>
-          <a:xfrm>
-            <a:off x="2501854" y="6045182"/>
-            <a:ext cx="228600" cy="228600"/>
-          </a:xfrm>
-          <a:prstGeom prst="ellipse">
-            <a:avLst/>
-          </a:prstGeom>
-          <a:solidFill>
-            <a:srgbClr val="FF0000"/>
-          </a:solidFill>
-          <a:ln>
-            <a:solidFill>
-              <a:schemeClr val="tx1"/>
-            </a:solidFill>
-          </a:ln>
-        </p:spPr>
-        <p:style>
-          <a:lnRef idx="2">
-            <a:schemeClr val="accent1">
-              <a:shade val="50000"/>
-            </a:schemeClr>
-          </a:lnRef>
-          <a:fillRef idx="1">
-            <a:schemeClr val="accent1"/>
-          </a:fillRef>
-          <a:effectRef idx="0">
-            <a:schemeClr val="accent1"/>
-          </a:effectRef>
-          <a:fontRef idx="minor">
-            <a:schemeClr val="lt1"/>
-          </a:fontRef>
-        </p:style>
-        <p:txBody>
-          <a:bodyPr rtlCol="0" anchor="ctr"/>
-          <a:lstStyle/>
-          <a:p>
-            <a:pPr algn="ctr"/>
-            <a:endParaRPr kumimoji="1" lang="ja-JP" altLang="en-US">
-              <a:solidFill>
-                <a:srgbClr val="FF0000"/>
-              </a:solidFill>
-            </a:endParaRPr>
-          </a:p>
-        </p:txBody>
-      </p:sp>
-      <p:sp>
-        <p:nvSpPr>
-          <p:cNvPr id="38" name="円/楕円 37">
-            <a:extLst>
-              <a:ext uri="{FF2B5EF4-FFF2-40B4-BE49-F238E27FC236}">
-                <a16:creationId xmlns:a16="http://schemas.microsoft.com/office/drawing/2014/main" id="{711A7C8E-C723-F344-AC6F-31C123556E78}"/>
-              </a:ext>
-            </a:extLst>
-          </p:cNvPr>
-          <p:cNvSpPr/>
-          <p:nvPr/>
-        </p:nvSpPr>
-        <p:spPr>
-          <a:xfrm>
-            <a:off x="2219232" y="6045182"/>
-            <a:ext cx="228600" cy="228600"/>
-          </a:xfrm>
-          <a:prstGeom prst="ellipse">
-            <a:avLst/>
-          </a:prstGeom>
-          <a:solidFill>
-            <a:srgbClr val="FFC000"/>
-          </a:solidFill>
-          <a:ln>
-            <a:solidFill>
-              <a:schemeClr val="tx1"/>
-            </a:solidFill>
-          </a:ln>
-        </p:spPr>
-        <p:style>
-          <a:lnRef idx="2">
-            <a:schemeClr val="accent1">
-              <a:shade val="50000"/>
-            </a:schemeClr>
-          </a:lnRef>
-          <a:fillRef idx="1">
-            <a:schemeClr val="accent1"/>
-          </a:fillRef>
-          <a:effectRef idx="0">
-            <a:schemeClr val="accent1"/>
-          </a:effectRef>
-          <a:fontRef idx="minor">
-            <a:schemeClr val="lt1"/>
-          </a:fontRef>
-        </p:style>
-        <p:txBody>
-          <a:bodyPr rtlCol="0" anchor="ctr"/>
-          <a:lstStyle/>
-          <a:p>
-            <a:pPr algn="ctr"/>
-            <a:endParaRPr kumimoji="1" lang="ja-JP" altLang="en-US"/>
-          </a:p>
-        </p:txBody>
-      </p:sp>
-      <p:sp>
-        <p:nvSpPr>
-          <p:cNvPr id="39" name="円/楕円 38">
-            <a:extLst>
-              <a:ext uri="{FF2B5EF4-FFF2-40B4-BE49-F238E27FC236}">
-                <a16:creationId xmlns:a16="http://schemas.microsoft.com/office/drawing/2014/main" id="{DF1F9CDA-A379-D94E-A4D8-494CA2B90E6A}"/>
-              </a:ext>
-            </a:extLst>
-          </p:cNvPr>
-          <p:cNvSpPr/>
-          <p:nvPr/>
-        </p:nvSpPr>
-        <p:spPr>
-          <a:xfrm>
-            <a:off x="1937193" y="6045182"/>
-            <a:ext cx="228600" cy="228600"/>
-          </a:xfrm>
-          <a:prstGeom prst="ellipse">
-            <a:avLst/>
-          </a:prstGeom>
-          <a:solidFill>
-            <a:srgbClr val="FFC000"/>
-          </a:solidFill>
-          <a:ln>
-            <a:solidFill>
-              <a:schemeClr val="tx1"/>
-            </a:solidFill>
-          </a:ln>
-        </p:spPr>
-        <p:style>
-          <a:lnRef idx="2">
-            <a:schemeClr val="accent1">
-              <a:shade val="50000"/>
-            </a:schemeClr>
-          </a:lnRef>
-          <a:fillRef idx="1">
-            <a:schemeClr val="accent1"/>
-          </a:fillRef>
-          <a:effectRef idx="0">
-            <a:schemeClr val="accent1"/>
-          </a:effectRef>
-          <a:fontRef idx="minor">
-            <a:schemeClr val="lt1"/>
-          </a:fontRef>
-        </p:style>
-        <p:txBody>
-          <a:bodyPr rtlCol="0" anchor="ctr"/>
-          <a:lstStyle/>
-          <a:p>
-            <a:pPr algn="ctr"/>
-            <a:endParaRPr kumimoji="1" lang="ja-JP" altLang="en-US"/>
-          </a:p>
-        </p:txBody>
-      </p:sp>
-      <p:sp>
-        <p:nvSpPr>
-          <p:cNvPr id="46" name="下矢印 45">
-            <a:extLst>
-              <a:ext uri="{FF2B5EF4-FFF2-40B4-BE49-F238E27FC236}">
-                <a16:creationId xmlns:a16="http://schemas.microsoft.com/office/drawing/2014/main" id="{059346F8-52E2-DC48-8FCF-A50E1B9B8DAC}"/>
-              </a:ext>
-            </a:extLst>
-          </p:cNvPr>
-          <p:cNvSpPr/>
-          <p:nvPr/>
-        </p:nvSpPr>
-        <p:spPr>
-          <a:xfrm>
-            <a:off x="2152953" y="5528322"/>
-            <a:ext cx="342900" cy="476231"/>
-          </a:xfrm>
-          <a:prstGeom prst="downArrow">
-            <a:avLst/>
-          </a:prstGeom>
-          <a:solidFill>
-            <a:schemeClr val="bg1"/>
-          </a:solidFill>
-          <a:ln>
-            <a:solidFill>
-              <a:schemeClr val="tx1"/>
-            </a:solidFill>
-          </a:ln>
-        </p:spPr>
-        <p:style>
-          <a:lnRef idx="2">
-            <a:schemeClr val="accent1">
-              <a:shade val="50000"/>
-            </a:schemeClr>
-          </a:lnRef>
-          <a:fillRef idx="1">
-            <a:schemeClr val="accent1"/>
-          </a:fillRef>
-          <a:effectRef idx="0">
-            <a:schemeClr val="accent1"/>
-          </a:effectRef>
-          <a:fontRef idx="minor">
-            <a:schemeClr val="lt1"/>
-          </a:fontRef>
-        </p:style>
-        <p:txBody>
-          <a:bodyPr rtlCol="0" anchor="ctr"/>
-          <a:lstStyle/>
-          <a:p>
-            <a:pPr algn="ctr"/>
-            <a:endParaRPr kumimoji="1" lang="ja-JP" altLang="en-US"/>
-          </a:p>
-        </p:txBody>
-      </p:sp>
-      <p:sp>
-        <p:nvSpPr>
-          <p:cNvPr id="49" name="テキスト ボックス 48">
-            <a:extLst>
-              <a:ext uri="{FF2B5EF4-FFF2-40B4-BE49-F238E27FC236}">
-                <a16:creationId xmlns:a16="http://schemas.microsoft.com/office/drawing/2014/main" id="{DAD04175-DF06-194F-BE48-B44950F5459A}"/>
-              </a:ext>
-            </a:extLst>
-          </p:cNvPr>
-          <p:cNvSpPr txBox="1"/>
-          <p:nvPr/>
-        </p:nvSpPr>
-        <p:spPr>
-          <a:xfrm>
-            <a:off x="425892" y="5979093"/>
-            <a:ext cx="1107996" cy="369332"/>
-          </a:xfrm>
-          <a:prstGeom prst="rect">
-            <a:avLst/>
-          </a:prstGeom>
-          <a:noFill/>
-        </p:spPr>
-        <p:txBody>
-          <a:bodyPr wrap="none" rtlCol="0">
-            <a:spAutoFit/>
-          </a:bodyPr>
-          <a:lstStyle/>
-          <a:p>
-            <a:r>
-              <a:rPr kumimoji="1" lang="ja-JP" altLang="en-US"/>
-              <a:t>最終世代</a:t>
-            </a:r>
-          </a:p>
-        </p:txBody>
-      </p:sp>
-      <p:sp>
-        <p:nvSpPr>
-          <p:cNvPr id="50" name="テキスト ボックス 49">
-            <a:extLst>
-              <a:ext uri="{FF2B5EF4-FFF2-40B4-BE49-F238E27FC236}">
-                <a16:creationId xmlns:a16="http://schemas.microsoft.com/office/drawing/2014/main" id="{474FF568-8069-EB4B-8620-E5DA388F1C30}"/>
-              </a:ext>
-            </a:extLst>
-          </p:cNvPr>
-          <p:cNvSpPr txBox="1"/>
-          <p:nvPr/>
-        </p:nvSpPr>
-        <p:spPr>
-          <a:xfrm>
-            <a:off x="2380823" y="3642714"/>
-            <a:ext cx="966931" cy="369332"/>
-          </a:xfrm>
-          <a:prstGeom prst="rect">
-            <a:avLst/>
-          </a:prstGeom>
-          <a:noFill/>
-        </p:spPr>
-        <p:txBody>
-          <a:bodyPr wrap="none" rtlCol="0">
-            <a:spAutoFit/>
-          </a:bodyPr>
-          <a:lstStyle/>
-          <a:p>
-            <a:r>
-              <a:rPr kumimoji="1" lang="en-US" altLang="ja-JP"/>
-              <a:t>NSGA2</a:t>
-            </a:r>
-            <a:endParaRPr kumimoji="1" lang="ja-JP" altLang="en-US"/>
-          </a:p>
-        </p:txBody>
-      </p:sp>
-      <p:sp>
-        <p:nvSpPr>
-          <p:cNvPr id="88" name="正方形/長方形 87">
-            <a:extLst>
-              <a:ext uri="{FF2B5EF4-FFF2-40B4-BE49-F238E27FC236}">
-                <a16:creationId xmlns:a16="http://schemas.microsoft.com/office/drawing/2014/main" id="{F35D43CF-2463-BD43-A206-7F21268D343B}"/>
-              </a:ext>
-            </a:extLst>
-          </p:cNvPr>
-          <p:cNvSpPr/>
-          <p:nvPr/>
-        </p:nvSpPr>
-        <p:spPr>
-          <a:xfrm>
-            <a:off x="3886200" y="2974930"/>
-            <a:ext cx="1066800" cy="533400"/>
-          </a:xfrm>
-          <a:prstGeom prst="rect">
-            <a:avLst/>
-          </a:prstGeom>
-          <a:solidFill>
-            <a:srgbClr val="FFFF00"/>
-          </a:solidFill>
-          <a:ln>
-            <a:solidFill>
-              <a:schemeClr val="tx1"/>
-            </a:solidFill>
-          </a:ln>
-        </p:spPr>
-        <p:style>
-          <a:lnRef idx="2">
-            <a:schemeClr val="accent1">
-              <a:shade val="50000"/>
-            </a:schemeClr>
-          </a:lnRef>
-          <a:fillRef idx="1">
-            <a:schemeClr val="accent1"/>
-          </a:fillRef>
-          <a:effectRef idx="0">
-            <a:schemeClr val="accent1"/>
-          </a:effectRef>
-          <a:fontRef idx="minor">
-            <a:schemeClr val="lt1"/>
-          </a:fontRef>
-        </p:style>
-        <p:txBody>
-          <a:bodyPr rtlCol="0" anchor="ctr"/>
-          <a:lstStyle/>
-          <a:p>
-            <a:pPr algn="ctr"/>
-            <a:endParaRPr kumimoji="1" lang="ja-JP" altLang="en-US"/>
-          </a:p>
-        </p:txBody>
-      </p:sp>
-      <p:sp>
-        <p:nvSpPr>
-          <p:cNvPr id="89" name="円/楕円 88">
-            <a:extLst>
-              <a:ext uri="{FF2B5EF4-FFF2-40B4-BE49-F238E27FC236}">
-                <a16:creationId xmlns:a16="http://schemas.microsoft.com/office/drawing/2014/main" id="{CAF7197F-3E37-3A4F-AEBD-2456D104FA51}"/>
-              </a:ext>
-            </a:extLst>
-          </p:cNvPr>
-          <p:cNvSpPr/>
-          <p:nvPr/>
-        </p:nvSpPr>
-        <p:spPr>
-          <a:xfrm>
-            <a:off x="3771900" y="4168401"/>
-            <a:ext cx="1295400" cy="1295400"/>
-          </a:xfrm>
-          <a:prstGeom prst="ellipse">
-            <a:avLst/>
-          </a:prstGeom>
-          <a:ln>
-            <a:solidFill>
-              <a:schemeClr val="tx1"/>
-            </a:solidFill>
-          </a:ln>
-        </p:spPr>
-        <p:style>
-          <a:lnRef idx="2">
-            <a:schemeClr val="accent1">
-              <a:shade val="50000"/>
-            </a:schemeClr>
-          </a:lnRef>
-          <a:fillRef idx="1">
-            <a:schemeClr val="accent1"/>
-          </a:fillRef>
-          <a:effectRef idx="0">
-            <a:schemeClr val="accent1"/>
-          </a:effectRef>
-          <a:fontRef idx="minor">
-            <a:schemeClr val="lt1"/>
-          </a:fontRef>
-        </p:style>
-        <p:txBody>
-          <a:bodyPr rtlCol="0" anchor="ctr"/>
-          <a:lstStyle/>
-          <a:p>
-            <a:pPr algn="ctr"/>
-            <a:endParaRPr kumimoji="1" lang="ja-JP" altLang="en-US"/>
-          </a:p>
-        </p:txBody>
-      </p:sp>
-      <p:sp>
-        <p:nvSpPr>
-          <p:cNvPr id="90" name="円/楕円 89">
-            <a:extLst>
-              <a:ext uri="{FF2B5EF4-FFF2-40B4-BE49-F238E27FC236}">
-                <a16:creationId xmlns:a16="http://schemas.microsoft.com/office/drawing/2014/main" id="{6DAFBE74-A847-EB41-935C-547FD5C4D449}"/>
-              </a:ext>
-            </a:extLst>
-          </p:cNvPr>
-          <p:cNvSpPr/>
-          <p:nvPr/>
-        </p:nvSpPr>
-        <p:spPr>
-          <a:xfrm>
-            <a:off x="4572000" y="4576335"/>
-            <a:ext cx="228600" cy="228600"/>
-          </a:xfrm>
-          <a:prstGeom prst="ellipse">
-            <a:avLst/>
-          </a:prstGeom>
-          <a:solidFill>
-            <a:srgbClr val="FFC000"/>
-          </a:solidFill>
-          <a:ln>
-            <a:solidFill>
-              <a:schemeClr val="tx1"/>
-            </a:solidFill>
-          </a:ln>
-        </p:spPr>
-        <p:style>
-          <a:lnRef idx="2">
-            <a:schemeClr val="accent1">
-              <a:shade val="50000"/>
-            </a:schemeClr>
-          </a:lnRef>
-          <a:fillRef idx="1">
-            <a:schemeClr val="accent1"/>
-          </a:fillRef>
-          <a:effectRef idx="0">
-            <a:schemeClr val="accent1"/>
-          </a:effectRef>
-          <a:fontRef idx="minor">
-            <a:schemeClr val="lt1"/>
-          </a:fontRef>
-        </p:style>
-        <p:txBody>
-          <a:bodyPr rtlCol="0" anchor="ctr"/>
-          <a:lstStyle/>
-          <a:p>
-            <a:pPr algn="ctr"/>
-            <a:endParaRPr kumimoji="1" lang="ja-JP" altLang="en-US"/>
-          </a:p>
-        </p:txBody>
-      </p:sp>
-      <p:sp>
-        <p:nvSpPr>
-          <p:cNvPr id="91" name="円/楕円 90">
-            <a:extLst>
-              <a:ext uri="{FF2B5EF4-FFF2-40B4-BE49-F238E27FC236}">
-                <a16:creationId xmlns:a16="http://schemas.microsoft.com/office/drawing/2014/main" id="{152139BF-6AFD-434B-B0C7-1C41A4FF7093}"/>
-              </a:ext>
-            </a:extLst>
-          </p:cNvPr>
-          <p:cNvSpPr/>
-          <p:nvPr/>
-        </p:nvSpPr>
-        <p:spPr>
-          <a:xfrm>
-            <a:off x="4176757" y="4976352"/>
-            <a:ext cx="228600" cy="228600"/>
-          </a:xfrm>
-          <a:prstGeom prst="ellipse">
-            <a:avLst/>
-          </a:prstGeom>
-          <a:solidFill>
-            <a:srgbClr val="FFC000"/>
-          </a:solidFill>
-          <a:ln>
-            <a:solidFill>
-              <a:schemeClr val="tx1"/>
-            </a:solidFill>
-          </a:ln>
-        </p:spPr>
-        <p:style>
-          <a:lnRef idx="2">
-            <a:schemeClr val="accent1">
-              <a:shade val="50000"/>
-            </a:schemeClr>
-          </a:lnRef>
-          <a:fillRef idx="1">
-            <a:schemeClr val="accent1"/>
-          </a:fillRef>
-          <a:effectRef idx="0">
-            <a:schemeClr val="accent1"/>
-          </a:effectRef>
-          <a:fontRef idx="minor">
-            <a:schemeClr val="lt1"/>
-          </a:fontRef>
-        </p:style>
-        <p:txBody>
-          <a:bodyPr rtlCol="0" anchor="ctr"/>
-          <a:lstStyle/>
-          <a:p>
-            <a:pPr algn="ctr"/>
-            <a:endParaRPr kumimoji="1" lang="ja-JP" altLang="en-US"/>
-          </a:p>
-        </p:txBody>
-      </p:sp>
-      <p:sp>
-        <p:nvSpPr>
-          <p:cNvPr id="92" name="円/楕円 91">
-            <a:extLst>
-              <a:ext uri="{FF2B5EF4-FFF2-40B4-BE49-F238E27FC236}">
-                <a16:creationId xmlns:a16="http://schemas.microsoft.com/office/drawing/2014/main" id="{30C19EE8-0ECC-3742-9A3D-DFA869249C13}"/>
-              </a:ext>
-            </a:extLst>
-          </p:cNvPr>
-          <p:cNvSpPr/>
-          <p:nvPr/>
-        </p:nvSpPr>
-        <p:spPr>
-          <a:xfrm>
-            <a:off x="4050087" y="4489744"/>
-            <a:ext cx="228600" cy="228600"/>
-          </a:xfrm>
-          <a:prstGeom prst="ellipse">
-            <a:avLst/>
-          </a:prstGeom>
-          <a:solidFill>
-            <a:srgbClr val="FFC000"/>
-          </a:solidFill>
-          <a:ln>
-            <a:solidFill>
-              <a:schemeClr val="tx1"/>
-            </a:solidFill>
-          </a:ln>
-        </p:spPr>
-        <p:style>
-          <a:lnRef idx="2">
-            <a:schemeClr val="accent1">
-              <a:shade val="50000"/>
-            </a:schemeClr>
-          </a:lnRef>
-          <a:fillRef idx="1">
-            <a:schemeClr val="accent1"/>
-          </a:fillRef>
-          <a:effectRef idx="0">
-            <a:schemeClr val="accent1"/>
-          </a:effectRef>
-          <a:fontRef idx="minor">
-            <a:schemeClr val="lt1"/>
-          </a:fontRef>
-        </p:style>
-        <p:txBody>
-          <a:bodyPr rtlCol="0" anchor="ctr"/>
-          <a:lstStyle/>
-          <a:p>
-            <a:pPr algn="ctr"/>
-            <a:endParaRPr kumimoji="1" lang="ja-JP" altLang="en-US"/>
-          </a:p>
-        </p:txBody>
-      </p:sp>
-      <p:sp>
-        <p:nvSpPr>
-          <p:cNvPr id="93" name="角丸四角形 92">
-            <a:extLst>
-              <a:ext uri="{FF2B5EF4-FFF2-40B4-BE49-F238E27FC236}">
-                <a16:creationId xmlns:a16="http://schemas.microsoft.com/office/drawing/2014/main" id="{9B7152F3-5F30-834B-BF68-439D03E6FE5D}"/>
-              </a:ext>
-            </a:extLst>
-          </p:cNvPr>
-          <p:cNvSpPr/>
-          <p:nvPr/>
-        </p:nvSpPr>
-        <p:spPr>
-          <a:xfrm>
-            <a:off x="3490499" y="2695493"/>
-            <a:ext cx="1858201" cy="2973005"/>
-          </a:xfrm>
-          <a:prstGeom prst="roundRect">
-            <a:avLst/>
-          </a:prstGeom>
-          <a:noFill/>
-          <a:ln>
-            <a:solidFill>
-              <a:schemeClr val="accent2"/>
-            </a:solidFill>
-            <a:prstDash val="dash"/>
-          </a:ln>
-        </p:spPr>
-        <p:style>
-          <a:lnRef idx="2">
-            <a:schemeClr val="accent1">
-              <a:shade val="50000"/>
-            </a:schemeClr>
-          </a:lnRef>
-          <a:fillRef idx="1">
-            <a:schemeClr val="accent1"/>
-          </a:fillRef>
-          <a:effectRef idx="0">
-            <a:schemeClr val="accent1"/>
-          </a:effectRef>
-          <a:fontRef idx="minor">
-            <a:schemeClr val="lt1"/>
-          </a:fontRef>
-        </p:style>
-        <p:txBody>
-          <a:bodyPr rtlCol="0" anchor="ctr"/>
-          <a:lstStyle/>
-          <a:p>
-            <a:pPr algn="ctr"/>
-            <a:endParaRPr kumimoji="1" lang="ja-JP" altLang="en-US"/>
-          </a:p>
-        </p:txBody>
-      </p:sp>
-      <p:sp>
-        <p:nvSpPr>
-          <p:cNvPr id="94" name="上下矢印 93">
-            <a:extLst>
-              <a:ext uri="{FF2B5EF4-FFF2-40B4-BE49-F238E27FC236}">
-                <a16:creationId xmlns:a16="http://schemas.microsoft.com/office/drawing/2014/main" id="{025E9D77-F685-9C4E-A82E-28591B29F9F4}"/>
-              </a:ext>
-            </a:extLst>
-          </p:cNvPr>
-          <p:cNvSpPr/>
-          <p:nvPr/>
-        </p:nvSpPr>
-        <p:spPr>
-          <a:xfrm>
-            <a:off x="4258700" y="3571665"/>
-            <a:ext cx="293313" cy="533400"/>
-          </a:xfrm>
-          <a:prstGeom prst="upDownArrow">
-            <a:avLst/>
-          </a:prstGeom>
-          <a:ln>
-            <a:solidFill>
-              <a:schemeClr val="tx1"/>
-            </a:solidFill>
-          </a:ln>
-        </p:spPr>
-        <p:style>
-          <a:lnRef idx="2">
-            <a:schemeClr val="accent1">
-              <a:shade val="50000"/>
-            </a:schemeClr>
-          </a:lnRef>
-          <a:fillRef idx="1">
-            <a:schemeClr val="accent1"/>
-          </a:fillRef>
-          <a:effectRef idx="0">
-            <a:schemeClr val="accent1"/>
-          </a:effectRef>
-          <a:fontRef idx="minor">
-            <a:schemeClr val="lt1"/>
-          </a:fontRef>
-        </p:style>
-        <p:txBody>
-          <a:bodyPr rtlCol="0" anchor="ctr"/>
-          <a:lstStyle/>
-          <a:p>
-            <a:pPr algn="ctr"/>
-            <a:endParaRPr kumimoji="1" lang="ja-JP" altLang="en-US"/>
-          </a:p>
-        </p:txBody>
-      </p:sp>
-      <p:sp>
-        <p:nvSpPr>
-          <p:cNvPr id="95" name="円/楕円 94">
-            <a:extLst>
-              <a:ext uri="{FF2B5EF4-FFF2-40B4-BE49-F238E27FC236}">
-                <a16:creationId xmlns:a16="http://schemas.microsoft.com/office/drawing/2014/main" id="{4A925EC4-1221-EA47-81EE-87B4C5B03DA2}"/>
-              </a:ext>
-            </a:extLst>
-          </p:cNvPr>
-          <p:cNvSpPr/>
-          <p:nvPr/>
-        </p:nvSpPr>
-        <p:spPr>
-          <a:xfrm>
-            <a:off x="4587922" y="6050923"/>
-            <a:ext cx="228600" cy="228600"/>
-          </a:xfrm>
-          <a:prstGeom prst="ellipse">
-            <a:avLst/>
-          </a:prstGeom>
-          <a:solidFill>
-            <a:srgbClr val="FFC000"/>
-          </a:solidFill>
-          <a:ln>
-            <a:solidFill>
-              <a:schemeClr val="tx1"/>
-            </a:solidFill>
-          </a:ln>
-        </p:spPr>
-        <p:style>
-          <a:lnRef idx="2">
-            <a:schemeClr val="accent1">
-              <a:shade val="50000"/>
-            </a:schemeClr>
-          </a:lnRef>
-          <a:fillRef idx="1">
-            <a:schemeClr val="accent1"/>
-          </a:fillRef>
-          <a:effectRef idx="0">
-            <a:schemeClr val="accent1"/>
-          </a:effectRef>
-          <a:fontRef idx="minor">
-            <a:schemeClr val="lt1"/>
-          </a:fontRef>
-        </p:style>
-        <p:txBody>
-          <a:bodyPr rtlCol="0" anchor="ctr"/>
-          <a:lstStyle/>
-          <a:p>
-            <a:pPr algn="ctr"/>
-            <a:endParaRPr kumimoji="1" lang="ja-JP" altLang="en-US"/>
-          </a:p>
-        </p:txBody>
-      </p:sp>
-      <p:sp>
-        <p:nvSpPr>
-          <p:cNvPr id="96" name="円/楕円 95">
-            <a:extLst>
-              <a:ext uri="{FF2B5EF4-FFF2-40B4-BE49-F238E27FC236}">
-                <a16:creationId xmlns:a16="http://schemas.microsoft.com/office/drawing/2014/main" id="{84A7839D-B71D-1148-A577-78DC16C34E59}"/>
-              </a:ext>
-            </a:extLst>
-          </p:cNvPr>
-          <p:cNvSpPr/>
-          <p:nvPr/>
-        </p:nvSpPr>
-        <p:spPr>
-          <a:xfrm>
-            <a:off x="4305300" y="6050923"/>
-            <a:ext cx="228600" cy="228600"/>
-          </a:xfrm>
-          <a:prstGeom prst="ellipse">
-            <a:avLst/>
-          </a:prstGeom>
-          <a:solidFill>
-            <a:srgbClr val="FFC000"/>
-          </a:solidFill>
-          <a:ln>
-            <a:solidFill>
-              <a:schemeClr val="tx1"/>
-            </a:solidFill>
-          </a:ln>
-        </p:spPr>
-        <p:style>
-          <a:lnRef idx="2">
-            <a:schemeClr val="accent1">
-              <a:shade val="50000"/>
-            </a:schemeClr>
-          </a:lnRef>
-          <a:fillRef idx="1">
-            <a:schemeClr val="accent1"/>
-          </a:fillRef>
-          <a:effectRef idx="0">
-            <a:schemeClr val="accent1"/>
-          </a:effectRef>
-          <a:fontRef idx="minor">
-            <a:schemeClr val="lt1"/>
-          </a:fontRef>
-        </p:style>
-        <p:txBody>
-          <a:bodyPr rtlCol="0" anchor="ctr"/>
-          <a:lstStyle/>
-          <a:p>
-            <a:pPr algn="ctr"/>
-            <a:endParaRPr kumimoji="1" lang="ja-JP" altLang="en-US"/>
-          </a:p>
-        </p:txBody>
-      </p:sp>
-      <p:sp>
-        <p:nvSpPr>
-          <p:cNvPr id="97" name="円/楕円 96">
-            <a:extLst>
-              <a:ext uri="{FF2B5EF4-FFF2-40B4-BE49-F238E27FC236}">
-                <a16:creationId xmlns:a16="http://schemas.microsoft.com/office/drawing/2014/main" id="{2387E49C-1F48-AD44-A03D-B51E7B918AE9}"/>
-              </a:ext>
-            </a:extLst>
-          </p:cNvPr>
-          <p:cNvSpPr/>
-          <p:nvPr/>
-        </p:nvSpPr>
-        <p:spPr>
-          <a:xfrm>
-            <a:off x="4023261" y="6050923"/>
-            <a:ext cx="228600" cy="228600"/>
-          </a:xfrm>
-          <a:prstGeom prst="ellipse">
-            <a:avLst/>
-          </a:prstGeom>
-          <a:solidFill>
-            <a:srgbClr val="FFC000"/>
-          </a:solidFill>
-          <a:ln>
-            <a:solidFill>
-              <a:schemeClr val="tx1"/>
-            </a:solidFill>
-          </a:ln>
-        </p:spPr>
-        <p:style>
-          <a:lnRef idx="2">
-            <a:schemeClr val="accent1">
-              <a:shade val="50000"/>
-            </a:schemeClr>
-          </a:lnRef>
-          <a:fillRef idx="1">
-            <a:schemeClr val="accent1"/>
-          </a:fillRef>
-          <a:effectRef idx="0">
-            <a:schemeClr val="accent1"/>
-          </a:effectRef>
-          <a:fontRef idx="minor">
-            <a:schemeClr val="lt1"/>
-          </a:fontRef>
-        </p:style>
-        <p:txBody>
-          <a:bodyPr rtlCol="0" anchor="ctr"/>
-          <a:lstStyle/>
-          <a:p>
-            <a:pPr algn="ctr"/>
-            <a:endParaRPr kumimoji="1" lang="ja-JP" altLang="en-US"/>
-          </a:p>
-        </p:txBody>
-      </p:sp>
-      <p:sp>
-        <p:nvSpPr>
-          <p:cNvPr id="98" name="下矢印 97">
-            <a:extLst>
-              <a:ext uri="{FF2B5EF4-FFF2-40B4-BE49-F238E27FC236}">
-                <a16:creationId xmlns:a16="http://schemas.microsoft.com/office/drawing/2014/main" id="{AB267B41-5818-714C-816F-605417604B25}"/>
-              </a:ext>
-            </a:extLst>
-          </p:cNvPr>
-          <p:cNvSpPr/>
-          <p:nvPr/>
-        </p:nvSpPr>
-        <p:spPr>
-          <a:xfrm>
-            <a:off x="4239021" y="5534063"/>
-            <a:ext cx="342900" cy="476231"/>
-          </a:xfrm>
-          <a:prstGeom prst="downArrow">
-            <a:avLst/>
-          </a:prstGeom>
-          <a:solidFill>
-            <a:schemeClr val="bg1"/>
-          </a:solidFill>
-          <a:ln>
-            <a:solidFill>
-              <a:schemeClr val="tx1"/>
-            </a:solidFill>
-          </a:ln>
-        </p:spPr>
-        <p:style>
-          <a:lnRef idx="2">
-            <a:schemeClr val="accent1">
-              <a:shade val="50000"/>
-            </a:schemeClr>
-          </a:lnRef>
-          <a:fillRef idx="1">
-            <a:schemeClr val="accent1"/>
-          </a:fillRef>
-          <a:effectRef idx="0">
-            <a:schemeClr val="accent1"/>
-          </a:effectRef>
-          <a:fontRef idx="minor">
-            <a:schemeClr val="lt1"/>
-          </a:fontRef>
-        </p:style>
-        <p:txBody>
-          <a:bodyPr rtlCol="0" anchor="ctr"/>
-          <a:lstStyle/>
-          <a:p>
-            <a:pPr algn="ctr"/>
-            <a:endParaRPr kumimoji="1" lang="ja-JP" altLang="en-US"/>
-          </a:p>
-        </p:txBody>
-      </p:sp>
-      <p:sp>
-        <p:nvSpPr>
-          <p:cNvPr id="99" name="テキスト ボックス 98">
-            <a:extLst>
-              <a:ext uri="{FF2B5EF4-FFF2-40B4-BE49-F238E27FC236}">
-                <a16:creationId xmlns:a16="http://schemas.microsoft.com/office/drawing/2014/main" id="{32D2DFA6-5C92-8A4F-B59D-111D89E33B99}"/>
-              </a:ext>
-            </a:extLst>
-          </p:cNvPr>
-          <p:cNvSpPr txBox="1"/>
-          <p:nvPr/>
-        </p:nvSpPr>
-        <p:spPr>
-          <a:xfrm>
-            <a:off x="4466891" y="3648455"/>
-            <a:ext cx="966931" cy="369332"/>
-          </a:xfrm>
-          <a:prstGeom prst="rect">
-            <a:avLst/>
-          </a:prstGeom>
-          <a:noFill/>
-        </p:spPr>
-        <p:txBody>
-          <a:bodyPr wrap="none" rtlCol="0">
-            <a:spAutoFit/>
-          </a:bodyPr>
-          <a:lstStyle/>
-          <a:p>
-            <a:r>
-              <a:rPr kumimoji="1" lang="en-US" altLang="ja-JP"/>
-              <a:t>NSGA2</a:t>
-            </a:r>
-            <a:endParaRPr kumimoji="1" lang="ja-JP" altLang="en-US"/>
-          </a:p>
-        </p:txBody>
-      </p:sp>
-      <p:sp>
-        <p:nvSpPr>
-          <p:cNvPr id="100" name="正方形/長方形 99">
-            <a:extLst>
-              <a:ext uri="{FF2B5EF4-FFF2-40B4-BE49-F238E27FC236}">
-                <a16:creationId xmlns:a16="http://schemas.microsoft.com/office/drawing/2014/main" id="{2A845B49-CBE9-2A45-B733-DD11997F3877}"/>
-              </a:ext>
-            </a:extLst>
-          </p:cNvPr>
-          <p:cNvSpPr/>
-          <p:nvPr/>
-        </p:nvSpPr>
-        <p:spPr>
-          <a:xfrm>
-            <a:off x="5972268" y="2969189"/>
-            <a:ext cx="1066800" cy="533400"/>
-          </a:xfrm>
-          <a:prstGeom prst="rect">
-            <a:avLst/>
-          </a:prstGeom>
-          <a:solidFill>
-            <a:srgbClr val="FFFF00"/>
-          </a:solidFill>
-          <a:ln>
-            <a:solidFill>
-              <a:schemeClr val="tx1"/>
-            </a:solidFill>
-          </a:ln>
-        </p:spPr>
-        <p:style>
-          <a:lnRef idx="2">
-            <a:schemeClr val="accent1">
-              <a:shade val="50000"/>
-            </a:schemeClr>
-          </a:lnRef>
-          <a:fillRef idx="1">
-            <a:schemeClr val="accent1"/>
-          </a:fillRef>
-          <a:effectRef idx="0">
-            <a:schemeClr val="accent1"/>
-          </a:effectRef>
-          <a:fontRef idx="minor">
-            <a:schemeClr val="lt1"/>
-          </a:fontRef>
-        </p:style>
-        <p:txBody>
-          <a:bodyPr rtlCol="0" anchor="ctr"/>
-          <a:lstStyle/>
-          <a:p>
-            <a:pPr algn="ctr"/>
-            <a:endParaRPr kumimoji="1" lang="ja-JP" altLang="en-US"/>
-          </a:p>
-        </p:txBody>
-      </p:sp>
-      <p:sp>
-        <p:nvSpPr>
-          <p:cNvPr id="101" name="円/楕円 100">
-            <a:extLst>
-              <a:ext uri="{FF2B5EF4-FFF2-40B4-BE49-F238E27FC236}">
-                <a16:creationId xmlns:a16="http://schemas.microsoft.com/office/drawing/2014/main" id="{345051E7-35D6-BC40-A61F-8A5CD8D9ED3D}"/>
-              </a:ext>
-            </a:extLst>
-          </p:cNvPr>
-          <p:cNvSpPr/>
-          <p:nvPr/>
-        </p:nvSpPr>
-        <p:spPr>
-          <a:xfrm>
-            <a:off x="5857968" y="4162660"/>
-            <a:ext cx="1295400" cy="1295400"/>
-          </a:xfrm>
-          <a:prstGeom prst="ellipse">
-            <a:avLst/>
-          </a:prstGeom>
-          <a:ln>
-            <a:solidFill>
-              <a:schemeClr val="tx1"/>
-            </a:solidFill>
-          </a:ln>
-        </p:spPr>
-        <p:style>
-          <a:lnRef idx="2">
-            <a:schemeClr val="accent1">
-              <a:shade val="50000"/>
-            </a:schemeClr>
-          </a:lnRef>
-          <a:fillRef idx="1">
-            <a:schemeClr val="accent1"/>
-          </a:fillRef>
-          <a:effectRef idx="0">
-            <a:schemeClr val="accent1"/>
-          </a:effectRef>
-          <a:fontRef idx="minor">
-            <a:schemeClr val="lt1"/>
-          </a:fontRef>
-        </p:style>
-        <p:txBody>
-          <a:bodyPr rtlCol="0" anchor="ctr"/>
-          <a:lstStyle/>
-          <a:p>
-            <a:pPr algn="ctr"/>
-            <a:endParaRPr kumimoji="1" lang="ja-JP" altLang="en-US"/>
-          </a:p>
-        </p:txBody>
-      </p:sp>
-      <p:sp>
-        <p:nvSpPr>
-          <p:cNvPr id="102" name="円/楕円 101">
-            <a:extLst>
-              <a:ext uri="{FF2B5EF4-FFF2-40B4-BE49-F238E27FC236}">
-                <a16:creationId xmlns:a16="http://schemas.microsoft.com/office/drawing/2014/main" id="{2B2ED7AA-C6E6-0743-BDDD-AA404CB29611}"/>
-              </a:ext>
-            </a:extLst>
-          </p:cNvPr>
-          <p:cNvSpPr/>
-          <p:nvPr/>
-        </p:nvSpPr>
-        <p:spPr>
-          <a:xfrm>
-            <a:off x="6658068" y="4570594"/>
-            <a:ext cx="228600" cy="228600"/>
-          </a:xfrm>
-          <a:prstGeom prst="ellipse">
-            <a:avLst/>
-          </a:prstGeom>
-          <a:solidFill>
-            <a:srgbClr val="FFC000"/>
-          </a:solidFill>
-          <a:ln>
-            <a:solidFill>
-              <a:schemeClr val="tx1"/>
-            </a:solidFill>
-          </a:ln>
-        </p:spPr>
-        <p:style>
-          <a:lnRef idx="2">
-            <a:schemeClr val="accent1">
-              <a:shade val="50000"/>
-            </a:schemeClr>
-          </a:lnRef>
-          <a:fillRef idx="1">
-            <a:schemeClr val="accent1"/>
-          </a:fillRef>
-          <a:effectRef idx="0">
-            <a:schemeClr val="accent1"/>
-          </a:effectRef>
-          <a:fontRef idx="minor">
-            <a:schemeClr val="lt1"/>
-          </a:fontRef>
-        </p:style>
-        <p:txBody>
-          <a:bodyPr rtlCol="0" anchor="ctr"/>
-          <a:lstStyle/>
-          <a:p>
-            <a:pPr algn="ctr"/>
-            <a:endParaRPr kumimoji="1" lang="ja-JP" altLang="en-US"/>
-          </a:p>
-        </p:txBody>
-      </p:sp>
-      <p:sp>
-        <p:nvSpPr>
-          <p:cNvPr id="103" name="円/楕円 102">
-            <a:extLst>
-              <a:ext uri="{FF2B5EF4-FFF2-40B4-BE49-F238E27FC236}">
-                <a16:creationId xmlns:a16="http://schemas.microsoft.com/office/drawing/2014/main" id="{261EEDCB-EC38-EA42-89E5-8CFF81A48134}"/>
-              </a:ext>
-            </a:extLst>
-          </p:cNvPr>
-          <p:cNvSpPr/>
-          <p:nvPr/>
-        </p:nvSpPr>
-        <p:spPr>
-          <a:xfrm>
-            <a:off x="6262825" y="4970611"/>
-            <a:ext cx="228600" cy="228600"/>
-          </a:xfrm>
-          <a:prstGeom prst="ellipse">
-            <a:avLst/>
-          </a:prstGeom>
-          <a:solidFill>
-            <a:srgbClr val="FFC000"/>
-          </a:solidFill>
-          <a:ln>
-            <a:solidFill>
-              <a:schemeClr val="tx1"/>
-            </a:solidFill>
-          </a:ln>
-        </p:spPr>
-        <p:style>
-          <a:lnRef idx="2">
-            <a:schemeClr val="accent1">
-              <a:shade val="50000"/>
-            </a:schemeClr>
-          </a:lnRef>
-          <a:fillRef idx="1">
-            <a:schemeClr val="accent1"/>
-          </a:fillRef>
-          <a:effectRef idx="0">
-            <a:schemeClr val="accent1"/>
-          </a:effectRef>
-          <a:fontRef idx="minor">
-            <a:schemeClr val="lt1"/>
-          </a:fontRef>
-        </p:style>
-        <p:txBody>
-          <a:bodyPr rtlCol="0" anchor="ctr"/>
-          <a:lstStyle/>
-          <a:p>
-            <a:pPr algn="ctr"/>
-            <a:endParaRPr kumimoji="1" lang="ja-JP" altLang="en-US"/>
-          </a:p>
-        </p:txBody>
-      </p:sp>
-      <p:sp>
-        <p:nvSpPr>
-          <p:cNvPr id="104" name="円/楕円 103">
-            <a:extLst>
-              <a:ext uri="{FF2B5EF4-FFF2-40B4-BE49-F238E27FC236}">
-                <a16:creationId xmlns:a16="http://schemas.microsoft.com/office/drawing/2014/main" id="{0C5F6357-8095-D24F-B0D6-C595B20E6AE8}"/>
-              </a:ext>
-            </a:extLst>
-          </p:cNvPr>
-          <p:cNvSpPr/>
-          <p:nvPr/>
-        </p:nvSpPr>
-        <p:spPr>
-          <a:xfrm>
-            <a:off x="6136155" y="4484003"/>
-            <a:ext cx="228600" cy="228600"/>
-          </a:xfrm>
-          <a:prstGeom prst="ellipse">
-            <a:avLst/>
-          </a:prstGeom>
-          <a:solidFill>
-            <a:srgbClr val="FFC000"/>
-          </a:solidFill>
-          <a:ln>
-            <a:solidFill>
-              <a:schemeClr val="tx1"/>
-            </a:solidFill>
-          </a:ln>
-        </p:spPr>
-        <p:style>
-          <a:lnRef idx="2">
-            <a:schemeClr val="accent1">
-              <a:shade val="50000"/>
-            </a:schemeClr>
-          </a:lnRef>
-          <a:fillRef idx="1">
-            <a:schemeClr val="accent1"/>
-          </a:fillRef>
-          <a:effectRef idx="0">
-            <a:schemeClr val="accent1"/>
-          </a:effectRef>
-          <a:fontRef idx="minor">
-            <a:schemeClr val="lt1"/>
-          </a:fontRef>
-        </p:style>
-        <p:txBody>
-          <a:bodyPr rtlCol="0" anchor="ctr"/>
-          <a:lstStyle/>
-          <a:p>
-            <a:pPr algn="ctr"/>
-            <a:endParaRPr kumimoji="1" lang="ja-JP" altLang="en-US"/>
-          </a:p>
-        </p:txBody>
-      </p:sp>
-      <p:sp>
-        <p:nvSpPr>
-          <p:cNvPr id="105" name="角丸四角形 104">
-            <a:extLst>
-              <a:ext uri="{FF2B5EF4-FFF2-40B4-BE49-F238E27FC236}">
-                <a16:creationId xmlns:a16="http://schemas.microsoft.com/office/drawing/2014/main" id="{5241632F-80A6-FA4F-96A7-BECF7DF63DF9}"/>
-              </a:ext>
-            </a:extLst>
-          </p:cNvPr>
-          <p:cNvSpPr/>
-          <p:nvPr/>
-        </p:nvSpPr>
-        <p:spPr>
-          <a:xfrm>
-            <a:off x="5576567" y="2689752"/>
-            <a:ext cx="1858201" cy="2973005"/>
-          </a:xfrm>
-          <a:prstGeom prst="roundRect">
-            <a:avLst/>
-          </a:prstGeom>
-          <a:noFill/>
-          <a:ln>
-            <a:solidFill>
-              <a:schemeClr val="accent2"/>
-            </a:solidFill>
-            <a:prstDash val="dash"/>
-          </a:ln>
-        </p:spPr>
-        <p:style>
-          <a:lnRef idx="2">
-            <a:schemeClr val="accent1">
-              <a:shade val="50000"/>
-            </a:schemeClr>
-          </a:lnRef>
-          <a:fillRef idx="1">
-            <a:schemeClr val="accent1"/>
-          </a:fillRef>
-          <a:effectRef idx="0">
-            <a:schemeClr val="accent1"/>
-          </a:effectRef>
-          <a:fontRef idx="minor">
-            <a:schemeClr val="lt1"/>
-          </a:fontRef>
-        </p:style>
-        <p:txBody>
-          <a:bodyPr rtlCol="0" anchor="ctr"/>
-          <a:lstStyle/>
-          <a:p>
-            <a:pPr algn="ctr"/>
-            <a:endParaRPr kumimoji="1" lang="ja-JP" altLang="en-US"/>
-          </a:p>
-        </p:txBody>
-      </p:sp>
-      <p:sp>
-        <p:nvSpPr>
-          <p:cNvPr id="106" name="上下矢印 105">
-            <a:extLst>
-              <a:ext uri="{FF2B5EF4-FFF2-40B4-BE49-F238E27FC236}">
-                <a16:creationId xmlns:a16="http://schemas.microsoft.com/office/drawing/2014/main" id="{007852C6-8EFE-9345-9055-3C1FA9FCE506}"/>
-              </a:ext>
-            </a:extLst>
-          </p:cNvPr>
-          <p:cNvSpPr/>
-          <p:nvPr/>
-        </p:nvSpPr>
-        <p:spPr>
-          <a:xfrm>
-            <a:off x="6344768" y="3565924"/>
-            <a:ext cx="293313" cy="533400"/>
-          </a:xfrm>
-          <a:prstGeom prst="upDownArrow">
-            <a:avLst/>
-          </a:prstGeom>
-          <a:ln>
-            <a:solidFill>
-              <a:schemeClr val="tx1"/>
-            </a:solidFill>
-          </a:ln>
-        </p:spPr>
-        <p:style>
-          <a:lnRef idx="2">
-            <a:schemeClr val="accent1">
-              <a:shade val="50000"/>
-            </a:schemeClr>
-          </a:lnRef>
-          <a:fillRef idx="1">
-            <a:schemeClr val="accent1"/>
-          </a:fillRef>
-          <a:effectRef idx="0">
-            <a:schemeClr val="accent1"/>
-          </a:effectRef>
-          <a:fontRef idx="minor">
-            <a:schemeClr val="lt1"/>
-          </a:fontRef>
-        </p:style>
-        <p:txBody>
-          <a:bodyPr rtlCol="0" anchor="ctr"/>
-          <a:lstStyle/>
-          <a:p>
-            <a:pPr algn="ctr"/>
-            <a:endParaRPr kumimoji="1" lang="ja-JP" altLang="en-US"/>
-          </a:p>
-        </p:txBody>
-      </p:sp>
-      <p:sp>
-        <p:nvSpPr>
-          <p:cNvPr id="107" name="円/楕円 106">
-            <a:extLst>
-              <a:ext uri="{FF2B5EF4-FFF2-40B4-BE49-F238E27FC236}">
-                <a16:creationId xmlns:a16="http://schemas.microsoft.com/office/drawing/2014/main" id="{0318E04E-D182-3C4F-80B1-5B389B37DCE6}"/>
-              </a:ext>
-            </a:extLst>
-          </p:cNvPr>
-          <p:cNvSpPr/>
-          <p:nvPr/>
-        </p:nvSpPr>
-        <p:spPr>
-          <a:xfrm>
-            <a:off x="6673990" y="6045182"/>
-            <a:ext cx="228600" cy="228600"/>
-          </a:xfrm>
-          <a:prstGeom prst="ellipse">
-            <a:avLst/>
-          </a:prstGeom>
-          <a:solidFill>
-            <a:srgbClr val="FFC000"/>
-          </a:solidFill>
-          <a:ln>
-            <a:solidFill>
-              <a:schemeClr val="tx1"/>
-            </a:solidFill>
-          </a:ln>
-        </p:spPr>
-        <p:style>
-          <a:lnRef idx="2">
-            <a:schemeClr val="accent1">
-              <a:shade val="50000"/>
-            </a:schemeClr>
-          </a:lnRef>
-          <a:fillRef idx="1">
-            <a:schemeClr val="accent1"/>
-          </a:fillRef>
-          <a:effectRef idx="0">
-            <a:schemeClr val="accent1"/>
-          </a:effectRef>
-          <a:fontRef idx="minor">
-            <a:schemeClr val="lt1"/>
-          </a:fontRef>
-        </p:style>
-        <p:txBody>
-          <a:bodyPr rtlCol="0" anchor="ctr"/>
-          <a:lstStyle/>
-          <a:p>
-            <a:pPr algn="ctr"/>
-            <a:endParaRPr kumimoji="1" lang="ja-JP" altLang="en-US"/>
-          </a:p>
-        </p:txBody>
-      </p:sp>
-      <p:sp>
-        <p:nvSpPr>
-          <p:cNvPr id="108" name="円/楕円 107">
-            <a:extLst>
-              <a:ext uri="{FF2B5EF4-FFF2-40B4-BE49-F238E27FC236}">
-                <a16:creationId xmlns:a16="http://schemas.microsoft.com/office/drawing/2014/main" id="{1C6B8BA9-D463-E744-955E-7ACC08A57860}"/>
-              </a:ext>
-            </a:extLst>
-          </p:cNvPr>
-          <p:cNvSpPr/>
-          <p:nvPr/>
-        </p:nvSpPr>
-        <p:spPr>
-          <a:xfrm>
-            <a:off x="6391368" y="6045182"/>
-            <a:ext cx="228600" cy="228600"/>
-          </a:xfrm>
-          <a:prstGeom prst="ellipse">
-            <a:avLst/>
-          </a:prstGeom>
-          <a:solidFill>
-            <a:srgbClr val="FFC000"/>
-          </a:solidFill>
-          <a:ln>
-            <a:solidFill>
-              <a:schemeClr val="tx1"/>
-            </a:solidFill>
-          </a:ln>
-        </p:spPr>
-        <p:style>
-          <a:lnRef idx="2">
-            <a:schemeClr val="accent1">
-              <a:shade val="50000"/>
-            </a:schemeClr>
-          </a:lnRef>
-          <a:fillRef idx="1">
-            <a:schemeClr val="accent1"/>
-          </a:fillRef>
-          <a:effectRef idx="0">
-            <a:schemeClr val="accent1"/>
-          </a:effectRef>
-          <a:fontRef idx="minor">
-            <a:schemeClr val="lt1"/>
-          </a:fontRef>
-        </p:style>
-        <p:txBody>
-          <a:bodyPr rtlCol="0" anchor="ctr"/>
-          <a:lstStyle/>
-          <a:p>
-            <a:pPr algn="ctr"/>
-            <a:endParaRPr kumimoji="1" lang="ja-JP" altLang="en-US"/>
-          </a:p>
-        </p:txBody>
-      </p:sp>
-      <p:sp>
-        <p:nvSpPr>
-          <p:cNvPr id="109" name="円/楕円 108">
-            <a:extLst>
-              <a:ext uri="{FF2B5EF4-FFF2-40B4-BE49-F238E27FC236}">
-                <a16:creationId xmlns:a16="http://schemas.microsoft.com/office/drawing/2014/main" id="{67CBA390-D543-3346-B894-1BB77E468426}"/>
-              </a:ext>
-            </a:extLst>
-          </p:cNvPr>
-          <p:cNvSpPr/>
-          <p:nvPr/>
-        </p:nvSpPr>
-        <p:spPr>
-          <a:xfrm>
-            <a:off x="6109329" y="6045182"/>
-            <a:ext cx="228600" cy="228600"/>
-          </a:xfrm>
-          <a:prstGeom prst="ellipse">
-            <a:avLst/>
-          </a:prstGeom>
-          <a:solidFill>
-            <a:srgbClr val="FFC000"/>
-          </a:solidFill>
-          <a:ln>
-            <a:solidFill>
-              <a:schemeClr val="tx1"/>
-            </a:solidFill>
-          </a:ln>
-        </p:spPr>
-        <p:style>
-          <a:lnRef idx="2">
-            <a:schemeClr val="accent1">
-              <a:shade val="50000"/>
-            </a:schemeClr>
-          </a:lnRef>
-          <a:fillRef idx="1">
-            <a:schemeClr val="accent1"/>
-          </a:fillRef>
-          <a:effectRef idx="0">
-            <a:schemeClr val="accent1"/>
-          </a:effectRef>
-          <a:fontRef idx="minor">
-            <a:schemeClr val="lt1"/>
-          </a:fontRef>
-        </p:style>
-        <p:txBody>
-          <a:bodyPr rtlCol="0" anchor="ctr"/>
-          <a:lstStyle/>
-          <a:p>
-            <a:pPr algn="ctr"/>
-            <a:endParaRPr kumimoji="1" lang="ja-JP" altLang="en-US"/>
-          </a:p>
-        </p:txBody>
-      </p:sp>
-      <p:sp>
-        <p:nvSpPr>
-          <p:cNvPr id="110" name="下矢印 109">
-            <a:extLst>
-              <a:ext uri="{FF2B5EF4-FFF2-40B4-BE49-F238E27FC236}">
-                <a16:creationId xmlns:a16="http://schemas.microsoft.com/office/drawing/2014/main" id="{89DDAB64-C1BE-584C-AF41-843B65FC978D}"/>
-              </a:ext>
-            </a:extLst>
-          </p:cNvPr>
-          <p:cNvSpPr/>
-          <p:nvPr/>
-        </p:nvSpPr>
-        <p:spPr>
-          <a:xfrm>
-            <a:off x="6325089" y="5528322"/>
-            <a:ext cx="342900" cy="476231"/>
-          </a:xfrm>
-          <a:prstGeom prst="downArrow">
-            <a:avLst/>
-          </a:prstGeom>
-          <a:solidFill>
-            <a:schemeClr val="bg1"/>
-          </a:solidFill>
-          <a:ln>
-            <a:solidFill>
-              <a:schemeClr val="tx1"/>
-            </a:solidFill>
-          </a:ln>
-        </p:spPr>
-        <p:style>
-          <a:lnRef idx="2">
-            <a:schemeClr val="accent1">
-              <a:shade val="50000"/>
-            </a:schemeClr>
-          </a:lnRef>
-          <a:fillRef idx="1">
-            <a:schemeClr val="accent1"/>
-          </a:fillRef>
-          <a:effectRef idx="0">
-            <a:schemeClr val="accent1"/>
-          </a:effectRef>
-          <a:fontRef idx="minor">
-            <a:schemeClr val="lt1"/>
-          </a:fontRef>
-        </p:style>
-        <p:txBody>
-          <a:bodyPr rtlCol="0" anchor="ctr"/>
-          <a:lstStyle/>
-          <a:p>
-            <a:pPr algn="ctr"/>
-            <a:endParaRPr kumimoji="1" lang="ja-JP" altLang="en-US"/>
-          </a:p>
-        </p:txBody>
-      </p:sp>
-      <p:sp>
-        <p:nvSpPr>
-          <p:cNvPr id="111" name="テキスト ボックス 110">
-            <a:extLst>
-              <a:ext uri="{FF2B5EF4-FFF2-40B4-BE49-F238E27FC236}">
-                <a16:creationId xmlns:a16="http://schemas.microsoft.com/office/drawing/2014/main" id="{634C30E8-0BF6-AB41-94D8-72A4A68B7259}"/>
-              </a:ext>
-            </a:extLst>
-          </p:cNvPr>
-          <p:cNvSpPr txBox="1"/>
-          <p:nvPr/>
-        </p:nvSpPr>
-        <p:spPr>
-          <a:xfrm>
-            <a:off x="6552959" y="3642714"/>
-            <a:ext cx="966931" cy="369332"/>
-          </a:xfrm>
-          <a:prstGeom prst="rect">
-            <a:avLst/>
-          </a:prstGeom>
-          <a:noFill/>
-        </p:spPr>
-        <p:txBody>
-          <a:bodyPr wrap="none" rtlCol="0">
-            <a:spAutoFit/>
-          </a:bodyPr>
-          <a:lstStyle/>
-          <a:p>
-            <a:r>
-              <a:rPr kumimoji="1" lang="en-US" altLang="ja-JP"/>
-              <a:t>NSGA2</a:t>
-            </a:r>
-            <a:endParaRPr kumimoji="1" lang="ja-JP" altLang="en-US"/>
-          </a:p>
-        </p:txBody>
-      </p:sp>
-      <p:sp>
-        <p:nvSpPr>
-          <p:cNvPr id="112" name="正方形/長方形 111">
-            <a:extLst>
-              <a:ext uri="{FF2B5EF4-FFF2-40B4-BE49-F238E27FC236}">
-                <a16:creationId xmlns:a16="http://schemas.microsoft.com/office/drawing/2014/main" id="{65C58A37-04CC-2B4C-AA66-1AB94EE8DDDB}"/>
-              </a:ext>
-            </a:extLst>
-          </p:cNvPr>
-          <p:cNvSpPr/>
-          <p:nvPr/>
-        </p:nvSpPr>
-        <p:spPr>
-          <a:xfrm>
-            <a:off x="2819400" y="1526660"/>
-            <a:ext cx="1066800" cy="533400"/>
-          </a:xfrm>
-          <a:prstGeom prst="rect">
-            <a:avLst/>
-          </a:prstGeom>
-          <a:solidFill>
-            <a:srgbClr val="FFFF00"/>
-          </a:solidFill>
-          <a:ln>
-            <a:solidFill>
-              <a:schemeClr val="tx1"/>
-            </a:solidFill>
-          </a:ln>
-        </p:spPr>
-        <p:style>
-          <a:lnRef idx="2">
-            <a:schemeClr val="accent1">
-              <a:shade val="50000"/>
-            </a:schemeClr>
-          </a:lnRef>
-          <a:fillRef idx="1">
-            <a:schemeClr val="accent1"/>
-          </a:fillRef>
-          <a:effectRef idx="0">
-            <a:schemeClr val="accent1"/>
-          </a:effectRef>
-          <a:fontRef idx="minor">
-            <a:schemeClr val="lt1"/>
-          </a:fontRef>
-        </p:style>
-        <p:txBody>
-          <a:bodyPr rtlCol="0" anchor="ctr"/>
-          <a:lstStyle/>
-          <a:p>
-            <a:pPr algn="ctr"/>
-            <a:endParaRPr kumimoji="1" lang="ja-JP" altLang="en-US"/>
-          </a:p>
-        </p:txBody>
-      </p:sp>
-      <p:sp>
-        <p:nvSpPr>
-          <p:cNvPr id="113" name="正方形/長方形 112">
-            <a:extLst>
-              <a:ext uri="{FF2B5EF4-FFF2-40B4-BE49-F238E27FC236}">
-                <a16:creationId xmlns:a16="http://schemas.microsoft.com/office/drawing/2014/main" id="{7E463C9E-34FA-5948-83F9-98827F2B5A21}"/>
-              </a:ext>
-            </a:extLst>
-          </p:cNvPr>
-          <p:cNvSpPr/>
-          <p:nvPr/>
-        </p:nvSpPr>
-        <p:spPr>
-          <a:xfrm>
-            <a:off x="3886200" y="1524000"/>
-            <a:ext cx="1066800" cy="533400"/>
-          </a:xfrm>
-          <a:prstGeom prst="rect">
-            <a:avLst/>
-          </a:prstGeom>
-          <a:solidFill>
-            <a:srgbClr val="FFFF00"/>
-          </a:solidFill>
-          <a:ln>
-            <a:solidFill>
-              <a:schemeClr val="tx1"/>
-            </a:solidFill>
-          </a:ln>
-        </p:spPr>
-        <p:style>
-          <a:lnRef idx="2">
-            <a:schemeClr val="accent1">
-              <a:shade val="50000"/>
-            </a:schemeClr>
-          </a:lnRef>
-          <a:fillRef idx="1">
-            <a:schemeClr val="accent1"/>
-          </a:fillRef>
-          <a:effectRef idx="0">
-            <a:schemeClr val="accent1"/>
-          </a:effectRef>
-          <a:fontRef idx="minor">
-            <a:schemeClr val="lt1"/>
-          </a:fontRef>
-        </p:style>
-        <p:txBody>
-          <a:bodyPr rtlCol="0" anchor="ctr"/>
-          <a:lstStyle/>
-          <a:p>
-            <a:pPr algn="ctr"/>
-            <a:endParaRPr kumimoji="1" lang="ja-JP" altLang="en-US"/>
-          </a:p>
-        </p:txBody>
-      </p:sp>
-      <p:sp>
-        <p:nvSpPr>
-          <p:cNvPr id="114" name="正方形/長方形 113">
-            <a:extLst>
-              <a:ext uri="{FF2B5EF4-FFF2-40B4-BE49-F238E27FC236}">
-                <a16:creationId xmlns:a16="http://schemas.microsoft.com/office/drawing/2014/main" id="{6581CA34-B7B6-7740-B207-8996ED7BA71F}"/>
-              </a:ext>
-            </a:extLst>
-          </p:cNvPr>
-          <p:cNvSpPr/>
-          <p:nvPr/>
-        </p:nvSpPr>
-        <p:spPr>
-          <a:xfrm>
-            <a:off x="4953000" y="1526660"/>
-            <a:ext cx="1066800" cy="533400"/>
-          </a:xfrm>
-          <a:prstGeom prst="rect">
-            <a:avLst/>
-          </a:prstGeom>
-          <a:solidFill>
-            <a:srgbClr val="FFFF00"/>
-          </a:solidFill>
-          <a:ln>
-            <a:solidFill>
-              <a:schemeClr val="tx1"/>
-            </a:solidFill>
-          </a:ln>
-        </p:spPr>
-        <p:style>
-          <a:lnRef idx="2">
-            <a:schemeClr val="accent1">
-              <a:shade val="50000"/>
-            </a:schemeClr>
-          </a:lnRef>
-          <a:fillRef idx="1">
-            <a:schemeClr val="accent1"/>
-          </a:fillRef>
-          <a:effectRef idx="0">
-            <a:schemeClr val="accent1"/>
-          </a:effectRef>
-          <a:fontRef idx="minor">
-            <a:schemeClr val="lt1"/>
-          </a:fontRef>
-        </p:style>
-        <p:txBody>
-          <a:bodyPr rtlCol="0" anchor="ctr"/>
-          <a:lstStyle/>
-          <a:p>
-            <a:pPr algn="ctr"/>
-            <a:endParaRPr kumimoji="1" lang="ja-JP" altLang="en-US"/>
-          </a:p>
-        </p:txBody>
-      </p:sp>
-      <p:cxnSp>
-        <p:nvCxnSpPr>
-          <p:cNvPr id="118" name="直線矢印コネクタ 117">
-            <a:extLst>
-              <a:ext uri="{FF2B5EF4-FFF2-40B4-BE49-F238E27FC236}">
-                <a16:creationId xmlns:a16="http://schemas.microsoft.com/office/drawing/2014/main" id="{94ADC24B-52ED-2848-AFFF-8C276442CD84}"/>
-              </a:ext>
-            </a:extLst>
-          </p:cNvPr>
-          <p:cNvCxnSpPr>
-            <a:stCxn id="112" idx="2"/>
-            <a:endCxn id="6" idx="0"/>
-          </p:cNvCxnSpPr>
-          <p:nvPr/>
-        </p:nvCxnSpPr>
-        <p:spPr>
-          <a:xfrm flipH="1">
-            <a:off x="2333532" y="2060060"/>
-            <a:ext cx="1019268" cy="909129"/>
-          </a:xfrm>
-          <a:prstGeom prst="straightConnector1">
-            <a:avLst/>
-          </a:prstGeom>
-          <a:ln>
-            <a:solidFill>
-              <a:schemeClr val="tx1"/>
-            </a:solidFill>
-            <a:tailEnd type="triangle"/>
-          </a:ln>
-        </p:spPr>
-        <p:style>
-          <a:lnRef idx="1">
-            <a:schemeClr val="accent1"/>
-          </a:lnRef>
-          <a:fillRef idx="0">
-            <a:schemeClr val="accent1"/>
-          </a:fillRef>
-          <a:effectRef idx="0">
-            <a:schemeClr val="accent1"/>
-          </a:effectRef>
-          <a:fontRef idx="minor">
-            <a:schemeClr val="tx1"/>
-          </a:fontRef>
-        </p:style>
-      </p:cxnSp>
-      <p:cxnSp>
-        <p:nvCxnSpPr>
-          <p:cNvPr id="119" name="直線矢印コネクタ 118">
-            <a:extLst>
-              <a:ext uri="{FF2B5EF4-FFF2-40B4-BE49-F238E27FC236}">
-                <a16:creationId xmlns:a16="http://schemas.microsoft.com/office/drawing/2014/main" id="{242890AD-6F02-AC43-A52D-8C9D0D3CFCF4}"/>
-              </a:ext>
-            </a:extLst>
-          </p:cNvPr>
-          <p:cNvCxnSpPr>
-            <a:cxnSpLocks/>
-            <a:stCxn id="113" idx="2"/>
-            <a:endCxn id="88" idx="0"/>
-          </p:cNvCxnSpPr>
-          <p:nvPr/>
-        </p:nvCxnSpPr>
-        <p:spPr>
-          <a:xfrm>
-            <a:off x="4419600" y="2057400"/>
-            <a:ext cx="0" cy="917530"/>
-          </a:xfrm>
-          <a:prstGeom prst="straightConnector1">
-            <a:avLst/>
-          </a:prstGeom>
-          <a:ln>
-            <a:solidFill>
-              <a:schemeClr val="tx1"/>
-            </a:solidFill>
-            <a:tailEnd type="triangle"/>
-          </a:ln>
-        </p:spPr>
-        <p:style>
-          <a:lnRef idx="1">
-            <a:schemeClr val="accent1"/>
-          </a:lnRef>
-          <a:fillRef idx="0">
-            <a:schemeClr val="accent1"/>
-          </a:fillRef>
-          <a:effectRef idx="0">
-            <a:schemeClr val="accent1"/>
-          </a:effectRef>
-          <a:fontRef idx="minor">
-            <a:schemeClr val="tx1"/>
-          </a:fontRef>
-        </p:style>
-      </p:cxnSp>
-      <p:cxnSp>
-        <p:nvCxnSpPr>
-          <p:cNvPr id="120" name="直線矢印コネクタ 119">
-            <a:extLst>
-              <a:ext uri="{FF2B5EF4-FFF2-40B4-BE49-F238E27FC236}">
-                <a16:creationId xmlns:a16="http://schemas.microsoft.com/office/drawing/2014/main" id="{B191BFD4-CA54-A142-9C7E-A84B5734E7B7}"/>
-              </a:ext>
-            </a:extLst>
-          </p:cNvPr>
-          <p:cNvCxnSpPr>
-            <a:cxnSpLocks/>
-            <a:stCxn id="114" idx="2"/>
-            <a:endCxn id="100" idx="0"/>
-          </p:cNvCxnSpPr>
-          <p:nvPr/>
-        </p:nvCxnSpPr>
-        <p:spPr>
-          <a:xfrm>
-            <a:off x="5486400" y="2060060"/>
-            <a:ext cx="1019268" cy="909129"/>
-          </a:xfrm>
-          <a:prstGeom prst="straightConnector1">
-            <a:avLst/>
-          </a:prstGeom>
-          <a:ln>
-            <a:solidFill>
-              <a:schemeClr val="tx1"/>
-            </a:solidFill>
-            <a:tailEnd type="triangle"/>
-          </a:ln>
-        </p:spPr>
-        <p:style>
-          <a:lnRef idx="1">
-            <a:schemeClr val="accent1"/>
-          </a:lnRef>
-          <a:fillRef idx="0">
-            <a:schemeClr val="accent1"/>
-          </a:fillRef>
-          <a:effectRef idx="0">
-            <a:schemeClr val="accent1"/>
-          </a:effectRef>
-          <a:fontRef idx="minor">
-            <a:schemeClr val="tx1"/>
-          </a:fontRef>
-        </p:style>
-      </p:cxnSp>
-      <p:cxnSp>
-        <p:nvCxnSpPr>
-          <p:cNvPr id="149" name="曲線コネクタ 148">
-            <a:extLst>
-              <a:ext uri="{FF2B5EF4-FFF2-40B4-BE49-F238E27FC236}">
-                <a16:creationId xmlns:a16="http://schemas.microsoft.com/office/drawing/2014/main" id="{6443990A-C2FA-8346-A1AC-32A2795ADB9E}"/>
-              </a:ext>
-            </a:extLst>
-          </p:cNvPr>
-          <p:cNvCxnSpPr>
-            <a:stCxn id="6" idx="1"/>
-            <a:endCxn id="100" idx="3"/>
-          </p:cNvCxnSpPr>
-          <p:nvPr/>
-        </p:nvCxnSpPr>
-        <p:spPr>
-          <a:xfrm rot="10800000" flipH="1">
-            <a:off x="1800132" y="3235889"/>
-            <a:ext cx="5238936" cy="12700"/>
-          </a:xfrm>
-          <a:prstGeom prst="curvedConnector5">
-            <a:avLst>
-              <a:gd name="adj1" fmla="val -4363"/>
-              <a:gd name="adj2" fmla="val 6050654"/>
-              <a:gd name="adj3" fmla="val 104363"/>
-            </a:avLst>
-          </a:prstGeom>
-          <a:ln w="31750">
-            <a:solidFill>
-              <a:srgbClr val="00B050"/>
-            </a:solidFill>
-            <a:tailEnd type="triangle" w="lg" len="lg"/>
-          </a:ln>
-        </p:spPr>
-        <p:style>
-          <a:lnRef idx="1">
-            <a:schemeClr val="accent1"/>
-          </a:lnRef>
-          <a:fillRef idx="0">
-            <a:schemeClr val="accent1"/>
-          </a:fillRef>
-          <a:effectRef idx="0">
-            <a:schemeClr val="accent1"/>
-          </a:effectRef>
-          <a:fontRef idx="minor">
-            <a:schemeClr val="tx1"/>
-          </a:fontRef>
-        </p:style>
-      </p:cxnSp>
-      <p:cxnSp>
-        <p:nvCxnSpPr>
-          <p:cNvPr id="152" name="直線矢印コネクタ 151">
-            <a:extLst>
-              <a:ext uri="{FF2B5EF4-FFF2-40B4-BE49-F238E27FC236}">
-                <a16:creationId xmlns:a16="http://schemas.microsoft.com/office/drawing/2014/main" id="{58B5EAC0-5DED-E740-9179-7D7975737AC6}"/>
-              </a:ext>
-            </a:extLst>
-          </p:cNvPr>
-          <p:cNvCxnSpPr>
-            <a:stCxn id="88" idx="1"/>
-            <a:endCxn id="6" idx="3"/>
-          </p:cNvCxnSpPr>
-          <p:nvPr/>
-        </p:nvCxnSpPr>
-        <p:spPr>
-          <a:xfrm flipH="1" flipV="1">
-            <a:off x="2866932" y="3235889"/>
-            <a:ext cx="1019268" cy="5741"/>
-          </a:xfrm>
-          <a:prstGeom prst="straightConnector1">
-            <a:avLst/>
-          </a:prstGeom>
-          <a:ln w="31750">
-            <a:solidFill>
-              <a:srgbClr val="00B050"/>
-            </a:solidFill>
-            <a:tailEnd type="triangle" w="lg" len="lg"/>
-          </a:ln>
-        </p:spPr>
-        <p:style>
-          <a:lnRef idx="1">
-            <a:schemeClr val="accent1"/>
-          </a:lnRef>
-          <a:fillRef idx="0">
-            <a:schemeClr val="accent1"/>
-          </a:fillRef>
-          <a:effectRef idx="0">
-            <a:schemeClr val="accent1"/>
-          </a:effectRef>
-          <a:fontRef idx="minor">
-            <a:schemeClr val="tx1"/>
-          </a:fontRef>
-        </p:style>
-      </p:cxnSp>
-      <p:cxnSp>
-        <p:nvCxnSpPr>
-          <p:cNvPr id="153" name="直線矢印コネクタ 152">
-            <a:extLst>
-              <a:ext uri="{FF2B5EF4-FFF2-40B4-BE49-F238E27FC236}">
-                <a16:creationId xmlns:a16="http://schemas.microsoft.com/office/drawing/2014/main" id="{D0733D58-03A3-1A46-8E50-D5485CB92326}"/>
-              </a:ext>
-            </a:extLst>
-          </p:cNvPr>
-          <p:cNvCxnSpPr>
-            <a:cxnSpLocks/>
-            <a:stCxn id="100" idx="1"/>
-            <a:endCxn id="88" idx="3"/>
-          </p:cNvCxnSpPr>
-          <p:nvPr/>
-        </p:nvCxnSpPr>
-        <p:spPr>
-          <a:xfrm flipH="1">
-            <a:off x="4953000" y="3235889"/>
-            <a:ext cx="1019268" cy="5741"/>
-          </a:xfrm>
-          <a:prstGeom prst="straightConnector1">
-            <a:avLst/>
-          </a:prstGeom>
-          <a:ln w="31750">
-            <a:solidFill>
-              <a:srgbClr val="00B050"/>
-            </a:solidFill>
-            <a:tailEnd type="triangle" w="lg" len="lg"/>
-          </a:ln>
-        </p:spPr>
-        <p:style>
-          <a:lnRef idx="1">
-            <a:schemeClr val="accent1"/>
-          </a:lnRef>
-          <a:fillRef idx="0">
-            <a:schemeClr val="accent1"/>
-          </a:fillRef>
-          <a:effectRef idx="0">
-            <a:schemeClr val="accent1"/>
-          </a:effectRef>
-          <a:fontRef idx="minor">
-            <a:schemeClr val="tx1"/>
-          </a:fontRef>
-        </p:style>
-      </p:cxnSp>
-      <p:cxnSp>
-        <p:nvCxnSpPr>
-          <p:cNvPr id="156" name="直線矢印コネクタ 155">
-            <a:extLst>
-              <a:ext uri="{FF2B5EF4-FFF2-40B4-BE49-F238E27FC236}">
-                <a16:creationId xmlns:a16="http://schemas.microsoft.com/office/drawing/2014/main" id="{7DC12427-49A0-F442-B6C1-1CA2D80E2C6F}"/>
-              </a:ext>
-            </a:extLst>
-          </p:cNvPr>
-          <p:cNvCxnSpPr>
-            <a:cxnSpLocks/>
-          </p:cNvCxnSpPr>
-          <p:nvPr/>
-        </p:nvCxnSpPr>
-        <p:spPr>
-          <a:xfrm>
-            <a:off x="2819400" y="4799194"/>
-            <a:ext cx="1075957" cy="11166"/>
-          </a:xfrm>
-          <a:prstGeom prst="straightConnector1">
-            <a:avLst/>
-          </a:prstGeom>
-          <a:ln w="31750">
-            <a:solidFill>
-              <a:srgbClr val="00B050"/>
-            </a:solidFill>
-            <a:tailEnd type="triangle" w="lg" len="lg"/>
-          </a:ln>
-        </p:spPr>
-        <p:style>
-          <a:lnRef idx="1">
-            <a:schemeClr val="accent1"/>
-          </a:lnRef>
-          <a:fillRef idx="0">
-            <a:schemeClr val="accent1"/>
-          </a:fillRef>
-          <a:effectRef idx="0">
-            <a:schemeClr val="accent1"/>
-          </a:effectRef>
-          <a:fontRef idx="minor">
-            <a:schemeClr val="tx1"/>
-          </a:fontRef>
-        </p:style>
-      </p:cxnSp>
-      <p:cxnSp>
-        <p:nvCxnSpPr>
-          <p:cNvPr id="159" name="直線矢印コネクタ 158">
-            <a:extLst>
-              <a:ext uri="{FF2B5EF4-FFF2-40B4-BE49-F238E27FC236}">
-                <a16:creationId xmlns:a16="http://schemas.microsoft.com/office/drawing/2014/main" id="{E9DC43DC-0BB1-8E4A-862A-4F32EFD20BD6}"/>
-              </a:ext>
-            </a:extLst>
-          </p:cNvPr>
-          <p:cNvCxnSpPr>
-            <a:cxnSpLocks/>
-          </p:cNvCxnSpPr>
-          <p:nvPr/>
-        </p:nvCxnSpPr>
-        <p:spPr>
-          <a:xfrm>
-            <a:off x="4921583" y="4820578"/>
-            <a:ext cx="1075957" cy="11166"/>
-          </a:xfrm>
-          <a:prstGeom prst="straightConnector1">
-            <a:avLst/>
-          </a:prstGeom>
-          <a:ln w="31750">
-            <a:solidFill>
-              <a:srgbClr val="00B050"/>
-            </a:solidFill>
-            <a:tailEnd type="triangle" w="lg" len="lg"/>
-          </a:ln>
-        </p:spPr>
-        <p:style>
-          <a:lnRef idx="1">
-            <a:schemeClr val="accent1"/>
-          </a:lnRef>
-          <a:fillRef idx="0">
-            <a:schemeClr val="accent1"/>
-          </a:fillRef>
-          <a:effectRef idx="0">
-            <a:schemeClr val="accent1"/>
-          </a:effectRef>
-          <a:fontRef idx="minor">
-            <a:schemeClr val="tx1"/>
-          </a:fontRef>
-        </p:style>
-      </p:cxnSp>
-      <p:cxnSp>
-        <p:nvCxnSpPr>
-          <p:cNvPr id="160" name="曲線コネクタ 159">
-            <a:extLst>
-              <a:ext uri="{FF2B5EF4-FFF2-40B4-BE49-F238E27FC236}">
-                <a16:creationId xmlns:a16="http://schemas.microsoft.com/office/drawing/2014/main" id="{6B9A627E-EA19-7146-A782-D20A2D500DB2}"/>
-              </a:ext>
-            </a:extLst>
-          </p:cNvPr>
-          <p:cNvCxnSpPr>
-            <a:cxnSpLocks/>
-            <a:stCxn id="101" idx="6"/>
-            <a:endCxn id="10" idx="2"/>
-          </p:cNvCxnSpPr>
-          <p:nvPr/>
-        </p:nvCxnSpPr>
-        <p:spPr>
-          <a:xfrm flipH="1">
-            <a:off x="1685832" y="4810360"/>
-            <a:ext cx="5467536" cy="12700"/>
-          </a:xfrm>
-          <a:prstGeom prst="curvedConnector5">
-            <a:avLst>
-              <a:gd name="adj1" fmla="val -4181"/>
-              <a:gd name="adj2" fmla="val 4094803"/>
-              <a:gd name="adj3" fmla="val 104181"/>
-            </a:avLst>
-          </a:prstGeom>
-          <a:ln w="31750">
-            <a:solidFill>
-              <a:srgbClr val="00B050"/>
-            </a:solidFill>
-            <a:tailEnd type="triangle" w="lg" len="lg"/>
-          </a:ln>
-        </p:spPr>
-        <p:style>
-          <a:lnRef idx="1">
-            <a:schemeClr val="accent1"/>
-          </a:lnRef>
-          <a:fillRef idx="0">
-            <a:schemeClr val="accent1"/>
-          </a:fillRef>
-          <a:effectRef idx="0">
-            <a:schemeClr val="accent1"/>
-          </a:effectRef>
-          <a:fontRef idx="minor">
-            <a:schemeClr val="tx1"/>
-          </a:fontRef>
-        </p:style>
-      </p:cxnSp>
-      <p:sp>
-        <p:nvSpPr>
-          <p:cNvPr id="164" name="テキスト ボックス 163">
-            <a:extLst>
-              <a:ext uri="{FF2B5EF4-FFF2-40B4-BE49-F238E27FC236}">
-                <a16:creationId xmlns:a16="http://schemas.microsoft.com/office/drawing/2014/main" id="{B5A45B25-76A6-3941-AAA3-D72A17E2ACF5}"/>
-              </a:ext>
-            </a:extLst>
-          </p:cNvPr>
-          <p:cNvSpPr txBox="1"/>
-          <p:nvPr/>
-        </p:nvSpPr>
-        <p:spPr>
-          <a:xfrm>
-            <a:off x="1480374" y="6314411"/>
-            <a:ext cx="2239716" cy="369332"/>
-          </a:xfrm>
-          <a:prstGeom prst="rect">
-            <a:avLst/>
-          </a:prstGeom>
-          <a:noFill/>
-        </p:spPr>
-        <p:txBody>
-          <a:bodyPr wrap="none" rtlCol="0">
-            <a:spAutoFit/>
-          </a:bodyPr>
-          <a:lstStyle/>
-          <a:p>
-            <a:r>
-              <a:rPr lang="ja-JP" altLang="en-US">
-                <a:solidFill>
-                  <a:srgbClr val="FF0000"/>
-                </a:solidFill>
-              </a:rPr>
-              <a:t>単一の最良な識別器</a:t>
-            </a:r>
-            <a:endParaRPr kumimoji="1" lang="ja-JP" altLang="en-US">
-              <a:solidFill>
-                <a:srgbClr val="FF0000"/>
-              </a:solidFill>
-            </a:endParaRPr>
-          </a:p>
-        </p:txBody>
-      </p:sp>
-      <p:sp>
-        <p:nvSpPr>
-          <p:cNvPr id="165" name="テキスト ボックス 164">
-            <a:extLst>
-              <a:ext uri="{FF2B5EF4-FFF2-40B4-BE49-F238E27FC236}">
-                <a16:creationId xmlns:a16="http://schemas.microsoft.com/office/drawing/2014/main" id="{0E0A821F-9969-2540-8BA9-E3F683344FB6}"/>
-              </a:ext>
-            </a:extLst>
-          </p:cNvPr>
-          <p:cNvSpPr txBox="1"/>
-          <p:nvPr/>
-        </p:nvSpPr>
-        <p:spPr>
-          <a:xfrm>
-            <a:off x="6100529" y="2267834"/>
-            <a:ext cx="1795684" cy="369332"/>
-          </a:xfrm>
-          <a:prstGeom prst="rect">
-            <a:avLst/>
-          </a:prstGeom>
-          <a:noFill/>
-        </p:spPr>
-        <p:txBody>
-          <a:bodyPr wrap="none" rtlCol="0">
-            <a:spAutoFit/>
-          </a:bodyPr>
-          <a:lstStyle/>
-          <a:p>
-            <a:r>
-              <a:rPr kumimoji="1" lang="ja-JP" altLang="en-US">
-                <a:solidFill>
-                  <a:srgbClr val="00B050"/>
-                </a:solidFill>
-              </a:rPr>
-              <a:t>データセット交換</a:t>
-            </a:r>
-          </a:p>
-        </p:txBody>
-      </p:sp>
-      <p:sp>
-        <p:nvSpPr>
-          <p:cNvPr id="166" name="テキスト ボックス 165">
-            <a:extLst>
-              <a:ext uri="{FF2B5EF4-FFF2-40B4-BE49-F238E27FC236}">
-                <a16:creationId xmlns:a16="http://schemas.microsoft.com/office/drawing/2014/main" id="{56C63A39-88AC-F241-8775-B40B229AEDCA}"/>
-              </a:ext>
-            </a:extLst>
-          </p:cNvPr>
-          <p:cNvSpPr txBox="1"/>
-          <p:nvPr/>
-        </p:nvSpPr>
-        <p:spPr>
-          <a:xfrm>
-            <a:off x="6939378" y="5113101"/>
-            <a:ext cx="1800493" cy="369332"/>
-          </a:xfrm>
-          <a:prstGeom prst="rect">
-            <a:avLst/>
-          </a:prstGeom>
-          <a:noFill/>
-        </p:spPr>
-        <p:txBody>
-          <a:bodyPr wrap="none" rtlCol="0">
-            <a:spAutoFit/>
-          </a:bodyPr>
-          <a:lstStyle/>
-          <a:p>
-            <a:r>
-              <a:rPr kumimoji="1" lang="ja-JP" altLang="en-US">
-                <a:solidFill>
-                  <a:srgbClr val="00B050"/>
-                </a:solidFill>
-              </a:rPr>
-              <a:t>個体の移住操作</a:t>
-            </a:r>
-          </a:p>
-        </p:txBody>
-      </p:sp>
-    </p:spTree>
-    <p:extLst>
-      <p:ext uri="{BB962C8B-B14F-4D97-AF65-F5344CB8AC3E}">
-        <p14:creationId xmlns:p14="http://schemas.microsoft.com/office/powerpoint/2010/main" val="117408998"/>
-      </p:ext>
-    </p:extLst>
-  </p:cSld>
-  <p:clrMapOvr>
-    <a:masterClrMapping/>
-  </p:clrMapOvr>
-</p:sld>
-</file>
-
-<file path=ppt/slides/slide3.xml><?xml version="1.0" encoding="utf-8"?>
-<p:sld xmlns:a="http://schemas.openxmlformats.org/drawingml/2006/main" xmlns:r="http://schemas.openxmlformats.org/officeDocument/2006/relationships" xmlns:p="http://schemas.openxmlformats.org/presentationml/2006/main">
-  <p:cSld>
-    <p:spTree>
-      <p:nvGrpSpPr>
-        <p:cNvPr id="1" name=""/>
-        <p:cNvGrpSpPr/>
-        <p:nvPr/>
-      </p:nvGrpSpPr>
-      <p:grpSpPr>
-        <a:xfrm>
-          <a:off x="0" y="0"/>
-          <a:ext cx="0" cy="0"/>
-          <a:chOff x="0" y="0"/>
-          <a:chExt cx="0" cy="0"/>
-        </a:xfrm>
-      </p:grpSpPr>
-      <p:sp>
-        <p:nvSpPr>
-          <p:cNvPr id="2" name="タイトル 1">
-            <a:extLst>
-              <a:ext uri="{FF2B5EF4-FFF2-40B4-BE49-F238E27FC236}">
-                <a16:creationId xmlns:a16="http://schemas.microsoft.com/office/drawing/2014/main" id="{9926C8B9-C81E-1B47-BA83-C0E09154C0AD}"/>
-              </a:ext>
-            </a:extLst>
-          </p:cNvPr>
-          <p:cNvSpPr>
-            <a:spLocks noGrp="1"/>
-          </p:cNvSpPr>
-          <p:nvPr>
-            <p:ph type="title"/>
-          </p:nvPr>
-        </p:nvSpPr>
-        <p:spPr/>
-        <p:txBody>
-          <a:bodyPr/>
-          <a:lstStyle/>
-          <a:p>
-            <a:r>
-              <a:rPr kumimoji="1" lang="ja-JP" altLang="en-US"/>
-              <a:t>設計するアンサンブル識別器</a:t>
-            </a:r>
-          </a:p>
-        </p:txBody>
-      </p:sp>
-      <p:sp>
-        <p:nvSpPr>
-          <p:cNvPr id="6" name="正方形/長方形 5">
-            <a:extLst>
-              <a:ext uri="{FF2B5EF4-FFF2-40B4-BE49-F238E27FC236}">
-                <a16:creationId xmlns:a16="http://schemas.microsoft.com/office/drawing/2014/main" id="{95EFB2B9-0084-BE43-9245-6FFDEB967997}"/>
-              </a:ext>
-            </a:extLst>
-          </p:cNvPr>
-          <p:cNvSpPr/>
-          <p:nvPr/>
-        </p:nvSpPr>
-        <p:spPr>
-          <a:xfrm>
-            <a:off x="1800132" y="1573764"/>
-            <a:ext cx="1066800" cy="533400"/>
-          </a:xfrm>
-          <a:prstGeom prst="rect">
-            <a:avLst/>
-          </a:prstGeom>
-          <a:solidFill>
-            <a:srgbClr val="FFFF00"/>
-          </a:solidFill>
-          <a:ln>
-            <a:solidFill>
-              <a:schemeClr val="tx1"/>
-            </a:solidFill>
-          </a:ln>
-        </p:spPr>
-        <p:style>
-          <a:lnRef idx="2">
-            <a:schemeClr val="accent1">
-              <a:shade val="50000"/>
-            </a:schemeClr>
-          </a:lnRef>
-          <a:fillRef idx="1">
-            <a:schemeClr val="accent1"/>
-          </a:fillRef>
-          <a:effectRef idx="0">
-            <a:schemeClr val="accent1"/>
-          </a:effectRef>
-          <a:fontRef idx="minor">
-            <a:schemeClr val="lt1"/>
-          </a:fontRef>
-        </p:style>
-        <p:txBody>
-          <a:bodyPr rtlCol="0" anchor="ctr"/>
-          <a:lstStyle/>
-          <a:p>
-            <a:pPr algn="ctr"/>
-            <a:endParaRPr kumimoji="1" lang="ja-JP" altLang="en-US"/>
-          </a:p>
-        </p:txBody>
-      </p:sp>
-      <p:sp>
-        <p:nvSpPr>
-          <p:cNvPr id="10" name="円/楕円 9">
-            <a:extLst>
-              <a:ext uri="{FF2B5EF4-FFF2-40B4-BE49-F238E27FC236}">
-                <a16:creationId xmlns:a16="http://schemas.microsoft.com/office/drawing/2014/main" id="{9055ED69-EDA8-EB46-8F8A-A255DFEF4FFA}"/>
-              </a:ext>
-            </a:extLst>
-          </p:cNvPr>
-          <p:cNvSpPr/>
-          <p:nvPr/>
-        </p:nvSpPr>
-        <p:spPr>
-          <a:xfrm>
-            <a:off x="1685832" y="2767235"/>
-            <a:ext cx="1295400" cy="1295400"/>
-          </a:xfrm>
-          <a:prstGeom prst="ellipse">
-            <a:avLst/>
-          </a:prstGeom>
-          <a:ln>
-            <a:solidFill>
-              <a:schemeClr val="tx1"/>
-            </a:solidFill>
-          </a:ln>
-        </p:spPr>
-        <p:style>
-          <a:lnRef idx="2">
-            <a:schemeClr val="accent1">
-              <a:shade val="50000"/>
-            </a:schemeClr>
-          </a:lnRef>
-          <a:fillRef idx="1">
-            <a:schemeClr val="accent1"/>
-          </a:fillRef>
-          <a:effectRef idx="0">
-            <a:schemeClr val="accent1"/>
-          </a:effectRef>
-          <a:fontRef idx="minor">
-            <a:schemeClr val="lt1"/>
-          </a:fontRef>
-        </p:style>
-        <p:txBody>
-          <a:bodyPr rtlCol="0" anchor="ctr"/>
-          <a:lstStyle/>
-          <a:p>
-            <a:pPr algn="ctr"/>
-            <a:endParaRPr kumimoji="1" lang="ja-JP" altLang="en-US"/>
-          </a:p>
-        </p:txBody>
-      </p:sp>
-      <p:sp>
-        <p:nvSpPr>
-          <p:cNvPr id="13" name="円/楕円 12">
-            <a:extLst>
-              <a:ext uri="{FF2B5EF4-FFF2-40B4-BE49-F238E27FC236}">
-                <a16:creationId xmlns:a16="http://schemas.microsoft.com/office/drawing/2014/main" id="{8F5FF7A3-5C0F-2D44-844E-CD2235D51C53}"/>
-              </a:ext>
-            </a:extLst>
-          </p:cNvPr>
-          <p:cNvSpPr/>
-          <p:nvPr/>
-        </p:nvSpPr>
-        <p:spPr>
-          <a:xfrm>
-            <a:off x="2485932" y="3175169"/>
-            <a:ext cx="228600" cy="228600"/>
-          </a:xfrm>
-          <a:prstGeom prst="ellipse">
-            <a:avLst/>
-          </a:prstGeom>
-          <a:solidFill>
-            <a:srgbClr val="FFC000"/>
-          </a:solidFill>
-          <a:ln>
-            <a:solidFill>
-              <a:schemeClr val="tx1"/>
-            </a:solidFill>
-          </a:ln>
-        </p:spPr>
-        <p:style>
-          <a:lnRef idx="2">
-            <a:schemeClr val="accent1">
-              <a:shade val="50000"/>
-            </a:schemeClr>
-          </a:lnRef>
-          <a:fillRef idx="1">
-            <a:schemeClr val="accent1"/>
-          </a:fillRef>
-          <a:effectRef idx="0">
-            <a:schemeClr val="accent1"/>
-          </a:effectRef>
-          <a:fontRef idx="minor">
-            <a:schemeClr val="lt1"/>
-          </a:fontRef>
-        </p:style>
-        <p:txBody>
-          <a:bodyPr rtlCol="0" anchor="ctr"/>
-          <a:lstStyle/>
-          <a:p>
-            <a:pPr algn="ctr"/>
-            <a:endParaRPr kumimoji="1" lang="ja-JP" altLang="en-US"/>
-          </a:p>
-        </p:txBody>
-      </p:sp>
-      <p:sp>
-        <p:nvSpPr>
-          <p:cNvPr id="14" name="円/楕円 13">
-            <a:extLst>
-              <a:ext uri="{FF2B5EF4-FFF2-40B4-BE49-F238E27FC236}">
-                <a16:creationId xmlns:a16="http://schemas.microsoft.com/office/drawing/2014/main" id="{336EA75B-2E8E-A747-91F8-C53485475BD6}"/>
-              </a:ext>
-            </a:extLst>
-          </p:cNvPr>
-          <p:cNvSpPr/>
-          <p:nvPr/>
-        </p:nvSpPr>
-        <p:spPr>
-          <a:xfrm>
-            <a:off x="2090689" y="3575186"/>
-            <a:ext cx="228600" cy="228600"/>
-          </a:xfrm>
-          <a:prstGeom prst="ellipse">
-            <a:avLst/>
-          </a:prstGeom>
-          <a:solidFill>
-            <a:srgbClr val="FFC000"/>
-          </a:solidFill>
-          <a:ln>
-            <a:solidFill>
-              <a:schemeClr val="tx1"/>
-            </a:solidFill>
-          </a:ln>
-        </p:spPr>
-        <p:style>
-          <a:lnRef idx="2">
-            <a:schemeClr val="accent1">
-              <a:shade val="50000"/>
-            </a:schemeClr>
-          </a:lnRef>
-          <a:fillRef idx="1">
-            <a:schemeClr val="accent1"/>
-          </a:fillRef>
-          <a:effectRef idx="0">
-            <a:schemeClr val="accent1"/>
-          </a:effectRef>
-          <a:fontRef idx="minor">
-            <a:schemeClr val="lt1"/>
-          </a:fontRef>
-        </p:style>
-        <p:txBody>
-          <a:bodyPr rtlCol="0" anchor="ctr"/>
-          <a:lstStyle/>
-          <a:p>
-            <a:pPr algn="ctr"/>
-            <a:endParaRPr kumimoji="1" lang="ja-JP" altLang="en-US"/>
-          </a:p>
-        </p:txBody>
-      </p:sp>
-      <p:sp>
-        <p:nvSpPr>
-          <p:cNvPr id="15" name="円/楕円 14">
-            <a:extLst>
-              <a:ext uri="{FF2B5EF4-FFF2-40B4-BE49-F238E27FC236}">
-                <a16:creationId xmlns:a16="http://schemas.microsoft.com/office/drawing/2014/main" id="{DD52963E-B563-114E-BEA1-4D181720D790}"/>
-              </a:ext>
-            </a:extLst>
-          </p:cNvPr>
-          <p:cNvSpPr/>
-          <p:nvPr/>
-        </p:nvSpPr>
-        <p:spPr>
-          <a:xfrm>
-            <a:off x="1964019" y="3088578"/>
-            <a:ext cx="228600" cy="228600"/>
-          </a:xfrm>
-          <a:prstGeom prst="ellipse">
-            <a:avLst/>
-          </a:prstGeom>
-          <a:solidFill>
-            <a:srgbClr val="FFC000"/>
-          </a:solidFill>
-          <a:ln>
-            <a:solidFill>
-              <a:schemeClr val="tx1"/>
-            </a:solidFill>
-          </a:ln>
-        </p:spPr>
-        <p:style>
-          <a:lnRef idx="2">
-            <a:schemeClr val="accent1">
-              <a:shade val="50000"/>
-            </a:schemeClr>
-          </a:lnRef>
-          <a:fillRef idx="1">
-            <a:schemeClr val="accent1"/>
-          </a:fillRef>
-          <a:effectRef idx="0">
-            <a:schemeClr val="accent1"/>
-          </a:effectRef>
-          <a:fontRef idx="minor">
-            <a:schemeClr val="lt1"/>
-          </a:fontRef>
-        </p:style>
-        <p:txBody>
-          <a:bodyPr rtlCol="0" anchor="ctr"/>
-          <a:lstStyle/>
-          <a:p>
-            <a:pPr algn="ctr"/>
-            <a:endParaRPr kumimoji="1" lang="ja-JP" altLang="en-US"/>
-          </a:p>
-        </p:txBody>
-      </p:sp>
-      <p:sp>
-        <p:nvSpPr>
-          <p:cNvPr id="23" name="テキスト ボックス 22">
-            <a:extLst>
-              <a:ext uri="{FF2B5EF4-FFF2-40B4-BE49-F238E27FC236}">
-                <a16:creationId xmlns:a16="http://schemas.microsoft.com/office/drawing/2014/main" id="{1AB5D20E-A4C5-A94E-A241-1D85399E58E7}"/>
-              </a:ext>
-            </a:extLst>
-          </p:cNvPr>
-          <p:cNvSpPr txBox="1"/>
-          <p:nvPr/>
-        </p:nvSpPr>
-        <p:spPr>
-          <a:xfrm>
-            <a:off x="538229" y="2582569"/>
-            <a:ext cx="646331" cy="369332"/>
-          </a:xfrm>
-          <a:prstGeom prst="rect">
-            <a:avLst/>
-          </a:prstGeom>
-          <a:noFill/>
-        </p:spPr>
-        <p:txBody>
-          <a:bodyPr wrap="none" rtlCol="0">
-            <a:spAutoFit/>
-          </a:bodyPr>
-          <a:lstStyle/>
-          <a:p>
-            <a:r>
-              <a:rPr kumimoji="1" lang="ja-JP" altLang="en-US"/>
-              <a:t>個体</a:t>
-            </a:r>
-          </a:p>
-        </p:txBody>
-      </p:sp>
-      <p:cxnSp>
-        <p:nvCxnSpPr>
-          <p:cNvPr id="25" name="直線コネクタ 24">
-            <a:extLst>
-              <a:ext uri="{FF2B5EF4-FFF2-40B4-BE49-F238E27FC236}">
-                <a16:creationId xmlns:a16="http://schemas.microsoft.com/office/drawing/2014/main" id="{000C58D6-3804-1B45-AA55-B8FDE2CE0513}"/>
-              </a:ext>
-            </a:extLst>
-          </p:cNvPr>
-          <p:cNvCxnSpPr>
-            <a:cxnSpLocks/>
-            <a:stCxn id="23" idx="3"/>
-          </p:cNvCxnSpPr>
-          <p:nvPr/>
-        </p:nvCxnSpPr>
-        <p:spPr>
-          <a:xfrm>
-            <a:off x="1184560" y="2767235"/>
-            <a:ext cx="752633" cy="321042"/>
-          </a:xfrm>
-          <a:prstGeom prst="line">
-            <a:avLst/>
-          </a:prstGeom>
-          <a:ln>
-            <a:solidFill>
-              <a:srgbClr val="FF0000"/>
-            </a:solidFill>
-          </a:ln>
-        </p:spPr>
-        <p:style>
-          <a:lnRef idx="1">
-            <a:schemeClr val="accent1"/>
-          </a:lnRef>
-          <a:fillRef idx="0">
-            <a:schemeClr val="accent1"/>
-          </a:fillRef>
-          <a:effectRef idx="0">
-            <a:schemeClr val="accent1"/>
-          </a:effectRef>
-          <a:fontRef idx="minor">
-            <a:schemeClr val="tx1"/>
-          </a:fontRef>
-        </p:style>
-      </p:cxnSp>
-      <p:sp>
-        <p:nvSpPr>
-          <p:cNvPr id="31" name="角丸四角形 30">
-            <a:extLst>
-              <a:ext uri="{FF2B5EF4-FFF2-40B4-BE49-F238E27FC236}">
-                <a16:creationId xmlns:a16="http://schemas.microsoft.com/office/drawing/2014/main" id="{671A898A-CA23-3F4E-8634-4AD97520CB7C}"/>
-              </a:ext>
-            </a:extLst>
-          </p:cNvPr>
-          <p:cNvSpPr/>
-          <p:nvPr/>
-        </p:nvSpPr>
-        <p:spPr>
-          <a:xfrm>
-            <a:off x="1404431" y="1294327"/>
-            <a:ext cx="1858201" cy="2973005"/>
-          </a:xfrm>
-          <a:prstGeom prst="roundRect">
-            <a:avLst/>
-          </a:prstGeom>
-          <a:noFill/>
-          <a:ln>
-            <a:solidFill>
-              <a:schemeClr val="accent2"/>
-            </a:solidFill>
-            <a:prstDash val="dash"/>
-          </a:ln>
-        </p:spPr>
-        <p:style>
-          <a:lnRef idx="2">
-            <a:schemeClr val="accent1">
-              <a:shade val="50000"/>
-            </a:schemeClr>
-          </a:lnRef>
-          <a:fillRef idx="1">
-            <a:schemeClr val="accent1"/>
-          </a:fillRef>
-          <a:effectRef idx="0">
-            <a:schemeClr val="accent1"/>
-          </a:effectRef>
-          <a:fontRef idx="minor">
-            <a:schemeClr val="lt1"/>
-          </a:fontRef>
-        </p:style>
-        <p:txBody>
-          <a:bodyPr rtlCol="0" anchor="ctr"/>
-          <a:lstStyle/>
-          <a:p>
-            <a:pPr algn="ctr"/>
-            <a:endParaRPr kumimoji="1" lang="ja-JP" altLang="en-US"/>
-          </a:p>
-        </p:txBody>
-      </p:sp>
-      <p:sp>
-        <p:nvSpPr>
-          <p:cNvPr id="34" name="上下矢印 33">
-            <a:extLst>
-              <a:ext uri="{FF2B5EF4-FFF2-40B4-BE49-F238E27FC236}">
-                <a16:creationId xmlns:a16="http://schemas.microsoft.com/office/drawing/2014/main" id="{4CA690B5-3FB2-8349-9F88-E757D05ABB48}"/>
-              </a:ext>
-            </a:extLst>
-          </p:cNvPr>
-          <p:cNvSpPr/>
-          <p:nvPr/>
-        </p:nvSpPr>
-        <p:spPr>
-          <a:xfrm>
-            <a:off x="2172632" y="2170499"/>
-            <a:ext cx="293313" cy="533400"/>
-          </a:xfrm>
-          <a:prstGeom prst="upDownArrow">
-            <a:avLst/>
-          </a:prstGeom>
-          <a:solidFill>
-            <a:schemeClr val="bg1"/>
-          </a:solidFill>
-          <a:ln>
-            <a:solidFill>
-              <a:schemeClr val="tx1"/>
-            </a:solidFill>
-          </a:ln>
-        </p:spPr>
-        <p:style>
-          <a:lnRef idx="2">
-            <a:schemeClr val="accent1">
-              <a:shade val="50000"/>
-            </a:schemeClr>
-          </a:lnRef>
-          <a:fillRef idx="1">
-            <a:schemeClr val="accent1"/>
-          </a:fillRef>
-          <a:effectRef idx="0">
-            <a:schemeClr val="accent1"/>
-          </a:effectRef>
-          <a:fontRef idx="minor">
-            <a:schemeClr val="lt1"/>
-          </a:fontRef>
-        </p:style>
-        <p:txBody>
-          <a:bodyPr rtlCol="0" anchor="ctr"/>
-          <a:lstStyle/>
-          <a:p>
-            <a:pPr algn="ctr"/>
-            <a:endParaRPr kumimoji="1" lang="ja-JP" altLang="en-US"/>
-          </a:p>
-        </p:txBody>
-      </p:sp>
-      <p:sp>
-        <p:nvSpPr>
-          <p:cNvPr id="37" name="円/楕円 36">
-            <a:extLst>
-              <a:ext uri="{FF2B5EF4-FFF2-40B4-BE49-F238E27FC236}">
-                <a16:creationId xmlns:a16="http://schemas.microsoft.com/office/drawing/2014/main" id="{D61D07FA-A124-4340-B18F-961CFB237007}"/>
-              </a:ext>
-            </a:extLst>
-          </p:cNvPr>
-          <p:cNvSpPr/>
-          <p:nvPr/>
-        </p:nvSpPr>
-        <p:spPr>
-          <a:xfrm>
-            <a:off x="2501854" y="4649757"/>
-            <a:ext cx="228600" cy="228600"/>
-          </a:xfrm>
-          <a:prstGeom prst="ellipse">
-            <a:avLst/>
-          </a:prstGeom>
-          <a:solidFill>
-            <a:srgbClr val="FF0000"/>
-          </a:solidFill>
-          <a:ln>
-            <a:solidFill>
-              <a:schemeClr val="tx1"/>
-            </a:solidFill>
-          </a:ln>
-        </p:spPr>
-        <p:style>
-          <a:lnRef idx="2">
-            <a:schemeClr val="accent1">
-              <a:shade val="50000"/>
-            </a:schemeClr>
-          </a:lnRef>
-          <a:fillRef idx="1">
-            <a:schemeClr val="accent1"/>
-          </a:fillRef>
-          <a:effectRef idx="0">
-            <a:schemeClr val="accent1"/>
-          </a:effectRef>
-          <a:fontRef idx="minor">
-            <a:schemeClr val="lt1"/>
-          </a:fontRef>
-        </p:style>
-        <p:txBody>
-          <a:bodyPr rtlCol="0" anchor="ctr"/>
-          <a:lstStyle/>
-          <a:p>
-            <a:pPr algn="ctr"/>
-            <a:endParaRPr kumimoji="1" lang="ja-JP" altLang="en-US"/>
-          </a:p>
-        </p:txBody>
-      </p:sp>
-      <p:sp>
-        <p:nvSpPr>
-          <p:cNvPr id="38" name="円/楕円 37">
-            <a:extLst>
-              <a:ext uri="{FF2B5EF4-FFF2-40B4-BE49-F238E27FC236}">
-                <a16:creationId xmlns:a16="http://schemas.microsoft.com/office/drawing/2014/main" id="{711A7C8E-C723-F344-AC6F-31C123556E78}"/>
-              </a:ext>
-            </a:extLst>
-          </p:cNvPr>
-          <p:cNvSpPr/>
-          <p:nvPr/>
-        </p:nvSpPr>
-        <p:spPr>
-          <a:xfrm>
-            <a:off x="2219232" y="4649757"/>
-            <a:ext cx="228600" cy="228600"/>
-          </a:xfrm>
-          <a:prstGeom prst="ellipse">
-            <a:avLst/>
-          </a:prstGeom>
-          <a:solidFill>
-            <a:srgbClr val="FFC000"/>
-          </a:solidFill>
-          <a:ln>
-            <a:solidFill>
-              <a:schemeClr val="tx1"/>
-            </a:solidFill>
-          </a:ln>
-        </p:spPr>
-        <p:style>
-          <a:lnRef idx="2">
-            <a:schemeClr val="accent1">
-              <a:shade val="50000"/>
-            </a:schemeClr>
-          </a:lnRef>
-          <a:fillRef idx="1">
-            <a:schemeClr val="accent1"/>
-          </a:fillRef>
-          <a:effectRef idx="0">
-            <a:schemeClr val="accent1"/>
-          </a:effectRef>
-          <a:fontRef idx="minor">
-            <a:schemeClr val="lt1"/>
-          </a:fontRef>
-        </p:style>
-        <p:txBody>
-          <a:bodyPr rtlCol="0" anchor="ctr"/>
-          <a:lstStyle/>
-          <a:p>
-            <a:pPr algn="ctr"/>
-            <a:endParaRPr kumimoji="1" lang="ja-JP" altLang="en-US"/>
-          </a:p>
-        </p:txBody>
-      </p:sp>
-      <p:sp>
-        <p:nvSpPr>
-          <p:cNvPr id="39" name="円/楕円 38">
-            <a:extLst>
-              <a:ext uri="{FF2B5EF4-FFF2-40B4-BE49-F238E27FC236}">
-                <a16:creationId xmlns:a16="http://schemas.microsoft.com/office/drawing/2014/main" id="{DF1F9CDA-A379-D94E-A4D8-494CA2B90E6A}"/>
-              </a:ext>
-            </a:extLst>
-          </p:cNvPr>
-          <p:cNvSpPr/>
-          <p:nvPr/>
-        </p:nvSpPr>
-        <p:spPr>
-          <a:xfrm>
-            <a:off x="1937193" y="4649757"/>
-            <a:ext cx="228600" cy="228600"/>
-          </a:xfrm>
-          <a:prstGeom prst="ellipse">
-            <a:avLst/>
-          </a:prstGeom>
-          <a:solidFill>
-            <a:srgbClr val="FFC000"/>
-          </a:solidFill>
-          <a:ln>
-            <a:solidFill>
-              <a:schemeClr val="tx1"/>
-            </a:solidFill>
-          </a:ln>
-        </p:spPr>
-        <p:style>
-          <a:lnRef idx="2">
-            <a:schemeClr val="accent1">
-              <a:shade val="50000"/>
-            </a:schemeClr>
-          </a:lnRef>
-          <a:fillRef idx="1">
-            <a:schemeClr val="accent1"/>
-          </a:fillRef>
-          <a:effectRef idx="0">
-            <a:schemeClr val="accent1"/>
-          </a:effectRef>
-          <a:fontRef idx="minor">
-            <a:schemeClr val="lt1"/>
-          </a:fontRef>
-        </p:style>
-        <p:txBody>
-          <a:bodyPr rtlCol="0" anchor="ctr"/>
-          <a:lstStyle/>
-          <a:p>
-            <a:pPr algn="ctr"/>
-            <a:endParaRPr kumimoji="1" lang="ja-JP" altLang="en-US"/>
-          </a:p>
-        </p:txBody>
-      </p:sp>
-      <p:sp>
-        <p:nvSpPr>
-          <p:cNvPr id="46" name="下矢印 45">
-            <a:extLst>
-              <a:ext uri="{FF2B5EF4-FFF2-40B4-BE49-F238E27FC236}">
-                <a16:creationId xmlns:a16="http://schemas.microsoft.com/office/drawing/2014/main" id="{059346F8-52E2-DC48-8FCF-A50E1B9B8DAC}"/>
-              </a:ext>
-            </a:extLst>
-          </p:cNvPr>
-          <p:cNvSpPr/>
-          <p:nvPr/>
-        </p:nvSpPr>
-        <p:spPr>
-          <a:xfrm>
-            <a:off x="2152953" y="4132897"/>
-            <a:ext cx="342900" cy="476231"/>
-          </a:xfrm>
-          <a:prstGeom prst="downArrow">
-            <a:avLst/>
-          </a:prstGeom>
-          <a:solidFill>
-            <a:schemeClr val="bg1"/>
-          </a:solidFill>
-          <a:ln>
-            <a:solidFill>
-              <a:schemeClr val="tx1"/>
-            </a:solidFill>
-          </a:ln>
-        </p:spPr>
-        <p:style>
-          <a:lnRef idx="2">
-            <a:schemeClr val="accent1">
-              <a:shade val="50000"/>
-            </a:schemeClr>
-          </a:lnRef>
-          <a:fillRef idx="1">
-            <a:schemeClr val="accent1"/>
-          </a:fillRef>
-          <a:effectRef idx="0">
-            <a:schemeClr val="accent1"/>
-          </a:effectRef>
-          <a:fontRef idx="minor">
-            <a:schemeClr val="lt1"/>
-          </a:fontRef>
-        </p:style>
-        <p:txBody>
-          <a:bodyPr rtlCol="0" anchor="ctr"/>
-          <a:lstStyle/>
-          <a:p>
-            <a:pPr algn="ctr"/>
-            <a:endParaRPr kumimoji="1" lang="ja-JP" altLang="en-US"/>
-          </a:p>
-        </p:txBody>
-      </p:sp>
-      <p:sp>
-        <p:nvSpPr>
-          <p:cNvPr id="49" name="テキスト ボックス 48">
-            <a:extLst>
-              <a:ext uri="{FF2B5EF4-FFF2-40B4-BE49-F238E27FC236}">
-                <a16:creationId xmlns:a16="http://schemas.microsoft.com/office/drawing/2014/main" id="{DAD04175-DF06-194F-BE48-B44950F5459A}"/>
-              </a:ext>
-            </a:extLst>
-          </p:cNvPr>
-          <p:cNvSpPr txBox="1"/>
-          <p:nvPr/>
-        </p:nvSpPr>
-        <p:spPr>
-          <a:xfrm>
-            <a:off x="425892" y="4583668"/>
-            <a:ext cx="1107996" cy="369332"/>
-          </a:xfrm>
-          <a:prstGeom prst="rect">
-            <a:avLst/>
-          </a:prstGeom>
-          <a:noFill/>
-        </p:spPr>
-        <p:txBody>
-          <a:bodyPr wrap="none" rtlCol="0">
-            <a:spAutoFit/>
-          </a:bodyPr>
-          <a:lstStyle/>
-          <a:p>
-            <a:r>
-              <a:rPr kumimoji="1" lang="ja-JP" altLang="en-US"/>
-              <a:t>最終世代</a:t>
-            </a:r>
-          </a:p>
-        </p:txBody>
-      </p:sp>
-      <p:sp>
-        <p:nvSpPr>
-          <p:cNvPr id="50" name="テキスト ボックス 49">
-            <a:extLst>
-              <a:ext uri="{FF2B5EF4-FFF2-40B4-BE49-F238E27FC236}">
-                <a16:creationId xmlns:a16="http://schemas.microsoft.com/office/drawing/2014/main" id="{474FF568-8069-EB4B-8620-E5DA388F1C30}"/>
-              </a:ext>
-            </a:extLst>
-          </p:cNvPr>
-          <p:cNvSpPr txBox="1"/>
-          <p:nvPr/>
-        </p:nvSpPr>
-        <p:spPr>
-          <a:xfrm>
-            <a:off x="2380823" y="2247289"/>
-            <a:ext cx="966931" cy="369332"/>
-          </a:xfrm>
-          <a:prstGeom prst="rect">
-            <a:avLst/>
-          </a:prstGeom>
-          <a:noFill/>
-        </p:spPr>
-        <p:txBody>
-          <a:bodyPr wrap="none" rtlCol="0">
-            <a:spAutoFit/>
-          </a:bodyPr>
-          <a:lstStyle/>
-          <a:p>
-            <a:r>
-              <a:rPr kumimoji="1" lang="en-US" altLang="ja-JP"/>
-              <a:t>NSGA2</a:t>
-            </a:r>
-            <a:endParaRPr kumimoji="1" lang="ja-JP" altLang="en-US"/>
-          </a:p>
-        </p:txBody>
-      </p:sp>
-      <p:sp>
-        <p:nvSpPr>
-          <p:cNvPr id="88" name="正方形/長方形 87">
-            <a:extLst>
-              <a:ext uri="{FF2B5EF4-FFF2-40B4-BE49-F238E27FC236}">
-                <a16:creationId xmlns:a16="http://schemas.microsoft.com/office/drawing/2014/main" id="{F35D43CF-2463-BD43-A206-7F21268D343B}"/>
-              </a:ext>
-            </a:extLst>
-          </p:cNvPr>
-          <p:cNvSpPr/>
-          <p:nvPr/>
-        </p:nvSpPr>
-        <p:spPr>
-          <a:xfrm>
-            <a:off x="3886200" y="1579505"/>
-            <a:ext cx="1066800" cy="533400"/>
-          </a:xfrm>
-          <a:prstGeom prst="rect">
-            <a:avLst/>
-          </a:prstGeom>
-          <a:solidFill>
-            <a:srgbClr val="FFFF00"/>
-          </a:solidFill>
-          <a:ln>
-            <a:solidFill>
-              <a:schemeClr val="tx1"/>
-            </a:solidFill>
-          </a:ln>
-        </p:spPr>
-        <p:style>
-          <a:lnRef idx="2">
-            <a:schemeClr val="accent1">
-              <a:shade val="50000"/>
-            </a:schemeClr>
-          </a:lnRef>
-          <a:fillRef idx="1">
-            <a:schemeClr val="accent1"/>
-          </a:fillRef>
-          <a:effectRef idx="0">
-            <a:schemeClr val="accent1"/>
-          </a:effectRef>
-          <a:fontRef idx="minor">
-            <a:schemeClr val="lt1"/>
-          </a:fontRef>
-        </p:style>
-        <p:txBody>
-          <a:bodyPr rtlCol="0" anchor="ctr"/>
-          <a:lstStyle/>
-          <a:p>
-            <a:pPr algn="ctr"/>
-            <a:endParaRPr kumimoji="1" lang="ja-JP" altLang="en-US"/>
-          </a:p>
-        </p:txBody>
-      </p:sp>
-      <p:sp>
-        <p:nvSpPr>
-          <p:cNvPr id="89" name="円/楕円 88">
-            <a:extLst>
-              <a:ext uri="{FF2B5EF4-FFF2-40B4-BE49-F238E27FC236}">
-                <a16:creationId xmlns:a16="http://schemas.microsoft.com/office/drawing/2014/main" id="{CAF7197F-3E37-3A4F-AEBD-2456D104FA51}"/>
-              </a:ext>
-            </a:extLst>
-          </p:cNvPr>
-          <p:cNvSpPr/>
-          <p:nvPr/>
-        </p:nvSpPr>
-        <p:spPr>
-          <a:xfrm>
-            <a:off x="3771900" y="2772976"/>
-            <a:ext cx="1295400" cy="1295400"/>
-          </a:xfrm>
-          <a:prstGeom prst="ellipse">
-            <a:avLst/>
-          </a:prstGeom>
-          <a:ln>
-            <a:solidFill>
-              <a:schemeClr val="tx1"/>
-            </a:solidFill>
-          </a:ln>
-        </p:spPr>
-        <p:style>
-          <a:lnRef idx="2">
-            <a:schemeClr val="accent1">
-              <a:shade val="50000"/>
-            </a:schemeClr>
-          </a:lnRef>
-          <a:fillRef idx="1">
-            <a:schemeClr val="accent1"/>
-          </a:fillRef>
-          <a:effectRef idx="0">
-            <a:schemeClr val="accent1"/>
-          </a:effectRef>
-          <a:fontRef idx="minor">
-            <a:schemeClr val="lt1"/>
-          </a:fontRef>
-        </p:style>
-        <p:txBody>
-          <a:bodyPr rtlCol="0" anchor="ctr"/>
-          <a:lstStyle/>
-          <a:p>
-            <a:pPr algn="ctr"/>
-            <a:endParaRPr kumimoji="1" lang="ja-JP" altLang="en-US"/>
-          </a:p>
-        </p:txBody>
-      </p:sp>
-      <p:sp>
-        <p:nvSpPr>
-          <p:cNvPr id="90" name="円/楕円 89">
-            <a:extLst>
-              <a:ext uri="{FF2B5EF4-FFF2-40B4-BE49-F238E27FC236}">
-                <a16:creationId xmlns:a16="http://schemas.microsoft.com/office/drawing/2014/main" id="{6DAFBE74-A847-EB41-935C-547FD5C4D449}"/>
-              </a:ext>
-            </a:extLst>
-          </p:cNvPr>
-          <p:cNvSpPr/>
-          <p:nvPr/>
-        </p:nvSpPr>
-        <p:spPr>
-          <a:xfrm>
-            <a:off x="4572000" y="3180910"/>
-            <a:ext cx="228600" cy="228600"/>
-          </a:xfrm>
-          <a:prstGeom prst="ellipse">
-            <a:avLst/>
-          </a:prstGeom>
-          <a:solidFill>
-            <a:srgbClr val="FFC000"/>
-          </a:solidFill>
-          <a:ln>
-            <a:solidFill>
-              <a:schemeClr val="tx1"/>
-            </a:solidFill>
-          </a:ln>
-        </p:spPr>
-        <p:style>
-          <a:lnRef idx="2">
-            <a:schemeClr val="accent1">
-              <a:shade val="50000"/>
-            </a:schemeClr>
-          </a:lnRef>
-          <a:fillRef idx="1">
-            <a:schemeClr val="accent1"/>
-          </a:fillRef>
-          <a:effectRef idx="0">
-            <a:schemeClr val="accent1"/>
-          </a:effectRef>
-          <a:fontRef idx="minor">
-            <a:schemeClr val="lt1"/>
-          </a:fontRef>
-        </p:style>
-        <p:txBody>
-          <a:bodyPr rtlCol="0" anchor="ctr"/>
-          <a:lstStyle/>
-          <a:p>
-            <a:pPr algn="ctr"/>
-            <a:endParaRPr kumimoji="1" lang="ja-JP" altLang="en-US"/>
-          </a:p>
-        </p:txBody>
-      </p:sp>
-      <p:sp>
-        <p:nvSpPr>
-          <p:cNvPr id="91" name="円/楕円 90">
-            <a:extLst>
-              <a:ext uri="{FF2B5EF4-FFF2-40B4-BE49-F238E27FC236}">
-                <a16:creationId xmlns:a16="http://schemas.microsoft.com/office/drawing/2014/main" id="{152139BF-6AFD-434B-B0C7-1C41A4FF7093}"/>
-              </a:ext>
-            </a:extLst>
-          </p:cNvPr>
-          <p:cNvSpPr/>
-          <p:nvPr/>
-        </p:nvSpPr>
-        <p:spPr>
-          <a:xfrm>
-            <a:off x="4176757" y="3580927"/>
-            <a:ext cx="228600" cy="228600"/>
-          </a:xfrm>
-          <a:prstGeom prst="ellipse">
-            <a:avLst/>
-          </a:prstGeom>
-          <a:solidFill>
-            <a:srgbClr val="FFC000"/>
-          </a:solidFill>
-          <a:ln>
-            <a:solidFill>
-              <a:schemeClr val="tx1"/>
-            </a:solidFill>
-          </a:ln>
-        </p:spPr>
-        <p:style>
-          <a:lnRef idx="2">
-            <a:schemeClr val="accent1">
-              <a:shade val="50000"/>
-            </a:schemeClr>
-          </a:lnRef>
-          <a:fillRef idx="1">
-            <a:schemeClr val="accent1"/>
-          </a:fillRef>
-          <a:effectRef idx="0">
-            <a:schemeClr val="accent1"/>
-          </a:effectRef>
-          <a:fontRef idx="minor">
-            <a:schemeClr val="lt1"/>
-          </a:fontRef>
-        </p:style>
-        <p:txBody>
-          <a:bodyPr rtlCol="0" anchor="ctr"/>
-          <a:lstStyle/>
-          <a:p>
-            <a:pPr algn="ctr"/>
-            <a:endParaRPr kumimoji="1" lang="ja-JP" altLang="en-US"/>
-          </a:p>
-        </p:txBody>
-      </p:sp>
-      <p:sp>
-        <p:nvSpPr>
-          <p:cNvPr id="92" name="円/楕円 91">
-            <a:extLst>
-              <a:ext uri="{FF2B5EF4-FFF2-40B4-BE49-F238E27FC236}">
-                <a16:creationId xmlns:a16="http://schemas.microsoft.com/office/drawing/2014/main" id="{30C19EE8-0ECC-3742-9A3D-DFA869249C13}"/>
-              </a:ext>
-            </a:extLst>
-          </p:cNvPr>
-          <p:cNvSpPr/>
-          <p:nvPr/>
-        </p:nvSpPr>
-        <p:spPr>
-          <a:xfrm>
-            <a:off x="4050087" y="3094319"/>
-            <a:ext cx="228600" cy="228600"/>
-          </a:xfrm>
-          <a:prstGeom prst="ellipse">
-            <a:avLst/>
-          </a:prstGeom>
-          <a:solidFill>
-            <a:srgbClr val="FFC000"/>
-          </a:solidFill>
-          <a:ln>
-            <a:solidFill>
-              <a:schemeClr val="tx1"/>
-            </a:solidFill>
-          </a:ln>
-        </p:spPr>
-        <p:style>
-          <a:lnRef idx="2">
-            <a:schemeClr val="accent1">
-              <a:shade val="50000"/>
-            </a:schemeClr>
-          </a:lnRef>
-          <a:fillRef idx="1">
-            <a:schemeClr val="accent1"/>
-          </a:fillRef>
-          <a:effectRef idx="0">
-            <a:schemeClr val="accent1"/>
-          </a:effectRef>
-          <a:fontRef idx="minor">
-            <a:schemeClr val="lt1"/>
-          </a:fontRef>
-        </p:style>
-        <p:txBody>
-          <a:bodyPr rtlCol="0" anchor="ctr"/>
-          <a:lstStyle/>
-          <a:p>
-            <a:pPr algn="ctr"/>
-            <a:endParaRPr kumimoji="1" lang="ja-JP" altLang="en-US"/>
-          </a:p>
-        </p:txBody>
-      </p:sp>
-      <p:sp>
-        <p:nvSpPr>
-          <p:cNvPr id="93" name="角丸四角形 92">
-            <a:extLst>
-              <a:ext uri="{FF2B5EF4-FFF2-40B4-BE49-F238E27FC236}">
-                <a16:creationId xmlns:a16="http://schemas.microsoft.com/office/drawing/2014/main" id="{9B7152F3-5F30-834B-BF68-439D03E6FE5D}"/>
-              </a:ext>
-            </a:extLst>
-          </p:cNvPr>
-          <p:cNvSpPr/>
-          <p:nvPr/>
-        </p:nvSpPr>
-        <p:spPr>
-          <a:xfrm>
-            <a:off x="3490499" y="1300068"/>
-            <a:ext cx="1858201" cy="2973005"/>
-          </a:xfrm>
-          <a:prstGeom prst="roundRect">
-            <a:avLst/>
-          </a:prstGeom>
-          <a:noFill/>
-          <a:ln>
-            <a:solidFill>
-              <a:schemeClr val="accent2"/>
-            </a:solidFill>
-            <a:prstDash val="dash"/>
-          </a:ln>
-        </p:spPr>
-        <p:style>
-          <a:lnRef idx="2">
-            <a:schemeClr val="accent1">
-              <a:shade val="50000"/>
-            </a:schemeClr>
-          </a:lnRef>
-          <a:fillRef idx="1">
-            <a:schemeClr val="accent1"/>
-          </a:fillRef>
-          <a:effectRef idx="0">
-            <a:schemeClr val="accent1"/>
-          </a:effectRef>
-          <a:fontRef idx="minor">
-            <a:schemeClr val="lt1"/>
-          </a:fontRef>
-        </p:style>
-        <p:txBody>
-          <a:bodyPr rtlCol="0" anchor="ctr"/>
-          <a:lstStyle/>
-          <a:p>
-            <a:pPr algn="ctr"/>
-            <a:endParaRPr kumimoji="1" lang="ja-JP" altLang="en-US"/>
-          </a:p>
-        </p:txBody>
-      </p:sp>
-      <p:sp>
-        <p:nvSpPr>
-          <p:cNvPr id="94" name="上下矢印 93">
-            <a:extLst>
-              <a:ext uri="{FF2B5EF4-FFF2-40B4-BE49-F238E27FC236}">
-                <a16:creationId xmlns:a16="http://schemas.microsoft.com/office/drawing/2014/main" id="{025E9D77-F685-9C4E-A82E-28591B29F9F4}"/>
-              </a:ext>
-            </a:extLst>
-          </p:cNvPr>
-          <p:cNvSpPr/>
-          <p:nvPr/>
-        </p:nvSpPr>
-        <p:spPr>
-          <a:xfrm>
-            <a:off x="4258700" y="2176240"/>
-            <a:ext cx="293313" cy="533400"/>
-          </a:xfrm>
-          <a:prstGeom prst="upDownArrow">
-            <a:avLst/>
-          </a:prstGeom>
-          <a:solidFill>
-            <a:schemeClr val="bg1"/>
-          </a:solidFill>
-          <a:ln>
-            <a:solidFill>
-              <a:schemeClr val="tx1"/>
-            </a:solidFill>
-          </a:ln>
-        </p:spPr>
-        <p:style>
-          <a:lnRef idx="2">
-            <a:schemeClr val="accent1">
-              <a:shade val="50000"/>
-            </a:schemeClr>
-          </a:lnRef>
-          <a:fillRef idx="1">
-            <a:schemeClr val="accent1"/>
-          </a:fillRef>
-          <a:effectRef idx="0">
-            <a:schemeClr val="accent1"/>
-          </a:effectRef>
-          <a:fontRef idx="minor">
-            <a:schemeClr val="lt1"/>
-          </a:fontRef>
-        </p:style>
-        <p:txBody>
-          <a:bodyPr rtlCol="0" anchor="ctr"/>
-          <a:lstStyle/>
-          <a:p>
-            <a:pPr algn="ctr"/>
-            <a:endParaRPr kumimoji="1" lang="ja-JP" altLang="en-US"/>
-          </a:p>
-        </p:txBody>
-      </p:sp>
-      <p:sp>
-        <p:nvSpPr>
-          <p:cNvPr id="95" name="円/楕円 94">
-            <a:extLst>
-              <a:ext uri="{FF2B5EF4-FFF2-40B4-BE49-F238E27FC236}">
-                <a16:creationId xmlns:a16="http://schemas.microsoft.com/office/drawing/2014/main" id="{4A925EC4-1221-EA47-81EE-87B4C5B03DA2}"/>
-              </a:ext>
-            </a:extLst>
-          </p:cNvPr>
-          <p:cNvSpPr/>
-          <p:nvPr/>
-        </p:nvSpPr>
-        <p:spPr>
-          <a:xfrm>
-            <a:off x="4587922" y="4655498"/>
-            <a:ext cx="228600" cy="228600"/>
-          </a:xfrm>
-          <a:prstGeom prst="ellipse">
-            <a:avLst/>
-          </a:prstGeom>
-          <a:solidFill>
-            <a:srgbClr val="FF0000"/>
-          </a:solidFill>
-          <a:ln>
-            <a:solidFill>
-              <a:schemeClr val="tx1"/>
-            </a:solidFill>
-          </a:ln>
-        </p:spPr>
-        <p:style>
-          <a:lnRef idx="2">
-            <a:schemeClr val="accent1">
-              <a:shade val="50000"/>
-            </a:schemeClr>
-          </a:lnRef>
-          <a:fillRef idx="1">
-            <a:schemeClr val="accent1"/>
-          </a:fillRef>
-          <a:effectRef idx="0">
-            <a:schemeClr val="accent1"/>
-          </a:effectRef>
-          <a:fontRef idx="minor">
-            <a:schemeClr val="lt1"/>
-          </a:fontRef>
-        </p:style>
-        <p:txBody>
-          <a:bodyPr rtlCol="0" anchor="ctr"/>
-          <a:lstStyle/>
-          <a:p>
-            <a:pPr algn="ctr"/>
-            <a:endParaRPr kumimoji="1" lang="ja-JP" altLang="en-US"/>
-          </a:p>
-        </p:txBody>
-      </p:sp>
-      <p:sp>
-        <p:nvSpPr>
-          <p:cNvPr id="96" name="円/楕円 95">
-            <a:extLst>
-              <a:ext uri="{FF2B5EF4-FFF2-40B4-BE49-F238E27FC236}">
-                <a16:creationId xmlns:a16="http://schemas.microsoft.com/office/drawing/2014/main" id="{84A7839D-B71D-1148-A577-78DC16C34E59}"/>
-              </a:ext>
-            </a:extLst>
-          </p:cNvPr>
-          <p:cNvSpPr/>
-          <p:nvPr/>
-        </p:nvSpPr>
-        <p:spPr>
-          <a:xfrm>
-            <a:off x="4305300" y="4655498"/>
-            <a:ext cx="228600" cy="228600"/>
-          </a:xfrm>
-          <a:prstGeom prst="ellipse">
-            <a:avLst/>
-          </a:prstGeom>
-          <a:solidFill>
-            <a:srgbClr val="FFC000"/>
-          </a:solidFill>
-          <a:ln>
-            <a:solidFill>
-              <a:schemeClr val="tx1"/>
-            </a:solidFill>
-          </a:ln>
-        </p:spPr>
-        <p:style>
-          <a:lnRef idx="2">
-            <a:schemeClr val="accent1">
-              <a:shade val="50000"/>
-            </a:schemeClr>
-          </a:lnRef>
-          <a:fillRef idx="1">
-            <a:schemeClr val="accent1"/>
-          </a:fillRef>
-          <a:effectRef idx="0">
-            <a:schemeClr val="accent1"/>
-          </a:effectRef>
-          <a:fontRef idx="minor">
-            <a:schemeClr val="lt1"/>
-          </a:fontRef>
-        </p:style>
-        <p:txBody>
-          <a:bodyPr rtlCol="0" anchor="ctr"/>
-          <a:lstStyle/>
-          <a:p>
-            <a:pPr algn="ctr"/>
-            <a:endParaRPr kumimoji="1" lang="ja-JP" altLang="en-US"/>
-          </a:p>
-        </p:txBody>
-      </p:sp>
-      <p:sp>
-        <p:nvSpPr>
-          <p:cNvPr id="97" name="円/楕円 96">
-            <a:extLst>
-              <a:ext uri="{FF2B5EF4-FFF2-40B4-BE49-F238E27FC236}">
-                <a16:creationId xmlns:a16="http://schemas.microsoft.com/office/drawing/2014/main" id="{2387E49C-1F48-AD44-A03D-B51E7B918AE9}"/>
-              </a:ext>
-            </a:extLst>
-          </p:cNvPr>
-          <p:cNvSpPr/>
-          <p:nvPr/>
-        </p:nvSpPr>
-        <p:spPr>
-          <a:xfrm>
-            <a:off x="4023261" y="4655498"/>
-            <a:ext cx="228600" cy="228600"/>
-          </a:xfrm>
-          <a:prstGeom prst="ellipse">
-            <a:avLst/>
-          </a:prstGeom>
-          <a:solidFill>
-            <a:srgbClr val="FFC000"/>
-          </a:solidFill>
-          <a:ln>
-            <a:solidFill>
-              <a:schemeClr val="tx1"/>
-            </a:solidFill>
-          </a:ln>
-        </p:spPr>
-        <p:style>
-          <a:lnRef idx="2">
-            <a:schemeClr val="accent1">
-              <a:shade val="50000"/>
-            </a:schemeClr>
-          </a:lnRef>
-          <a:fillRef idx="1">
-            <a:schemeClr val="accent1"/>
-          </a:fillRef>
-          <a:effectRef idx="0">
-            <a:schemeClr val="accent1"/>
-          </a:effectRef>
-          <a:fontRef idx="minor">
-            <a:schemeClr val="lt1"/>
-          </a:fontRef>
-        </p:style>
-        <p:txBody>
-          <a:bodyPr rtlCol="0" anchor="ctr"/>
-          <a:lstStyle/>
-          <a:p>
-            <a:pPr algn="ctr"/>
-            <a:endParaRPr kumimoji="1" lang="ja-JP" altLang="en-US"/>
-          </a:p>
-        </p:txBody>
-      </p:sp>
-      <p:sp>
-        <p:nvSpPr>
-          <p:cNvPr id="98" name="下矢印 97">
-            <a:extLst>
-              <a:ext uri="{FF2B5EF4-FFF2-40B4-BE49-F238E27FC236}">
-                <a16:creationId xmlns:a16="http://schemas.microsoft.com/office/drawing/2014/main" id="{AB267B41-5818-714C-816F-605417604B25}"/>
-              </a:ext>
-            </a:extLst>
-          </p:cNvPr>
-          <p:cNvSpPr/>
-          <p:nvPr/>
-        </p:nvSpPr>
-        <p:spPr>
-          <a:xfrm>
-            <a:off x="4239021" y="4138638"/>
-            <a:ext cx="342900" cy="476231"/>
-          </a:xfrm>
-          <a:prstGeom prst="downArrow">
-            <a:avLst/>
-          </a:prstGeom>
-          <a:solidFill>
-            <a:schemeClr val="bg1"/>
-          </a:solidFill>
-          <a:ln>
-            <a:solidFill>
-              <a:schemeClr val="tx1"/>
-            </a:solidFill>
-          </a:ln>
-        </p:spPr>
-        <p:style>
-          <a:lnRef idx="2">
-            <a:schemeClr val="accent1">
-              <a:shade val="50000"/>
-            </a:schemeClr>
-          </a:lnRef>
-          <a:fillRef idx="1">
-            <a:schemeClr val="accent1"/>
-          </a:fillRef>
-          <a:effectRef idx="0">
-            <a:schemeClr val="accent1"/>
-          </a:effectRef>
-          <a:fontRef idx="minor">
-            <a:schemeClr val="lt1"/>
-          </a:fontRef>
-        </p:style>
-        <p:txBody>
-          <a:bodyPr rtlCol="0" anchor="ctr"/>
-          <a:lstStyle/>
-          <a:p>
-            <a:pPr algn="ctr"/>
-            <a:endParaRPr kumimoji="1" lang="ja-JP" altLang="en-US"/>
-          </a:p>
-        </p:txBody>
-      </p:sp>
-      <p:sp>
-        <p:nvSpPr>
-          <p:cNvPr id="99" name="テキスト ボックス 98">
-            <a:extLst>
-              <a:ext uri="{FF2B5EF4-FFF2-40B4-BE49-F238E27FC236}">
-                <a16:creationId xmlns:a16="http://schemas.microsoft.com/office/drawing/2014/main" id="{32D2DFA6-5C92-8A4F-B59D-111D89E33B99}"/>
-              </a:ext>
-            </a:extLst>
-          </p:cNvPr>
-          <p:cNvSpPr txBox="1"/>
-          <p:nvPr/>
-        </p:nvSpPr>
-        <p:spPr>
-          <a:xfrm>
-            <a:off x="4466891" y="2253030"/>
-            <a:ext cx="966931" cy="369332"/>
-          </a:xfrm>
-          <a:prstGeom prst="rect">
-            <a:avLst/>
-          </a:prstGeom>
-          <a:noFill/>
-        </p:spPr>
-        <p:txBody>
-          <a:bodyPr wrap="none" rtlCol="0">
-            <a:spAutoFit/>
-          </a:bodyPr>
-          <a:lstStyle/>
-          <a:p>
-            <a:r>
-              <a:rPr kumimoji="1" lang="en-US" altLang="ja-JP"/>
-              <a:t>NSGA2</a:t>
-            </a:r>
-            <a:endParaRPr kumimoji="1" lang="ja-JP" altLang="en-US"/>
-          </a:p>
-        </p:txBody>
-      </p:sp>
-      <p:sp>
-        <p:nvSpPr>
-          <p:cNvPr id="100" name="正方形/長方形 99">
-            <a:extLst>
-              <a:ext uri="{FF2B5EF4-FFF2-40B4-BE49-F238E27FC236}">
-                <a16:creationId xmlns:a16="http://schemas.microsoft.com/office/drawing/2014/main" id="{2A845B49-CBE9-2A45-B733-DD11997F3877}"/>
-              </a:ext>
-            </a:extLst>
-          </p:cNvPr>
-          <p:cNvSpPr/>
-          <p:nvPr/>
-        </p:nvSpPr>
-        <p:spPr>
-          <a:xfrm>
-            <a:off x="5972268" y="1573764"/>
-            <a:ext cx="1066800" cy="533400"/>
-          </a:xfrm>
-          <a:prstGeom prst="rect">
-            <a:avLst/>
-          </a:prstGeom>
-          <a:solidFill>
-            <a:srgbClr val="FFFF00"/>
-          </a:solidFill>
-          <a:ln>
-            <a:solidFill>
-              <a:schemeClr val="tx1"/>
-            </a:solidFill>
-          </a:ln>
-        </p:spPr>
-        <p:style>
-          <a:lnRef idx="2">
-            <a:schemeClr val="accent1">
-              <a:shade val="50000"/>
-            </a:schemeClr>
-          </a:lnRef>
-          <a:fillRef idx="1">
-            <a:schemeClr val="accent1"/>
-          </a:fillRef>
-          <a:effectRef idx="0">
-            <a:schemeClr val="accent1"/>
-          </a:effectRef>
-          <a:fontRef idx="minor">
-            <a:schemeClr val="lt1"/>
-          </a:fontRef>
-        </p:style>
-        <p:txBody>
-          <a:bodyPr rtlCol="0" anchor="ctr"/>
-          <a:lstStyle/>
-          <a:p>
-            <a:pPr algn="ctr"/>
-            <a:endParaRPr kumimoji="1" lang="ja-JP" altLang="en-US"/>
-          </a:p>
-        </p:txBody>
-      </p:sp>
-      <p:sp>
-        <p:nvSpPr>
-          <p:cNvPr id="101" name="円/楕円 100">
-            <a:extLst>
-              <a:ext uri="{FF2B5EF4-FFF2-40B4-BE49-F238E27FC236}">
-                <a16:creationId xmlns:a16="http://schemas.microsoft.com/office/drawing/2014/main" id="{345051E7-35D6-BC40-A61F-8A5CD8D9ED3D}"/>
-              </a:ext>
-            </a:extLst>
-          </p:cNvPr>
-          <p:cNvSpPr/>
-          <p:nvPr/>
-        </p:nvSpPr>
-        <p:spPr>
-          <a:xfrm>
-            <a:off x="5857968" y="2767235"/>
-            <a:ext cx="1295400" cy="1295400"/>
-          </a:xfrm>
-          <a:prstGeom prst="ellipse">
-            <a:avLst/>
-          </a:prstGeom>
-          <a:ln>
-            <a:solidFill>
-              <a:schemeClr val="tx1"/>
-            </a:solidFill>
-          </a:ln>
-        </p:spPr>
-        <p:style>
-          <a:lnRef idx="2">
-            <a:schemeClr val="accent1">
-              <a:shade val="50000"/>
-            </a:schemeClr>
-          </a:lnRef>
-          <a:fillRef idx="1">
-            <a:schemeClr val="accent1"/>
-          </a:fillRef>
-          <a:effectRef idx="0">
-            <a:schemeClr val="accent1"/>
-          </a:effectRef>
-          <a:fontRef idx="minor">
-            <a:schemeClr val="lt1"/>
-          </a:fontRef>
-        </p:style>
-        <p:txBody>
-          <a:bodyPr rtlCol="0" anchor="ctr"/>
-          <a:lstStyle/>
-          <a:p>
-            <a:pPr algn="ctr"/>
-            <a:endParaRPr kumimoji="1" lang="ja-JP" altLang="en-US"/>
-          </a:p>
-        </p:txBody>
-      </p:sp>
-      <p:sp>
-        <p:nvSpPr>
-          <p:cNvPr id="102" name="円/楕円 101">
-            <a:extLst>
-              <a:ext uri="{FF2B5EF4-FFF2-40B4-BE49-F238E27FC236}">
-                <a16:creationId xmlns:a16="http://schemas.microsoft.com/office/drawing/2014/main" id="{2B2ED7AA-C6E6-0743-BDDD-AA404CB29611}"/>
-              </a:ext>
-            </a:extLst>
-          </p:cNvPr>
-          <p:cNvSpPr/>
-          <p:nvPr/>
-        </p:nvSpPr>
-        <p:spPr>
-          <a:xfrm>
-            <a:off x="6658068" y="3175169"/>
-            <a:ext cx="228600" cy="228600"/>
-          </a:xfrm>
-          <a:prstGeom prst="ellipse">
-            <a:avLst/>
-          </a:prstGeom>
-          <a:solidFill>
-            <a:srgbClr val="FFC000"/>
-          </a:solidFill>
-          <a:ln>
-            <a:solidFill>
-              <a:schemeClr val="tx1"/>
-            </a:solidFill>
-          </a:ln>
-        </p:spPr>
-        <p:style>
-          <a:lnRef idx="2">
-            <a:schemeClr val="accent1">
-              <a:shade val="50000"/>
-            </a:schemeClr>
-          </a:lnRef>
-          <a:fillRef idx="1">
-            <a:schemeClr val="accent1"/>
-          </a:fillRef>
-          <a:effectRef idx="0">
-            <a:schemeClr val="accent1"/>
-          </a:effectRef>
-          <a:fontRef idx="minor">
-            <a:schemeClr val="lt1"/>
-          </a:fontRef>
-        </p:style>
-        <p:txBody>
-          <a:bodyPr rtlCol="0" anchor="ctr"/>
-          <a:lstStyle/>
-          <a:p>
-            <a:pPr algn="ctr"/>
-            <a:endParaRPr kumimoji="1" lang="ja-JP" altLang="en-US"/>
-          </a:p>
-        </p:txBody>
-      </p:sp>
-      <p:sp>
-        <p:nvSpPr>
-          <p:cNvPr id="103" name="円/楕円 102">
-            <a:extLst>
-              <a:ext uri="{FF2B5EF4-FFF2-40B4-BE49-F238E27FC236}">
-                <a16:creationId xmlns:a16="http://schemas.microsoft.com/office/drawing/2014/main" id="{261EEDCB-EC38-EA42-89E5-8CFF81A48134}"/>
-              </a:ext>
-            </a:extLst>
-          </p:cNvPr>
-          <p:cNvSpPr/>
-          <p:nvPr/>
-        </p:nvSpPr>
-        <p:spPr>
-          <a:xfrm>
-            <a:off x="6262825" y="3575186"/>
-            <a:ext cx="228600" cy="228600"/>
-          </a:xfrm>
-          <a:prstGeom prst="ellipse">
-            <a:avLst/>
-          </a:prstGeom>
-          <a:solidFill>
-            <a:srgbClr val="FFC000"/>
-          </a:solidFill>
-          <a:ln>
-            <a:solidFill>
-              <a:schemeClr val="tx1"/>
-            </a:solidFill>
-          </a:ln>
-        </p:spPr>
-        <p:style>
-          <a:lnRef idx="2">
-            <a:schemeClr val="accent1">
-              <a:shade val="50000"/>
-            </a:schemeClr>
-          </a:lnRef>
-          <a:fillRef idx="1">
-            <a:schemeClr val="accent1"/>
-          </a:fillRef>
-          <a:effectRef idx="0">
-            <a:schemeClr val="accent1"/>
-          </a:effectRef>
-          <a:fontRef idx="minor">
-            <a:schemeClr val="lt1"/>
-          </a:fontRef>
-        </p:style>
-        <p:txBody>
-          <a:bodyPr rtlCol="0" anchor="ctr"/>
-          <a:lstStyle/>
-          <a:p>
-            <a:pPr algn="ctr"/>
-            <a:endParaRPr kumimoji="1" lang="ja-JP" altLang="en-US"/>
-          </a:p>
-        </p:txBody>
-      </p:sp>
-      <p:sp>
-        <p:nvSpPr>
-          <p:cNvPr id="104" name="円/楕円 103">
-            <a:extLst>
-              <a:ext uri="{FF2B5EF4-FFF2-40B4-BE49-F238E27FC236}">
-                <a16:creationId xmlns:a16="http://schemas.microsoft.com/office/drawing/2014/main" id="{0C5F6357-8095-D24F-B0D6-C595B20E6AE8}"/>
-              </a:ext>
-            </a:extLst>
-          </p:cNvPr>
-          <p:cNvSpPr/>
-          <p:nvPr/>
-        </p:nvSpPr>
-        <p:spPr>
-          <a:xfrm>
-            <a:off x="6136155" y="3088578"/>
-            <a:ext cx="228600" cy="228600"/>
-          </a:xfrm>
-          <a:prstGeom prst="ellipse">
-            <a:avLst/>
-          </a:prstGeom>
-          <a:solidFill>
-            <a:srgbClr val="FFC000"/>
-          </a:solidFill>
-          <a:ln>
-            <a:solidFill>
-              <a:schemeClr val="tx1"/>
-            </a:solidFill>
-          </a:ln>
-        </p:spPr>
-        <p:style>
-          <a:lnRef idx="2">
-            <a:schemeClr val="accent1">
-              <a:shade val="50000"/>
-            </a:schemeClr>
-          </a:lnRef>
-          <a:fillRef idx="1">
-            <a:schemeClr val="accent1"/>
-          </a:fillRef>
-          <a:effectRef idx="0">
-            <a:schemeClr val="accent1"/>
-          </a:effectRef>
-          <a:fontRef idx="minor">
-            <a:schemeClr val="lt1"/>
-          </a:fontRef>
-        </p:style>
-        <p:txBody>
-          <a:bodyPr rtlCol="0" anchor="ctr"/>
-          <a:lstStyle/>
-          <a:p>
-            <a:pPr algn="ctr"/>
-            <a:endParaRPr kumimoji="1" lang="ja-JP" altLang="en-US"/>
-          </a:p>
-        </p:txBody>
-      </p:sp>
-      <p:sp>
-        <p:nvSpPr>
-          <p:cNvPr id="105" name="角丸四角形 104">
-            <a:extLst>
-              <a:ext uri="{FF2B5EF4-FFF2-40B4-BE49-F238E27FC236}">
-                <a16:creationId xmlns:a16="http://schemas.microsoft.com/office/drawing/2014/main" id="{5241632F-80A6-FA4F-96A7-BECF7DF63DF9}"/>
-              </a:ext>
-            </a:extLst>
-          </p:cNvPr>
-          <p:cNvSpPr/>
-          <p:nvPr/>
-        </p:nvSpPr>
-        <p:spPr>
-          <a:xfrm>
-            <a:off x="5576567" y="1294327"/>
-            <a:ext cx="1858201" cy="2973005"/>
-          </a:xfrm>
-          <a:prstGeom prst="roundRect">
-            <a:avLst/>
-          </a:prstGeom>
-          <a:noFill/>
-          <a:ln>
-            <a:solidFill>
-              <a:schemeClr val="accent2"/>
-            </a:solidFill>
-            <a:prstDash val="dash"/>
-          </a:ln>
-        </p:spPr>
-        <p:style>
-          <a:lnRef idx="2">
-            <a:schemeClr val="accent1">
-              <a:shade val="50000"/>
-            </a:schemeClr>
-          </a:lnRef>
-          <a:fillRef idx="1">
-            <a:schemeClr val="accent1"/>
-          </a:fillRef>
-          <a:effectRef idx="0">
-            <a:schemeClr val="accent1"/>
-          </a:effectRef>
-          <a:fontRef idx="minor">
-            <a:schemeClr val="lt1"/>
-          </a:fontRef>
-        </p:style>
-        <p:txBody>
-          <a:bodyPr rtlCol="0" anchor="ctr"/>
-          <a:lstStyle/>
-          <a:p>
-            <a:pPr algn="ctr"/>
-            <a:endParaRPr kumimoji="1" lang="ja-JP" altLang="en-US"/>
-          </a:p>
-        </p:txBody>
-      </p:sp>
-      <p:sp>
-        <p:nvSpPr>
-          <p:cNvPr id="106" name="上下矢印 105">
-            <a:extLst>
-              <a:ext uri="{FF2B5EF4-FFF2-40B4-BE49-F238E27FC236}">
-                <a16:creationId xmlns:a16="http://schemas.microsoft.com/office/drawing/2014/main" id="{007852C6-8EFE-9345-9055-3C1FA9FCE506}"/>
-              </a:ext>
-            </a:extLst>
-          </p:cNvPr>
-          <p:cNvSpPr/>
-          <p:nvPr/>
-        </p:nvSpPr>
-        <p:spPr>
-          <a:xfrm>
-            <a:off x="6344768" y="2170499"/>
-            <a:ext cx="293313" cy="533400"/>
-          </a:xfrm>
-          <a:prstGeom prst="upDownArrow">
-            <a:avLst/>
-          </a:prstGeom>
-          <a:solidFill>
-            <a:schemeClr val="bg1"/>
-          </a:solidFill>
-          <a:ln>
-            <a:solidFill>
-              <a:schemeClr val="tx1"/>
-            </a:solidFill>
-          </a:ln>
-        </p:spPr>
-        <p:style>
-          <a:lnRef idx="2">
-            <a:schemeClr val="accent1">
-              <a:shade val="50000"/>
-            </a:schemeClr>
-          </a:lnRef>
-          <a:fillRef idx="1">
-            <a:schemeClr val="accent1"/>
-          </a:fillRef>
-          <a:effectRef idx="0">
-            <a:schemeClr val="accent1"/>
-          </a:effectRef>
-          <a:fontRef idx="minor">
-            <a:schemeClr val="lt1"/>
-          </a:fontRef>
-        </p:style>
-        <p:txBody>
-          <a:bodyPr rtlCol="0" anchor="ctr"/>
-          <a:lstStyle/>
-          <a:p>
-            <a:pPr algn="ctr"/>
-            <a:endParaRPr kumimoji="1" lang="ja-JP" altLang="en-US"/>
-          </a:p>
-        </p:txBody>
-      </p:sp>
-      <p:sp>
-        <p:nvSpPr>
-          <p:cNvPr id="107" name="円/楕円 106">
-            <a:extLst>
-              <a:ext uri="{FF2B5EF4-FFF2-40B4-BE49-F238E27FC236}">
-                <a16:creationId xmlns:a16="http://schemas.microsoft.com/office/drawing/2014/main" id="{0318E04E-D182-3C4F-80B1-5B389B37DCE6}"/>
-              </a:ext>
-            </a:extLst>
-          </p:cNvPr>
-          <p:cNvSpPr/>
-          <p:nvPr/>
-        </p:nvSpPr>
-        <p:spPr>
-          <a:xfrm>
-            <a:off x="6673990" y="4649757"/>
-            <a:ext cx="228600" cy="228600"/>
-          </a:xfrm>
-          <a:prstGeom prst="ellipse">
-            <a:avLst/>
-          </a:prstGeom>
-          <a:solidFill>
-            <a:srgbClr val="FFC000"/>
-          </a:solidFill>
-          <a:ln>
-            <a:solidFill>
-              <a:schemeClr val="tx1"/>
-            </a:solidFill>
-          </a:ln>
-        </p:spPr>
-        <p:style>
-          <a:lnRef idx="2">
-            <a:schemeClr val="accent1">
-              <a:shade val="50000"/>
-            </a:schemeClr>
-          </a:lnRef>
-          <a:fillRef idx="1">
-            <a:schemeClr val="accent1"/>
-          </a:fillRef>
-          <a:effectRef idx="0">
-            <a:schemeClr val="accent1"/>
-          </a:effectRef>
-          <a:fontRef idx="minor">
-            <a:schemeClr val="lt1"/>
-          </a:fontRef>
-        </p:style>
-        <p:txBody>
-          <a:bodyPr rtlCol="0" anchor="ctr"/>
-          <a:lstStyle/>
-          <a:p>
-            <a:pPr algn="ctr"/>
-            <a:endParaRPr kumimoji="1" lang="ja-JP" altLang="en-US"/>
-          </a:p>
-        </p:txBody>
-      </p:sp>
-      <p:sp>
-        <p:nvSpPr>
-          <p:cNvPr id="108" name="円/楕円 107">
-            <a:extLst>
-              <a:ext uri="{FF2B5EF4-FFF2-40B4-BE49-F238E27FC236}">
-                <a16:creationId xmlns:a16="http://schemas.microsoft.com/office/drawing/2014/main" id="{1C6B8BA9-D463-E744-955E-7ACC08A57860}"/>
-              </a:ext>
-            </a:extLst>
-          </p:cNvPr>
-          <p:cNvSpPr/>
-          <p:nvPr/>
-        </p:nvSpPr>
-        <p:spPr>
-          <a:xfrm>
-            <a:off x="6391368" y="4649757"/>
-            <a:ext cx="228600" cy="228600"/>
-          </a:xfrm>
-          <a:prstGeom prst="ellipse">
-            <a:avLst/>
-          </a:prstGeom>
-          <a:solidFill>
-            <a:srgbClr val="FF0000"/>
-          </a:solidFill>
-          <a:ln>
-            <a:solidFill>
-              <a:schemeClr val="tx1"/>
-            </a:solidFill>
-          </a:ln>
-        </p:spPr>
-        <p:style>
-          <a:lnRef idx="2">
-            <a:schemeClr val="accent1">
-              <a:shade val="50000"/>
-            </a:schemeClr>
-          </a:lnRef>
-          <a:fillRef idx="1">
-            <a:schemeClr val="accent1"/>
-          </a:fillRef>
-          <a:effectRef idx="0">
-            <a:schemeClr val="accent1"/>
-          </a:effectRef>
-          <a:fontRef idx="minor">
-            <a:schemeClr val="lt1"/>
-          </a:fontRef>
-        </p:style>
-        <p:txBody>
-          <a:bodyPr rtlCol="0" anchor="ctr"/>
-          <a:lstStyle/>
-          <a:p>
-            <a:pPr algn="ctr"/>
-            <a:endParaRPr kumimoji="1" lang="ja-JP" altLang="en-US"/>
-          </a:p>
-        </p:txBody>
-      </p:sp>
-      <p:sp>
-        <p:nvSpPr>
-          <p:cNvPr id="109" name="円/楕円 108">
-            <a:extLst>
-              <a:ext uri="{FF2B5EF4-FFF2-40B4-BE49-F238E27FC236}">
-                <a16:creationId xmlns:a16="http://schemas.microsoft.com/office/drawing/2014/main" id="{67CBA390-D543-3346-B894-1BB77E468426}"/>
-              </a:ext>
-            </a:extLst>
-          </p:cNvPr>
-          <p:cNvSpPr/>
-          <p:nvPr/>
-        </p:nvSpPr>
-        <p:spPr>
-          <a:xfrm>
-            <a:off x="6109329" y="4649757"/>
-            <a:ext cx="228600" cy="228600"/>
-          </a:xfrm>
-          <a:prstGeom prst="ellipse">
-            <a:avLst/>
-          </a:prstGeom>
-          <a:solidFill>
-            <a:srgbClr val="FFC000"/>
-          </a:solidFill>
-          <a:ln>
-            <a:solidFill>
-              <a:schemeClr val="tx1"/>
-            </a:solidFill>
-          </a:ln>
-        </p:spPr>
-        <p:style>
-          <a:lnRef idx="2">
-            <a:schemeClr val="accent1">
-              <a:shade val="50000"/>
-            </a:schemeClr>
-          </a:lnRef>
-          <a:fillRef idx="1">
-            <a:schemeClr val="accent1"/>
-          </a:fillRef>
-          <a:effectRef idx="0">
-            <a:schemeClr val="accent1"/>
-          </a:effectRef>
-          <a:fontRef idx="minor">
-            <a:schemeClr val="lt1"/>
-          </a:fontRef>
-        </p:style>
-        <p:txBody>
-          <a:bodyPr rtlCol="0" anchor="ctr"/>
-          <a:lstStyle/>
-          <a:p>
-            <a:pPr algn="ctr"/>
-            <a:endParaRPr kumimoji="1" lang="ja-JP" altLang="en-US"/>
-          </a:p>
-        </p:txBody>
-      </p:sp>
-      <p:sp>
-        <p:nvSpPr>
-          <p:cNvPr id="110" name="下矢印 109">
-            <a:extLst>
-              <a:ext uri="{FF2B5EF4-FFF2-40B4-BE49-F238E27FC236}">
-                <a16:creationId xmlns:a16="http://schemas.microsoft.com/office/drawing/2014/main" id="{89DDAB64-C1BE-584C-AF41-843B65FC978D}"/>
-              </a:ext>
-            </a:extLst>
-          </p:cNvPr>
-          <p:cNvSpPr/>
-          <p:nvPr/>
-        </p:nvSpPr>
-        <p:spPr>
-          <a:xfrm>
-            <a:off x="6325089" y="4132897"/>
-            <a:ext cx="342900" cy="476231"/>
-          </a:xfrm>
-          <a:prstGeom prst="downArrow">
-            <a:avLst/>
-          </a:prstGeom>
-          <a:solidFill>
-            <a:schemeClr val="bg1"/>
-          </a:solidFill>
-          <a:ln>
-            <a:solidFill>
-              <a:schemeClr val="tx1"/>
-            </a:solidFill>
-          </a:ln>
-        </p:spPr>
-        <p:style>
-          <a:lnRef idx="2">
-            <a:schemeClr val="accent1">
-              <a:shade val="50000"/>
-            </a:schemeClr>
-          </a:lnRef>
-          <a:fillRef idx="1">
-            <a:schemeClr val="accent1"/>
-          </a:fillRef>
-          <a:effectRef idx="0">
-            <a:schemeClr val="accent1"/>
-          </a:effectRef>
-          <a:fontRef idx="minor">
-            <a:schemeClr val="lt1"/>
-          </a:fontRef>
-        </p:style>
-        <p:txBody>
-          <a:bodyPr rtlCol="0" anchor="ctr"/>
-          <a:lstStyle/>
-          <a:p>
-            <a:pPr algn="ctr"/>
-            <a:endParaRPr kumimoji="1" lang="ja-JP" altLang="en-US"/>
-          </a:p>
-        </p:txBody>
-      </p:sp>
-      <p:sp>
-        <p:nvSpPr>
-          <p:cNvPr id="111" name="テキスト ボックス 110">
-            <a:extLst>
-              <a:ext uri="{FF2B5EF4-FFF2-40B4-BE49-F238E27FC236}">
-                <a16:creationId xmlns:a16="http://schemas.microsoft.com/office/drawing/2014/main" id="{634C30E8-0BF6-AB41-94D8-72A4A68B7259}"/>
-              </a:ext>
-            </a:extLst>
-          </p:cNvPr>
-          <p:cNvSpPr txBox="1"/>
-          <p:nvPr/>
-        </p:nvSpPr>
-        <p:spPr>
-          <a:xfrm>
-            <a:off x="6552959" y="2247289"/>
-            <a:ext cx="966931" cy="369332"/>
-          </a:xfrm>
-          <a:prstGeom prst="rect">
-            <a:avLst/>
-          </a:prstGeom>
-          <a:noFill/>
-        </p:spPr>
-        <p:txBody>
-          <a:bodyPr wrap="none" rtlCol="0">
-            <a:spAutoFit/>
-          </a:bodyPr>
-          <a:lstStyle/>
-          <a:p>
-            <a:r>
-              <a:rPr kumimoji="1" lang="en-US" altLang="ja-JP"/>
-              <a:t>NSGA2</a:t>
-            </a:r>
-            <a:endParaRPr kumimoji="1" lang="ja-JP" altLang="en-US"/>
-          </a:p>
-        </p:txBody>
-      </p:sp>
-      <p:sp>
-        <p:nvSpPr>
-          <p:cNvPr id="126" name="テキスト ボックス 125">
-            <a:extLst>
-              <a:ext uri="{FF2B5EF4-FFF2-40B4-BE49-F238E27FC236}">
-                <a16:creationId xmlns:a16="http://schemas.microsoft.com/office/drawing/2014/main" id="{A8654825-1796-1F4C-9CA3-338ECB9E24A5}"/>
-              </a:ext>
-            </a:extLst>
-          </p:cNvPr>
-          <p:cNvSpPr txBox="1"/>
-          <p:nvPr/>
-        </p:nvSpPr>
-        <p:spPr>
-          <a:xfrm>
-            <a:off x="2768586" y="4884098"/>
-            <a:ext cx="1107996" cy="369332"/>
-          </a:xfrm>
-          <a:prstGeom prst="rect">
-            <a:avLst/>
-          </a:prstGeom>
-          <a:noFill/>
-        </p:spPr>
-        <p:txBody>
-          <a:bodyPr wrap="none" rtlCol="0">
-            <a:spAutoFit/>
-          </a:bodyPr>
-          <a:lstStyle/>
-          <a:p>
-            <a:r>
-              <a:rPr lang="ja-JP" altLang="en-US">
-                <a:solidFill>
-                  <a:srgbClr val="FF0000"/>
-                </a:solidFill>
-              </a:rPr>
-              <a:t>弱識別器</a:t>
-            </a:r>
-            <a:endParaRPr kumimoji="1" lang="ja-JP" altLang="en-US">
-              <a:solidFill>
-                <a:srgbClr val="FF0000"/>
-              </a:solidFill>
-            </a:endParaRPr>
-          </a:p>
-        </p:txBody>
-      </p:sp>
-      <p:sp>
-        <p:nvSpPr>
-          <p:cNvPr id="127" name="テキスト ボックス 126">
-            <a:extLst>
-              <a:ext uri="{FF2B5EF4-FFF2-40B4-BE49-F238E27FC236}">
-                <a16:creationId xmlns:a16="http://schemas.microsoft.com/office/drawing/2014/main" id="{C3C5801F-F2ED-634E-A59E-3DFBA9FA4E14}"/>
-              </a:ext>
-            </a:extLst>
-          </p:cNvPr>
-          <p:cNvSpPr txBox="1"/>
-          <p:nvPr/>
-        </p:nvSpPr>
-        <p:spPr>
-          <a:xfrm>
-            <a:off x="4851709" y="4889839"/>
-            <a:ext cx="1107996" cy="369332"/>
-          </a:xfrm>
-          <a:prstGeom prst="rect">
-            <a:avLst/>
-          </a:prstGeom>
-          <a:noFill/>
-        </p:spPr>
-        <p:txBody>
-          <a:bodyPr wrap="none" rtlCol="0">
-            <a:spAutoFit/>
-          </a:bodyPr>
-          <a:lstStyle/>
-          <a:p>
-            <a:r>
-              <a:rPr lang="ja-JP" altLang="en-US">
-                <a:solidFill>
-                  <a:srgbClr val="FF0000"/>
-                </a:solidFill>
-              </a:rPr>
-              <a:t>弱識別器</a:t>
-            </a:r>
-            <a:endParaRPr kumimoji="1" lang="ja-JP" altLang="en-US">
-              <a:solidFill>
-                <a:srgbClr val="FF0000"/>
-              </a:solidFill>
-            </a:endParaRPr>
-          </a:p>
-        </p:txBody>
-      </p:sp>
-      <p:sp>
-        <p:nvSpPr>
-          <p:cNvPr id="128" name="テキスト ボックス 127">
-            <a:extLst>
-              <a:ext uri="{FF2B5EF4-FFF2-40B4-BE49-F238E27FC236}">
-                <a16:creationId xmlns:a16="http://schemas.microsoft.com/office/drawing/2014/main" id="{35E9C326-927A-F749-9B57-912C3CDDA1E6}"/>
-              </a:ext>
-            </a:extLst>
-          </p:cNvPr>
-          <p:cNvSpPr txBox="1"/>
-          <p:nvPr/>
-        </p:nvSpPr>
-        <p:spPr>
-          <a:xfrm>
-            <a:off x="6655154" y="4884098"/>
-            <a:ext cx="1107996" cy="369332"/>
-          </a:xfrm>
-          <a:prstGeom prst="rect">
-            <a:avLst/>
-          </a:prstGeom>
-          <a:noFill/>
-        </p:spPr>
-        <p:txBody>
-          <a:bodyPr wrap="none" rtlCol="0">
-            <a:spAutoFit/>
-          </a:bodyPr>
-          <a:lstStyle/>
-          <a:p>
-            <a:r>
-              <a:rPr lang="ja-JP" altLang="en-US">
-                <a:solidFill>
-                  <a:srgbClr val="FF0000"/>
-                </a:solidFill>
-              </a:rPr>
-              <a:t>弱識別器</a:t>
-            </a:r>
-            <a:endParaRPr kumimoji="1" lang="ja-JP" altLang="en-US">
-              <a:solidFill>
-                <a:srgbClr val="FF0000"/>
-              </a:solidFill>
-            </a:endParaRPr>
-          </a:p>
-        </p:txBody>
-      </p:sp>
-      <p:sp>
-        <p:nvSpPr>
-          <p:cNvPr id="55" name="下矢印 54">
-            <a:extLst>
-              <a:ext uri="{FF2B5EF4-FFF2-40B4-BE49-F238E27FC236}">
-                <a16:creationId xmlns:a16="http://schemas.microsoft.com/office/drawing/2014/main" id="{087E02E6-7929-7D42-9FE0-0C9B63EA379C}"/>
-              </a:ext>
-            </a:extLst>
-          </p:cNvPr>
-          <p:cNvSpPr/>
-          <p:nvPr/>
-        </p:nvSpPr>
-        <p:spPr>
-          <a:xfrm>
-            <a:off x="2456333" y="4964592"/>
-            <a:ext cx="342900" cy="270057"/>
-          </a:xfrm>
-          <a:prstGeom prst="downArrow">
-            <a:avLst/>
-          </a:prstGeom>
-          <a:solidFill>
-            <a:srgbClr val="00B0F0"/>
-          </a:solidFill>
-          <a:ln>
-            <a:solidFill>
-              <a:schemeClr val="tx1"/>
-            </a:solidFill>
-          </a:ln>
-        </p:spPr>
-        <p:style>
-          <a:lnRef idx="2">
-            <a:schemeClr val="accent1">
-              <a:shade val="50000"/>
-            </a:schemeClr>
-          </a:lnRef>
-          <a:fillRef idx="1">
-            <a:schemeClr val="accent1"/>
-          </a:fillRef>
-          <a:effectRef idx="0">
-            <a:schemeClr val="accent1"/>
-          </a:effectRef>
-          <a:fontRef idx="minor">
-            <a:schemeClr val="lt1"/>
-          </a:fontRef>
-        </p:style>
-        <p:txBody>
-          <a:bodyPr rtlCol="0" anchor="ctr"/>
-          <a:lstStyle/>
-          <a:p>
-            <a:pPr algn="ctr"/>
-            <a:endParaRPr kumimoji="1" lang="ja-JP" altLang="en-US"/>
-          </a:p>
-        </p:txBody>
-      </p:sp>
-      <p:sp>
-        <p:nvSpPr>
-          <p:cNvPr id="56" name="下矢印 55">
-            <a:extLst>
-              <a:ext uri="{FF2B5EF4-FFF2-40B4-BE49-F238E27FC236}">
-                <a16:creationId xmlns:a16="http://schemas.microsoft.com/office/drawing/2014/main" id="{AD2A9043-4155-CD45-A855-1F296BC7D888}"/>
-              </a:ext>
-            </a:extLst>
-          </p:cNvPr>
-          <p:cNvSpPr/>
-          <p:nvPr/>
-        </p:nvSpPr>
-        <p:spPr>
-          <a:xfrm>
-            <a:off x="4514850" y="4964591"/>
-            <a:ext cx="342900" cy="270057"/>
-          </a:xfrm>
-          <a:prstGeom prst="downArrow">
-            <a:avLst/>
-          </a:prstGeom>
-          <a:solidFill>
-            <a:srgbClr val="00B0F0"/>
-          </a:solidFill>
-          <a:ln>
-            <a:solidFill>
-              <a:schemeClr val="tx1"/>
-            </a:solidFill>
-          </a:ln>
-        </p:spPr>
-        <p:style>
-          <a:lnRef idx="2">
-            <a:schemeClr val="accent1">
-              <a:shade val="50000"/>
-            </a:schemeClr>
-          </a:lnRef>
-          <a:fillRef idx="1">
-            <a:schemeClr val="accent1"/>
-          </a:fillRef>
-          <a:effectRef idx="0">
-            <a:schemeClr val="accent1"/>
-          </a:effectRef>
-          <a:fontRef idx="minor">
-            <a:schemeClr val="lt1"/>
-          </a:fontRef>
-        </p:style>
-        <p:txBody>
-          <a:bodyPr rtlCol="0" anchor="ctr"/>
-          <a:lstStyle/>
-          <a:p>
-            <a:pPr algn="ctr"/>
-            <a:endParaRPr kumimoji="1" lang="ja-JP" altLang="en-US"/>
-          </a:p>
-        </p:txBody>
-      </p:sp>
-      <p:sp>
-        <p:nvSpPr>
-          <p:cNvPr id="57" name="下矢印 56">
-            <a:extLst>
-              <a:ext uri="{FF2B5EF4-FFF2-40B4-BE49-F238E27FC236}">
-                <a16:creationId xmlns:a16="http://schemas.microsoft.com/office/drawing/2014/main" id="{144FC154-CD0B-4543-90F2-61C52E341DB1}"/>
-              </a:ext>
-            </a:extLst>
-          </p:cNvPr>
-          <p:cNvSpPr/>
-          <p:nvPr/>
-        </p:nvSpPr>
-        <p:spPr>
-          <a:xfrm>
-            <a:off x="6333550" y="4970345"/>
-            <a:ext cx="342900" cy="270057"/>
-          </a:xfrm>
-          <a:prstGeom prst="downArrow">
-            <a:avLst/>
-          </a:prstGeom>
-          <a:solidFill>
-            <a:srgbClr val="00B0F0"/>
-          </a:solidFill>
-          <a:ln>
-            <a:solidFill>
-              <a:schemeClr val="tx1"/>
-            </a:solidFill>
-          </a:ln>
-        </p:spPr>
-        <p:style>
-          <a:lnRef idx="2">
-            <a:schemeClr val="accent1">
-              <a:shade val="50000"/>
-            </a:schemeClr>
-          </a:lnRef>
-          <a:fillRef idx="1">
-            <a:schemeClr val="accent1"/>
-          </a:fillRef>
-          <a:effectRef idx="0">
-            <a:schemeClr val="accent1"/>
-          </a:effectRef>
-          <a:fontRef idx="minor">
-            <a:schemeClr val="lt1"/>
-          </a:fontRef>
-        </p:style>
-        <p:txBody>
-          <a:bodyPr rtlCol="0" anchor="ctr"/>
-          <a:lstStyle/>
-          <a:p>
-            <a:pPr algn="ctr"/>
-            <a:endParaRPr kumimoji="1" lang="ja-JP" altLang="en-US"/>
-          </a:p>
-        </p:txBody>
-      </p:sp>
-      <p:sp>
-        <p:nvSpPr>
-          <p:cNvPr id="58" name="円/楕円 57">
-            <a:extLst>
-              <a:ext uri="{FF2B5EF4-FFF2-40B4-BE49-F238E27FC236}">
-                <a16:creationId xmlns:a16="http://schemas.microsoft.com/office/drawing/2014/main" id="{F0733EFF-FAEE-F74E-9740-5C6A48003089}"/>
-              </a:ext>
-            </a:extLst>
-          </p:cNvPr>
-          <p:cNvSpPr/>
-          <p:nvPr/>
-        </p:nvSpPr>
-        <p:spPr>
-          <a:xfrm>
-            <a:off x="2491474" y="5416127"/>
-            <a:ext cx="228600" cy="228600"/>
-          </a:xfrm>
-          <a:prstGeom prst="ellipse">
-            <a:avLst/>
-          </a:prstGeom>
-          <a:solidFill>
-            <a:srgbClr val="FF0000"/>
-          </a:solidFill>
-          <a:ln>
-            <a:solidFill>
-              <a:schemeClr val="tx1"/>
-            </a:solidFill>
-          </a:ln>
-        </p:spPr>
-        <p:style>
-          <a:lnRef idx="2">
-            <a:schemeClr val="accent1">
-              <a:shade val="50000"/>
-            </a:schemeClr>
-          </a:lnRef>
-          <a:fillRef idx="1">
-            <a:schemeClr val="accent1"/>
-          </a:fillRef>
-          <a:effectRef idx="0">
-            <a:schemeClr val="accent1"/>
-          </a:effectRef>
-          <a:fontRef idx="minor">
-            <a:schemeClr val="lt1"/>
-          </a:fontRef>
-        </p:style>
-        <p:txBody>
-          <a:bodyPr rtlCol="0" anchor="ctr"/>
-          <a:lstStyle/>
-          <a:p>
-            <a:pPr algn="ctr"/>
-            <a:endParaRPr kumimoji="1" lang="ja-JP" altLang="en-US"/>
-          </a:p>
-        </p:txBody>
-      </p:sp>
-      <p:sp>
-        <p:nvSpPr>
-          <p:cNvPr id="59" name="円/楕円 58">
-            <a:extLst>
-              <a:ext uri="{FF2B5EF4-FFF2-40B4-BE49-F238E27FC236}">
-                <a16:creationId xmlns:a16="http://schemas.microsoft.com/office/drawing/2014/main" id="{47BA2B05-EB6A-ED47-8916-CFBEBB2C9711}"/>
-              </a:ext>
-            </a:extLst>
-          </p:cNvPr>
-          <p:cNvSpPr/>
-          <p:nvPr/>
-        </p:nvSpPr>
-        <p:spPr>
-          <a:xfrm>
-            <a:off x="4577542" y="5421868"/>
-            <a:ext cx="228600" cy="228600"/>
-          </a:xfrm>
-          <a:prstGeom prst="ellipse">
-            <a:avLst/>
-          </a:prstGeom>
-          <a:solidFill>
-            <a:srgbClr val="FF0000"/>
-          </a:solidFill>
-          <a:ln>
-            <a:solidFill>
-              <a:schemeClr val="tx1"/>
-            </a:solidFill>
-          </a:ln>
-        </p:spPr>
-        <p:style>
-          <a:lnRef idx="2">
-            <a:schemeClr val="accent1">
-              <a:shade val="50000"/>
-            </a:schemeClr>
-          </a:lnRef>
-          <a:fillRef idx="1">
-            <a:schemeClr val="accent1"/>
-          </a:fillRef>
-          <a:effectRef idx="0">
-            <a:schemeClr val="accent1"/>
-          </a:effectRef>
-          <a:fontRef idx="minor">
-            <a:schemeClr val="lt1"/>
-          </a:fontRef>
-        </p:style>
-        <p:txBody>
-          <a:bodyPr rtlCol="0" anchor="ctr"/>
-          <a:lstStyle/>
-          <a:p>
-            <a:pPr algn="ctr"/>
-            <a:endParaRPr kumimoji="1" lang="ja-JP" altLang="en-US"/>
-          </a:p>
-        </p:txBody>
-      </p:sp>
-      <p:sp>
-        <p:nvSpPr>
-          <p:cNvPr id="60" name="円/楕円 59">
-            <a:extLst>
-              <a:ext uri="{FF2B5EF4-FFF2-40B4-BE49-F238E27FC236}">
-                <a16:creationId xmlns:a16="http://schemas.microsoft.com/office/drawing/2014/main" id="{3D918CAD-EF53-AE45-A4A1-67B92BC3E464}"/>
-              </a:ext>
-            </a:extLst>
-          </p:cNvPr>
-          <p:cNvSpPr/>
-          <p:nvPr/>
-        </p:nvSpPr>
-        <p:spPr>
-          <a:xfrm>
-            <a:off x="6380988" y="5416127"/>
-            <a:ext cx="228600" cy="228600"/>
-          </a:xfrm>
-          <a:prstGeom prst="ellipse">
-            <a:avLst/>
-          </a:prstGeom>
-          <a:solidFill>
-            <a:srgbClr val="FF0000"/>
-          </a:solidFill>
-          <a:ln>
-            <a:solidFill>
-              <a:schemeClr val="tx1"/>
-            </a:solidFill>
-          </a:ln>
-        </p:spPr>
-        <p:style>
-          <a:lnRef idx="2">
-            <a:schemeClr val="accent1">
-              <a:shade val="50000"/>
-            </a:schemeClr>
-          </a:lnRef>
-          <a:fillRef idx="1">
-            <a:schemeClr val="accent1"/>
-          </a:fillRef>
-          <a:effectRef idx="0">
-            <a:schemeClr val="accent1"/>
-          </a:effectRef>
-          <a:fontRef idx="minor">
-            <a:schemeClr val="lt1"/>
-          </a:fontRef>
-        </p:style>
-        <p:txBody>
-          <a:bodyPr rtlCol="0" anchor="ctr"/>
-          <a:lstStyle/>
-          <a:p>
-            <a:pPr algn="ctr"/>
-            <a:endParaRPr kumimoji="1" lang="ja-JP" altLang="en-US"/>
-          </a:p>
-        </p:txBody>
-      </p:sp>
-      <p:sp>
-        <p:nvSpPr>
-          <p:cNvPr id="61" name="角丸四角形 60">
-            <a:extLst>
-              <a:ext uri="{FF2B5EF4-FFF2-40B4-BE49-F238E27FC236}">
-                <a16:creationId xmlns:a16="http://schemas.microsoft.com/office/drawing/2014/main" id="{326C92AB-E8F8-F94D-A9BC-689649FCD320}"/>
-              </a:ext>
-            </a:extLst>
-          </p:cNvPr>
-          <p:cNvSpPr/>
-          <p:nvPr/>
-        </p:nvSpPr>
-        <p:spPr>
-          <a:xfrm>
-            <a:off x="1839945" y="5325919"/>
-            <a:ext cx="5475255" cy="476232"/>
-          </a:xfrm>
-          <a:prstGeom prst="roundRect">
-            <a:avLst/>
-          </a:prstGeom>
-          <a:noFill/>
-          <a:ln>
-            <a:solidFill>
-              <a:srgbClr val="FF0000"/>
-            </a:solidFill>
-            <a:prstDash val="dash"/>
-          </a:ln>
-        </p:spPr>
-        <p:style>
-          <a:lnRef idx="2">
-            <a:schemeClr val="accent1">
-              <a:shade val="50000"/>
-            </a:schemeClr>
-          </a:lnRef>
-          <a:fillRef idx="1">
-            <a:schemeClr val="accent1"/>
-          </a:fillRef>
-          <a:effectRef idx="0">
-            <a:schemeClr val="accent1"/>
-          </a:effectRef>
-          <a:fontRef idx="minor">
-            <a:schemeClr val="lt1"/>
-          </a:fontRef>
-        </p:style>
-        <p:txBody>
-          <a:bodyPr rtlCol="0" anchor="ctr"/>
-          <a:lstStyle/>
-          <a:p>
-            <a:pPr algn="ctr"/>
-            <a:endParaRPr kumimoji="1" lang="ja-JP" altLang="en-US"/>
-          </a:p>
-        </p:txBody>
-      </p:sp>
-      <p:sp>
-        <p:nvSpPr>
-          <p:cNvPr id="62" name="テキスト ボックス 61">
-            <a:extLst>
-              <a:ext uri="{FF2B5EF4-FFF2-40B4-BE49-F238E27FC236}">
-                <a16:creationId xmlns:a16="http://schemas.microsoft.com/office/drawing/2014/main" id="{045C274D-19EF-8E45-961F-88B500DD1FC0}"/>
-              </a:ext>
-            </a:extLst>
-          </p:cNvPr>
-          <p:cNvSpPr txBox="1"/>
-          <p:nvPr/>
-        </p:nvSpPr>
-        <p:spPr>
-          <a:xfrm>
-            <a:off x="249807" y="5207261"/>
-            <a:ext cx="1454244" cy="646331"/>
-          </a:xfrm>
-          <a:prstGeom prst="rect">
-            <a:avLst/>
-          </a:prstGeom>
-          <a:noFill/>
-        </p:spPr>
-        <p:txBody>
-          <a:bodyPr wrap="none" rtlCol="0">
-            <a:spAutoFit/>
-          </a:bodyPr>
-          <a:lstStyle/>
-          <a:p>
-            <a:pPr algn="ctr"/>
-            <a:r>
-              <a:rPr kumimoji="1" lang="ja-JP" altLang="en-US"/>
-              <a:t>アンサンブル</a:t>
-            </a:r>
-            <a:endParaRPr kumimoji="1" lang="en-US" altLang="ja-JP"/>
-          </a:p>
-          <a:p>
-            <a:pPr algn="ctr"/>
-            <a:r>
-              <a:rPr kumimoji="1" lang="ja-JP" altLang="en-US"/>
-              <a:t>識別器</a:t>
-            </a:r>
-          </a:p>
-        </p:txBody>
-      </p:sp>
-      <p:sp>
-        <p:nvSpPr>
-          <p:cNvPr id="3" name="テキスト ボックス 2">
-            <a:extLst>
-              <a:ext uri="{FF2B5EF4-FFF2-40B4-BE49-F238E27FC236}">
-                <a16:creationId xmlns:a16="http://schemas.microsoft.com/office/drawing/2014/main" id="{D5726692-7DD2-0340-99F1-696E0767A806}"/>
-              </a:ext>
-            </a:extLst>
-          </p:cNvPr>
-          <p:cNvSpPr txBox="1"/>
-          <p:nvPr/>
-        </p:nvSpPr>
-        <p:spPr>
-          <a:xfrm>
-            <a:off x="2042162" y="5968346"/>
-            <a:ext cx="1116139" cy="400110"/>
-          </a:xfrm>
-          <a:prstGeom prst="rect">
-            <a:avLst/>
-          </a:prstGeom>
-          <a:noFill/>
-        </p:spPr>
-        <p:txBody>
-          <a:bodyPr wrap="none" rtlCol="0">
-            <a:spAutoFit/>
-          </a:bodyPr>
-          <a:lstStyle/>
-          <a:p>
-            <a:r>
-              <a:rPr kumimoji="1" lang="en-US" altLang="ja-JP" sz="2000" b="1"/>
-              <a:t>Class A</a:t>
-            </a:r>
-            <a:endParaRPr kumimoji="1" lang="ja-JP" altLang="en-US" sz="2000" b="1"/>
-          </a:p>
-        </p:txBody>
-      </p:sp>
-      <p:sp>
-        <p:nvSpPr>
-          <p:cNvPr id="64" name="テキスト ボックス 63">
-            <a:extLst>
-              <a:ext uri="{FF2B5EF4-FFF2-40B4-BE49-F238E27FC236}">
-                <a16:creationId xmlns:a16="http://schemas.microsoft.com/office/drawing/2014/main" id="{85A21118-0BE4-5143-B24F-550244D9EB77}"/>
-              </a:ext>
-            </a:extLst>
-          </p:cNvPr>
-          <p:cNvSpPr txBox="1"/>
-          <p:nvPr/>
-        </p:nvSpPr>
-        <p:spPr>
-          <a:xfrm>
-            <a:off x="4128230" y="5972170"/>
-            <a:ext cx="1125629" cy="400110"/>
-          </a:xfrm>
-          <a:prstGeom prst="rect">
-            <a:avLst/>
-          </a:prstGeom>
-          <a:noFill/>
-        </p:spPr>
-        <p:txBody>
-          <a:bodyPr wrap="none" rtlCol="0">
-            <a:spAutoFit/>
-          </a:bodyPr>
-          <a:lstStyle/>
-          <a:p>
-            <a:r>
-              <a:rPr kumimoji="1" lang="en-US" altLang="ja-JP" sz="2000" b="1"/>
-              <a:t>Class B</a:t>
-            </a:r>
-            <a:endParaRPr kumimoji="1" lang="ja-JP" altLang="en-US" sz="2000" b="1"/>
-          </a:p>
-        </p:txBody>
-      </p:sp>
-      <p:sp>
-        <p:nvSpPr>
-          <p:cNvPr id="65" name="テキスト ボックス 64">
-            <a:extLst>
-              <a:ext uri="{FF2B5EF4-FFF2-40B4-BE49-F238E27FC236}">
-                <a16:creationId xmlns:a16="http://schemas.microsoft.com/office/drawing/2014/main" id="{3A4C0D4C-5381-9E48-9327-89A68E1B18C0}"/>
-              </a:ext>
-            </a:extLst>
-          </p:cNvPr>
-          <p:cNvSpPr txBox="1"/>
-          <p:nvPr/>
-        </p:nvSpPr>
-        <p:spPr>
-          <a:xfrm>
-            <a:off x="5938764" y="5980726"/>
-            <a:ext cx="1116139" cy="400110"/>
-          </a:xfrm>
-          <a:prstGeom prst="rect">
-            <a:avLst/>
-          </a:prstGeom>
-          <a:noFill/>
-        </p:spPr>
-        <p:txBody>
-          <a:bodyPr wrap="none" rtlCol="0">
-            <a:spAutoFit/>
-          </a:bodyPr>
-          <a:lstStyle/>
-          <a:p>
-            <a:r>
-              <a:rPr kumimoji="1" lang="en-US" altLang="ja-JP" sz="2000" b="1"/>
-              <a:t>Class A</a:t>
-            </a:r>
-            <a:endParaRPr kumimoji="1" lang="ja-JP" altLang="en-US" sz="2000" b="1"/>
-          </a:p>
-        </p:txBody>
-      </p:sp>
-      <p:sp>
-        <p:nvSpPr>
-          <p:cNvPr id="66" name="下矢印 65">
-            <a:extLst>
-              <a:ext uri="{FF2B5EF4-FFF2-40B4-BE49-F238E27FC236}">
-                <a16:creationId xmlns:a16="http://schemas.microsoft.com/office/drawing/2014/main" id="{2104A4EC-6C92-1341-A359-B2B90FBB3503}"/>
-              </a:ext>
-            </a:extLst>
-          </p:cNvPr>
-          <p:cNvSpPr/>
-          <p:nvPr/>
-        </p:nvSpPr>
-        <p:spPr>
-          <a:xfrm>
-            <a:off x="2450292" y="5717956"/>
-            <a:ext cx="342900" cy="315963"/>
-          </a:xfrm>
-          <a:prstGeom prst="downArrow">
-            <a:avLst/>
-          </a:prstGeom>
-          <a:solidFill>
-            <a:schemeClr val="tx1"/>
-          </a:solidFill>
-          <a:ln>
-            <a:noFill/>
-          </a:ln>
-        </p:spPr>
-        <p:style>
-          <a:lnRef idx="2">
-            <a:schemeClr val="accent1">
-              <a:shade val="50000"/>
-            </a:schemeClr>
-          </a:lnRef>
-          <a:fillRef idx="1">
-            <a:schemeClr val="accent1"/>
-          </a:fillRef>
-          <a:effectRef idx="0">
-            <a:schemeClr val="accent1"/>
-          </a:effectRef>
-          <a:fontRef idx="minor">
-            <a:schemeClr val="lt1"/>
-          </a:fontRef>
-        </p:style>
-        <p:txBody>
-          <a:bodyPr rtlCol="0" anchor="ctr"/>
-          <a:lstStyle/>
-          <a:p>
-            <a:pPr algn="ctr"/>
-            <a:endParaRPr kumimoji="1" lang="ja-JP" altLang="en-US"/>
-          </a:p>
-        </p:txBody>
-      </p:sp>
-      <p:sp>
-        <p:nvSpPr>
-          <p:cNvPr id="67" name="下矢印 66">
-            <a:extLst>
-              <a:ext uri="{FF2B5EF4-FFF2-40B4-BE49-F238E27FC236}">
-                <a16:creationId xmlns:a16="http://schemas.microsoft.com/office/drawing/2014/main" id="{327DC001-EC0D-5D43-80F4-55C32B215875}"/>
-              </a:ext>
-            </a:extLst>
-          </p:cNvPr>
-          <p:cNvSpPr/>
-          <p:nvPr/>
-        </p:nvSpPr>
-        <p:spPr>
-          <a:xfrm>
-            <a:off x="4508809" y="5717955"/>
-            <a:ext cx="342900" cy="315963"/>
-          </a:xfrm>
-          <a:prstGeom prst="downArrow">
-            <a:avLst/>
-          </a:prstGeom>
-          <a:solidFill>
-            <a:schemeClr val="tx1"/>
-          </a:solidFill>
-          <a:ln>
-            <a:noFill/>
-          </a:ln>
-        </p:spPr>
-        <p:style>
-          <a:lnRef idx="2">
-            <a:schemeClr val="accent1">
-              <a:shade val="50000"/>
-            </a:schemeClr>
-          </a:lnRef>
-          <a:fillRef idx="1">
-            <a:schemeClr val="accent1"/>
-          </a:fillRef>
-          <a:effectRef idx="0">
-            <a:schemeClr val="accent1"/>
-          </a:effectRef>
-          <a:fontRef idx="minor">
-            <a:schemeClr val="lt1"/>
-          </a:fontRef>
-        </p:style>
-        <p:txBody>
-          <a:bodyPr rtlCol="0" anchor="ctr"/>
-          <a:lstStyle/>
-          <a:p>
-            <a:pPr algn="ctr"/>
-            <a:endParaRPr kumimoji="1" lang="ja-JP" altLang="en-US"/>
-          </a:p>
-        </p:txBody>
-      </p:sp>
-      <p:sp>
-        <p:nvSpPr>
-          <p:cNvPr id="68" name="下矢印 67">
-            <a:extLst>
-              <a:ext uri="{FF2B5EF4-FFF2-40B4-BE49-F238E27FC236}">
-                <a16:creationId xmlns:a16="http://schemas.microsoft.com/office/drawing/2014/main" id="{BA67CB96-D1D6-E745-B221-231E64D07F1C}"/>
-              </a:ext>
-            </a:extLst>
-          </p:cNvPr>
-          <p:cNvSpPr/>
-          <p:nvPr/>
-        </p:nvSpPr>
-        <p:spPr>
-          <a:xfrm>
-            <a:off x="6327509" y="5723709"/>
-            <a:ext cx="342900" cy="315963"/>
-          </a:xfrm>
-          <a:prstGeom prst="downArrow">
-            <a:avLst/>
-          </a:prstGeom>
-          <a:solidFill>
-            <a:schemeClr val="tx1"/>
-          </a:solidFill>
-          <a:ln>
-            <a:noFill/>
-          </a:ln>
-        </p:spPr>
-        <p:style>
-          <a:lnRef idx="2">
-            <a:schemeClr val="accent1">
-              <a:shade val="50000"/>
-            </a:schemeClr>
-          </a:lnRef>
-          <a:fillRef idx="1">
-            <a:schemeClr val="accent1"/>
-          </a:fillRef>
-          <a:effectRef idx="0">
-            <a:schemeClr val="accent1"/>
-          </a:effectRef>
-          <a:fontRef idx="minor">
-            <a:schemeClr val="lt1"/>
-          </a:fontRef>
-        </p:style>
-        <p:txBody>
-          <a:bodyPr rtlCol="0" anchor="ctr"/>
-          <a:lstStyle/>
-          <a:p>
-            <a:pPr algn="ctr"/>
-            <a:endParaRPr kumimoji="1" lang="ja-JP" altLang="en-US"/>
-          </a:p>
-        </p:txBody>
-      </p:sp>
-      <p:sp>
-        <p:nvSpPr>
-          <p:cNvPr id="4" name="右矢印 3">
-            <a:extLst>
-              <a:ext uri="{FF2B5EF4-FFF2-40B4-BE49-F238E27FC236}">
-                <a16:creationId xmlns:a16="http://schemas.microsoft.com/office/drawing/2014/main" id="{C273F229-2C4F-074C-AB01-A11E568B2CF3}"/>
-              </a:ext>
-            </a:extLst>
-          </p:cNvPr>
-          <p:cNvSpPr/>
-          <p:nvPr/>
-        </p:nvSpPr>
-        <p:spPr>
-          <a:xfrm>
-            <a:off x="2090689" y="6444997"/>
-            <a:ext cx="860726" cy="280736"/>
-          </a:xfrm>
-          <a:prstGeom prst="rightArrow">
-            <a:avLst/>
-          </a:prstGeom>
-          <a:solidFill>
-            <a:schemeClr val="accent5"/>
-          </a:solidFill>
-          <a:ln>
-            <a:solidFill>
-              <a:schemeClr val="tx1"/>
-            </a:solidFill>
-          </a:ln>
-        </p:spPr>
-        <p:style>
-          <a:lnRef idx="2">
-            <a:schemeClr val="accent1">
-              <a:shade val="50000"/>
-            </a:schemeClr>
-          </a:lnRef>
-          <a:fillRef idx="1">
-            <a:schemeClr val="accent1"/>
-          </a:fillRef>
-          <a:effectRef idx="0">
-            <a:schemeClr val="accent1"/>
-          </a:effectRef>
-          <a:fontRef idx="minor">
-            <a:schemeClr val="lt1"/>
-          </a:fontRef>
-        </p:style>
-        <p:txBody>
-          <a:bodyPr rtlCol="0" anchor="ctr"/>
-          <a:lstStyle/>
-          <a:p>
-            <a:pPr algn="ctr"/>
-            <a:endParaRPr kumimoji="1" lang="ja-JP" altLang="en-US"/>
-          </a:p>
-        </p:txBody>
-      </p:sp>
-      <p:sp>
-        <p:nvSpPr>
-          <p:cNvPr id="70" name="テキスト ボックス 69">
-            <a:extLst>
-              <a:ext uri="{FF2B5EF4-FFF2-40B4-BE49-F238E27FC236}">
-                <a16:creationId xmlns:a16="http://schemas.microsoft.com/office/drawing/2014/main" id="{643745EB-ECD0-6849-9F16-521105907585}"/>
-              </a:ext>
-            </a:extLst>
-          </p:cNvPr>
-          <p:cNvSpPr txBox="1"/>
-          <p:nvPr/>
-        </p:nvSpPr>
-        <p:spPr>
-          <a:xfrm>
-            <a:off x="2981232" y="6410595"/>
-            <a:ext cx="2638286" cy="369332"/>
-          </a:xfrm>
-          <a:prstGeom prst="rect">
-            <a:avLst/>
-          </a:prstGeom>
-          <a:noFill/>
-        </p:spPr>
-        <p:txBody>
-          <a:bodyPr wrap="none" rtlCol="0">
-            <a:spAutoFit/>
-          </a:bodyPr>
-          <a:lstStyle/>
-          <a:p>
-            <a:r>
-              <a:rPr kumimoji="1" lang="ja-JP" altLang="en-US"/>
-              <a:t>多数決の結果</a:t>
-            </a:r>
-            <a:r>
-              <a:rPr lang="ja-JP" altLang="en-US"/>
-              <a:t>「</a:t>
-            </a:r>
-            <a:r>
-              <a:rPr lang="en-US" altLang="ja-JP" b="1"/>
-              <a:t>Class A</a:t>
-            </a:r>
-            <a:r>
-              <a:rPr lang="ja-JP" altLang="en-US"/>
-              <a:t>」</a:t>
-            </a:r>
-            <a:endParaRPr kumimoji="1" lang="en-US" altLang="ja-JP"/>
-          </a:p>
-        </p:txBody>
-      </p:sp>
-    </p:spTree>
-    <p:extLst>
-      <p:ext uri="{BB962C8B-B14F-4D97-AF65-F5344CB8AC3E}">
-        <p14:creationId xmlns:p14="http://schemas.microsoft.com/office/powerpoint/2010/main" val="1461399379"/>
-      </p:ext>
-    </p:extLst>
-  </p:cSld>
-  <p:clrMapOvr>
-    <a:masterClrMapping/>
-  </p:clrMapOvr>
-</p:sld>
-</file>
-
-<file path=ppt/slides/slide4.xml><?xml version="1.0" encoding="utf-8"?>
 <p:sld xmlns:a="http://schemas.openxmlformats.org/drawingml/2006/main" xmlns:r="http://schemas.openxmlformats.org/officeDocument/2006/relationships" xmlns:p="http://schemas.openxmlformats.org/presentationml/2006/main">
   <p:cSld>
     <p:spTree>
@@ -15774,7 +9534,7 @@
 </p:sld>
 </file>
 
-<file path=ppt/slides/slide5.xml><?xml version="1.0" encoding="utf-8"?>
+<file path=ppt/slides/slide3.xml><?xml version="1.0" encoding="utf-8"?>
 <p:sld xmlns:a="http://schemas.openxmlformats.org/drawingml/2006/main" xmlns:r="http://schemas.openxmlformats.org/officeDocument/2006/relationships" xmlns:p="http://schemas.openxmlformats.org/presentationml/2006/main">
   <p:cSld>
     <p:spTree>
@@ -16369,7 +10129,7 @@
 </p:sld>
 </file>
 
-<file path=ppt/slides/slide6.xml><?xml version="1.0" encoding="utf-8"?>
+<file path=ppt/slides/slide4.xml><?xml version="1.0" encoding="utf-8"?>
 <p:sld xmlns:a="http://schemas.openxmlformats.org/drawingml/2006/main" xmlns:r="http://schemas.openxmlformats.org/officeDocument/2006/relationships" xmlns:p="http://schemas.openxmlformats.org/presentationml/2006/main">
   <p:cSld>
     <p:spTree>
@@ -19148,7 +12908,7 @@
 </p:sld>
 </file>
 
-<file path=ppt/slides/slide7.xml><?xml version="1.0" encoding="utf-8"?>
+<file path=ppt/slides/slide5.xml><?xml version="1.0" encoding="utf-8"?>
 <p:sld xmlns:a="http://schemas.openxmlformats.org/drawingml/2006/main" xmlns:r="http://schemas.openxmlformats.org/officeDocument/2006/relationships" xmlns:p="http://schemas.openxmlformats.org/presentationml/2006/main">
   <p:cSld>
     <p:spTree>
@@ -20743,7 +14503,7 @@
           <a:p>
             <a:r>
               <a:rPr lang="ja-JP" altLang="en-US"/>
-              <a:t>弱識別器の選択方法</a:t>
+              <a:t>単一弱識別器の選択方法</a:t>
             </a:r>
             <a:endParaRPr lang="en-US" altLang="ja-JP"/>
           </a:p>
@@ -20915,7 +14675,7 @@
 </p:sld>
 </file>
 
-<file path=ppt/slides/slide8.xml><?xml version="1.0" encoding="utf-8"?>
+<file path=ppt/slides/slide6.xml><?xml version="1.0" encoding="utf-8"?>
 <p:sld xmlns:a="http://schemas.openxmlformats.org/drawingml/2006/main" xmlns:r="http://schemas.openxmlformats.org/officeDocument/2006/relationships" xmlns:p="http://schemas.openxmlformats.org/presentationml/2006/main">
   <p:cSld>
     <p:spTree>
@@ -22782,7 +16542,7 @@
 </p:sld>
 </file>
 
-<file path=ppt/slides/slide9.xml><?xml version="1.0" encoding="utf-8"?>
+<file path=ppt/slides/slide7.xml><?xml version="1.0" encoding="utf-8"?>
 <p:sld xmlns:a="http://schemas.openxmlformats.org/drawingml/2006/main" xmlns:r="http://schemas.openxmlformats.org/officeDocument/2006/relationships" xmlns:p="http://schemas.openxmlformats.org/presentationml/2006/main">
   <p:cSld>
     <p:spTree>
@@ -22843,7 +16603,7 @@
           <p:nvPr>
             <p:extLst>
               <p:ext uri="{D42A27DB-BD31-4B8C-83A1-F6EECF244321}">
-                <p14:modId xmlns:p14="http://schemas.microsoft.com/office/powerpoint/2010/main" val="1078606119"/>
+                <p14:modId xmlns:p14="http://schemas.microsoft.com/office/powerpoint/2010/main" val="2373429034"/>
               </p:ext>
             </p:extLst>
           </p:nvPr>
@@ -23433,7 +17193,7 @@
                           <a:latin typeface="+mn-lt"/>
                           <a:ea typeface="游ゴシック" panose="020B0400000000000000" pitchFamily="34" charset="-128"/>
                         </a:rPr>
-                        <a:t>, Global</a:t>
+                        <a:t>, </a:t>
                       </a:r>
                       <a:r>
                         <a:rPr lang="ja-JP" altLang="en-US" sz="1800" b="0" i="0" u="none" strike="noStrike">
@@ -23444,7 +17204,7 @@
                           <a:latin typeface="+mn-lt"/>
                           <a:ea typeface="游ゴシック" panose="020B0400000000000000" pitchFamily="34" charset="-128"/>
                         </a:rPr>
-                        <a:t>最良</a:t>
+                        <a:t>全データ最良単一</a:t>
                       </a:r>
                       <a:r>
                         <a:rPr lang="en-US" altLang="ja-JP" sz="1800" b="0" i="0" u="none" strike="noStrike">
@@ -24189,7 +17949,7 @@
                           <a:latin typeface="+mn-lt"/>
                           <a:ea typeface="游ゴシック" panose="020B0400000000000000" pitchFamily="34" charset="-128"/>
                         </a:rPr>
-                        <a:t>, Global</a:t>
+                        <a:t>, </a:t>
                       </a:r>
                       <a:r>
                         <a:rPr lang="ja-JP" altLang="en-US" sz="1800" b="0" i="0" u="none" strike="noStrike">
@@ -24200,7 +17960,7 @@
                           <a:latin typeface="+mn-lt"/>
                           <a:ea typeface="游ゴシック" panose="020B0400000000000000" pitchFamily="34" charset="-128"/>
                         </a:rPr>
-                        <a:t>最良</a:t>
+                        <a:t>全データ最良単一</a:t>
                       </a:r>
                       <a:r>
                         <a:rPr lang="en-US" altLang="ja-JP" sz="1800" b="0" i="0" u="none" strike="noStrike">
@@ -24934,7 +18694,7 @@
                           <a:latin typeface="+mn-lt"/>
                           <a:ea typeface="游ゴシック" panose="020B0400000000000000" pitchFamily="34" charset="-128"/>
                         </a:rPr>
-                        <a:t>, Global</a:t>
+                        <a:t>, </a:t>
                       </a:r>
                       <a:r>
                         <a:rPr lang="ja-JP" altLang="en-US" sz="1800" b="0" i="0" u="none" strike="noStrike">
@@ -24945,7 +18705,7 @@
                           <a:latin typeface="+mn-lt"/>
                           <a:ea typeface="游ゴシック" panose="020B0400000000000000" pitchFamily="34" charset="-128"/>
                         </a:rPr>
-                        <a:t>最良</a:t>
+                        <a:t>全データ最良単一</a:t>
                       </a:r>
                       <a:r>
                         <a:rPr lang="en-US" altLang="ja-JP" sz="1800" b="0" i="0" u="none" strike="noStrike">
@@ -25682,6 +19442,334 @@
     <p:extLst>
       <p:ext uri="{BB962C8B-B14F-4D97-AF65-F5344CB8AC3E}">
         <p14:creationId xmlns:p14="http://schemas.microsoft.com/office/powerpoint/2010/main" val="3845177191"/>
+      </p:ext>
+    </p:extLst>
+  </p:cSld>
+  <p:clrMapOvr>
+    <a:masterClrMapping/>
+  </p:clrMapOvr>
+</p:sld>
+</file>
+
+<file path=ppt/slides/slide8.xml><?xml version="1.0" encoding="utf-8"?>
+<p:sld xmlns:a="http://schemas.openxmlformats.org/drawingml/2006/main" xmlns:r="http://schemas.openxmlformats.org/officeDocument/2006/relationships" xmlns:p="http://schemas.openxmlformats.org/presentationml/2006/main">
+  <p:cSld>
+    <p:spTree>
+      <p:nvGrpSpPr>
+        <p:cNvPr id="1" name=""/>
+        <p:cNvGrpSpPr/>
+        <p:nvPr/>
+      </p:nvGrpSpPr>
+      <p:grpSpPr>
+        <a:xfrm>
+          <a:off x="0" y="0"/>
+          <a:ext cx="0" cy="0"/>
+          <a:chOff x="0" y="0"/>
+          <a:chExt cx="0" cy="0"/>
+        </a:xfrm>
+      </p:grpSpPr>
+      <p:sp>
+        <p:nvSpPr>
+          <p:cNvPr id="2" name="タイトル 1">
+            <a:extLst>
+              <a:ext uri="{FF2B5EF4-FFF2-40B4-BE49-F238E27FC236}">
+                <a16:creationId xmlns:a16="http://schemas.microsoft.com/office/drawing/2014/main" id="{CF6946CE-9F12-204B-8F5C-905116DA4E5C}"/>
+              </a:ext>
+            </a:extLst>
+          </p:cNvPr>
+          <p:cNvSpPr>
+            <a:spLocks noGrp="1"/>
+          </p:cNvSpPr>
+          <p:nvPr>
+            <p:ph type="title"/>
+          </p:nvPr>
+        </p:nvSpPr>
+        <p:spPr/>
+        <p:txBody>
+          <a:bodyPr/>
+          <a:lstStyle/>
+          <a:p>
+            <a:r>
+              <a:rPr kumimoji="1" lang="ja-JP" altLang="en-US"/>
+              <a:t>非劣解集合</a:t>
+            </a:r>
+            <a:r>
+              <a:rPr kumimoji="1" lang="en-US" altLang="ja-JP"/>
+              <a:t> </a:t>
+            </a:r>
+            <a:r>
+              <a:rPr kumimoji="1" lang="ja-JP" altLang="en-US"/>
+              <a:t>弱識別器</a:t>
+            </a:r>
+          </a:p>
+        </p:txBody>
+      </p:sp>
+      <p:pic>
+        <p:nvPicPr>
+          <p:cNvPr id="4" name="図 3" descr="地図 が含まれている画像&#10;&#10;&#10;&#10;自動的に生成された説明">
+            <a:extLst>
+              <a:ext uri="{FF2B5EF4-FFF2-40B4-BE49-F238E27FC236}">
+                <a16:creationId xmlns:a16="http://schemas.microsoft.com/office/drawing/2014/main" id="{4177BABE-FCF9-3C44-A958-F8265485F9ED}"/>
+              </a:ext>
+            </a:extLst>
+          </p:cNvPr>
+          <p:cNvPicPr>
+            <a:picLocks noChangeAspect="1"/>
+          </p:cNvPicPr>
+          <p:nvPr/>
+        </p:nvPicPr>
+        <p:blipFill>
+          <a:blip r:embed="rId2">
+            <a:clrChange>
+              <a:clrFrom>
+                <a:srgbClr val="FFFFFF"/>
+              </a:clrFrom>
+              <a:clrTo>
+                <a:srgbClr val="FFFFFF">
+                  <a:alpha val="0"/>
+                </a:srgbClr>
+              </a:clrTo>
+            </a:clrChange>
+            <a:extLst>
+              <a:ext uri="{28A0092B-C50C-407E-A947-70E740481C1C}">
+                <a14:useLocalDpi xmlns:a14="http://schemas.microsoft.com/office/drawing/2010/main" val="0"/>
+              </a:ext>
+            </a:extLst>
+          </a:blip>
+          <a:stretch>
+            <a:fillRect/>
+          </a:stretch>
+        </p:blipFill>
+        <p:spPr>
+          <a:xfrm>
+            <a:off x="-163200" y="1066800"/>
+            <a:ext cx="5040000" cy="5040000"/>
+          </a:xfrm>
+          <a:prstGeom prst="rect">
+            <a:avLst/>
+          </a:prstGeom>
+        </p:spPr>
+      </p:pic>
+      <p:sp>
+        <p:nvSpPr>
+          <p:cNvPr id="5" name="テキスト ボックス 4">
+            <a:extLst>
+              <a:ext uri="{FF2B5EF4-FFF2-40B4-BE49-F238E27FC236}">
+                <a16:creationId xmlns:a16="http://schemas.microsoft.com/office/drawing/2014/main" id="{8FE4F9B2-B99A-FD4D-B18C-225C649360F5}"/>
+              </a:ext>
+            </a:extLst>
+          </p:cNvPr>
+          <p:cNvSpPr txBox="1"/>
+          <p:nvPr/>
+        </p:nvSpPr>
+        <p:spPr>
+          <a:xfrm>
+            <a:off x="76200" y="1200090"/>
+            <a:ext cx="2367956" cy="400110"/>
+          </a:xfrm>
+          <a:prstGeom prst="rect">
+            <a:avLst/>
+          </a:prstGeom>
+          <a:noFill/>
+        </p:spPr>
+        <p:txBody>
+          <a:bodyPr wrap="none" rtlCol="0">
+            <a:spAutoFit/>
+          </a:bodyPr>
+          <a:lstStyle/>
+          <a:p>
+            <a:pPr marL="342900" indent="-342900">
+              <a:buFont typeface="Arial" panose="020B0604020202020204" pitchFamily="34" charset="0"/>
+              <a:buChar char="•"/>
+            </a:pPr>
+            <a:r>
+              <a:rPr kumimoji="1" lang="ja-JP" altLang="en-US" sz="2000"/>
+              <a:t>島数</a:t>
+            </a:r>
+            <a:r>
+              <a:rPr kumimoji="1" lang="en-US" altLang="ja-JP" sz="2000"/>
+              <a:t>5, satimage</a:t>
+            </a:r>
+            <a:endParaRPr kumimoji="1" lang="ja-JP" altLang="en-US" sz="2000"/>
+          </a:p>
+        </p:txBody>
+      </p:sp>
+      <p:pic>
+        <p:nvPicPr>
+          <p:cNvPr id="7" name="図 6" descr="地図, テキスト が含まれている画像&#10;&#10;&#10;&#10;自動的に生成された説明">
+            <a:extLst>
+              <a:ext uri="{FF2B5EF4-FFF2-40B4-BE49-F238E27FC236}">
+                <a16:creationId xmlns:a16="http://schemas.microsoft.com/office/drawing/2014/main" id="{E6B773ED-7684-6C4F-8C75-4C495CF9091A}"/>
+              </a:ext>
+            </a:extLst>
+          </p:cNvPr>
+          <p:cNvPicPr>
+            <a:picLocks noChangeAspect="1"/>
+          </p:cNvPicPr>
+          <p:nvPr/>
+        </p:nvPicPr>
+        <p:blipFill>
+          <a:blip r:embed="rId3">
+            <a:clrChange>
+              <a:clrFrom>
+                <a:srgbClr val="FFFFFF"/>
+              </a:clrFrom>
+              <a:clrTo>
+                <a:srgbClr val="FFFFFF">
+                  <a:alpha val="0"/>
+                </a:srgbClr>
+              </a:clrTo>
+            </a:clrChange>
+            <a:extLst>
+              <a:ext uri="{28A0092B-C50C-407E-A947-70E740481C1C}">
+                <a14:useLocalDpi xmlns:a14="http://schemas.microsoft.com/office/drawing/2010/main" val="0"/>
+              </a:ext>
+            </a:extLst>
+          </a:blip>
+          <a:stretch>
+            <a:fillRect/>
+          </a:stretch>
+        </p:blipFill>
+        <p:spPr>
+          <a:xfrm>
+            <a:off x="4267200" y="1066800"/>
+            <a:ext cx="5040000" cy="5040000"/>
+          </a:xfrm>
+          <a:prstGeom prst="rect">
+            <a:avLst/>
+          </a:prstGeom>
+        </p:spPr>
+      </p:pic>
+      <p:sp>
+        <p:nvSpPr>
+          <p:cNvPr id="8" name="テキスト ボックス 7">
+            <a:extLst>
+              <a:ext uri="{FF2B5EF4-FFF2-40B4-BE49-F238E27FC236}">
+                <a16:creationId xmlns:a16="http://schemas.microsoft.com/office/drawing/2014/main" id="{CD286047-8CB1-2E4A-9194-AA1EF681BEA5}"/>
+              </a:ext>
+            </a:extLst>
+          </p:cNvPr>
+          <p:cNvSpPr txBox="1"/>
+          <p:nvPr/>
+        </p:nvSpPr>
+        <p:spPr>
+          <a:xfrm>
+            <a:off x="1608037" y="5737468"/>
+            <a:ext cx="1497526" cy="369332"/>
+          </a:xfrm>
+          <a:prstGeom prst="rect">
+            <a:avLst/>
+          </a:prstGeom>
+          <a:noFill/>
+        </p:spPr>
+        <p:txBody>
+          <a:bodyPr wrap="none" rtlCol="0">
+            <a:spAutoFit/>
+          </a:bodyPr>
+          <a:lstStyle/>
+          <a:p>
+            <a:r>
+              <a:rPr kumimoji="1" lang="ja-JP" altLang="en-US"/>
+              <a:t>過剰適合あり</a:t>
+            </a:r>
+          </a:p>
+        </p:txBody>
+      </p:sp>
+      <p:sp>
+        <p:nvSpPr>
+          <p:cNvPr id="9" name="テキスト ボックス 8">
+            <a:extLst>
+              <a:ext uri="{FF2B5EF4-FFF2-40B4-BE49-F238E27FC236}">
+                <a16:creationId xmlns:a16="http://schemas.microsoft.com/office/drawing/2014/main" id="{4BF79A82-68CC-AD43-AF59-6A66190FF08F}"/>
+              </a:ext>
+            </a:extLst>
+          </p:cNvPr>
+          <p:cNvSpPr txBox="1"/>
+          <p:nvPr/>
+        </p:nvSpPr>
+        <p:spPr>
+          <a:xfrm>
+            <a:off x="6038437" y="5737468"/>
+            <a:ext cx="1492716" cy="369332"/>
+          </a:xfrm>
+          <a:prstGeom prst="rect">
+            <a:avLst/>
+          </a:prstGeom>
+          <a:noFill/>
+        </p:spPr>
+        <p:txBody>
+          <a:bodyPr wrap="none" rtlCol="0">
+            <a:spAutoFit/>
+          </a:bodyPr>
+          <a:lstStyle/>
+          <a:p>
+            <a:r>
+              <a:rPr kumimoji="1" lang="ja-JP" altLang="en-US"/>
+              <a:t>過剰適合なし</a:t>
+            </a:r>
+          </a:p>
+        </p:txBody>
+      </p:sp>
+      <p:sp>
+        <p:nvSpPr>
+          <p:cNvPr id="11" name="テキスト ボックス 10">
+            <a:extLst>
+              <a:ext uri="{FF2B5EF4-FFF2-40B4-BE49-F238E27FC236}">
+                <a16:creationId xmlns:a16="http://schemas.microsoft.com/office/drawing/2014/main" id="{93E2FB28-8682-D948-B8DF-ADD5198A76A6}"/>
+              </a:ext>
+            </a:extLst>
+          </p:cNvPr>
+          <p:cNvSpPr txBox="1"/>
+          <p:nvPr/>
+        </p:nvSpPr>
+        <p:spPr>
+          <a:xfrm>
+            <a:off x="697885" y="6106800"/>
+            <a:ext cx="7824429" cy="646331"/>
+          </a:xfrm>
+          <a:prstGeom prst="rect">
+            <a:avLst/>
+          </a:prstGeom>
+          <a:noFill/>
+          <a:ln w="19050">
+            <a:solidFill>
+              <a:srgbClr val="FF0000"/>
+            </a:solidFill>
+          </a:ln>
+        </p:spPr>
+        <p:txBody>
+          <a:bodyPr wrap="square" rtlCol="0">
+            <a:spAutoFit/>
+          </a:bodyPr>
+          <a:lstStyle/>
+          <a:p>
+            <a:r>
+              <a:rPr lang="ja-JP" altLang="en-US"/>
+              <a:t>過剰適合ありの方が</a:t>
+            </a:r>
+            <a:r>
+              <a:rPr lang="en-US" altLang="ja-JP"/>
+              <a:t>2</a:t>
+            </a:r>
+            <a:r>
+              <a:rPr lang="ja-JP" altLang="en-US"/>
+              <a:t>目的空間において広く分布した非劣解が得られる．</a:t>
+            </a:r>
+            <a:endParaRPr lang="en-US" altLang="ja-JP"/>
+          </a:p>
+          <a:p>
+            <a:r>
+              <a:rPr lang="ja-JP" altLang="en-US"/>
+              <a:t>過剰適合なしの方が識別率が高い個体を得ているが，重複した個体も多い．</a:t>
+            </a:r>
+            <a:endParaRPr lang="en-US" altLang="ja-JP"/>
+          </a:p>
+        </p:txBody>
+      </p:sp>
+    </p:spTree>
+    <p:extLst>
+      <p:ext uri="{BB962C8B-B14F-4D97-AF65-F5344CB8AC3E}">
+        <p14:creationId xmlns:p14="http://schemas.microsoft.com/office/powerpoint/2010/main" val="1074252344"/>
       </p:ext>
     </p:extLst>
   </p:cSld>

--- a/進捗報告_第2回_20190115.pptx
+++ b/進捗報告_第2回_20190115.pptx
@@ -6,10 +6,10 @@
     <p:sldMasterId id="2147483650" r:id="rId2"/>
   </p:sldMasterIdLst>
   <p:notesMasterIdLst>
-    <p:notesMasterId r:id="rId11"/>
+    <p:notesMasterId r:id="rId12"/>
   </p:notesMasterIdLst>
   <p:handoutMasterIdLst>
-    <p:handoutMasterId r:id="rId12"/>
+    <p:handoutMasterId r:id="rId13"/>
   </p:handoutMasterIdLst>
   <p:sldIdLst>
     <p:sldId id="256" r:id="rId3"/>
@@ -19,7 +19,8 @@
     <p:sldId id="276" r:id="rId7"/>
     <p:sldId id="268" r:id="rId8"/>
     <p:sldId id="274" r:id="rId9"/>
-    <p:sldId id="277" r:id="rId10"/>
+    <p:sldId id="278" r:id="rId10"/>
+    <p:sldId id="277" r:id="rId11"/>
   </p:sldIdLst>
   <p:sldSz cx="9144000" cy="6858000" type="screen4x3"/>
   <p:notesSz cx="6858000" cy="9144000"/>
@@ -6129,7 +6130,7 @@
               <a:defRPr/>
             </a:pPr>
             <a:r>
-              <a:rPr lang="en-US" altLang="ja-JP" sz="2800" b="1">
+              <a:rPr lang="en-US" altLang="ja-JP" sz="2800" b="1" dirty="0" smtClean="0">
                 <a:solidFill>
                   <a:srgbClr val="FFC000"/>
                 </a:solidFill>
@@ -6150,15 +6151,15 @@
               <a:t>‹#›</a:t>
             </a:fld>
             <a:r>
-              <a:rPr lang="en-US" altLang="ja-JP" sz="2800" b="1">
+              <a:rPr lang="en-US" altLang="ja-JP" sz="2800" b="1" dirty="0" smtClean="0">
                 <a:solidFill>
                   <a:srgbClr val="FFC000"/>
                 </a:solidFill>
                 <a:latin typeface="ＭＳ Ｐゴシック" panose="020B0600070205080204" pitchFamily="34" charset="-128"/>
               </a:rPr>
-              <a:t>/8)</a:t>
-            </a:r>
-            <a:endParaRPr lang="ja-JP" altLang="en-US" sz="2800" b="1">
+              <a:t>/9)</a:t>
+            </a:r>
+            <a:endParaRPr lang="ja-JP" altLang="en-US" sz="2800" b="1" dirty="0">
               <a:solidFill>
                 <a:srgbClr val="FFC000"/>
               </a:solidFill>
@@ -6359,7 +6360,7 @@
               <a:defRPr/>
             </a:pPr>
             <a:r>
-              <a:rPr lang="en-US" altLang="ja-JP" sz="2800" b="1">
+              <a:rPr lang="en-US" altLang="ja-JP" sz="2800" b="1" dirty="0" smtClean="0">
                 <a:solidFill>
                   <a:srgbClr val="FFC000"/>
                 </a:solidFill>
@@ -6380,15 +6381,15 @@
               <a:t>‹#›</a:t>
             </a:fld>
             <a:r>
-              <a:rPr lang="en-US" altLang="ja-JP" sz="2800" b="1">
+              <a:rPr lang="en-US" altLang="ja-JP" sz="2800" b="1" dirty="0" smtClean="0">
                 <a:solidFill>
                   <a:srgbClr val="FFC000"/>
                 </a:solidFill>
                 <a:latin typeface="ＭＳ Ｐゴシック" panose="020B0600070205080204" pitchFamily="34" charset="-128"/>
               </a:rPr>
-              <a:t>/8)</a:t>
-            </a:r>
-            <a:endParaRPr lang="ja-JP" altLang="en-US" sz="2800" b="1">
+              <a:t>/9)</a:t>
+            </a:r>
+            <a:endParaRPr lang="ja-JP" altLang="en-US" sz="2800" b="1" dirty="0">
               <a:solidFill>
                 <a:srgbClr val="FFC000"/>
               </a:solidFill>
@@ -8846,6 +8847,12 @@
               </a:rPr>
               <a:t>回</a:t>
             </a:r>
+            <a:r>
+              <a:rPr lang="en-US" altLang="ja-JP">
+                <a:latin typeface="Arial" panose="020B0604020202020204" pitchFamily="34" charset="0"/>
+              </a:rPr>
+              <a:t/>
+            </a:r>
             <a:br>
               <a:rPr lang="en-US" altLang="ja-JP">
                 <a:latin typeface="Arial" panose="020B0604020202020204" pitchFamily="34" charset="0"/>
@@ -8957,6 +8964,13 @@
   <p:clrMapOvr>
     <a:masterClrMapping/>
   </p:clrMapOvr>
+  <p:timing>
+    <p:tnLst>
+      <p:par>
+        <p:cTn id="1" dur="indefinite" restart="never" nodeType="tmRoot"/>
+      </p:par>
+    </p:tnLst>
+  </p:timing>
 </p:sld>
 </file>
 
@@ -9182,6 +9196,10 @@
               <a:rPr lang="ja-JP" altLang="en-US" sz="2800" kern="0"/>
               <a:t>大きなサイズのデータセットの進化計算にかかる</a:t>
             </a:r>
+            <a:r>
+              <a:rPr lang="en-US" altLang="ja-JP" sz="2800" kern="0"/>
+              <a:t/>
+            </a:r>
             <a:br>
               <a:rPr lang="en-US" altLang="ja-JP" sz="2800" kern="0"/>
             </a:br>
@@ -9195,6 +9213,10 @@
             <a:r>
               <a:rPr lang="ja-JP" altLang="en-US" sz="2800" kern="0"/>
               <a:t>部分学習用データの交換操作・部分個体群の</a:t>
+            </a:r>
+            <a:r>
+              <a:rPr lang="en-US" altLang="ja-JP" sz="2800" kern="0"/>
+              <a:t/>
             </a:r>
             <a:br>
               <a:rPr lang="en-US" altLang="ja-JP" sz="2800" kern="0"/>
@@ -9244,15 +9266,15 @@
           <a:lstStyle/>
           <a:p>
             <a:r>
-              <a:rPr kumimoji="1" lang="ja-JP" altLang="en-US" sz="2800"/>
+              <a:rPr kumimoji="1" lang="ja-JP" altLang="en-US" sz="2800" dirty="0"/>
               <a:t>従来の並列分散型</a:t>
             </a:r>
             <a:r>
-              <a:rPr kumimoji="1" lang="en-US" altLang="ja-JP" sz="2800"/>
+              <a:rPr kumimoji="1" lang="en-US" altLang="ja-JP" sz="2800" dirty="0" err="1"/>
               <a:t>MoFGBML</a:t>
             </a:r>
             <a:r>
-              <a:rPr kumimoji="1" lang="ja-JP" altLang="en-US" sz="2800"/>
+              <a:rPr kumimoji="1" lang="ja-JP" altLang="en-US" sz="2800" dirty="0"/>
               <a:t>の目的</a:t>
             </a:r>
           </a:p>
@@ -9461,6 +9483,10 @@
             <a:r>
               <a:rPr lang="ja-JP" altLang="en-US" sz="2800" kern="0"/>
               <a:t>部分学習用データへの過剰適合による</a:t>
+            </a:r>
+            <a:r>
+              <a:rPr lang="en-US" altLang="ja-JP" sz="2800" kern="0"/>
+              <a:t/>
             </a:r>
             <a:br>
               <a:rPr lang="en-US" altLang="ja-JP" sz="2800" kern="0"/>
@@ -9531,6 +9557,13 @@
   <p:clrMapOvr>
     <a:masterClrMapping/>
   </p:clrMapOvr>
+  <p:timing>
+    <p:tnLst>
+      <p:par>
+        <p:cTn id="1" dur="indefinite" restart="never" nodeType="tmRoot"/>
+      </p:par>
+    </p:tnLst>
+  </p:timing>
 </p:sld>
 </file>
 
@@ -9764,6 +9797,10 @@
               <a:rPr lang="ja-JP" altLang="en-US" sz="2800" kern="0"/>
               <a:t>で獲得できる識別器の</a:t>
             </a:r>
+            <a:r>
+              <a:rPr lang="en-US" altLang="ja-JP" sz="2800" kern="0"/>
+              <a:t/>
+            </a:r>
             <a:br>
               <a:rPr lang="en-US" altLang="ja-JP" sz="2800" kern="0"/>
             </a:br>
@@ -9777,6 +9814,10 @@
             <a:r>
               <a:rPr lang="ja-JP" altLang="en-US" sz="2800" kern="0"/>
               <a:t>過剰適合した弱識別器でアンサンブル識別器を</a:t>
+            </a:r>
+            <a:r>
+              <a:rPr lang="en-US" altLang="ja-JP" sz="2800" kern="0"/>
+              <a:t/>
             </a:r>
             <a:br>
               <a:rPr lang="en-US" altLang="ja-JP" sz="2800" kern="0"/>
@@ -9829,15 +9870,15 @@
           <a:lstStyle/>
           <a:p>
             <a:r>
-              <a:rPr kumimoji="1" lang="ja-JP" altLang="en-US" sz="2800"/>
+              <a:rPr kumimoji="1" lang="ja-JP" altLang="en-US" sz="2800" dirty="0"/>
               <a:t>並列分散型</a:t>
             </a:r>
             <a:r>
-              <a:rPr kumimoji="1" lang="en-US" altLang="ja-JP" sz="2800"/>
+              <a:rPr kumimoji="1" lang="en-US" altLang="ja-JP" sz="2800" dirty="0" err="1"/>
               <a:t>MoFGBML</a:t>
             </a:r>
             <a:r>
-              <a:rPr kumimoji="1" lang="ja-JP" altLang="en-US" sz="2800"/>
+              <a:rPr kumimoji="1" lang="ja-JP" altLang="en-US" sz="2800" dirty="0"/>
               <a:t>によるアンサンブル識別器</a:t>
             </a:r>
           </a:p>
@@ -10046,6 +10087,10 @@
             <a:r>
               <a:rPr lang="ja-JP" altLang="en-US" sz="2800" kern="0"/>
               <a:t>従来の単一識別器と各種アンサンブル識別器の</a:t>
+            </a:r>
+            <a:r>
+              <a:rPr lang="en-US" altLang="ja-JP" sz="2800" kern="0"/>
+              <a:t/>
             </a:r>
             <a:br>
               <a:rPr lang="en-US" altLang="ja-JP" sz="2800" kern="0"/>
@@ -10126,6 +10171,13 @@
   <p:clrMapOvr>
     <a:masterClrMapping/>
   </p:clrMapOvr>
+  <p:timing>
+    <p:tnLst>
+      <p:par>
+        <p:cTn id="1" dur="indefinite" restart="never" nodeType="tmRoot"/>
+      </p:par>
+    </p:tnLst>
+  </p:timing>
 </p:sld>
 </file>
 
@@ -10167,10 +10219,9 @@
             <a:avLst/>
           </a:prstGeom>
           <a:solidFill>
-            <a:schemeClr val="accent6">
-              <a:lumMod val="20000"/>
-              <a:lumOff val="80000"/>
-            </a:schemeClr>
+            <a:srgbClr val="CECEEF">
+              <a:alpha val="27059"/>
+            </a:srgbClr>
           </a:solidFill>
           <a:ln>
             <a:solidFill>
@@ -11157,7 +11208,7 @@
           <a:lstStyle/>
           <a:p>
             <a:r>
-              <a:rPr kumimoji="1" lang="ja-JP" altLang="en-US"/>
+              <a:rPr kumimoji="1" lang="ja-JP" altLang="en-US" b="1"/>
               <a:t>単一</a:t>
             </a:r>
           </a:p>
@@ -11192,10 +11243,10 @@
           <a:lstStyle/>
           <a:p>
             <a:r>
-              <a:rPr lang="ja-JP" altLang="en-US"/>
+              <a:rPr lang="ja-JP" altLang="en-US" b="1"/>
               <a:t>非劣解集合</a:t>
             </a:r>
-            <a:endParaRPr kumimoji="1" lang="ja-JP" altLang="en-US"/>
+            <a:endParaRPr kumimoji="1" lang="ja-JP" altLang="en-US" b="1"/>
           </a:p>
         </p:txBody>
       </p:sp>
@@ -11228,10 +11279,10 @@
           <a:lstStyle/>
           <a:p>
             <a:r>
-              <a:rPr lang="ja-JP" altLang="en-US"/>
+              <a:rPr lang="ja-JP" altLang="en-US" b="1"/>
               <a:t>全島統合</a:t>
             </a:r>
-            <a:endParaRPr kumimoji="1" lang="ja-JP" altLang="en-US"/>
+            <a:endParaRPr kumimoji="1" lang="ja-JP" altLang="en-US" b="1"/>
           </a:p>
         </p:txBody>
       </p:sp>
@@ -11264,7 +11315,7 @@
           <a:lstStyle/>
           <a:p>
             <a:r>
-              <a:rPr kumimoji="1" lang="ja-JP" altLang="en-US"/>
+              <a:rPr kumimoji="1" lang="ja-JP" altLang="en-US" b="1"/>
               <a:t>島内多数決</a:t>
             </a:r>
           </a:p>
@@ -11285,7 +11336,7 @@
         <p:spPr>
           <a:xfrm>
             <a:off x="3378007" y="5176525"/>
-            <a:ext cx="461665" cy="998030"/>
+            <a:ext cx="461665" cy="985206"/>
           </a:xfrm>
           <a:prstGeom prst="rect">
             <a:avLst/>
@@ -11299,7 +11350,7 @@
           <a:lstStyle/>
           <a:p>
             <a:r>
-              <a:rPr kumimoji="1" lang="ja-JP" altLang="en-US"/>
+              <a:rPr kumimoji="1" lang="ja-JP" altLang="en-US" b="1"/>
               <a:t>単純重み</a:t>
             </a:r>
           </a:p>
@@ -11320,7 +11371,7 @@
         <p:spPr>
           <a:xfrm>
             <a:off x="3845181" y="5134842"/>
-            <a:ext cx="461665" cy="1652055"/>
+            <a:ext cx="461665" cy="1626407"/>
           </a:xfrm>
           <a:prstGeom prst="rect">
             <a:avLst/>
@@ -11334,10 +11385,10 @@
           <a:lstStyle/>
           <a:p>
             <a:r>
-              <a:rPr lang="ja-JP" altLang="en-US"/>
+              <a:rPr lang="ja-JP" altLang="en-US" b="1"/>
               <a:t>サブデータ重み</a:t>
             </a:r>
-            <a:endParaRPr kumimoji="1" lang="ja-JP" altLang="en-US"/>
+            <a:endParaRPr kumimoji="1" lang="ja-JP" altLang="en-US" b="1"/>
           </a:p>
         </p:txBody>
       </p:sp>
@@ -11356,7 +11407,7 @@
         <p:spPr>
           <a:xfrm>
             <a:off x="4309594" y="5176525"/>
-            <a:ext cx="461665" cy="1446871"/>
+            <a:ext cx="461665" cy="1427635"/>
           </a:xfrm>
           <a:prstGeom prst="rect">
             <a:avLst/>
@@ -11370,10 +11421,10 @@
           <a:lstStyle/>
           <a:p>
             <a:r>
-              <a:rPr lang="ja-JP" altLang="en-US"/>
+              <a:rPr lang="ja-JP" altLang="en-US" b="1"/>
               <a:t>全データ重み</a:t>
             </a:r>
-            <a:endParaRPr kumimoji="1" lang="ja-JP" altLang="en-US"/>
+            <a:endParaRPr kumimoji="1" lang="ja-JP" altLang="en-US" b="1"/>
           </a:p>
         </p:txBody>
       </p:sp>
@@ -11392,7 +11443,7 @@
         <p:spPr>
           <a:xfrm>
             <a:off x="4932271" y="5222221"/>
-            <a:ext cx="461665" cy="998030"/>
+            <a:ext cx="461665" cy="985206"/>
           </a:xfrm>
           <a:prstGeom prst="rect">
             <a:avLst/>
@@ -11406,7 +11457,7 @@
           <a:lstStyle/>
           <a:p>
             <a:r>
-              <a:rPr kumimoji="1" lang="ja-JP" altLang="en-US"/>
+              <a:rPr kumimoji="1" lang="ja-JP" altLang="en-US" b="1"/>
               <a:t>単純重み</a:t>
             </a:r>
           </a:p>
@@ -11427,7 +11478,7 @@
         <p:spPr>
           <a:xfrm>
             <a:off x="5399445" y="5180538"/>
-            <a:ext cx="461665" cy="1652055"/>
+            <a:ext cx="461665" cy="1626407"/>
           </a:xfrm>
           <a:prstGeom prst="rect">
             <a:avLst/>
@@ -11441,10 +11492,10 @@
           <a:lstStyle/>
           <a:p>
             <a:r>
-              <a:rPr lang="ja-JP" altLang="en-US"/>
+              <a:rPr lang="ja-JP" altLang="en-US" b="1"/>
               <a:t>サブデータ重み</a:t>
             </a:r>
-            <a:endParaRPr kumimoji="1" lang="ja-JP" altLang="en-US"/>
+            <a:endParaRPr kumimoji="1" lang="ja-JP" altLang="en-US" b="1"/>
           </a:p>
         </p:txBody>
       </p:sp>
@@ -11463,7 +11514,7 @@
         <p:spPr>
           <a:xfrm>
             <a:off x="5863858" y="5222221"/>
-            <a:ext cx="461665" cy="1446871"/>
+            <a:ext cx="461665" cy="1427635"/>
           </a:xfrm>
           <a:prstGeom prst="rect">
             <a:avLst/>
@@ -11477,10 +11528,10 @@
           <a:lstStyle/>
           <a:p>
             <a:r>
-              <a:rPr lang="ja-JP" altLang="en-US"/>
+              <a:rPr lang="ja-JP" altLang="en-US" b="1"/>
               <a:t>全データ重み</a:t>
             </a:r>
-            <a:endParaRPr kumimoji="1" lang="ja-JP" altLang="en-US"/>
+            <a:endParaRPr kumimoji="1" lang="ja-JP" altLang="en-US" b="1"/>
           </a:p>
         </p:txBody>
       </p:sp>
@@ -11499,7 +11550,7 @@
         <p:spPr>
           <a:xfrm>
             <a:off x="7399177" y="5176681"/>
-            <a:ext cx="461665" cy="998030"/>
+            <a:ext cx="461665" cy="985206"/>
           </a:xfrm>
           <a:prstGeom prst="rect">
             <a:avLst/>
@@ -11513,7 +11564,7 @@
           <a:lstStyle/>
           <a:p>
             <a:r>
-              <a:rPr kumimoji="1" lang="ja-JP" altLang="en-US"/>
+              <a:rPr kumimoji="1" lang="ja-JP" altLang="en-US" b="1"/>
               <a:t>単純重み</a:t>
             </a:r>
           </a:p>
@@ -11534,7 +11585,7 @@
         <p:spPr>
           <a:xfrm>
             <a:off x="7866351" y="5134998"/>
-            <a:ext cx="461665" cy="1652055"/>
+            <a:ext cx="461665" cy="1626407"/>
           </a:xfrm>
           <a:prstGeom prst="rect">
             <a:avLst/>
@@ -11548,10 +11599,10 @@
           <a:lstStyle/>
           <a:p>
             <a:r>
-              <a:rPr lang="ja-JP" altLang="en-US"/>
+              <a:rPr lang="ja-JP" altLang="en-US" b="1"/>
               <a:t>サブデータ重み</a:t>
             </a:r>
-            <a:endParaRPr kumimoji="1" lang="ja-JP" altLang="en-US"/>
+            <a:endParaRPr kumimoji="1" lang="ja-JP" altLang="en-US" b="1"/>
           </a:p>
         </p:txBody>
       </p:sp>
@@ -11570,7 +11621,7 @@
         <p:spPr>
           <a:xfrm>
             <a:off x="8330764" y="5176681"/>
-            <a:ext cx="461665" cy="1446871"/>
+            <a:ext cx="461665" cy="1427635"/>
           </a:xfrm>
           <a:prstGeom prst="rect">
             <a:avLst/>
@@ -11584,10 +11635,10 @@
           <a:lstStyle/>
           <a:p>
             <a:r>
-              <a:rPr lang="ja-JP" altLang="en-US"/>
+              <a:rPr lang="ja-JP" altLang="en-US" b="1"/>
               <a:t>全データ重み</a:t>
             </a:r>
-            <a:endParaRPr kumimoji="1" lang="ja-JP" altLang="en-US"/>
+            <a:endParaRPr kumimoji="1" lang="ja-JP" altLang="en-US" b="1"/>
           </a:p>
         </p:txBody>
       </p:sp>
@@ -11627,14 +11678,14 @@
           <a:lstStyle/>
           <a:p>
             <a:r>
-              <a:rPr kumimoji="1" lang="ja-JP" altLang="en-US"/>
+              <a:rPr kumimoji="1" lang="ja-JP" altLang="en-US" b="1" dirty="0"/>
               <a:t>弱識別器の</a:t>
             </a:r>
             <a:r>
-              <a:rPr lang="ja-JP" altLang="en-US"/>
+              <a:rPr lang="ja-JP" altLang="en-US" b="1" dirty="0"/>
               <a:t>構成</a:t>
             </a:r>
-            <a:endParaRPr kumimoji="1" lang="ja-JP" altLang="en-US"/>
+            <a:endParaRPr kumimoji="1" lang="ja-JP" altLang="en-US" b="1" dirty="0"/>
           </a:p>
         </p:txBody>
       </p:sp>
@@ -11675,15 +11726,15 @@
           <a:p>
             <a:pPr algn="ctr"/>
             <a:r>
-              <a:rPr lang="ja-JP" altLang="en-US"/>
+              <a:rPr lang="ja-JP" altLang="en-US" b="1"/>
               <a:t>非劣解集合の</a:t>
             </a:r>
-            <a:endParaRPr lang="en-US" altLang="ja-JP"/>
+            <a:endParaRPr lang="en-US" altLang="ja-JP" b="1"/>
           </a:p>
           <a:p>
             <a:pPr algn="ctr"/>
             <a:r>
-              <a:rPr kumimoji="1" lang="ja-JP" altLang="en-US"/>
+              <a:rPr kumimoji="1" lang="ja-JP" altLang="en-US" b="1"/>
               <a:t>多数決方法</a:t>
             </a:r>
           </a:p>
@@ -11726,18 +11777,18 @@
           <a:p>
             <a:pPr algn="ctr"/>
             <a:r>
-              <a:rPr lang="ja-JP" altLang="en-US"/>
+              <a:rPr lang="ja-JP" altLang="en-US" b="1"/>
               <a:t>多数決重みの</a:t>
             </a:r>
-            <a:endParaRPr lang="en-US" altLang="ja-JP"/>
+            <a:endParaRPr lang="en-US" altLang="ja-JP" b="1"/>
           </a:p>
           <a:p>
             <a:pPr algn="ctr"/>
             <a:r>
-              <a:rPr lang="ja-JP" altLang="en-US"/>
+              <a:rPr lang="ja-JP" altLang="en-US" b="1"/>
               <a:t>計算方法</a:t>
             </a:r>
-            <a:endParaRPr kumimoji="1" lang="ja-JP" altLang="en-US"/>
+            <a:endParaRPr kumimoji="1" lang="ja-JP" altLang="en-US" b="1"/>
           </a:p>
         </p:txBody>
       </p:sp>
@@ -12905,6 +12956,13 @@
   <p:clrMapOvr>
     <a:masterClrMapping/>
   </p:clrMapOvr>
+  <p:timing>
+    <p:tnLst>
+      <p:par>
+        <p:cTn id="1" dur="indefinite" restart="never" nodeType="tmRoot"/>
+      </p:par>
+    </p:tnLst>
+  </p:timing>
 </p:sld>
 </file>
 
@@ -12946,10 +13004,9 @@
             <a:avLst/>
           </a:prstGeom>
           <a:solidFill>
-            <a:schemeClr val="accent6">
-              <a:lumMod val="20000"/>
-              <a:lumOff val="80000"/>
-            </a:schemeClr>
+            <a:srgbClr val="CECEEF">
+              <a:alpha val="27059"/>
+            </a:srgbClr>
           </a:solidFill>
           <a:ln>
             <a:solidFill>
@@ -13936,7 +13993,7 @@
           <a:lstStyle/>
           <a:p>
             <a:r>
-              <a:rPr kumimoji="1" lang="ja-JP" altLang="en-US"/>
+              <a:rPr kumimoji="1" lang="ja-JP" altLang="en-US" b="1"/>
               <a:t>単一</a:t>
             </a:r>
           </a:p>
@@ -13971,10 +14028,10 @@
           <a:lstStyle/>
           <a:p>
             <a:r>
-              <a:rPr lang="ja-JP" altLang="en-US"/>
+              <a:rPr lang="ja-JP" altLang="en-US" b="1" dirty="0"/>
               <a:t>非劣解集合</a:t>
             </a:r>
-            <a:endParaRPr kumimoji="1" lang="ja-JP" altLang="en-US"/>
+            <a:endParaRPr kumimoji="1" lang="ja-JP" altLang="en-US" b="1" dirty="0"/>
           </a:p>
         </p:txBody>
       </p:sp>
@@ -14007,10 +14064,10 @@
           <a:lstStyle/>
           <a:p>
             <a:r>
-              <a:rPr lang="ja-JP" altLang="en-US"/>
+              <a:rPr lang="ja-JP" altLang="en-US" b="1"/>
               <a:t>全島統合</a:t>
             </a:r>
-            <a:endParaRPr kumimoji="1" lang="ja-JP" altLang="en-US"/>
+            <a:endParaRPr kumimoji="1" lang="ja-JP" altLang="en-US" b="1"/>
           </a:p>
         </p:txBody>
       </p:sp>
@@ -14043,7 +14100,7 @@
           <a:lstStyle/>
           <a:p>
             <a:r>
-              <a:rPr kumimoji="1" lang="ja-JP" altLang="en-US"/>
+              <a:rPr kumimoji="1" lang="ja-JP" altLang="en-US" b="1"/>
               <a:t>島内多数決</a:t>
             </a:r>
           </a:p>
@@ -14064,7 +14121,7 @@
         <p:spPr>
           <a:xfrm>
             <a:off x="3378007" y="5176525"/>
-            <a:ext cx="461665" cy="998030"/>
+            <a:ext cx="461665" cy="985206"/>
           </a:xfrm>
           <a:prstGeom prst="rect">
             <a:avLst/>
@@ -14078,7 +14135,7 @@
           <a:lstStyle/>
           <a:p>
             <a:r>
-              <a:rPr kumimoji="1" lang="ja-JP" altLang="en-US"/>
+              <a:rPr kumimoji="1" lang="ja-JP" altLang="en-US" b="1"/>
               <a:t>単純重み</a:t>
             </a:r>
           </a:p>
@@ -14099,7 +14156,7 @@
         <p:spPr>
           <a:xfrm>
             <a:off x="3845181" y="5134842"/>
-            <a:ext cx="461665" cy="1652055"/>
+            <a:ext cx="461665" cy="1626407"/>
           </a:xfrm>
           <a:prstGeom prst="rect">
             <a:avLst/>
@@ -14113,10 +14170,10 @@
           <a:lstStyle/>
           <a:p>
             <a:r>
-              <a:rPr lang="ja-JP" altLang="en-US"/>
+              <a:rPr lang="ja-JP" altLang="en-US" b="1"/>
               <a:t>サブデータ重み</a:t>
             </a:r>
-            <a:endParaRPr kumimoji="1" lang="ja-JP" altLang="en-US"/>
+            <a:endParaRPr kumimoji="1" lang="ja-JP" altLang="en-US" b="1"/>
           </a:p>
         </p:txBody>
       </p:sp>
@@ -14135,7 +14192,7 @@
         <p:spPr>
           <a:xfrm>
             <a:off x="4309594" y="5176525"/>
-            <a:ext cx="461665" cy="1446871"/>
+            <a:ext cx="461665" cy="1427635"/>
           </a:xfrm>
           <a:prstGeom prst="rect">
             <a:avLst/>
@@ -14149,10 +14206,10 @@
           <a:lstStyle/>
           <a:p>
             <a:r>
-              <a:rPr lang="ja-JP" altLang="en-US"/>
+              <a:rPr lang="ja-JP" altLang="en-US" b="1"/>
               <a:t>全データ重み</a:t>
             </a:r>
-            <a:endParaRPr kumimoji="1" lang="ja-JP" altLang="en-US"/>
+            <a:endParaRPr kumimoji="1" lang="ja-JP" altLang="en-US" b="1"/>
           </a:p>
         </p:txBody>
       </p:sp>
@@ -14171,7 +14228,7 @@
         <p:spPr>
           <a:xfrm>
             <a:off x="4932271" y="5222221"/>
-            <a:ext cx="461665" cy="998030"/>
+            <a:ext cx="461665" cy="985206"/>
           </a:xfrm>
           <a:prstGeom prst="rect">
             <a:avLst/>
@@ -14185,7 +14242,7 @@
           <a:lstStyle/>
           <a:p>
             <a:r>
-              <a:rPr kumimoji="1" lang="ja-JP" altLang="en-US"/>
+              <a:rPr kumimoji="1" lang="ja-JP" altLang="en-US" b="1"/>
               <a:t>単純重み</a:t>
             </a:r>
           </a:p>
@@ -14206,7 +14263,7 @@
         <p:spPr>
           <a:xfrm>
             <a:off x="5399445" y="5180538"/>
-            <a:ext cx="461665" cy="1652055"/>
+            <a:ext cx="461665" cy="1626407"/>
           </a:xfrm>
           <a:prstGeom prst="rect">
             <a:avLst/>
@@ -14220,10 +14277,10 @@
           <a:lstStyle/>
           <a:p>
             <a:r>
-              <a:rPr lang="ja-JP" altLang="en-US"/>
+              <a:rPr lang="ja-JP" altLang="en-US" b="1"/>
               <a:t>サブデータ重み</a:t>
             </a:r>
-            <a:endParaRPr kumimoji="1" lang="ja-JP" altLang="en-US"/>
+            <a:endParaRPr kumimoji="1" lang="ja-JP" altLang="en-US" b="1"/>
           </a:p>
         </p:txBody>
       </p:sp>
@@ -14242,7 +14299,7 @@
         <p:spPr>
           <a:xfrm>
             <a:off x="5863858" y="5222221"/>
-            <a:ext cx="461665" cy="1446871"/>
+            <a:ext cx="461665" cy="1427635"/>
           </a:xfrm>
           <a:prstGeom prst="rect">
             <a:avLst/>
@@ -14256,10 +14313,10 @@
           <a:lstStyle/>
           <a:p>
             <a:r>
-              <a:rPr lang="ja-JP" altLang="en-US"/>
+              <a:rPr lang="ja-JP" altLang="en-US" b="1"/>
               <a:t>全データ重み</a:t>
             </a:r>
-            <a:endParaRPr kumimoji="1" lang="ja-JP" altLang="en-US"/>
+            <a:endParaRPr kumimoji="1" lang="ja-JP" altLang="en-US" b="1"/>
           </a:p>
         </p:txBody>
       </p:sp>
@@ -14278,7 +14335,7 @@
         <p:spPr>
           <a:xfrm>
             <a:off x="7399177" y="5176681"/>
-            <a:ext cx="461665" cy="998030"/>
+            <a:ext cx="461665" cy="985206"/>
           </a:xfrm>
           <a:prstGeom prst="rect">
             <a:avLst/>
@@ -14292,7 +14349,7 @@
           <a:lstStyle/>
           <a:p>
             <a:r>
-              <a:rPr kumimoji="1" lang="ja-JP" altLang="en-US"/>
+              <a:rPr kumimoji="1" lang="ja-JP" altLang="en-US" b="1"/>
               <a:t>単純重み</a:t>
             </a:r>
           </a:p>
@@ -14313,7 +14370,7 @@
         <p:spPr>
           <a:xfrm>
             <a:off x="7866351" y="5134998"/>
-            <a:ext cx="461665" cy="1652055"/>
+            <a:ext cx="461665" cy="1626407"/>
           </a:xfrm>
           <a:prstGeom prst="rect">
             <a:avLst/>
@@ -14327,10 +14384,10 @@
           <a:lstStyle/>
           <a:p>
             <a:r>
-              <a:rPr lang="ja-JP" altLang="en-US"/>
+              <a:rPr lang="ja-JP" altLang="en-US" b="1"/>
               <a:t>サブデータ重み</a:t>
             </a:r>
-            <a:endParaRPr kumimoji="1" lang="ja-JP" altLang="en-US"/>
+            <a:endParaRPr kumimoji="1" lang="ja-JP" altLang="en-US" b="1"/>
           </a:p>
         </p:txBody>
       </p:sp>
@@ -14349,7 +14406,7 @@
         <p:spPr>
           <a:xfrm>
             <a:off x="8330764" y="5176681"/>
-            <a:ext cx="461665" cy="1446871"/>
+            <a:ext cx="461665" cy="1427635"/>
           </a:xfrm>
           <a:prstGeom prst="rect">
             <a:avLst/>
@@ -14363,10 +14420,10 @@
           <a:lstStyle/>
           <a:p>
             <a:r>
-              <a:rPr lang="ja-JP" altLang="en-US"/>
+              <a:rPr lang="ja-JP" altLang="en-US" b="1"/>
               <a:t>全データ重み</a:t>
             </a:r>
-            <a:endParaRPr kumimoji="1" lang="ja-JP" altLang="en-US"/>
+            <a:endParaRPr kumimoji="1" lang="ja-JP" altLang="en-US" b="1"/>
           </a:p>
         </p:txBody>
       </p:sp>
@@ -14406,14 +14463,14 @@
           <a:lstStyle/>
           <a:p>
             <a:r>
-              <a:rPr kumimoji="1" lang="ja-JP" altLang="en-US"/>
+              <a:rPr kumimoji="1" lang="ja-JP" altLang="en-US" b="1"/>
               <a:t>弱識別器の</a:t>
             </a:r>
             <a:r>
-              <a:rPr lang="ja-JP" altLang="en-US"/>
+              <a:rPr lang="ja-JP" altLang="en-US" b="1"/>
               <a:t>構成</a:t>
             </a:r>
-            <a:endParaRPr kumimoji="1" lang="ja-JP" altLang="en-US"/>
+            <a:endParaRPr kumimoji="1" lang="ja-JP" altLang="en-US" b="1"/>
           </a:p>
         </p:txBody>
       </p:sp>
@@ -14454,15 +14511,15 @@
           <a:p>
             <a:pPr algn="ctr"/>
             <a:r>
-              <a:rPr lang="ja-JP" altLang="en-US"/>
+              <a:rPr lang="ja-JP" altLang="en-US" b="1"/>
               <a:t>非劣解集合の</a:t>
             </a:r>
-            <a:endParaRPr lang="en-US" altLang="ja-JP"/>
+            <a:endParaRPr lang="en-US" altLang="ja-JP" b="1"/>
           </a:p>
           <a:p>
             <a:pPr algn="ctr"/>
             <a:r>
-              <a:rPr kumimoji="1" lang="ja-JP" altLang="en-US"/>
+              <a:rPr kumimoji="1" lang="ja-JP" altLang="en-US" b="1"/>
               <a:t>多数決方法</a:t>
             </a:r>
           </a:p>
@@ -14502,10 +14559,10 @@
           <a:lstStyle/>
           <a:p>
             <a:r>
-              <a:rPr lang="ja-JP" altLang="en-US"/>
+              <a:rPr lang="ja-JP" altLang="en-US" b="1"/>
               <a:t>単一弱識別器の選択方法</a:t>
             </a:r>
-            <a:endParaRPr lang="en-US" altLang="ja-JP"/>
+            <a:endParaRPr lang="en-US" altLang="ja-JP" b="1"/>
           </a:p>
           <a:p>
             <a:pPr marL="285750" indent="-285750">
@@ -14513,10 +14570,10 @@
               <a:buChar char="•"/>
             </a:pPr>
             <a:r>
-              <a:rPr lang="ja-JP" altLang="en-US"/>
+              <a:rPr lang="ja-JP" altLang="en-US" b="1"/>
               <a:t>全データに対して最良</a:t>
             </a:r>
-            <a:endParaRPr lang="en-US" altLang="ja-JP"/>
+            <a:endParaRPr lang="en-US" altLang="ja-JP" b="1"/>
           </a:p>
           <a:p>
             <a:pPr marL="285750" indent="-285750">
@@ -14524,7 +14581,7 @@
               <a:buChar char="•"/>
             </a:pPr>
             <a:r>
-              <a:rPr lang="ja-JP" altLang="en-US"/>
+              <a:rPr lang="ja-JP" altLang="en-US" b="1"/>
               <a:t>サブデータに対して最良</a:t>
             </a:r>
           </a:p>
@@ -14564,7 +14621,7 @@
           <a:lstStyle/>
           <a:p>
             <a:r>
-              <a:rPr lang="ja-JP" altLang="en-US"/>
+              <a:rPr lang="ja-JP" altLang="en-US" b="1"/>
               <a:t>並列分割数</a:t>
             </a:r>
           </a:p>
@@ -14604,7 +14661,7 @@
           <a:lstStyle/>
           <a:p>
             <a:r>
-              <a:rPr lang="ja-JP" altLang="en-US"/>
+              <a:rPr lang="ja-JP" altLang="en-US" b="1"/>
               <a:t>過剰適合の有無</a:t>
             </a:r>
           </a:p>
@@ -14647,18 +14704,18 @@
           <a:p>
             <a:pPr algn="ctr"/>
             <a:r>
-              <a:rPr lang="ja-JP" altLang="en-US"/>
+              <a:rPr lang="ja-JP" altLang="en-US" b="1"/>
               <a:t>多数決重みの</a:t>
             </a:r>
-            <a:endParaRPr lang="en-US" altLang="ja-JP"/>
+            <a:endParaRPr lang="en-US" altLang="ja-JP" b="1"/>
           </a:p>
           <a:p>
             <a:pPr algn="ctr"/>
             <a:r>
-              <a:rPr lang="ja-JP" altLang="en-US"/>
+              <a:rPr lang="ja-JP" altLang="en-US" b="1"/>
               <a:t>計算方法</a:t>
             </a:r>
-            <a:endParaRPr kumimoji="1" lang="ja-JP" altLang="en-US"/>
+            <a:endParaRPr kumimoji="1" lang="ja-JP" altLang="en-US" b="1"/>
           </a:p>
         </p:txBody>
       </p:sp>
@@ -14672,6 +14729,13 @@
   <p:clrMapOvr>
     <a:masterClrMapping/>
   </p:clrMapOvr>
+  <p:timing>
+    <p:tnLst>
+      <p:par>
+        <p:cTn id="1" dur="indefinite" restart="never" nodeType="tmRoot"/>
+      </p:par>
+    </p:tnLst>
+  </p:timing>
 </p:sld>
 </file>
 
@@ -16539,6 +16603,13 @@
   <p:clrMapOvr>
     <a:masterClrMapping/>
   </p:clrMapOvr>
+  <p:timing>
+    <p:tnLst>
+      <p:par>
+        <p:cTn id="1" dur="indefinite" restart="never" nodeType="tmRoot"/>
+      </p:par>
+    </p:tnLst>
+  </p:timing>
 </p:sld>
 </file>
 
@@ -16603,14 +16674,14 @@
           <p:nvPr>
             <p:extLst>
               <p:ext uri="{D42A27DB-BD31-4B8C-83A1-F6EECF244321}">
-                <p14:modId xmlns:p14="http://schemas.microsoft.com/office/powerpoint/2010/main" val="2373429034"/>
+                <p14:modId xmlns:p14="http://schemas.microsoft.com/office/powerpoint/2010/main" val="3086053365"/>
               </p:ext>
             </p:extLst>
           </p:nvPr>
         </p:nvGraphicFramePr>
         <p:xfrm>
-          <a:off x="266700" y="1676400"/>
-          <a:ext cx="8610600" cy="4588429"/>
+          <a:off x="193433" y="1524000"/>
+          <a:ext cx="8833334" cy="4862749"/>
         </p:xfrm>
         <a:graphic>
           <a:graphicData uri="http://schemas.openxmlformats.org/drawingml/2006/table">
@@ -16619,70 +16690,70 @@
                 <a:tableStyleId>{16D9F66E-5EB9-4882-86FB-DCBF35E3C3E4}</a:tableStyleId>
               </a:tblPr>
               <a:tblGrid>
-                <a:gridCol w="965675">
+                <a:gridCol w="988614">
                   <a:extLst>
                     <a:ext uri="{9D8B030D-6E8A-4147-A177-3AD203B41FA5}">
                       <a16:colId xmlns:a16="http://schemas.microsoft.com/office/drawing/2014/main" val="1519893624"/>
                     </a:ext>
                   </a:extLst>
                 </a:gridCol>
-                <a:gridCol w="756445">
+                <a:gridCol w="774413">
                   <a:extLst>
                     <a:ext uri="{9D8B030D-6E8A-4147-A177-3AD203B41FA5}">
                       <a16:colId xmlns:a16="http://schemas.microsoft.com/office/drawing/2014/main" val="2337627718"/>
                     </a:ext>
                   </a:extLst>
                 </a:gridCol>
-                <a:gridCol w="861060">
+                <a:gridCol w="881513">
                   <a:extLst>
                     <a:ext uri="{9D8B030D-6E8A-4147-A177-3AD203B41FA5}">
                       <a16:colId xmlns:a16="http://schemas.microsoft.com/office/drawing/2014/main" val="3462607007"/>
                     </a:ext>
                   </a:extLst>
                 </a:gridCol>
-                <a:gridCol w="861060">
+                <a:gridCol w="881513">
                   <a:extLst>
                     <a:ext uri="{9D8B030D-6E8A-4147-A177-3AD203B41FA5}">
                       <a16:colId xmlns:a16="http://schemas.microsoft.com/office/drawing/2014/main" val="2310982201"/>
                     </a:ext>
                   </a:extLst>
                 </a:gridCol>
-                <a:gridCol w="861060">
+                <a:gridCol w="899716">
                   <a:extLst>
                     <a:ext uri="{9D8B030D-6E8A-4147-A177-3AD203B41FA5}">
                       <a16:colId xmlns:a16="http://schemas.microsoft.com/office/drawing/2014/main" val="1414043117"/>
                     </a:ext>
                   </a:extLst>
                 </a:gridCol>
-                <a:gridCol w="861060">
+                <a:gridCol w="881513">
                   <a:extLst>
                     <a:ext uri="{9D8B030D-6E8A-4147-A177-3AD203B41FA5}">
                       <a16:colId xmlns:a16="http://schemas.microsoft.com/office/drawing/2014/main" val="3490844078"/>
                     </a:ext>
                   </a:extLst>
                 </a:gridCol>
-                <a:gridCol w="861060">
+                <a:gridCol w="881513">
                   <a:extLst>
                     <a:ext uri="{9D8B030D-6E8A-4147-A177-3AD203B41FA5}">
                       <a16:colId xmlns:a16="http://schemas.microsoft.com/office/drawing/2014/main" val="645293817"/>
                     </a:ext>
                   </a:extLst>
                 </a:gridCol>
-                <a:gridCol w="861060">
+                <a:gridCol w="881513">
                   <a:extLst>
                     <a:ext uri="{9D8B030D-6E8A-4147-A177-3AD203B41FA5}">
                       <a16:colId xmlns:a16="http://schemas.microsoft.com/office/drawing/2014/main" val="2610888835"/>
                     </a:ext>
                   </a:extLst>
                 </a:gridCol>
-                <a:gridCol w="861060">
+                <a:gridCol w="881513">
                   <a:extLst>
                     <a:ext uri="{9D8B030D-6E8A-4147-A177-3AD203B41FA5}">
                       <a16:colId xmlns:a16="http://schemas.microsoft.com/office/drawing/2014/main" val="2706295515"/>
                     </a:ext>
                   </a:extLst>
                 </a:gridCol>
-                <a:gridCol w="861060">
+                <a:gridCol w="881513">
                   <a:extLst>
                     <a:ext uri="{9D8B030D-6E8A-4147-A177-3AD203B41FA5}">
                       <a16:colId xmlns:a16="http://schemas.microsoft.com/office/drawing/2014/main" val="1301455998"/>
@@ -16698,20 +16769,47 @@
                     <a:p>
                       <a:pPr algn="ctr"/>
                       <a:r>
-                        <a:rPr kumimoji="1" lang="ja-JP" altLang="en-US"/>
+                        <a:rPr kumimoji="1" lang="ja-JP" altLang="en-US" dirty="0"/>
                         <a:t>単一</a:t>
                       </a:r>
-                      <a:endParaRPr kumimoji="1" lang="en-US" altLang="ja-JP"/>
+                      <a:endParaRPr kumimoji="1" lang="en-US" altLang="ja-JP" dirty="0"/>
                     </a:p>
                     <a:p>
                       <a:pPr algn="ctr"/>
                       <a:r>
-                        <a:rPr kumimoji="1" lang="ja-JP" altLang="en-US"/>
+                        <a:rPr kumimoji="1" lang="ja-JP" altLang="en-US" dirty="0"/>
                         <a:t>識別器</a:t>
                       </a:r>
                     </a:p>
                   </a:txBody>
                   <a:tcPr anchor="ctr">
+                    <a:lnL w="28575" cap="flat" cmpd="sng" algn="ctr">
+                      <a:solidFill>
+                        <a:schemeClr val="tx1"/>
+                      </a:solidFill>
+                      <a:prstDash val="solid"/>
+                      <a:round/>
+                      <a:headEnd type="none" w="med" len="med"/>
+                      <a:tailEnd type="none" w="med" len="med"/>
+                    </a:lnL>
+                    <a:lnT w="28575" cap="flat" cmpd="sng" algn="ctr">
+                      <a:solidFill>
+                        <a:schemeClr val="tx1"/>
+                      </a:solidFill>
+                      <a:prstDash val="solid"/>
+                      <a:round/>
+                      <a:headEnd type="none" w="med" len="med"/>
+                      <a:tailEnd type="none" w="med" len="med"/>
+                    </a:lnT>
+                    <a:lnB w="28575" cap="flat" cmpd="sng" algn="ctr">
+                      <a:solidFill>
+                        <a:schemeClr val="tx1"/>
+                      </a:solidFill>
+                      <a:prstDash val="solid"/>
+                      <a:round/>
+                      <a:headEnd type="none" w="med" len="med"/>
+                      <a:tailEnd type="none" w="med" len="med"/>
+                    </a:lnB>
                     <a:solidFill>
                       <a:srgbClr val="FFC000"/>
                     </a:solidFill>
@@ -16730,6 +16828,15 @@
                     </a:p>
                   </a:txBody>
                   <a:tcPr anchor="ctr">
+                    <a:lnT w="28575" cap="flat" cmpd="sng" algn="ctr">
+                      <a:solidFill>
+                        <a:schemeClr val="tx1"/>
+                      </a:solidFill>
+                      <a:prstDash val="solid"/>
+                      <a:round/>
+                      <a:headEnd type="none" w="med" len="med"/>
+                      <a:tailEnd type="none" w="med" len="med"/>
+                    </a:lnT>
                     <a:solidFill>
                       <a:schemeClr val="accent5"/>
                     </a:solidFill>
@@ -16762,20 +16869,38 @@
                     <a:p>
                       <a:pPr algn="ctr"/>
                       <a:r>
-                        <a:rPr kumimoji="1" lang="ja-JP" altLang="en-US"/>
+                        <a:rPr kumimoji="1" lang="ja-JP" altLang="en-US" dirty="0"/>
                         <a:t>非劣解集合</a:t>
                       </a:r>
                       <a:r>
-                        <a:rPr kumimoji="1" lang="en-US" altLang="ja-JP"/>
+                        <a:rPr kumimoji="1" lang="en-US" altLang="ja-JP" dirty="0"/>
                         <a:t> </a:t>
                       </a:r>
                       <a:r>
-                        <a:rPr kumimoji="1" lang="ja-JP" altLang="en-US"/>
+                        <a:rPr kumimoji="1" lang="ja-JP" altLang="en-US" dirty="0"/>
                         <a:t>弱識別器</a:t>
                       </a:r>
                     </a:p>
                   </a:txBody>
                   <a:tcPr>
+                    <a:lnR w="28575" cap="flat" cmpd="sng" algn="ctr">
+                      <a:solidFill>
+                        <a:schemeClr val="tx1"/>
+                      </a:solidFill>
+                      <a:prstDash val="solid"/>
+                      <a:round/>
+                      <a:headEnd type="none" w="med" len="med"/>
+                      <a:tailEnd type="none" w="med" len="med"/>
+                    </a:lnR>
+                    <a:lnT w="28575" cap="flat" cmpd="sng" algn="ctr">
+                      <a:solidFill>
+                        <a:schemeClr val="tx1"/>
+                      </a:solidFill>
+                      <a:prstDash val="solid"/>
+                      <a:round/>
+                      <a:headEnd type="none" w="med" len="med"/>
+                      <a:tailEnd type="none" w="med" len="med"/>
+                    </a:lnT>
                     <a:solidFill>
                       <a:schemeClr val="accent5"/>
                     </a:solidFill>
@@ -16885,7 +17010,7 @@
                     <a:p>
                       <a:pPr algn="ctr"/>
                       <a:r>
-                        <a:rPr kumimoji="1" lang="ja-JP" altLang="en-US"/>
+                        <a:rPr kumimoji="1" lang="ja-JP" altLang="en-US" b="1" dirty="0"/>
                         <a:t>全島統合</a:t>
                       </a:r>
                     </a:p>
@@ -16923,12 +17048,21 @@
                     <a:p>
                       <a:pPr algn="ctr"/>
                       <a:r>
-                        <a:rPr kumimoji="1" lang="ja-JP" altLang="en-US"/>
+                        <a:rPr kumimoji="1" lang="ja-JP" altLang="en-US" b="1" dirty="0"/>
                         <a:t>島内</a:t>
                       </a:r>
                     </a:p>
                   </a:txBody>
                   <a:tcPr>
+                    <a:lnR w="28575" cap="flat" cmpd="sng" algn="ctr">
+                      <a:solidFill>
+                        <a:schemeClr val="tx1"/>
+                      </a:solidFill>
+                      <a:prstDash val="solid"/>
+                      <a:round/>
+                      <a:headEnd type="none" w="med" len="med"/>
+                      <a:tailEnd type="none" w="med" len="med"/>
+                    </a:lnR>
                     <a:solidFill>
                       <a:srgbClr val="FFFAA5"/>
                     </a:solidFill>
@@ -16978,17 +17112,34 @@
                     <a:p>
                       <a:pPr algn="ctr"/>
                       <a:r>
-                        <a:rPr kumimoji="1" lang="ja-JP" altLang="en-US"/>
+                        <a:rPr kumimoji="1" lang="ja-JP" altLang="en-US" b="1" dirty="0" smtClean="0"/>
                         <a:t>単純</a:t>
                       </a:r>
+                      <a:endParaRPr kumimoji="1" lang="en-US" altLang="ja-JP" b="1" dirty="0" smtClean="0"/>
+                    </a:p>
+                    <a:p>
+                      <a:pPr algn="ctr"/>
+                      <a:r>
+                        <a:rPr kumimoji="1" lang="ja-JP" altLang="en-US" b="1" dirty="0" smtClean="0"/>
+                        <a:t>重み</a:t>
+                      </a:r>
+                      <a:endParaRPr kumimoji="1" lang="ja-JP" altLang="en-US" b="1" dirty="0"/>
                     </a:p>
                   </a:txBody>
                   <a:tcPr anchor="ctr">
+                    <a:lnB w="28575" cap="flat" cmpd="sng" algn="ctr">
+                      <a:solidFill>
+                        <a:schemeClr val="tx1"/>
+                      </a:solidFill>
+                      <a:prstDash val="solid"/>
+                      <a:round/>
+                      <a:headEnd type="none" w="med" len="med"/>
+                      <a:tailEnd type="none" w="med" len="med"/>
+                    </a:lnB>
                     <a:solidFill>
-                      <a:schemeClr val="accent6">
-                        <a:lumMod val="20000"/>
-                        <a:lumOff val="80000"/>
-                      </a:schemeClr>
+                      <a:srgbClr val="CECEEF">
+                        <a:alpha val="27059"/>
+                      </a:srgbClr>
                     </a:solidFill>
                   </a:tcPr>
                 </a:tc>
@@ -16999,17 +17150,32 @@
                     <a:p>
                       <a:pPr algn="ctr"/>
                       <a:r>
-                        <a:rPr kumimoji="1" lang="ja-JP" altLang="en-US"/>
+                        <a:rPr kumimoji="1" lang="ja-JP" altLang="en-US" b="1" dirty="0" smtClean="0"/>
                         <a:t>サブデータ</a:t>
                       </a:r>
+                      <a:endParaRPr kumimoji="1" lang="en-US" altLang="ja-JP" b="1" dirty="0" smtClean="0"/>
+                    </a:p>
+                    <a:p>
+                      <a:pPr algn="ctr"/>
+                      <a:r>
+                        <a:rPr kumimoji="1" lang="ja-JP" altLang="en-US" b="1" dirty="0" smtClean="0"/>
+                        <a:t>重み</a:t>
+                      </a:r>
+                      <a:endParaRPr kumimoji="1" lang="ja-JP" altLang="en-US" b="1" dirty="0"/>
                     </a:p>
                   </a:txBody>
                   <a:tcPr>
+                    <a:lnB w="28575" cap="flat" cmpd="sng" algn="ctr">
+                      <a:solidFill>
+                        <a:schemeClr val="tx1"/>
+                      </a:solidFill>
+                      <a:prstDash val="solid"/>
+                      <a:round/>
+                      <a:headEnd type="none" w="med" len="med"/>
+                      <a:tailEnd type="none" w="med" len="med"/>
+                    </a:lnB>
                     <a:solidFill>
-                      <a:schemeClr val="accent6">
-                        <a:lumMod val="20000"/>
-                        <a:lumOff val="80000"/>
-                      </a:schemeClr>
+                      <a:srgbClr val="D3D3E5"/>
                     </a:solidFill>
                   </a:tcPr>
                 </a:tc>
@@ -17020,17 +17186,42 @@
                     <a:p>
                       <a:pPr algn="ctr"/>
                       <a:r>
-                        <a:rPr kumimoji="1" lang="ja-JP" altLang="en-US"/>
-                        <a:t>全データ</a:t>
+                        <a:rPr kumimoji="1" lang="ja-JP" altLang="en-US" b="1" dirty="0" smtClean="0"/>
+                        <a:t>全</a:t>
                       </a:r>
+                      <a:endParaRPr kumimoji="1" lang="en-US" altLang="ja-JP" b="1" dirty="0" smtClean="0"/>
+                    </a:p>
+                    <a:p>
+                      <a:pPr algn="ctr"/>
+                      <a:r>
+                        <a:rPr kumimoji="1" lang="ja-JP" altLang="en-US" b="1" dirty="0" smtClean="0"/>
+                        <a:t>データ</a:t>
+                      </a:r>
+                      <a:endParaRPr kumimoji="1" lang="en-US" altLang="ja-JP" b="1" dirty="0" smtClean="0"/>
+                    </a:p>
+                    <a:p>
+                      <a:pPr algn="ctr"/>
+                      <a:r>
+                        <a:rPr kumimoji="1" lang="ja-JP" altLang="en-US" b="1" dirty="0" smtClean="0"/>
+                        <a:t>重み</a:t>
+                      </a:r>
+                      <a:endParaRPr kumimoji="1" lang="ja-JP" altLang="en-US" b="1" dirty="0"/>
                     </a:p>
                   </a:txBody>
                   <a:tcPr>
+                    <a:lnB w="28575" cap="flat" cmpd="sng" algn="ctr">
+                      <a:solidFill>
+                        <a:schemeClr val="tx1"/>
+                      </a:solidFill>
+                      <a:prstDash val="solid"/>
+                      <a:round/>
+                      <a:headEnd type="none" w="med" len="med"/>
+                      <a:tailEnd type="none" w="med" len="med"/>
+                    </a:lnB>
                     <a:solidFill>
-                      <a:schemeClr val="accent6">
-                        <a:lumMod val="20000"/>
-                        <a:lumOff val="80000"/>
-                      </a:schemeClr>
+                      <a:srgbClr val="CECEEF">
+                        <a:alpha val="27059"/>
+                      </a:srgbClr>
                     </a:solidFill>
                   </a:tcPr>
                 </a:tc>
@@ -17041,17 +17232,32 @@
                     <a:p>
                       <a:pPr algn="ctr"/>
                       <a:r>
-                        <a:rPr kumimoji="1" lang="ja-JP" altLang="en-US"/>
+                        <a:rPr kumimoji="1" lang="ja-JP" altLang="en-US" b="1" dirty="0" smtClean="0"/>
                         <a:t>単純</a:t>
                       </a:r>
+                      <a:endParaRPr kumimoji="1" lang="en-US" altLang="ja-JP" b="1" dirty="0" smtClean="0"/>
+                    </a:p>
+                    <a:p>
+                      <a:pPr algn="ctr"/>
+                      <a:r>
+                        <a:rPr kumimoji="1" lang="ja-JP" altLang="en-US" b="1" dirty="0" smtClean="0"/>
+                        <a:t>重み</a:t>
+                      </a:r>
+                      <a:endParaRPr kumimoji="1" lang="ja-JP" altLang="en-US" b="1" dirty="0"/>
                     </a:p>
                   </a:txBody>
                   <a:tcPr anchor="ctr">
+                    <a:lnB w="28575" cap="flat" cmpd="sng" algn="ctr">
+                      <a:solidFill>
+                        <a:schemeClr val="tx1"/>
+                      </a:solidFill>
+                      <a:prstDash val="solid"/>
+                      <a:round/>
+                      <a:headEnd type="none" w="med" len="med"/>
+                      <a:tailEnd type="none" w="med" len="med"/>
+                    </a:lnB>
                     <a:solidFill>
-                      <a:schemeClr val="accent6">
-                        <a:lumMod val="20000"/>
-                        <a:lumOff val="80000"/>
-                      </a:schemeClr>
+                      <a:srgbClr val="D3D3E5"/>
                     </a:solidFill>
                   </a:tcPr>
                 </a:tc>
@@ -17062,17 +17268,34 @@
                     <a:p>
                       <a:pPr algn="ctr"/>
                       <a:r>
-                        <a:rPr kumimoji="1" lang="ja-JP" altLang="en-US"/>
+                        <a:rPr kumimoji="1" lang="ja-JP" altLang="en-US" b="1" dirty="0" smtClean="0"/>
                         <a:t>サブデータ</a:t>
                       </a:r>
+                      <a:endParaRPr kumimoji="1" lang="en-US" altLang="ja-JP" b="1" dirty="0" smtClean="0"/>
+                    </a:p>
+                    <a:p>
+                      <a:pPr algn="ctr"/>
+                      <a:r>
+                        <a:rPr kumimoji="1" lang="ja-JP" altLang="en-US" b="1" dirty="0" smtClean="0"/>
+                        <a:t>重み</a:t>
+                      </a:r>
+                      <a:endParaRPr kumimoji="1" lang="ja-JP" altLang="en-US" b="1" dirty="0"/>
                     </a:p>
                   </a:txBody>
                   <a:tcPr>
+                    <a:lnB w="28575" cap="flat" cmpd="sng" algn="ctr">
+                      <a:solidFill>
+                        <a:schemeClr val="tx1"/>
+                      </a:solidFill>
+                      <a:prstDash val="solid"/>
+                      <a:round/>
+                      <a:headEnd type="none" w="med" len="med"/>
+                      <a:tailEnd type="none" w="med" len="med"/>
+                    </a:lnB>
                     <a:solidFill>
-                      <a:schemeClr val="accent6">
-                        <a:lumMod val="20000"/>
-                        <a:lumOff val="80000"/>
-                      </a:schemeClr>
+                      <a:srgbClr val="CECEEF">
+                        <a:alpha val="27059"/>
+                      </a:srgbClr>
                     </a:solidFill>
                   </a:tcPr>
                 </a:tc>
@@ -17083,17 +17306,40 @@
                     <a:p>
                       <a:pPr algn="ctr"/>
                       <a:r>
-                        <a:rPr kumimoji="1" lang="ja-JP" altLang="en-US"/>
-                        <a:t>全データ</a:t>
+                        <a:rPr kumimoji="1" lang="ja-JP" altLang="en-US" b="1" dirty="0" smtClean="0"/>
+                        <a:t>全</a:t>
                       </a:r>
+                      <a:endParaRPr kumimoji="1" lang="en-US" altLang="ja-JP" b="1" dirty="0" smtClean="0"/>
+                    </a:p>
+                    <a:p>
+                      <a:pPr algn="ctr"/>
+                      <a:r>
+                        <a:rPr kumimoji="1" lang="ja-JP" altLang="en-US" b="1" dirty="0" smtClean="0"/>
+                        <a:t>データ</a:t>
+                      </a:r>
+                      <a:endParaRPr kumimoji="1" lang="en-US" altLang="ja-JP" b="1" dirty="0" smtClean="0"/>
+                    </a:p>
+                    <a:p>
+                      <a:pPr algn="ctr"/>
+                      <a:r>
+                        <a:rPr kumimoji="1" lang="ja-JP" altLang="en-US" b="1" dirty="0" smtClean="0"/>
+                        <a:t>重み</a:t>
+                      </a:r>
+                      <a:endParaRPr kumimoji="1" lang="ja-JP" altLang="en-US" b="1" dirty="0"/>
                     </a:p>
                   </a:txBody>
                   <a:tcPr>
+                    <a:lnB w="28575" cap="flat" cmpd="sng" algn="ctr">
+                      <a:solidFill>
+                        <a:schemeClr val="tx1"/>
+                      </a:solidFill>
+                      <a:prstDash val="solid"/>
+                      <a:round/>
+                      <a:headEnd type="none" w="med" len="med"/>
+                      <a:tailEnd type="none" w="med" len="med"/>
+                    </a:lnB>
                     <a:solidFill>
-                      <a:schemeClr val="accent6">
-                        <a:lumMod val="20000"/>
-                        <a:lumOff val="80000"/>
-                      </a:schemeClr>
+                      <a:srgbClr val="D3D3E5"/>
                     </a:solidFill>
                   </a:tcPr>
                 </a:tc>
@@ -17104,17 +17350,34 @@
                     <a:p>
                       <a:pPr algn="ctr"/>
                       <a:r>
-                        <a:rPr kumimoji="1" lang="ja-JP" altLang="en-US"/>
+                        <a:rPr kumimoji="1" lang="ja-JP" altLang="en-US" b="1" dirty="0" smtClean="0"/>
                         <a:t>単純</a:t>
                       </a:r>
+                      <a:endParaRPr kumimoji="1" lang="en-US" altLang="ja-JP" b="1" dirty="0" smtClean="0"/>
+                    </a:p>
+                    <a:p>
+                      <a:pPr algn="ctr"/>
+                      <a:r>
+                        <a:rPr kumimoji="1" lang="ja-JP" altLang="en-US" b="1" dirty="0" smtClean="0"/>
+                        <a:t>重み</a:t>
+                      </a:r>
+                      <a:endParaRPr kumimoji="1" lang="ja-JP" altLang="en-US" b="1" dirty="0"/>
                     </a:p>
                   </a:txBody>
                   <a:tcPr anchor="ctr">
+                    <a:lnB w="28575" cap="flat" cmpd="sng" algn="ctr">
+                      <a:solidFill>
+                        <a:schemeClr val="tx1"/>
+                      </a:solidFill>
+                      <a:prstDash val="solid"/>
+                      <a:round/>
+                      <a:headEnd type="none" w="med" len="med"/>
+                      <a:tailEnd type="none" w="med" len="med"/>
+                    </a:lnB>
                     <a:solidFill>
-                      <a:schemeClr val="accent6">
-                        <a:lumMod val="20000"/>
-                        <a:lumOff val="80000"/>
-                      </a:schemeClr>
+                      <a:srgbClr val="CECEEF">
+                        <a:alpha val="27059"/>
+                      </a:srgbClr>
                     </a:solidFill>
                   </a:tcPr>
                 </a:tc>
@@ -17125,17 +17388,32 @@
                     <a:p>
                       <a:pPr algn="ctr"/>
                       <a:r>
-                        <a:rPr kumimoji="1" lang="ja-JP" altLang="en-US"/>
+                        <a:rPr kumimoji="1" lang="ja-JP" altLang="en-US" b="1" dirty="0" smtClean="0"/>
                         <a:t>サブデータ</a:t>
                       </a:r>
+                      <a:endParaRPr kumimoji="1" lang="en-US" altLang="ja-JP" b="1" dirty="0" smtClean="0"/>
+                    </a:p>
+                    <a:p>
+                      <a:pPr algn="ctr"/>
+                      <a:r>
+                        <a:rPr kumimoji="1" lang="ja-JP" altLang="en-US" b="1" dirty="0" smtClean="0"/>
+                        <a:t>重み</a:t>
+                      </a:r>
+                      <a:endParaRPr kumimoji="1" lang="ja-JP" altLang="en-US" b="1" dirty="0"/>
                     </a:p>
                   </a:txBody>
                   <a:tcPr>
+                    <a:lnB w="28575" cap="flat" cmpd="sng" algn="ctr">
+                      <a:solidFill>
+                        <a:schemeClr val="tx1"/>
+                      </a:solidFill>
+                      <a:prstDash val="solid"/>
+                      <a:round/>
+                      <a:headEnd type="none" w="med" len="med"/>
+                      <a:tailEnd type="none" w="med" len="med"/>
+                    </a:lnB>
                     <a:solidFill>
-                      <a:schemeClr val="accent6">
-                        <a:lumMod val="20000"/>
-                        <a:lumOff val="80000"/>
-                      </a:schemeClr>
+                      <a:srgbClr val="D3D3E5"/>
                     </a:solidFill>
                   </a:tcPr>
                 </a:tc>
@@ -17146,17 +17424,51 @@
                     <a:p>
                       <a:pPr algn="ctr"/>
                       <a:r>
-                        <a:rPr kumimoji="1" lang="ja-JP" altLang="en-US"/>
-                        <a:t>全データ</a:t>
+                        <a:rPr kumimoji="1" lang="ja-JP" altLang="en-US" b="1" dirty="0" smtClean="0"/>
+                        <a:t>全</a:t>
                       </a:r>
+                      <a:endParaRPr kumimoji="1" lang="en-US" altLang="ja-JP" b="1" dirty="0" smtClean="0"/>
+                    </a:p>
+                    <a:p>
+                      <a:pPr algn="ctr"/>
+                      <a:r>
+                        <a:rPr kumimoji="1" lang="ja-JP" altLang="en-US" b="1" dirty="0" smtClean="0"/>
+                        <a:t>データ</a:t>
+                      </a:r>
+                      <a:endParaRPr kumimoji="1" lang="en-US" altLang="ja-JP" b="1" dirty="0" smtClean="0"/>
+                    </a:p>
+                    <a:p>
+                      <a:pPr algn="ctr"/>
+                      <a:r>
+                        <a:rPr kumimoji="1" lang="ja-JP" altLang="en-US" b="1" dirty="0" smtClean="0"/>
+                        <a:t>重み</a:t>
+                      </a:r>
+                      <a:endParaRPr kumimoji="1" lang="ja-JP" altLang="en-US" b="1" dirty="0"/>
                     </a:p>
                   </a:txBody>
                   <a:tcPr>
+                    <a:lnR w="28575" cap="flat" cmpd="sng" algn="ctr">
+                      <a:solidFill>
+                        <a:schemeClr val="tx1"/>
+                      </a:solidFill>
+                      <a:prstDash val="solid"/>
+                      <a:round/>
+                      <a:headEnd type="none" w="med" len="med"/>
+                      <a:tailEnd type="none" w="med" len="med"/>
+                    </a:lnR>
+                    <a:lnB w="28575" cap="flat" cmpd="sng" algn="ctr">
+                      <a:solidFill>
+                        <a:schemeClr val="tx1"/>
+                      </a:solidFill>
+                      <a:prstDash val="solid"/>
+                      <a:round/>
+                      <a:headEnd type="none" w="med" len="med"/>
+                      <a:tailEnd type="none" w="med" len="med"/>
+                    </a:lnB>
                     <a:solidFill>
-                      <a:schemeClr val="accent6">
-                        <a:lumMod val="20000"/>
-                        <a:lumOff val="80000"/>
-                      </a:schemeClr>
+                      <a:srgbClr val="CECEEF">
+                        <a:alpha val="27059"/>
+                      </a:srgbClr>
                     </a:solidFill>
                   </a:tcPr>
                 </a:tc>
@@ -17174,7 +17486,7 @@
                     <a:p>
                       <a:pPr algn="l" fontAlgn="ctr"/>
                       <a:r>
-                        <a:rPr lang="ja-JP" altLang="en-US" sz="1800" b="0" i="0" u="none" strike="noStrike">
+                        <a:rPr lang="ja-JP" altLang="en-US" sz="1800" b="0" i="0" u="none" strike="noStrike" dirty="0">
                           <a:solidFill>
                             <a:srgbClr val="000000"/>
                           </a:solidFill>
@@ -17185,7 +17497,7 @@
                         <a:t>　評価用データ識別率</a:t>
                       </a:r>
                       <a:r>
-                        <a:rPr lang="en-US" altLang="ja-JP" sz="1800" b="0" i="0" u="none" strike="noStrike">
+                        <a:rPr lang="en-US" altLang="ja-JP" sz="1800" b="0" i="0" u="none" strike="noStrike" dirty="0">
                           <a:solidFill>
                             <a:srgbClr val="000000"/>
                           </a:solidFill>
@@ -17196,7 +17508,7 @@
                         <a:t>, </a:t>
                       </a:r>
                       <a:r>
-                        <a:rPr lang="ja-JP" altLang="en-US" sz="1800" b="0" i="0" u="none" strike="noStrike">
+                        <a:rPr lang="ja-JP" altLang="en-US" sz="1800" b="0" i="0" u="none" strike="noStrike" dirty="0">
                           <a:solidFill>
                             <a:srgbClr val="000000"/>
                           </a:solidFill>
@@ -17207,7 +17519,7 @@
                         <a:t>全データ最良単一</a:t>
                       </a:r>
                       <a:r>
-                        <a:rPr lang="en-US" altLang="ja-JP" sz="1800" b="0" i="0" u="none" strike="noStrike">
+                        <a:rPr lang="en-US" altLang="ja-JP" sz="1800" b="0" i="0" u="none" strike="noStrike" dirty="0">
                           <a:solidFill>
                             <a:srgbClr val="000000"/>
                           </a:solidFill>
@@ -17218,7 +17530,7 @@
                         <a:t>, </a:t>
                       </a:r>
                       <a:r>
-                        <a:rPr lang="ja-JP" altLang="en-US" sz="1800" b="0" i="0" u="none" strike="noStrike">
+                        <a:rPr lang="ja-JP" altLang="en-US" sz="1800" b="0" i="0" u="none" strike="noStrike" dirty="0">
                           <a:solidFill>
                             <a:srgbClr val="000000"/>
                           </a:solidFill>
@@ -17229,7 +17541,7 @@
                         <a:t>島数</a:t>
                       </a:r>
                       <a:r>
-                        <a:rPr lang="en-US" altLang="ja-JP" sz="1800" b="0" i="0" u="none" strike="noStrike">
+                        <a:rPr lang="en-US" altLang="ja-JP" sz="1800" b="0" i="0" u="none" strike="noStrike" dirty="0">
                           <a:solidFill>
                             <a:srgbClr val="000000"/>
                           </a:solidFill>
@@ -17240,7 +17552,7 @@
                         <a:t>5, </a:t>
                       </a:r>
                       <a:r>
-                        <a:rPr lang="ja-JP" altLang="en-US" sz="1800" b="0" i="0" u="none" strike="noStrike">
+                        <a:rPr lang="ja-JP" altLang="en-US" sz="1800" b="0" i="0" u="none" strike="noStrike" dirty="0">
                           <a:solidFill>
                             <a:schemeClr val="tx1"/>
                           </a:solidFill>
@@ -17251,7 +17563,7 @@
                         <a:t>過剰適合あり</a:t>
                       </a:r>
                       <a:r>
-                        <a:rPr lang="en-US" altLang="ja-JP" sz="1800" b="0" i="0" u="none" strike="noStrike">
+                        <a:rPr lang="en-US" altLang="ja-JP" sz="1800" b="0" i="0" u="none" strike="noStrike" dirty="0">
                           <a:solidFill>
                             <a:srgbClr val="000000"/>
                           </a:solidFill>
@@ -17259,13 +17571,64 @@
                           <a:latin typeface="+mn-lt"/>
                           <a:ea typeface="游ゴシック" panose="020B0400000000000000" pitchFamily="34" charset="-128"/>
                         </a:rPr>
-                        <a:t>, satimage, 3x10CV</a:t>
+                        <a:t>, </a:t>
+                      </a:r>
+                      <a:r>
+                        <a:rPr lang="en-US" altLang="ja-JP" sz="1800" b="0" i="0" u="none" strike="noStrike" dirty="0" err="1">
+                          <a:solidFill>
+                            <a:srgbClr val="000000"/>
+                          </a:solidFill>
+                          <a:effectLst/>
+                          <a:latin typeface="+mn-lt"/>
+                          <a:ea typeface="游ゴシック" panose="020B0400000000000000" pitchFamily="34" charset="-128"/>
+                        </a:rPr>
+                        <a:t>satimage</a:t>
+                      </a:r>
+                      <a:r>
+                        <a:rPr lang="en-US" altLang="ja-JP" sz="1800" b="0" i="0" u="none" strike="noStrike" dirty="0">
+                          <a:solidFill>
+                            <a:srgbClr val="000000"/>
+                          </a:solidFill>
+                          <a:effectLst/>
+                          <a:latin typeface="+mn-lt"/>
+                          <a:ea typeface="游ゴシック" panose="020B0400000000000000" pitchFamily="34" charset="-128"/>
+                        </a:rPr>
+                        <a:t>, 3x10CV</a:t>
                       </a:r>
                     </a:p>
                   </a:txBody>
                   <a:tcPr marL="9525" marR="9525" marT="9525" marB="0" anchor="ctr">
+                    <a:lnL w="28575" cap="flat" cmpd="sng" algn="ctr">
+                      <a:solidFill>
+                        <a:schemeClr val="tx1"/>
+                      </a:solidFill>
+                      <a:prstDash val="solid"/>
+                      <a:round/>
+                      <a:headEnd type="none" w="med" len="med"/>
+                      <a:tailEnd type="none" w="med" len="med"/>
+                    </a:lnL>
+                    <a:lnR w="28575" cap="flat" cmpd="sng" algn="ctr">
+                      <a:solidFill>
+                        <a:schemeClr val="tx1"/>
+                      </a:solidFill>
+                      <a:prstDash val="solid"/>
+                      <a:round/>
+                      <a:headEnd type="none" w="med" len="med"/>
+                      <a:tailEnd type="none" w="med" len="med"/>
+                    </a:lnR>
+                    <a:lnT w="28575" cap="flat" cmpd="sng" algn="ctr">
+                      <a:solidFill>
+                        <a:schemeClr val="tx1"/>
+                      </a:solidFill>
+                      <a:prstDash val="solid"/>
+                      <a:round/>
+                      <a:headEnd type="none" w="med" len="med"/>
+                      <a:tailEnd type="none" w="med" len="med"/>
+                    </a:lnT>
                     <a:solidFill>
-                      <a:srgbClr val="DFDDE4"/>
+                      <a:srgbClr val="DFDDE4">
+                        <a:alpha val="80000"/>
+                      </a:srgbClr>
                     </a:solidFill>
                   </a:tcPr>
                 </a:tc>
@@ -17445,7 +17808,7 @@
                     <a:p>
                       <a:pPr algn="ctr" fontAlgn="ctr"/>
                       <a:r>
-                        <a:rPr lang="en-US" altLang="ja-JP" sz="1800" b="0" i="0" u="none" strike="noStrike">
+                        <a:rPr lang="en-US" altLang="ja-JP" sz="1800" b="1" i="0" u="none" strike="noStrike" dirty="0">
                           <a:solidFill>
                             <a:srgbClr val="000000"/>
                           </a:solidFill>
@@ -17458,6 +17821,15 @@
                     </a:p>
                   </a:txBody>
                   <a:tcPr marL="9525" marR="9525" marT="9525" marB="0" anchor="ctr">
+                    <a:lnL w="28575" cap="flat" cmpd="sng" algn="ctr">
+                      <a:solidFill>
+                        <a:schemeClr val="tx1"/>
+                      </a:solidFill>
+                      <a:prstDash val="solid"/>
+                      <a:round/>
+                      <a:headEnd type="none" w="med" len="med"/>
+                      <a:tailEnd type="none" w="med" len="med"/>
+                    </a:lnL>
                     <a:solidFill>
                       <a:srgbClr val="D3D3E5"/>
                     </a:solidFill>
@@ -17470,7 +17842,7 @@
                     <a:p>
                       <a:pPr algn="ctr" fontAlgn="ctr"/>
                       <a:r>
-                        <a:rPr lang="en-US" altLang="ja-JP" sz="1800" b="0" i="0" u="none" strike="noStrike">
+                        <a:rPr lang="en-US" altLang="ja-JP" sz="1800" b="1" i="0" u="none" strike="noStrike" dirty="0">
                           <a:solidFill>
                             <a:srgbClr val="000000"/>
                           </a:solidFill>
@@ -17491,7 +17863,7 @@
                     <a:p>
                       <a:pPr algn="ctr" fontAlgn="ctr"/>
                       <a:r>
-                        <a:rPr lang="en-US" altLang="ja-JP" sz="1800" b="0" i="0" u="none" strike="noStrike">
+                        <a:rPr lang="en-US" altLang="ja-JP" sz="1800" b="1" i="0" u="sng" strike="noStrike" dirty="0">
                           <a:solidFill>
                             <a:srgbClr val="FF5404"/>
                           </a:solidFill>
@@ -17502,7 +17874,7 @@
                         <a:t>86.04</a:t>
                       </a:r>
                       <a:r>
-                        <a:rPr lang="en-US" altLang="ja-JP" sz="1800" b="0" i="0" u="none" strike="noStrike">
+                        <a:rPr lang="en-US" altLang="ja-JP" sz="1800" b="1" i="0" u="none" strike="noStrike" dirty="0">
                           <a:solidFill>
                             <a:srgbClr val="000000"/>
                           </a:solidFill>
@@ -17527,7 +17899,7 @@
                     <a:p>
                       <a:pPr algn="ctr" fontAlgn="ctr"/>
                       <a:r>
-                        <a:rPr lang="en-US" altLang="ja-JP" sz="1800" b="0" i="0" u="none" strike="noStrike">
+                        <a:rPr lang="en-US" altLang="ja-JP" sz="1800" b="1" i="0" u="none" strike="noStrike" dirty="0">
                           <a:solidFill>
                             <a:srgbClr val="000000"/>
                           </a:solidFill>
@@ -17548,7 +17920,7 @@
                     <a:p>
                       <a:pPr algn="ctr" fontAlgn="ctr"/>
                       <a:r>
-                        <a:rPr lang="en-US" altLang="ja-JP" sz="1800" b="0" i="0" u="none" strike="noStrike">
+                        <a:rPr lang="en-US" altLang="ja-JP" sz="1800" b="1" i="0" u="none" strike="noStrike" dirty="0">
                           <a:solidFill>
                             <a:srgbClr val="000000"/>
                           </a:solidFill>
@@ -17573,7 +17945,7 @@
                     <a:p>
                       <a:pPr algn="ctr" fontAlgn="ctr"/>
                       <a:r>
-                        <a:rPr lang="en-US" altLang="ja-JP" sz="1800" b="0" i="0" u="none" strike="noStrike">
+                        <a:rPr lang="en-US" altLang="ja-JP" sz="1800" b="1" i="0" u="none" strike="noStrike" dirty="0">
                           <a:solidFill>
                             <a:srgbClr val="000000"/>
                           </a:solidFill>
@@ -17594,7 +17966,7 @@
                     <a:p>
                       <a:pPr algn="ctr" fontAlgn="ctr"/>
                       <a:r>
-                        <a:rPr lang="en-US" altLang="ja-JP" sz="1800" b="0" i="0" u="none" strike="noStrike">
+                        <a:rPr lang="en-US" altLang="ja-JP" sz="1800" b="1" i="0" u="none" strike="noStrike" dirty="0">
                           <a:solidFill>
                             <a:srgbClr val="000000"/>
                           </a:solidFill>
@@ -17619,7 +17991,7 @@
                     <a:p>
                       <a:pPr algn="ctr" fontAlgn="ctr"/>
                       <a:r>
-                        <a:rPr lang="en-US" altLang="ja-JP" sz="1800" b="0" i="0" u="none" strike="noStrike">
+                        <a:rPr lang="en-US" altLang="ja-JP" sz="1800" b="1" i="0" u="none" strike="noStrike" dirty="0">
                           <a:solidFill>
                             <a:srgbClr val="000000"/>
                           </a:solidFill>
@@ -17640,7 +18012,7 @@
                     <a:p>
                       <a:pPr algn="ctr" fontAlgn="ctr"/>
                       <a:r>
-                        <a:rPr lang="en-US" altLang="ja-JP" sz="1800" b="0" i="0" u="none" strike="noStrike">
+                        <a:rPr lang="en-US" altLang="ja-JP" sz="1800" b="1" i="0" u="none" strike="noStrike" dirty="0">
                           <a:solidFill>
                             <a:srgbClr val="000000"/>
                           </a:solidFill>
@@ -17665,7 +18037,7 @@
                     <a:p>
                       <a:pPr algn="ctr" fontAlgn="ctr"/>
                       <a:r>
-                        <a:rPr lang="en-US" altLang="ja-JP" sz="1800" b="0" i="0" u="none" strike="noStrike">
+                        <a:rPr lang="en-US" altLang="ja-JP" sz="1800" b="1" i="0" u="none" strike="noStrike" dirty="0">
                           <a:solidFill>
                             <a:srgbClr val="000000"/>
                           </a:solidFill>
@@ -17677,7 +18049,17 @@
                       </a:r>
                     </a:p>
                   </a:txBody>
-                  <a:tcPr marL="9525" marR="9525" marT="9525" marB="0" anchor="ctr"/>
+                  <a:tcPr marL="9525" marR="9525" marT="9525" marB="0" anchor="ctr">
+                    <a:lnR w="28575" cap="flat" cmpd="sng" algn="ctr">
+                      <a:solidFill>
+                        <a:schemeClr val="tx1"/>
+                      </a:solidFill>
+                      <a:prstDash val="solid"/>
+                      <a:round/>
+                      <a:headEnd type="none" w="med" len="med"/>
+                      <a:tailEnd type="none" w="med" len="med"/>
+                    </a:lnR>
+                  </a:tcPr>
                 </a:tc>
                 <a:extLst>
                   <a:ext uri="{0D108BD9-81ED-4DB2-BD59-A6C34878D82A}">
@@ -17706,6 +18088,24 @@
                     </a:p>
                   </a:txBody>
                   <a:tcPr marL="9525" marR="9525" marT="9525" marB="0" anchor="ctr">
+                    <a:lnL w="28575" cap="flat" cmpd="sng" algn="ctr">
+                      <a:solidFill>
+                        <a:schemeClr val="tx1"/>
+                      </a:solidFill>
+                      <a:prstDash val="solid"/>
+                      <a:round/>
+                      <a:headEnd type="none" w="med" len="med"/>
+                      <a:tailEnd type="none" w="med" len="med"/>
+                    </a:lnL>
+                    <a:lnB w="28575" cap="flat" cmpd="sng" algn="ctr">
+                      <a:solidFill>
+                        <a:schemeClr val="tx1"/>
+                      </a:solidFill>
+                      <a:prstDash val="solid"/>
+                      <a:round/>
+                      <a:headEnd type="none" w="med" len="med"/>
+                      <a:tailEnd type="none" w="med" len="med"/>
+                    </a:lnB>
                     <a:solidFill>
                       <a:srgbClr val="D3D3E5"/>
                     </a:solidFill>
@@ -17730,7 +18130,17 @@
                       </a:r>
                     </a:p>
                   </a:txBody>
-                  <a:tcPr marL="9525" marR="9525" marT="9525" marB="0" anchor="ctr"/>
+                  <a:tcPr marL="9525" marR="9525" marT="9525" marB="0" anchor="ctr">
+                    <a:lnB w="28575" cap="flat" cmpd="sng" algn="ctr">
+                      <a:solidFill>
+                        <a:schemeClr val="tx1"/>
+                      </a:solidFill>
+                      <a:prstDash val="solid"/>
+                      <a:round/>
+                      <a:headEnd type="none" w="med" len="med"/>
+                      <a:tailEnd type="none" w="med" len="med"/>
+                    </a:lnB>
+                  </a:tcPr>
                 </a:tc>
                 <a:tc>
                   <a:txBody>
@@ -17752,6 +18162,15 @@
                     </a:p>
                   </a:txBody>
                   <a:tcPr marL="9525" marR="9525" marT="9525" marB="0" anchor="ctr">
+                    <a:lnB w="28575" cap="flat" cmpd="sng" algn="ctr">
+                      <a:solidFill>
+                        <a:schemeClr val="tx1"/>
+                      </a:solidFill>
+                      <a:prstDash val="solid"/>
+                      <a:round/>
+                      <a:headEnd type="none" w="med" len="med"/>
+                      <a:tailEnd type="none" w="med" len="med"/>
+                    </a:lnB>
                     <a:solidFill>
                       <a:srgbClr val="D3D3E5"/>
                     </a:solidFill>
@@ -17764,7 +18183,7 @@
                     <a:p>
                       <a:pPr algn="ctr" fontAlgn="ctr"/>
                       <a:r>
-                        <a:rPr lang="en-US" altLang="ja-JP" sz="1400" b="0" i="0" u="none" strike="noStrike">
+                        <a:rPr lang="en-US" altLang="ja-JP" sz="1400" b="0" i="0" u="none" strike="noStrike" dirty="0">
                           <a:solidFill>
                             <a:srgbClr val="000000"/>
                           </a:solidFill>
@@ -17776,7 +18195,17 @@
                       </a:r>
                     </a:p>
                   </a:txBody>
-                  <a:tcPr marL="9525" marR="9525" marT="9525" marB="0" anchor="ctr"/>
+                  <a:tcPr marL="9525" marR="9525" marT="9525" marB="0" anchor="ctr">
+                    <a:lnB w="28575" cap="flat" cmpd="sng" algn="ctr">
+                      <a:solidFill>
+                        <a:schemeClr val="tx1"/>
+                      </a:solidFill>
+                      <a:prstDash val="solid"/>
+                      <a:round/>
+                      <a:headEnd type="none" w="med" len="med"/>
+                      <a:tailEnd type="none" w="med" len="med"/>
+                    </a:lnB>
+                  </a:tcPr>
                 </a:tc>
                 <a:tc>
                   <a:txBody>
@@ -17798,6 +18227,15 @@
                     </a:p>
                   </a:txBody>
                   <a:tcPr marL="9525" marR="9525" marT="9525" marB="0" anchor="ctr">
+                    <a:lnB w="28575" cap="flat" cmpd="sng" algn="ctr">
+                      <a:solidFill>
+                        <a:schemeClr val="tx1"/>
+                      </a:solidFill>
+                      <a:prstDash val="solid"/>
+                      <a:round/>
+                      <a:headEnd type="none" w="med" len="med"/>
+                      <a:tailEnd type="none" w="med" len="med"/>
+                    </a:lnB>
                     <a:solidFill>
                       <a:srgbClr val="D3D3E5"/>
                     </a:solidFill>
@@ -17822,7 +18260,17 @@
                       </a:r>
                     </a:p>
                   </a:txBody>
-                  <a:tcPr marL="9525" marR="9525" marT="9525" marB="0" anchor="ctr"/>
+                  <a:tcPr marL="9525" marR="9525" marT="9525" marB="0" anchor="ctr">
+                    <a:lnB w="28575" cap="flat" cmpd="sng" algn="ctr">
+                      <a:solidFill>
+                        <a:schemeClr val="tx1"/>
+                      </a:solidFill>
+                      <a:prstDash val="solid"/>
+                      <a:round/>
+                      <a:headEnd type="none" w="med" len="med"/>
+                      <a:tailEnd type="none" w="med" len="med"/>
+                    </a:lnB>
+                  </a:tcPr>
                 </a:tc>
                 <a:tc>
                   <a:txBody>
@@ -17844,6 +18292,15 @@
                     </a:p>
                   </a:txBody>
                   <a:tcPr marL="9525" marR="9525" marT="9525" marB="0" anchor="ctr">
+                    <a:lnB w="28575" cap="flat" cmpd="sng" algn="ctr">
+                      <a:solidFill>
+                        <a:schemeClr val="tx1"/>
+                      </a:solidFill>
+                      <a:prstDash val="solid"/>
+                      <a:round/>
+                      <a:headEnd type="none" w="med" len="med"/>
+                      <a:tailEnd type="none" w="med" len="med"/>
+                    </a:lnB>
                     <a:solidFill>
                       <a:srgbClr val="D3D3E5"/>
                     </a:solidFill>
@@ -17856,7 +18313,7 @@
                     <a:p>
                       <a:pPr algn="ctr" fontAlgn="ctr"/>
                       <a:r>
-                        <a:rPr lang="en-US" altLang="ja-JP" sz="1400" b="0" i="0" u="none" strike="noStrike">
+                        <a:rPr lang="en-US" altLang="ja-JP" sz="1400" b="0" i="0" u="none" strike="noStrike" dirty="0">
                           <a:solidFill>
                             <a:srgbClr val="000000"/>
                           </a:solidFill>
@@ -17868,7 +18325,17 @@
                       </a:r>
                     </a:p>
                   </a:txBody>
-                  <a:tcPr marL="9525" marR="9525" marT="9525" marB="0" anchor="ctr"/>
+                  <a:tcPr marL="9525" marR="9525" marT="9525" marB="0" anchor="ctr">
+                    <a:lnB w="28575" cap="flat" cmpd="sng" algn="ctr">
+                      <a:solidFill>
+                        <a:schemeClr val="tx1"/>
+                      </a:solidFill>
+                      <a:prstDash val="solid"/>
+                      <a:round/>
+                      <a:headEnd type="none" w="med" len="med"/>
+                      <a:tailEnd type="none" w="med" len="med"/>
+                    </a:lnB>
+                  </a:tcPr>
                 </a:tc>
                 <a:tc>
                   <a:txBody>
@@ -17877,7 +18344,7 @@
                     <a:p>
                       <a:pPr algn="ctr" fontAlgn="ctr"/>
                       <a:r>
-                        <a:rPr lang="en-US" altLang="ja-JP" sz="1400" b="0" i="0" u="none" strike="noStrike">
+                        <a:rPr lang="en-US" altLang="ja-JP" sz="1400" b="0" i="0" u="none" strike="noStrike" dirty="0">
                           <a:solidFill>
                             <a:srgbClr val="000000"/>
                           </a:solidFill>
@@ -17890,6 +18357,15 @@
                     </a:p>
                   </a:txBody>
                   <a:tcPr marL="9525" marR="9525" marT="9525" marB="0" anchor="ctr">
+                    <a:lnB w="28575" cap="flat" cmpd="sng" algn="ctr">
+                      <a:solidFill>
+                        <a:schemeClr val="tx1"/>
+                      </a:solidFill>
+                      <a:prstDash val="solid"/>
+                      <a:round/>
+                      <a:headEnd type="none" w="med" len="med"/>
+                      <a:tailEnd type="none" w="med" len="med"/>
+                    </a:lnB>
                     <a:solidFill>
                       <a:srgbClr val="D3D3E5"/>
                     </a:solidFill>
@@ -17902,7 +18378,7 @@
                     <a:p>
                       <a:pPr algn="ctr" fontAlgn="ctr"/>
                       <a:r>
-                        <a:rPr lang="en-US" altLang="ja-JP" sz="1400" b="0" i="0" u="none" strike="noStrike">
+                        <a:rPr lang="en-US" altLang="ja-JP" sz="1400" b="0" i="0" u="none" strike="noStrike" dirty="0">
                           <a:solidFill>
                             <a:srgbClr val="000000"/>
                           </a:solidFill>
@@ -17914,7 +18390,26 @@
                       </a:r>
                     </a:p>
                   </a:txBody>
-                  <a:tcPr marL="9525" marR="9525" marT="9525" marB="0" anchor="ctr"/>
+                  <a:tcPr marL="9525" marR="9525" marT="9525" marB="0" anchor="ctr">
+                    <a:lnR w="28575" cap="flat" cmpd="sng" algn="ctr">
+                      <a:solidFill>
+                        <a:schemeClr val="tx1"/>
+                      </a:solidFill>
+                      <a:prstDash val="solid"/>
+                      <a:round/>
+                      <a:headEnd type="none" w="med" len="med"/>
+                      <a:tailEnd type="none" w="med" len="med"/>
+                    </a:lnR>
+                    <a:lnB w="28575" cap="flat" cmpd="sng" algn="ctr">
+                      <a:solidFill>
+                        <a:schemeClr val="tx1"/>
+                      </a:solidFill>
+                      <a:prstDash val="solid"/>
+                      <a:round/>
+                      <a:headEnd type="none" w="med" len="med"/>
+                      <a:tailEnd type="none" w="med" len="med"/>
+                    </a:lnB>
+                  </a:tcPr>
                 </a:tc>
                 <a:extLst>
                   <a:ext uri="{0D108BD9-81ED-4DB2-BD59-A6C34878D82A}">
@@ -17930,7 +18425,7 @@
                     <a:p>
                       <a:pPr algn="l" fontAlgn="ctr"/>
                       <a:r>
-                        <a:rPr lang="ja-JP" altLang="en-US" sz="1800" b="0" i="0" u="none" strike="noStrike">
+                        <a:rPr lang="ja-JP" altLang="en-US" sz="1800" b="0" i="0" u="none" strike="noStrike" dirty="0">
                           <a:solidFill>
                             <a:srgbClr val="000000"/>
                           </a:solidFill>
@@ -17941,7 +18436,7 @@
                         <a:t>　評価用データ識別率</a:t>
                       </a:r>
                       <a:r>
-                        <a:rPr lang="en-US" altLang="ja-JP" sz="1800" b="0" i="0" u="none" strike="noStrike">
+                        <a:rPr lang="en-US" altLang="ja-JP" sz="1800" b="0" i="0" u="none" strike="noStrike" dirty="0">
                           <a:solidFill>
                             <a:srgbClr val="000000"/>
                           </a:solidFill>
@@ -17952,7 +18447,7 @@
                         <a:t>, </a:t>
                       </a:r>
                       <a:r>
-                        <a:rPr lang="ja-JP" altLang="en-US" sz="1800" b="0" i="0" u="none" strike="noStrike">
+                        <a:rPr lang="ja-JP" altLang="en-US" sz="1800" b="0" i="0" u="none" strike="noStrike" dirty="0">
                           <a:solidFill>
                             <a:srgbClr val="000000"/>
                           </a:solidFill>
@@ -17963,7 +18458,7 @@
                         <a:t>全データ最良単一</a:t>
                       </a:r>
                       <a:r>
-                        <a:rPr lang="en-US" altLang="ja-JP" sz="1800" b="0" i="0" u="none" strike="noStrike">
+                        <a:rPr lang="en-US" altLang="ja-JP" sz="1800" b="0" i="0" u="none" strike="noStrike" dirty="0">
                           <a:solidFill>
                             <a:srgbClr val="000000"/>
                           </a:solidFill>
@@ -17974,7 +18469,7 @@
                         <a:t>, </a:t>
                       </a:r>
                       <a:r>
-                        <a:rPr lang="ja-JP" altLang="en-US" sz="1800" b="0" i="0" u="none" strike="noStrike">
+                        <a:rPr lang="ja-JP" altLang="en-US" sz="1800" b="0" i="0" u="none" strike="noStrike" dirty="0">
                           <a:solidFill>
                             <a:srgbClr val="000000"/>
                           </a:solidFill>
@@ -17985,7 +18480,7 @@
                         <a:t>島数</a:t>
                       </a:r>
                       <a:r>
-                        <a:rPr lang="en-US" altLang="ja-JP" sz="1800" b="0" i="0" u="none" strike="noStrike">
+                        <a:rPr lang="en-US" altLang="ja-JP" sz="1800" b="0" i="0" u="none" strike="noStrike" dirty="0">
                           <a:solidFill>
                             <a:srgbClr val="000000"/>
                           </a:solidFill>
@@ -17996,7 +18491,7 @@
                         <a:t>5, </a:t>
                       </a:r>
                       <a:r>
-                        <a:rPr lang="ja-JP" altLang="en-US" sz="1800" b="0" i="0" u="none" strike="noStrike">
+                        <a:rPr lang="ja-JP" altLang="en-US" sz="1800" b="0" i="0" u="none" strike="noStrike" dirty="0">
                           <a:solidFill>
                             <a:srgbClr val="FF5404"/>
                           </a:solidFill>
@@ -18007,7 +18502,7 @@
                         <a:t>過剰適合なし</a:t>
                       </a:r>
                       <a:r>
-                        <a:rPr lang="en-US" altLang="ja-JP" sz="1800" b="0" i="0" u="none" strike="noStrike">
+                        <a:rPr lang="en-US" altLang="ja-JP" sz="1800" b="0" i="0" u="none" strike="noStrike" dirty="0">
                           <a:solidFill>
                             <a:srgbClr val="000000"/>
                           </a:solidFill>
@@ -18015,13 +18510,64 @@
                           <a:latin typeface="+mn-lt"/>
                           <a:ea typeface="游ゴシック" panose="020B0400000000000000" pitchFamily="34" charset="-128"/>
                         </a:rPr>
-                        <a:t>, satimage, 3x10CV</a:t>
+                        <a:t>, </a:t>
+                      </a:r>
+                      <a:r>
+                        <a:rPr lang="en-US" altLang="ja-JP" sz="1800" b="0" i="0" u="none" strike="noStrike" dirty="0" err="1">
+                          <a:solidFill>
+                            <a:srgbClr val="000000"/>
+                          </a:solidFill>
+                          <a:effectLst/>
+                          <a:latin typeface="+mn-lt"/>
+                          <a:ea typeface="游ゴシック" panose="020B0400000000000000" pitchFamily="34" charset="-128"/>
+                        </a:rPr>
+                        <a:t>satimage</a:t>
+                      </a:r>
+                      <a:r>
+                        <a:rPr lang="en-US" altLang="ja-JP" sz="1800" b="0" i="0" u="none" strike="noStrike" dirty="0">
+                          <a:solidFill>
+                            <a:srgbClr val="000000"/>
+                          </a:solidFill>
+                          <a:effectLst/>
+                          <a:latin typeface="+mn-lt"/>
+                          <a:ea typeface="游ゴシック" panose="020B0400000000000000" pitchFamily="34" charset="-128"/>
+                        </a:rPr>
+                        <a:t>, 3x10CV</a:t>
                       </a:r>
                     </a:p>
                   </a:txBody>
                   <a:tcPr marL="9525" marR="9525" marT="9525" marB="0" anchor="ctr">
+                    <a:lnL w="28575" cap="flat" cmpd="sng" algn="ctr">
+                      <a:solidFill>
+                        <a:schemeClr val="tx1"/>
+                      </a:solidFill>
+                      <a:prstDash val="solid"/>
+                      <a:round/>
+                      <a:headEnd type="none" w="med" len="med"/>
+                      <a:tailEnd type="none" w="med" len="med"/>
+                    </a:lnL>
+                    <a:lnR w="28575" cap="flat" cmpd="sng" algn="ctr">
+                      <a:solidFill>
+                        <a:schemeClr val="tx1"/>
+                      </a:solidFill>
+                      <a:prstDash val="solid"/>
+                      <a:round/>
+                      <a:headEnd type="none" w="med" len="med"/>
+                      <a:tailEnd type="none" w="med" len="med"/>
+                    </a:lnR>
+                    <a:lnT w="28575" cap="flat" cmpd="sng" algn="ctr">
+                      <a:solidFill>
+                        <a:schemeClr val="tx1"/>
+                      </a:solidFill>
+                      <a:prstDash val="solid"/>
+                      <a:round/>
+                      <a:headEnd type="none" w="med" len="med"/>
+                      <a:tailEnd type="none" w="med" len="med"/>
+                    </a:lnT>
                     <a:solidFill>
-                      <a:srgbClr val="DFDDE4"/>
+                      <a:srgbClr val="DFDDE4">
+                        <a:alpha val="80000"/>
+                      </a:srgbClr>
                     </a:solidFill>
                   </a:tcPr>
                 </a:tc>
@@ -18201,7 +18747,7 @@
                     <a:p>
                       <a:pPr algn="ctr" fontAlgn="ctr"/>
                       <a:r>
-                        <a:rPr lang="en-US" altLang="ja-JP" sz="1800" b="0" i="0" u="none" strike="noStrike">
+                        <a:rPr lang="en-US" altLang="ja-JP" sz="1800" b="1" i="0" u="sng" strike="noStrike" dirty="0">
                           <a:solidFill>
                             <a:srgbClr val="FF5404"/>
                           </a:solidFill>
@@ -18209,11 +18755,31 @@
                           <a:latin typeface="+mn-lt"/>
                           <a:ea typeface="游ゴシック" panose="020B0400000000000000" pitchFamily="34" charset="-128"/>
                         </a:rPr>
-                        <a:t>86.23 </a:t>
+                        <a:t>86.23</a:t>
+                      </a:r>
+                      <a:r>
+                        <a:rPr lang="en-US" altLang="ja-JP" sz="1800" b="1" i="0" u="none" strike="noStrike" dirty="0">
+                          <a:solidFill>
+                            <a:srgbClr val="FF5404"/>
+                          </a:solidFill>
+                          <a:effectLst/>
+                          <a:latin typeface="+mn-lt"/>
+                          <a:ea typeface="游ゴシック" panose="020B0400000000000000" pitchFamily="34" charset="-128"/>
+                        </a:rPr>
+                        <a:t> </a:t>
                       </a:r>
                     </a:p>
                   </a:txBody>
                   <a:tcPr marL="9525" marR="9525" marT="9525" marB="0" anchor="ctr">
+                    <a:lnL w="28575" cap="flat" cmpd="sng" algn="ctr">
+                      <a:solidFill>
+                        <a:schemeClr val="tx1"/>
+                      </a:solidFill>
+                      <a:prstDash val="solid"/>
+                      <a:round/>
+                      <a:headEnd type="none" w="med" len="med"/>
+                      <a:tailEnd type="none" w="med" len="med"/>
+                    </a:lnL>
                     <a:solidFill>
                       <a:srgbClr val="D3D3E5"/>
                     </a:solidFill>
@@ -18226,7 +18792,7 @@
                     <a:p>
                       <a:pPr algn="ctr" fontAlgn="ctr"/>
                       <a:r>
-                        <a:rPr lang="en-US" altLang="ja-JP" sz="1800" b="0" i="0" u="none" strike="noStrike">
+                        <a:rPr lang="en-US" altLang="ja-JP" sz="1800" b="1" i="0" u="none" strike="noStrike" dirty="0">
                           <a:solidFill>
                             <a:srgbClr val="000000"/>
                           </a:solidFill>
@@ -18247,7 +18813,7 @@
                     <a:p>
                       <a:pPr algn="ctr" fontAlgn="ctr"/>
                       <a:r>
-                        <a:rPr lang="en-US" altLang="ja-JP" sz="1800" b="0" i="0" u="none" strike="noStrike">
+                        <a:rPr lang="en-US" altLang="ja-JP" sz="1800" b="1" i="0" u="none" strike="noStrike" dirty="0">
                           <a:solidFill>
                             <a:srgbClr val="000000"/>
                           </a:solidFill>
@@ -18272,7 +18838,7 @@
                     <a:p>
                       <a:pPr algn="ctr" fontAlgn="ctr"/>
                       <a:r>
-                        <a:rPr lang="en-US" altLang="ja-JP" sz="1800" b="0" i="0" u="none" strike="noStrike">
+                        <a:rPr lang="en-US" altLang="ja-JP" sz="1800" b="1" i="0" u="none" strike="noStrike" dirty="0">
                           <a:solidFill>
                             <a:srgbClr val="000000"/>
                           </a:solidFill>
@@ -18293,7 +18859,7 @@
                     <a:p>
                       <a:pPr algn="ctr" fontAlgn="ctr"/>
                       <a:r>
-                        <a:rPr lang="en-US" altLang="ja-JP" sz="1800" b="0" i="0" u="none" strike="noStrike">
+                        <a:rPr lang="en-US" altLang="ja-JP" sz="1800" b="1" i="0" u="none" strike="noStrike" dirty="0">
                           <a:solidFill>
                             <a:srgbClr val="000000"/>
                           </a:solidFill>
@@ -18318,7 +18884,7 @@
                     <a:p>
                       <a:pPr algn="ctr" fontAlgn="ctr"/>
                       <a:r>
-                        <a:rPr lang="en-US" altLang="ja-JP" sz="1800" b="0" i="0" u="none" strike="noStrike">
+                        <a:rPr lang="en-US" altLang="ja-JP" sz="1800" b="1" i="0" u="none" strike="noStrike" dirty="0">
                           <a:solidFill>
                             <a:srgbClr val="000000"/>
                           </a:solidFill>
@@ -18339,7 +18905,7 @@
                     <a:p>
                       <a:pPr algn="ctr" fontAlgn="ctr"/>
                       <a:r>
-                        <a:rPr lang="en-US" altLang="ja-JP" sz="1800" b="0" i="0" u="none" strike="noStrike">
+                        <a:rPr lang="en-US" altLang="ja-JP" sz="1800" b="1" i="0" u="none" strike="noStrike" dirty="0">
                           <a:solidFill>
                             <a:srgbClr val="000000"/>
                           </a:solidFill>
@@ -18364,7 +18930,7 @@
                     <a:p>
                       <a:pPr algn="ctr" fontAlgn="ctr"/>
                       <a:r>
-                        <a:rPr lang="en-US" altLang="ja-JP" sz="1800" b="0" i="0" u="none" strike="noStrike">
+                        <a:rPr lang="en-US" altLang="ja-JP" sz="1800" b="1" i="0" u="none" strike="noStrike" dirty="0">
                           <a:solidFill>
                             <a:srgbClr val="000000"/>
                           </a:solidFill>
@@ -18385,7 +18951,7 @@
                     <a:p>
                       <a:pPr algn="ctr" fontAlgn="ctr"/>
                       <a:r>
-                        <a:rPr lang="en-US" altLang="ja-JP" sz="1800" b="0" i="0" u="none" strike="noStrike">
+                        <a:rPr lang="en-US" altLang="ja-JP" sz="1800" b="1" i="0" u="none" strike="noStrike" dirty="0">
                           <a:solidFill>
                             <a:srgbClr val="000000"/>
                           </a:solidFill>
@@ -18410,7 +18976,7 @@
                     <a:p>
                       <a:pPr algn="ctr" fontAlgn="ctr"/>
                       <a:r>
-                        <a:rPr lang="en-US" altLang="ja-JP" sz="1800" b="0" i="0" u="none" strike="noStrike">
+                        <a:rPr lang="en-US" altLang="ja-JP" sz="1800" b="1" i="0" u="none" strike="noStrike" dirty="0">
                           <a:solidFill>
                             <a:srgbClr val="000000"/>
                           </a:solidFill>
@@ -18422,7 +18988,17 @@
                       </a:r>
                     </a:p>
                   </a:txBody>
-                  <a:tcPr marL="9525" marR="9525" marT="9525" marB="0" anchor="ctr"/>
+                  <a:tcPr marL="9525" marR="9525" marT="9525" marB="0" anchor="ctr">
+                    <a:lnR w="28575" cap="flat" cmpd="sng" algn="ctr">
+                      <a:solidFill>
+                        <a:schemeClr val="tx1"/>
+                      </a:solidFill>
+                      <a:prstDash val="solid"/>
+                      <a:round/>
+                      <a:headEnd type="none" w="med" len="med"/>
+                      <a:tailEnd type="none" w="med" len="med"/>
+                    </a:lnR>
+                  </a:tcPr>
                 </a:tc>
                 <a:extLst>
                   <a:ext uri="{0D108BD9-81ED-4DB2-BD59-A6C34878D82A}">
@@ -18451,6 +19027,24 @@
                     </a:p>
                   </a:txBody>
                   <a:tcPr marL="9525" marR="9525" marT="9525" marB="0" anchor="ctr">
+                    <a:lnL w="28575" cap="flat" cmpd="sng" algn="ctr">
+                      <a:solidFill>
+                        <a:schemeClr val="tx1"/>
+                      </a:solidFill>
+                      <a:prstDash val="solid"/>
+                      <a:round/>
+                      <a:headEnd type="none" w="med" len="med"/>
+                      <a:tailEnd type="none" w="med" len="med"/>
+                    </a:lnL>
+                    <a:lnB w="28575" cap="flat" cmpd="sng" algn="ctr">
+                      <a:solidFill>
+                        <a:schemeClr val="tx1"/>
+                      </a:solidFill>
+                      <a:prstDash val="solid"/>
+                      <a:round/>
+                      <a:headEnd type="none" w="med" len="med"/>
+                      <a:tailEnd type="none" w="med" len="med"/>
+                    </a:lnB>
                     <a:solidFill>
                       <a:srgbClr val="D3D3E5"/>
                     </a:solidFill>
@@ -18475,7 +19069,17 @@
                       </a:r>
                     </a:p>
                   </a:txBody>
-                  <a:tcPr marL="9525" marR="9525" marT="9525" marB="0" anchor="ctr"/>
+                  <a:tcPr marL="9525" marR="9525" marT="9525" marB="0" anchor="ctr">
+                    <a:lnB w="28575" cap="flat" cmpd="sng" algn="ctr">
+                      <a:solidFill>
+                        <a:schemeClr val="tx1"/>
+                      </a:solidFill>
+                      <a:prstDash val="solid"/>
+                      <a:round/>
+                      <a:headEnd type="none" w="med" len="med"/>
+                      <a:tailEnd type="none" w="med" len="med"/>
+                    </a:lnB>
+                  </a:tcPr>
                 </a:tc>
                 <a:tc>
                   <a:txBody>
@@ -18497,6 +19101,15 @@
                     </a:p>
                   </a:txBody>
                   <a:tcPr marL="9525" marR="9525" marT="9525" marB="0" anchor="ctr">
+                    <a:lnB w="28575" cap="flat" cmpd="sng" algn="ctr">
+                      <a:solidFill>
+                        <a:schemeClr val="tx1"/>
+                      </a:solidFill>
+                      <a:prstDash val="solid"/>
+                      <a:round/>
+                      <a:headEnd type="none" w="med" len="med"/>
+                      <a:tailEnd type="none" w="med" len="med"/>
+                    </a:lnB>
                     <a:solidFill>
                       <a:srgbClr val="D3D3E5"/>
                     </a:solidFill>
@@ -18521,7 +19134,17 @@
                       </a:r>
                     </a:p>
                   </a:txBody>
-                  <a:tcPr marL="9525" marR="9525" marT="9525" marB="0" anchor="ctr"/>
+                  <a:tcPr marL="9525" marR="9525" marT="9525" marB="0" anchor="ctr">
+                    <a:lnB w="28575" cap="flat" cmpd="sng" algn="ctr">
+                      <a:solidFill>
+                        <a:schemeClr val="tx1"/>
+                      </a:solidFill>
+                      <a:prstDash val="solid"/>
+                      <a:round/>
+                      <a:headEnd type="none" w="med" len="med"/>
+                      <a:tailEnd type="none" w="med" len="med"/>
+                    </a:lnB>
+                  </a:tcPr>
                 </a:tc>
                 <a:tc>
                   <a:txBody>
@@ -18530,7 +19153,7 @@
                     <a:p>
                       <a:pPr algn="ctr" fontAlgn="ctr"/>
                       <a:r>
-                        <a:rPr lang="en-US" altLang="ja-JP" sz="1400" b="0" i="0" u="none" strike="noStrike">
+                        <a:rPr lang="en-US" altLang="ja-JP" sz="1400" b="0" i="0" u="none" strike="noStrike" dirty="0">
                           <a:solidFill>
                             <a:srgbClr val="000000"/>
                           </a:solidFill>
@@ -18543,6 +19166,15 @@
                     </a:p>
                   </a:txBody>
                   <a:tcPr marL="9525" marR="9525" marT="9525" marB="0" anchor="ctr">
+                    <a:lnB w="28575" cap="flat" cmpd="sng" algn="ctr">
+                      <a:solidFill>
+                        <a:schemeClr val="tx1"/>
+                      </a:solidFill>
+                      <a:prstDash val="solid"/>
+                      <a:round/>
+                      <a:headEnd type="none" w="med" len="med"/>
+                      <a:tailEnd type="none" w="med" len="med"/>
+                    </a:lnB>
                     <a:solidFill>
                       <a:srgbClr val="D3D3E5"/>
                     </a:solidFill>
@@ -18555,7 +19187,7 @@
                     <a:p>
                       <a:pPr algn="ctr" fontAlgn="ctr"/>
                       <a:r>
-                        <a:rPr lang="en-US" altLang="ja-JP" sz="1400" b="0" i="0" u="none" strike="noStrike">
+                        <a:rPr lang="en-US" altLang="ja-JP" sz="1400" b="0" i="0" u="none" strike="noStrike" dirty="0">
                           <a:solidFill>
                             <a:srgbClr val="000000"/>
                           </a:solidFill>
@@ -18567,7 +19199,17 @@
                       </a:r>
                     </a:p>
                   </a:txBody>
-                  <a:tcPr marL="9525" marR="9525" marT="9525" marB="0" anchor="ctr"/>
+                  <a:tcPr marL="9525" marR="9525" marT="9525" marB="0" anchor="ctr">
+                    <a:lnB w="28575" cap="flat" cmpd="sng" algn="ctr">
+                      <a:solidFill>
+                        <a:schemeClr val="tx1"/>
+                      </a:solidFill>
+                      <a:prstDash val="solid"/>
+                      <a:round/>
+                      <a:headEnd type="none" w="med" len="med"/>
+                      <a:tailEnd type="none" w="med" len="med"/>
+                    </a:lnB>
+                  </a:tcPr>
                 </a:tc>
                 <a:tc>
                   <a:txBody>
@@ -18576,7 +19218,7 @@
                     <a:p>
                       <a:pPr algn="ctr" fontAlgn="ctr"/>
                       <a:r>
-                        <a:rPr lang="en-US" altLang="ja-JP" sz="1400" b="0" i="0" u="none" strike="noStrike">
+                        <a:rPr lang="en-US" altLang="ja-JP" sz="1400" b="0" i="0" u="none" strike="noStrike" dirty="0">
                           <a:solidFill>
                             <a:srgbClr val="000000"/>
                           </a:solidFill>
@@ -18589,6 +19231,15 @@
                     </a:p>
                   </a:txBody>
                   <a:tcPr marL="9525" marR="9525" marT="9525" marB="0" anchor="ctr">
+                    <a:lnB w="28575" cap="flat" cmpd="sng" algn="ctr">
+                      <a:solidFill>
+                        <a:schemeClr val="tx1"/>
+                      </a:solidFill>
+                      <a:prstDash val="solid"/>
+                      <a:round/>
+                      <a:headEnd type="none" w="med" len="med"/>
+                      <a:tailEnd type="none" w="med" len="med"/>
+                    </a:lnB>
                     <a:solidFill>
                       <a:srgbClr val="D3D3E5"/>
                     </a:solidFill>
@@ -18601,7 +19252,7 @@
                     <a:p>
                       <a:pPr algn="ctr" fontAlgn="ctr"/>
                       <a:r>
-                        <a:rPr lang="en-US" altLang="ja-JP" sz="1400" b="0" i="0" u="none" strike="noStrike">
+                        <a:rPr lang="en-US" altLang="ja-JP" sz="1400" b="0" i="0" u="none" strike="noStrike" dirty="0">
                           <a:solidFill>
                             <a:srgbClr val="000000"/>
                           </a:solidFill>
@@ -18613,7 +19264,17 @@
                       </a:r>
                     </a:p>
                   </a:txBody>
-                  <a:tcPr marL="9525" marR="9525" marT="9525" marB="0" anchor="ctr"/>
+                  <a:tcPr marL="9525" marR="9525" marT="9525" marB="0" anchor="ctr">
+                    <a:lnB w="28575" cap="flat" cmpd="sng" algn="ctr">
+                      <a:solidFill>
+                        <a:schemeClr val="tx1"/>
+                      </a:solidFill>
+                      <a:prstDash val="solid"/>
+                      <a:round/>
+                      <a:headEnd type="none" w="med" len="med"/>
+                      <a:tailEnd type="none" w="med" len="med"/>
+                    </a:lnB>
+                  </a:tcPr>
                 </a:tc>
                 <a:tc>
                   <a:txBody>
@@ -18622,7 +19283,7 @@
                     <a:p>
                       <a:pPr algn="ctr" fontAlgn="ctr"/>
                       <a:r>
-                        <a:rPr lang="en-US" altLang="ja-JP" sz="1400" b="0" i="0" u="none" strike="noStrike">
+                        <a:rPr lang="en-US" altLang="ja-JP" sz="1400" b="0" i="0" u="none" strike="noStrike" dirty="0">
                           <a:solidFill>
                             <a:srgbClr val="000000"/>
                           </a:solidFill>
@@ -18635,6 +19296,15 @@
                     </a:p>
                   </a:txBody>
                   <a:tcPr marL="9525" marR="9525" marT="9525" marB="0" anchor="ctr">
+                    <a:lnB w="28575" cap="flat" cmpd="sng" algn="ctr">
+                      <a:solidFill>
+                        <a:schemeClr val="tx1"/>
+                      </a:solidFill>
+                      <a:prstDash val="solid"/>
+                      <a:round/>
+                      <a:headEnd type="none" w="med" len="med"/>
+                      <a:tailEnd type="none" w="med" len="med"/>
+                    </a:lnB>
                     <a:solidFill>
                       <a:srgbClr val="D3D3E5"/>
                     </a:solidFill>
@@ -18647,7 +19317,7 @@
                     <a:p>
                       <a:pPr algn="ctr" fontAlgn="ctr"/>
                       <a:r>
-                        <a:rPr lang="en-US" altLang="ja-JP" sz="1400" b="0" i="0" u="none" strike="noStrike">
+                        <a:rPr lang="en-US" altLang="ja-JP" sz="1400" b="0" i="0" u="none" strike="noStrike" dirty="0">
                           <a:solidFill>
                             <a:srgbClr val="000000"/>
                           </a:solidFill>
@@ -18659,7 +19329,26 @@
                       </a:r>
                     </a:p>
                   </a:txBody>
-                  <a:tcPr marL="9525" marR="9525" marT="9525" marB="0" anchor="ctr"/>
+                  <a:tcPr marL="9525" marR="9525" marT="9525" marB="0" anchor="ctr">
+                    <a:lnR w="28575" cap="flat" cmpd="sng" algn="ctr">
+                      <a:solidFill>
+                        <a:schemeClr val="tx1"/>
+                      </a:solidFill>
+                      <a:prstDash val="solid"/>
+                      <a:round/>
+                      <a:headEnd type="none" w="med" len="med"/>
+                      <a:tailEnd type="none" w="med" len="med"/>
+                    </a:lnR>
+                    <a:lnB w="28575" cap="flat" cmpd="sng" algn="ctr">
+                      <a:solidFill>
+                        <a:schemeClr val="tx1"/>
+                      </a:solidFill>
+                      <a:prstDash val="solid"/>
+                      <a:round/>
+                      <a:headEnd type="none" w="med" len="med"/>
+                      <a:tailEnd type="none" w="med" len="med"/>
+                    </a:lnB>
+                  </a:tcPr>
                 </a:tc>
                 <a:extLst>
                   <a:ext uri="{0D108BD9-81ED-4DB2-BD59-A6C34878D82A}">
@@ -18675,7 +19364,7 @@
                     <a:p>
                       <a:pPr algn="l" fontAlgn="ctr"/>
                       <a:r>
-                        <a:rPr lang="ja-JP" altLang="en-US" sz="1800" b="0" i="0" u="none" strike="noStrike">
+                        <a:rPr lang="ja-JP" altLang="en-US" sz="1800" b="0" i="0" u="none" strike="noStrike" dirty="0">
                           <a:solidFill>
                             <a:srgbClr val="000000"/>
                           </a:solidFill>
@@ -18686,7 +19375,7 @@
                         <a:t>　評価用データ識別率</a:t>
                       </a:r>
                       <a:r>
-                        <a:rPr lang="en-US" altLang="ja-JP" sz="1800" b="0" i="0" u="none" strike="noStrike">
+                        <a:rPr lang="en-US" altLang="ja-JP" sz="1800" b="0" i="0" u="none" strike="noStrike" dirty="0">
                           <a:solidFill>
                             <a:srgbClr val="000000"/>
                           </a:solidFill>
@@ -18697,7 +19386,7 @@
                         <a:t>, </a:t>
                       </a:r>
                       <a:r>
-                        <a:rPr lang="ja-JP" altLang="en-US" sz="1800" b="0" i="0" u="none" strike="noStrike">
+                        <a:rPr lang="ja-JP" altLang="en-US" sz="1800" b="0" i="0" u="none" strike="noStrike" dirty="0">
                           <a:solidFill>
                             <a:srgbClr val="000000"/>
                           </a:solidFill>
@@ -18708,7 +19397,7 @@
                         <a:t>全データ最良単一</a:t>
                       </a:r>
                       <a:r>
-                        <a:rPr lang="en-US" altLang="ja-JP" sz="1800" b="0" i="0" u="none" strike="noStrike">
+                        <a:rPr lang="en-US" altLang="ja-JP" sz="1800" b="0" i="0" u="none" strike="noStrike" dirty="0">
                           <a:solidFill>
                             <a:srgbClr val="000000"/>
                           </a:solidFill>
@@ -18719,7 +19408,7 @@
                         <a:t>, </a:t>
                       </a:r>
                       <a:r>
-                        <a:rPr lang="ja-JP" altLang="en-US" sz="1800" b="0" i="0" u="none" strike="noStrike">
+                        <a:rPr lang="ja-JP" altLang="en-US" sz="1800" b="0" i="0" u="none" strike="noStrike" dirty="0">
                           <a:solidFill>
                             <a:srgbClr val="FF5404"/>
                           </a:solidFill>
@@ -18730,7 +19419,7 @@
                         <a:t>島数</a:t>
                       </a:r>
                       <a:r>
-                        <a:rPr lang="en-US" altLang="ja-JP" sz="1800" b="0" i="0" u="none" strike="noStrike">
+                        <a:rPr lang="en-US" altLang="ja-JP" sz="1800" b="0" i="0" u="none" strike="noStrike" dirty="0">
                           <a:solidFill>
                             <a:srgbClr val="FF5404"/>
                           </a:solidFill>
@@ -18741,7 +19430,7 @@
                         <a:t>2</a:t>
                       </a:r>
                       <a:r>
-                        <a:rPr lang="en-US" altLang="ja-JP" sz="1800" b="0" i="0" u="none" strike="noStrike">
+                        <a:rPr lang="en-US" altLang="ja-JP" sz="1800" b="0" i="0" u="none" strike="noStrike" dirty="0">
                           <a:solidFill>
                             <a:srgbClr val="000000"/>
                           </a:solidFill>
@@ -18752,7 +19441,7 @@
                         <a:t>, </a:t>
                       </a:r>
                       <a:r>
-                        <a:rPr lang="ja-JP" altLang="en-US" sz="1800" b="0" i="0" u="none" strike="noStrike">
+                        <a:rPr lang="ja-JP" altLang="en-US" sz="1800" b="0" i="0" u="none" strike="noStrike" dirty="0">
                           <a:solidFill>
                             <a:srgbClr val="000000"/>
                           </a:solidFill>
@@ -18763,7 +19452,7 @@
                         <a:t>過剰適合あり</a:t>
                       </a:r>
                       <a:r>
-                        <a:rPr lang="en-US" altLang="ja-JP" sz="1800" b="0" i="0" u="none" strike="noStrike">
+                        <a:rPr lang="en-US" altLang="ja-JP" sz="1800" b="0" i="0" u="none" strike="noStrike" dirty="0">
                           <a:solidFill>
                             <a:srgbClr val="000000"/>
                           </a:solidFill>
@@ -18771,10 +19460,32 @@
                           <a:latin typeface="+mn-lt"/>
                           <a:ea typeface="游ゴシック" panose="020B0400000000000000" pitchFamily="34" charset="-128"/>
                         </a:rPr>
-                        <a:t>, satimage, </a:t>
+                        <a:t>, </a:t>
                       </a:r>
                       <a:r>
-                        <a:rPr lang="en-US" altLang="ja-JP" sz="1800" b="0" i="0" u="none" strike="noStrike">
+                        <a:rPr lang="en-US" altLang="ja-JP" sz="1800" b="0" i="0" u="none" strike="noStrike" dirty="0" err="1">
+                          <a:solidFill>
+                            <a:srgbClr val="000000"/>
+                          </a:solidFill>
+                          <a:effectLst/>
+                          <a:latin typeface="+mn-lt"/>
+                          <a:ea typeface="游ゴシック" panose="020B0400000000000000" pitchFamily="34" charset="-128"/>
+                        </a:rPr>
+                        <a:t>satimage</a:t>
+                      </a:r>
+                      <a:r>
+                        <a:rPr lang="en-US" altLang="ja-JP" sz="1800" b="0" i="0" u="none" strike="noStrike" dirty="0">
+                          <a:solidFill>
+                            <a:srgbClr val="000000"/>
+                          </a:solidFill>
+                          <a:effectLst/>
+                          <a:latin typeface="+mn-lt"/>
+                          <a:ea typeface="游ゴシック" panose="020B0400000000000000" pitchFamily="34" charset="-128"/>
+                        </a:rPr>
+                        <a:t>, </a:t>
+                      </a:r>
+                      <a:r>
+                        <a:rPr lang="en-US" altLang="ja-JP" sz="1800" b="0" i="0" u="none" strike="noStrike" dirty="0">
                           <a:solidFill>
                             <a:srgbClr val="FF5404"/>
                           </a:solidFill>
@@ -18787,8 +19498,37 @@
                     </a:p>
                   </a:txBody>
                   <a:tcPr marL="9525" marR="9525" marT="9525" marB="0" anchor="ctr">
+                    <a:lnL w="28575" cap="flat" cmpd="sng" algn="ctr">
+                      <a:solidFill>
+                        <a:schemeClr val="tx1"/>
+                      </a:solidFill>
+                      <a:prstDash val="solid"/>
+                      <a:round/>
+                      <a:headEnd type="none" w="med" len="med"/>
+                      <a:tailEnd type="none" w="med" len="med"/>
+                    </a:lnL>
+                    <a:lnR w="28575" cap="flat" cmpd="sng" algn="ctr">
+                      <a:solidFill>
+                        <a:schemeClr val="tx1"/>
+                      </a:solidFill>
+                      <a:prstDash val="solid"/>
+                      <a:round/>
+                      <a:headEnd type="none" w="med" len="med"/>
+                      <a:tailEnd type="none" w="med" len="med"/>
+                    </a:lnR>
+                    <a:lnT w="28575" cap="flat" cmpd="sng" algn="ctr">
+                      <a:solidFill>
+                        <a:schemeClr val="tx1"/>
+                      </a:solidFill>
+                      <a:prstDash val="solid"/>
+                      <a:round/>
+                      <a:headEnd type="none" w="med" len="med"/>
+                      <a:tailEnd type="none" w="med" len="med"/>
+                    </a:lnT>
                     <a:solidFill>
-                      <a:srgbClr val="DFDDE4"/>
+                      <a:srgbClr val="DFDDE4">
+                        <a:alpha val="80000"/>
+                      </a:srgbClr>
                     </a:solidFill>
                   </a:tcPr>
                 </a:tc>
@@ -18968,7 +19708,7 @@
                     <a:p>
                       <a:pPr algn="ctr" fontAlgn="ctr"/>
                       <a:r>
-                        <a:rPr lang="en-US" altLang="ja-JP" sz="1800" b="0" i="0" u="none" strike="noStrike">
+                        <a:rPr lang="en-US" altLang="ja-JP" sz="1800" b="1" i="0" u="none" strike="noStrike" dirty="0">
                           <a:solidFill>
                             <a:srgbClr val="000000"/>
                           </a:solidFill>
@@ -18981,6 +19721,15 @@
                     </a:p>
                   </a:txBody>
                   <a:tcPr marL="9525" marR="9525" marT="9525" marB="0" anchor="ctr">
+                    <a:lnL w="28575" cap="flat" cmpd="sng" algn="ctr">
+                      <a:solidFill>
+                        <a:schemeClr val="tx1"/>
+                      </a:solidFill>
+                      <a:prstDash val="solid"/>
+                      <a:round/>
+                      <a:headEnd type="none" w="med" len="med"/>
+                      <a:tailEnd type="none" w="med" len="med"/>
+                    </a:lnL>
                     <a:solidFill>
                       <a:srgbClr val="D3D3E5"/>
                     </a:solidFill>
@@ -18993,7 +19742,7 @@
                     <a:p>
                       <a:pPr algn="ctr" fontAlgn="ctr"/>
                       <a:r>
-                        <a:rPr lang="en-US" altLang="ja-JP" sz="1800" b="0" i="0" u="none" strike="noStrike">
+                        <a:rPr lang="en-US" altLang="ja-JP" sz="1800" b="1" i="0" u="none" strike="noStrike" dirty="0">
                           <a:solidFill>
                             <a:srgbClr val="000000"/>
                           </a:solidFill>
@@ -19014,7 +19763,7 @@
                     <a:p>
                       <a:pPr algn="ctr" fontAlgn="ctr"/>
                       <a:r>
-                        <a:rPr lang="en-US" altLang="ja-JP" sz="1800" b="0" i="0" u="none" strike="noStrike">
+                        <a:rPr lang="en-US" altLang="ja-JP" sz="1800" b="1" i="0" u="none" strike="noStrike" dirty="0">
                           <a:solidFill>
                             <a:srgbClr val="000000"/>
                           </a:solidFill>
@@ -19039,7 +19788,7 @@
                     <a:p>
                       <a:pPr algn="ctr" fontAlgn="ctr"/>
                       <a:r>
-                        <a:rPr lang="en-US" altLang="ja-JP" sz="1800" b="0" i="0" u="none" strike="noStrike">
+                        <a:rPr lang="en-US" altLang="ja-JP" sz="1800" b="1" i="0" u="sng" strike="noStrike" dirty="0">
                           <a:solidFill>
                             <a:srgbClr val="FF5404"/>
                           </a:solidFill>
@@ -19047,7 +19796,18 @@
                           <a:latin typeface="+mn-lt"/>
                           <a:ea typeface="游ゴシック" panose="020B0400000000000000" pitchFamily="34" charset="-128"/>
                         </a:rPr>
-                        <a:t>86.57 </a:t>
+                        <a:t>86.57</a:t>
+                      </a:r>
+                      <a:r>
+                        <a:rPr lang="en-US" altLang="ja-JP" sz="1800" b="1" i="0" u="none" strike="noStrike" dirty="0">
+                          <a:solidFill>
+                            <a:srgbClr val="FF5404"/>
+                          </a:solidFill>
+                          <a:effectLst/>
+                          <a:latin typeface="+mn-lt"/>
+                          <a:ea typeface="游ゴシック" panose="020B0400000000000000" pitchFamily="34" charset="-128"/>
+                        </a:rPr>
+                        <a:t> </a:t>
                       </a:r>
                     </a:p>
                   </a:txBody>
@@ -19060,7 +19820,7 @@
                     <a:p>
                       <a:pPr algn="ctr" fontAlgn="ctr"/>
                       <a:r>
-                        <a:rPr lang="en-US" altLang="ja-JP" sz="1800" b="0" i="0" u="none" strike="noStrike">
+                        <a:rPr lang="en-US" altLang="ja-JP" sz="1800" b="1" i="0" u="none" strike="noStrike" dirty="0">
                           <a:solidFill>
                             <a:srgbClr val="000000"/>
                           </a:solidFill>
@@ -19085,7 +19845,7 @@
                     <a:p>
                       <a:pPr algn="ctr" fontAlgn="ctr"/>
                       <a:r>
-                        <a:rPr lang="en-US" altLang="ja-JP" sz="1800" b="0" i="0" u="none" strike="noStrike">
+                        <a:rPr lang="en-US" altLang="ja-JP" sz="1800" b="1" i="0" u="none" strike="noStrike" dirty="0">
                           <a:solidFill>
                             <a:srgbClr val="000000"/>
                           </a:solidFill>
@@ -19106,7 +19866,7 @@
                     <a:p>
                       <a:pPr algn="ctr" fontAlgn="ctr"/>
                       <a:r>
-                        <a:rPr lang="en-US" altLang="ja-JP" sz="1800" b="0" i="0" u="none" strike="noStrike">
+                        <a:rPr lang="en-US" altLang="ja-JP" sz="1800" b="1" i="0" u="none" strike="noStrike" dirty="0">
                           <a:solidFill>
                             <a:srgbClr val="000000"/>
                           </a:solidFill>
@@ -19131,7 +19891,7 @@
                     <a:p>
                       <a:pPr algn="ctr" fontAlgn="ctr"/>
                       <a:r>
-                        <a:rPr lang="en-US" altLang="ja-JP" sz="1800" b="0" i="0" u="none" strike="noStrike">
+                        <a:rPr lang="en-US" altLang="ja-JP" sz="1800" b="1" i="0" u="none" strike="noStrike" dirty="0">
                           <a:solidFill>
                             <a:srgbClr val="000000"/>
                           </a:solidFill>
@@ -19152,7 +19912,7 @@
                     <a:p>
                       <a:pPr algn="ctr" fontAlgn="ctr"/>
                       <a:r>
-                        <a:rPr lang="en-US" altLang="ja-JP" sz="1800" b="0" i="0" u="none" strike="noStrike">
+                        <a:rPr lang="en-US" altLang="ja-JP" sz="1800" b="1" i="0" u="none" strike="noStrike" dirty="0">
                           <a:solidFill>
                             <a:srgbClr val="000000"/>
                           </a:solidFill>
@@ -19177,7 +19937,7 @@
                     <a:p>
                       <a:pPr algn="ctr" fontAlgn="ctr"/>
                       <a:r>
-                        <a:rPr lang="en-US" altLang="ja-JP" sz="1800" b="0" i="0" u="none" strike="noStrike">
+                        <a:rPr lang="en-US" altLang="ja-JP" sz="1800" b="1" i="0" u="none" strike="noStrike" dirty="0">
                           <a:solidFill>
                             <a:srgbClr val="000000"/>
                           </a:solidFill>
@@ -19189,7 +19949,17 @@
                       </a:r>
                     </a:p>
                   </a:txBody>
-                  <a:tcPr marL="9525" marR="9525" marT="9525" marB="0" anchor="ctr"/>
+                  <a:tcPr marL="9525" marR="9525" marT="9525" marB="0" anchor="ctr">
+                    <a:lnR w="28575" cap="flat" cmpd="sng" algn="ctr">
+                      <a:solidFill>
+                        <a:schemeClr val="tx1"/>
+                      </a:solidFill>
+                      <a:prstDash val="solid"/>
+                      <a:round/>
+                      <a:headEnd type="none" w="med" len="med"/>
+                      <a:tailEnd type="none" w="med" len="med"/>
+                    </a:lnR>
+                  </a:tcPr>
                 </a:tc>
                 <a:extLst>
                   <a:ext uri="{0D108BD9-81ED-4DB2-BD59-A6C34878D82A}">
@@ -19218,6 +19988,24 @@
                     </a:p>
                   </a:txBody>
                   <a:tcPr marL="9525" marR="9525" marT="9525" marB="0" anchor="ctr">
+                    <a:lnL w="28575" cap="flat" cmpd="sng" algn="ctr">
+                      <a:solidFill>
+                        <a:schemeClr val="tx1"/>
+                      </a:solidFill>
+                      <a:prstDash val="solid"/>
+                      <a:round/>
+                      <a:headEnd type="none" w="med" len="med"/>
+                      <a:tailEnd type="none" w="med" len="med"/>
+                    </a:lnL>
+                    <a:lnB w="28575" cap="flat" cmpd="sng" algn="ctr">
+                      <a:solidFill>
+                        <a:schemeClr val="tx1"/>
+                      </a:solidFill>
+                      <a:prstDash val="solid"/>
+                      <a:round/>
+                      <a:headEnd type="none" w="med" len="med"/>
+                      <a:tailEnd type="none" w="med" len="med"/>
+                    </a:lnB>
                     <a:solidFill>
                       <a:srgbClr val="D3D3E5"/>
                     </a:solidFill>
@@ -19242,7 +20030,17 @@
                       </a:r>
                     </a:p>
                   </a:txBody>
-                  <a:tcPr marL="9525" marR="9525" marT="9525" marB="0" anchor="ctr"/>
+                  <a:tcPr marL="9525" marR="9525" marT="9525" marB="0" anchor="ctr">
+                    <a:lnB w="28575" cap="flat" cmpd="sng" algn="ctr">
+                      <a:solidFill>
+                        <a:schemeClr val="tx1"/>
+                      </a:solidFill>
+                      <a:prstDash val="solid"/>
+                      <a:round/>
+                      <a:headEnd type="none" w="med" len="med"/>
+                      <a:tailEnd type="none" w="med" len="med"/>
+                    </a:lnB>
+                  </a:tcPr>
                 </a:tc>
                 <a:tc>
                   <a:txBody>
@@ -19264,6 +20062,15 @@
                     </a:p>
                   </a:txBody>
                   <a:tcPr marL="9525" marR="9525" marT="9525" marB="0" anchor="ctr">
+                    <a:lnB w="28575" cap="flat" cmpd="sng" algn="ctr">
+                      <a:solidFill>
+                        <a:schemeClr val="tx1"/>
+                      </a:solidFill>
+                      <a:prstDash val="solid"/>
+                      <a:round/>
+                      <a:headEnd type="none" w="med" len="med"/>
+                      <a:tailEnd type="none" w="med" len="med"/>
+                    </a:lnB>
                     <a:solidFill>
                       <a:srgbClr val="D3D3E5"/>
                     </a:solidFill>
@@ -19276,7 +20083,7 @@
                     <a:p>
                       <a:pPr algn="ctr" fontAlgn="ctr"/>
                       <a:r>
-                        <a:rPr lang="en-US" altLang="ja-JP" sz="1400" b="0" i="0" u="none" strike="noStrike">
+                        <a:rPr lang="en-US" altLang="ja-JP" sz="1400" b="0" i="0" u="none" strike="noStrike" dirty="0">
                           <a:solidFill>
                             <a:srgbClr val="000000"/>
                           </a:solidFill>
@@ -19288,7 +20095,17 @@
                       </a:r>
                     </a:p>
                   </a:txBody>
-                  <a:tcPr marL="9525" marR="9525" marT="9525" marB="0" anchor="ctr"/>
+                  <a:tcPr marL="9525" marR="9525" marT="9525" marB="0" anchor="ctr">
+                    <a:lnB w="28575" cap="flat" cmpd="sng" algn="ctr">
+                      <a:solidFill>
+                        <a:schemeClr val="tx1"/>
+                      </a:solidFill>
+                      <a:prstDash val="solid"/>
+                      <a:round/>
+                      <a:headEnd type="none" w="med" len="med"/>
+                      <a:tailEnd type="none" w="med" len="med"/>
+                    </a:lnB>
+                  </a:tcPr>
                 </a:tc>
                 <a:tc>
                   <a:txBody>
@@ -19310,6 +20127,15 @@
                     </a:p>
                   </a:txBody>
                   <a:tcPr marL="9525" marR="9525" marT="9525" marB="0" anchor="ctr">
+                    <a:lnB w="28575" cap="flat" cmpd="sng" algn="ctr">
+                      <a:solidFill>
+                        <a:schemeClr val="tx1"/>
+                      </a:solidFill>
+                      <a:prstDash val="solid"/>
+                      <a:round/>
+                      <a:headEnd type="none" w="med" len="med"/>
+                      <a:tailEnd type="none" w="med" len="med"/>
+                    </a:lnB>
                     <a:solidFill>
                       <a:srgbClr val="D3D3E5"/>
                     </a:solidFill>
@@ -19334,7 +20160,17 @@
                       </a:r>
                     </a:p>
                   </a:txBody>
-                  <a:tcPr marL="9525" marR="9525" marT="9525" marB="0" anchor="ctr"/>
+                  <a:tcPr marL="9525" marR="9525" marT="9525" marB="0" anchor="ctr">
+                    <a:lnB w="28575" cap="flat" cmpd="sng" algn="ctr">
+                      <a:solidFill>
+                        <a:schemeClr val="tx1"/>
+                      </a:solidFill>
+                      <a:prstDash val="solid"/>
+                      <a:round/>
+                      <a:headEnd type="none" w="med" len="med"/>
+                      <a:tailEnd type="none" w="med" len="med"/>
+                    </a:lnB>
+                  </a:tcPr>
                 </a:tc>
                 <a:tc>
                   <a:txBody>
@@ -19356,6 +20192,15 @@
                     </a:p>
                   </a:txBody>
                   <a:tcPr marL="9525" marR="9525" marT="9525" marB="0" anchor="ctr">
+                    <a:lnB w="28575" cap="flat" cmpd="sng" algn="ctr">
+                      <a:solidFill>
+                        <a:schemeClr val="tx1"/>
+                      </a:solidFill>
+                      <a:prstDash val="solid"/>
+                      <a:round/>
+                      <a:headEnd type="none" w="med" len="med"/>
+                      <a:tailEnd type="none" w="med" len="med"/>
+                    </a:lnB>
                     <a:solidFill>
                       <a:srgbClr val="D3D3E5"/>
                     </a:solidFill>
@@ -19380,7 +20225,17 @@
                       </a:r>
                     </a:p>
                   </a:txBody>
-                  <a:tcPr marL="9525" marR="9525" marT="9525" marB="0" anchor="ctr"/>
+                  <a:tcPr marL="9525" marR="9525" marT="9525" marB="0" anchor="ctr">
+                    <a:lnB w="28575" cap="flat" cmpd="sng" algn="ctr">
+                      <a:solidFill>
+                        <a:schemeClr val="tx1"/>
+                      </a:solidFill>
+                      <a:prstDash val="solid"/>
+                      <a:round/>
+                      <a:headEnd type="none" w="med" len="med"/>
+                      <a:tailEnd type="none" w="med" len="med"/>
+                    </a:lnB>
+                  </a:tcPr>
                 </a:tc>
                 <a:tc>
                   <a:txBody>
@@ -19389,7 +20244,7 @@
                     <a:p>
                       <a:pPr algn="ctr" fontAlgn="ctr"/>
                       <a:r>
-                        <a:rPr lang="en-US" altLang="ja-JP" sz="1400" b="0" i="0" u="none" strike="noStrike">
+                        <a:rPr lang="en-US" altLang="ja-JP" sz="1400" b="0" i="0" u="none" strike="noStrike" dirty="0">
                           <a:solidFill>
                             <a:srgbClr val="000000"/>
                           </a:solidFill>
@@ -19402,6 +20257,15 @@
                     </a:p>
                   </a:txBody>
                   <a:tcPr marL="9525" marR="9525" marT="9525" marB="0" anchor="ctr">
+                    <a:lnB w="28575" cap="flat" cmpd="sng" algn="ctr">
+                      <a:solidFill>
+                        <a:schemeClr val="tx1"/>
+                      </a:solidFill>
+                      <a:prstDash val="solid"/>
+                      <a:round/>
+                      <a:headEnd type="none" w="med" len="med"/>
+                      <a:tailEnd type="none" w="med" len="med"/>
+                    </a:lnB>
                     <a:solidFill>
                       <a:srgbClr val="D3D3E5"/>
                     </a:solidFill>
@@ -19414,7 +20278,7 @@
                     <a:p>
                       <a:pPr algn="ctr" fontAlgn="ctr"/>
                       <a:r>
-                        <a:rPr lang="en-US" altLang="ja-JP" sz="1400" b="0" i="0" u="none" strike="noStrike">
+                        <a:rPr lang="en-US" altLang="ja-JP" sz="1400" b="0" i="0" u="none" strike="noStrike" dirty="0">
                           <a:solidFill>
                             <a:srgbClr val="000000"/>
                           </a:solidFill>
@@ -19426,7 +20290,26 @@
                       </a:r>
                     </a:p>
                   </a:txBody>
-                  <a:tcPr marL="9525" marR="9525" marT="9525" marB="0" anchor="ctr"/>
+                  <a:tcPr marL="9525" marR="9525" marT="9525" marB="0" anchor="ctr">
+                    <a:lnR w="28575" cap="flat" cmpd="sng" algn="ctr">
+                      <a:solidFill>
+                        <a:schemeClr val="tx1"/>
+                      </a:solidFill>
+                      <a:prstDash val="solid"/>
+                      <a:round/>
+                      <a:headEnd type="none" w="med" len="med"/>
+                      <a:tailEnd type="none" w="med" len="med"/>
+                    </a:lnR>
+                    <a:lnB w="28575" cap="flat" cmpd="sng" algn="ctr">
+                      <a:solidFill>
+                        <a:schemeClr val="tx1"/>
+                      </a:solidFill>
+                      <a:prstDash val="solid"/>
+                      <a:round/>
+                      <a:headEnd type="none" w="med" len="med"/>
+                      <a:tailEnd type="none" w="med" len="med"/>
+                    </a:lnB>
+                  </a:tcPr>
                 </a:tc>
                 <a:extLst>
                   <a:ext uri="{0D108BD9-81ED-4DB2-BD59-A6C34878D82A}">
@@ -19448,10 +20331,602 @@
   <p:clrMapOvr>
     <a:masterClrMapping/>
   </p:clrMapOvr>
+  <p:timing>
+    <p:tnLst>
+      <p:par>
+        <p:cTn id="1" dur="indefinite" restart="never" nodeType="tmRoot"/>
+      </p:par>
+    </p:tnLst>
+  </p:timing>
 </p:sld>
 </file>
 
 <file path=ppt/slides/slide8.xml><?xml version="1.0" encoding="utf-8"?>
+<p:sld xmlns:a="http://schemas.openxmlformats.org/drawingml/2006/main" xmlns:r="http://schemas.openxmlformats.org/officeDocument/2006/relationships" xmlns:p="http://schemas.openxmlformats.org/presentationml/2006/main">
+  <p:cSld>
+    <p:spTree>
+      <p:nvGrpSpPr>
+        <p:cNvPr id="1" name=""/>
+        <p:cNvGrpSpPr/>
+        <p:nvPr/>
+      </p:nvGrpSpPr>
+      <p:grpSpPr>
+        <a:xfrm>
+          <a:off x="0" y="0"/>
+          <a:ext cx="0" cy="0"/>
+          <a:chOff x="0" y="0"/>
+          <a:chExt cx="0" cy="0"/>
+        </a:xfrm>
+      </p:grpSpPr>
+      <p:sp>
+        <p:nvSpPr>
+          <p:cNvPr id="2" name="タイトル 1"/>
+          <p:cNvSpPr>
+            <a:spLocks noGrp="1"/>
+          </p:cNvSpPr>
+          <p:nvPr>
+            <p:ph type="title"/>
+          </p:nvPr>
+        </p:nvSpPr>
+        <p:spPr/>
+        <p:txBody>
+          <a:bodyPr/>
+          <a:lstStyle/>
+          <a:p>
+            <a:r>
+              <a:rPr kumimoji="1" lang="ja-JP" altLang="en-US" dirty="0" smtClean="0"/>
+              <a:t>改良できる点</a:t>
+            </a:r>
+            <a:endParaRPr kumimoji="1" lang="ja-JP" altLang="en-US" dirty="0"/>
+          </a:p>
+        </p:txBody>
+      </p:sp>
+      <p:sp>
+        <p:nvSpPr>
+          <p:cNvPr id="3" name="コンテンツ プレースホルダー 2">
+            <a:extLst>
+              <a:ext uri="{FF2B5EF4-FFF2-40B4-BE49-F238E27FC236}">
+                <a16:creationId xmlns:a16="http://schemas.microsoft.com/office/drawing/2014/main" id="{879F3E71-B973-C84C-AD02-E69CC912B50B}"/>
+              </a:ext>
+            </a:extLst>
+          </p:cNvPr>
+          <p:cNvSpPr txBox="1">
+            <a:spLocks/>
+          </p:cNvSpPr>
+          <p:nvPr/>
+        </p:nvSpPr>
+        <p:spPr>
+          <a:xfrm>
+            <a:off x="384958" y="1859478"/>
+            <a:ext cx="8682842" cy="3398322"/>
+          </a:xfrm>
+          <a:prstGeom prst="rect">
+            <a:avLst/>
+          </a:prstGeom>
+        </p:spPr>
+        <p:txBody>
+          <a:bodyPr/>
+          <a:lstStyle>
+            <a:lvl1pPr marL="342900" indent="-342900" algn="l" rtl="0" eaLnBrk="0" fontAlgn="base" hangingPunct="0">
+              <a:spcBef>
+                <a:spcPct val="20000"/>
+              </a:spcBef>
+              <a:spcAft>
+                <a:spcPct val="0"/>
+              </a:spcAft>
+              <a:buChar char="•"/>
+              <a:defRPr kumimoji="1" sz="3200">
+                <a:solidFill>
+                  <a:schemeClr val="tx1"/>
+                </a:solidFill>
+                <a:latin typeface="+mn-lt"/>
+                <a:ea typeface="+mn-ea"/>
+                <a:cs typeface="+mn-cs"/>
+              </a:defRPr>
+            </a:lvl1pPr>
+            <a:lvl2pPr marL="742950" indent="-285750" algn="l" rtl="0" eaLnBrk="0" fontAlgn="base" hangingPunct="0">
+              <a:spcBef>
+                <a:spcPct val="20000"/>
+              </a:spcBef>
+              <a:spcAft>
+                <a:spcPct val="0"/>
+              </a:spcAft>
+              <a:buChar char="–"/>
+              <a:defRPr kumimoji="1" sz="2800">
+                <a:solidFill>
+                  <a:schemeClr val="tx1"/>
+                </a:solidFill>
+                <a:latin typeface="+mn-lt"/>
+                <a:ea typeface="+mn-ea"/>
+              </a:defRPr>
+            </a:lvl2pPr>
+            <a:lvl3pPr marL="1143000" indent="-228600" algn="l" rtl="0" eaLnBrk="0" fontAlgn="base" hangingPunct="0">
+              <a:spcBef>
+                <a:spcPct val="20000"/>
+              </a:spcBef>
+              <a:spcAft>
+                <a:spcPct val="0"/>
+              </a:spcAft>
+              <a:buChar char="•"/>
+              <a:defRPr kumimoji="1" sz="2400">
+                <a:solidFill>
+                  <a:schemeClr val="tx1"/>
+                </a:solidFill>
+                <a:latin typeface="+mn-lt"/>
+                <a:ea typeface="+mn-ea"/>
+              </a:defRPr>
+            </a:lvl3pPr>
+            <a:lvl4pPr marL="1600200" indent="-228600" algn="l" rtl="0" eaLnBrk="0" fontAlgn="base" hangingPunct="0">
+              <a:spcBef>
+                <a:spcPct val="20000"/>
+              </a:spcBef>
+              <a:spcAft>
+                <a:spcPct val="0"/>
+              </a:spcAft>
+              <a:buChar char="–"/>
+              <a:defRPr kumimoji="1" sz="2000">
+                <a:solidFill>
+                  <a:schemeClr val="tx1"/>
+                </a:solidFill>
+                <a:latin typeface="+mn-lt"/>
+                <a:ea typeface="+mn-ea"/>
+              </a:defRPr>
+            </a:lvl4pPr>
+            <a:lvl5pPr marL="2057400" indent="-228600" algn="l" rtl="0" eaLnBrk="0" fontAlgn="base" hangingPunct="0">
+              <a:spcBef>
+                <a:spcPct val="20000"/>
+              </a:spcBef>
+              <a:spcAft>
+                <a:spcPct val="0"/>
+              </a:spcAft>
+              <a:buChar char="»"/>
+              <a:defRPr kumimoji="1" sz="2000">
+                <a:solidFill>
+                  <a:schemeClr val="tx1"/>
+                </a:solidFill>
+                <a:latin typeface="+mn-lt"/>
+                <a:ea typeface="+mn-ea"/>
+              </a:defRPr>
+            </a:lvl5pPr>
+            <a:lvl6pPr marL="2514600" indent="-228600" algn="l" rtl="0" fontAlgn="base">
+              <a:spcBef>
+                <a:spcPct val="20000"/>
+              </a:spcBef>
+              <a:spcAft>
+                <a:spcPct val="0"/>
+              </a:spcAft>
+              <a:buChar char="»"/>
+              <a:defRPr kumimoji="1" sz="2000">
+                <a:solidFill>
+                  <a:schemeClr val="tx1"/>
+                </a:solidFill>
+                <a:latin typeface="+mn-lt"/>
+                <a:ea typeface="+mn-ea"/>
+              </a:defRPr>
+            </a:lvl6pPr>
+            <a:lvl7pPr marL="2971800" indent="-228600" algn="l" rtl="0" fontAlgn="base">
+              <a:spcBef>
+                <a:spcPct val="20000"/>
+              </a:spcBef>
+              <a:spcAft>
+                <a:spcPct val="0"/>
+              </a:spcAft>
+              <a:buChar char="»"/>
+              <a:defRPr kumimoji="1" sz="2000">
+                <a:solidFill>
+                  <a:schemeClr val="tx1"/>
+                </a:solidFill>
+                <a:latin typeface="+mn-lt"/>
+                <a:ea typeface="+mn-ea"/>
+              </a:defRPr>
+            </a:lvl7pPr>
+            <a:lvl8pPr marL="3429000" indent="-228600" algn="l" rtl="0" fontAlgn="base">
+              <a:spcBef>
+                <a:spcPct val="20000"/>
+              </a:spcBef>
+              <a:spcAft>
+                <a:spcPct val="0"/>
+              </a:spcAft>
+              <a:buChar char="»"/>
+              <a:defRPr kumimoji="1" sz="2000">
+                <a:solidFill>
+                  <a:schemeClr val="tx1"/>
+                </a:solidFill>
+                <a:latin typeface="+mn-lt"/>
+                <a:ea typeface="+mn-ea"/>
+              </a:defRPr>
+            </a:lvl8pPr>
+            <a:lvl9pPr marL="3886200" indent="-228600" algn="l" rtl="0" fontAlgn="base">
+              <a:spcBef>
+                <a:spcPct val="20000"/>
+              </a:spcBef>
+              <a:spcAft>
+                <a:spcPct val="0"/>
+              </a:spcAft>
+              <a:buChar char="»"/>
+              <a:defRPr kumimoji="1" sz="2000">
+                <a:solidFill>
+                  <a:schemeClr val="tx1"/>
+                </a:solidFill>
+                <a:latin typeface="+mn-lt"/>
+                <a:ea typeface="+mn-ea"/>
+              </a:defRPr>
+            </a:lvl9pPr>
+          </a:lstStyle>
+          <a:p>
+            <a:pPr marL="0" indent="0">
+              <a:buNone/>
+            </a:pPr>
+            <a:r>
+              <a:rPr lang="ja-JP" altLang="en-US" sz="2800" kern="0" dirty="0" smtClean="0"/>
+              <a:t>同票</a:t>
+            </a:r>
+            <a:r>
+              <a:rPr lang="en-US" altLang="ja-JP" sz="2800" kern="0" dirty="0" smtClean="0"/>
+              <a:t>1</a:t>
+            </a:r>
+            <a:r>
+              <a:rPr lang="ja-JP" altLang="en-US" sz="2800" kern="0" dirty="0" smtClean="0"/>
+              <a:t>位の場合，そのうちランダムに識別結果とする．</a:t>
+            </a:r>
+            <a:endParaRPr lang="en-US" altLang="ja-JP" sz="2800" kern="0" dirty="0" smtClean="0"/>
+          </a:p>
+          <a:p>
+            <a:pPr marL="0" indent="0">
+              <a:buNone/>
+            </a:pPr>
+            <a:r>
+              <a:rPr lang="ja-JP" altLang="en-US" sz="2800" kern="0" dirty="0" smtClean="0"/>
+              <a:t>同票</a:t>
+            </a:r>
+            <a:r>
+              <a:rPr lang="en-US" altLang="ja-JP" sz="2800" kern="0" dirty="0" smtClean="0"/>
+              <a:t>1</a:t>
+            </a:r>
+            <a:r>
+              <a:rPr lang="ja-JP" altLang="en-US" sz="2800" kern="0" dirty="0" smtClean="0"/>
+              <a:t>位が起こる回数が多いほど，識別結果の</a:t>
+            </a:r>
+            <a:r>
+              <a:rPr lang="en-US" altLang="ja-JP" sz="2800" kern="0" dirty="0" smtClean="0"/>
+              <a:t/>
+            </a:r>
+            <a:br>
+              <a:rPr lang="en-US" altLang="ja-JP" sz="2800" kern="0" dirty="0" smtClean="0"/>
+            </a:br>
+            <a:r>
+              <a:rPr lang="ja-JP" altLang="en-US" sz="2800" kern="0" dirty="0" smtClean="0"/>
+              <a:t>ランダム依存性が高くなることが予測される．</a:t>
+            </a:r>
+            <a:endParaRPr lang="en-US" altLang="ja-JP" sz="2800" kern="0" dirty="0" smtClean="0"/>
+          </a:p>
+        </p:txBody>
+      </p:sp>
+      <p:sp>
+        <p:nvSpPr>
+          <p:cNvPr id="4" name="テキスト ボックス 3">
+            <a:extLst>
+              <a:ext uri="{FF2B5EF4-FFF2-40B4-BE49-F238E27FC236}">
+                <a16:creationId xmlns:a16="http://schemas.microsoft.com/office/drawing/2014/main" id="{FD097132-DD18-454A-9FF6-5987FE4EBE1B}"/>
+              </a:ext>
+            </a:extLst>
+          </p:cNvPr>
+          <p:cNvSpPr txBox="1"/>
+          <p:nvPr/>
+        </p:nvSpPr>
+        <p:spPr>
+          <a:xfrm>
+            <a:off x="381000" y="1314839"/>
+            <a:ext cx="5867400" cy="523220"/>
+          </a:xfrm>
+          <a:prstGeom prst="rect">
+            <a:avLst/>
+          </a:prstGeom>
+          <a:noFill/>
+          <a:ln w="19050">
+            <a:solidFill>
+              <a:schemeClr val="accent6"/>
+            </a:solidFill>
+          </a:ln>
+        </p:spPr>
+        <p:txBody>
+          <a:bodyPr wrap="square" rtlCol="0">
+            <a:spAutoFit/>
+          </a:bodyPr>
+          <a:lstStyle/>
+          <a:p>
+            <a:r>
+              <a:rPr kumimoji="1" lang="ja-JP" altLang="en-US" sz="2800" dirty="0" smtClean="0"/>
+              <a:t>多数決方法の課題</a:t>
+            </a:r>
+            <a:endParaRPr kumimoji="1" lang="ja-JP" altLang="en-US" sz="2800" dirty="0"/>
+          </a:p>
+        </p:txBody>
+      </p:sp>
+      <p:sp>
+        <p:nvSpPr>
+          <p:cNvPr id="5" name="コンテンツ プレースホルダー 2">
+            <a:extLst>
+              <a:ext uri="{FF2B5EF4-FFF2-40B4-BE49-F238E27FC236}">
+                <a16:creationId xmlns:a16="http://schemas.microsoft.com/office/drawing/2014/main" id="{9BDD95F6-0BDE-3D47-A774-B5C16F9BE91E}"/>
+              </a:ext>
+            </a:extLst>
+          </p:cNvPr>
+          <p:cNvSpPr txBox="1">
+            <a:spLocks/>
+          </p:cNvSpPr>
+          <p:nvPr/>
+        </p:nvSpPr>
+        <p:spPr>
+          <a:xfrm>
+            <a:off x="384958" y="4154736"/>
+            <a:ext cx="8682842" cy="2322264"/>
+          </a:xfrm>
+          <a:prstGeom prst="rect">
+            <a:avLst/>
+          </a:prstGeom>
+        </p:spPr>
+        <p:txBody>
+          <a:bodyPr/>
+          <a:lstStyle>
+            <a:lvl1pPr marL="342900" indent="-342900" algn="l" rtl="0" eaLnBrk="0" fontAlgn="base" hangingPunct="0">
+              <a:spcBef>
+                <a:spcPct val="20000"/>
+              </a:spcBef>
+              <a:spcAft>
+                <a:spcPct val="0"/>
+              </a:spcAft>
+              <a:buChar char="•"/>
+              <a:defRPr kumimoji="1" sz="3200">
+                <a:solidFill>
+                  <a:schemeClr val="tx1"/>
+                </a:solidFill>
+                <a:latin typeface="+mn-lt"/>
+                <a:ea typeface="+mn-ea"/>
+                <a:cs typeface="+mn-cs"/>
+              </a:defRPr>
+            </a:lvl1pPr>
+            <a:lvl2pPr marL="742950" indent="-285750" algn="l" rtl="0" eaLnBrk="0" fontAlgn="base" hangingPunct="0">
+              <a:spcBef>
+                <a:spcPct val="20000"/>
+              </a:spcBef>
+              <a:spcAft>
+                <a:spcPct val="0"/>
+              </a:spcAft>
+              <a:buChar char="–"/>
+              <a:defRPr kumimoji="1" sz="2800">
+                <a:solidFill>
+                  <a:schemeClr val="tx1"/>
+                </a:solidFill>
+                <a:latin typeface="+mn-lt"/>
+                <a:ea typeface="+mn-ea"/>
+              </a:defRPr>
+            </a:lvl2pPr>
+            <a:lvl3pPr marL="1143000" indent="-228600" algn="l" rtl="0" eaLnBrk="0" fontAlgn="base" hangingPunct="0">
+              <a:spcBef>
+                <a:spcPct val="20000"/>
+              </a:spcBef>
+              <a:spcAft>
+                <a:spcPct val="0"/>
+              </a:spcAft>
+              <a:buChar char="•"/>
+              <a:defRPr kumimoji="1" sz="2400">
+                <a:solidFill>
+                  <a:schemeClr val="tx1"/>
+                </a:solidFill>
+                <a:latin typeface="+mn-lt"/>
+                <a:ea typeface="+mn-ea"/>
+              </a:defRPr>
+            </a:lvl3pPr>
+            <a:lvl4pPr marL="1600200" indent="-228600" algn="l" rtl="0" eaLnBrk="0" fontAlgn="base" hangingPunct="0">
+              <a:spcBef>
+                <a:spcPct val="20000"/>
+              </a:spcBef>
+              <a:spcAft>
+                <a:spcPct val="0"/>
+              </a:spcAft>
+              <a:buChar char="–"/>
+              <a:defRPr kumimoji="1" sz="2000">
+                <a:solidFill>
+                  <a:schemeClr val="tx1"/>
+                </a:solidFill>
+                <a:latin typeface="+mn-lt"/>
+                <a:ea typeface="+mn-ea"/>
+              </a:defRPr>
+            </a:lvl4pPr>
+            <a:lvl5pPr marL="2057400" indent="-228600" algn="l" rtl="0" eaLnBrk="0" fontAlgn="base" hangingPunct="0">
+              <a:spcBef>
+                <a:spcPct val="20000"/>
+              </a:spcBef>
+              <a:spcAft>
+                <a:spcPct val="0"/>
+              </a:spcAft>
+              <a:buChar char="»"/>
+              <a:defRPr kumimoji="1" sz="2000">
+                <a:solidFill>
+                  <a:schemeClr val="tx1"/>
+                </a:solidFill>
+                <a:latin typeface="+mn-lt"/>
+                <a:ea typeface="+mn-ea"/>
+              </a:defRPr>
+            </a:lvl5pPr>
+            <a:lvl6pPr marL="2514600" indent="-228600" algn="l" rtl="0" fontAlgn="base">
+              <a:spcBef>
+                <a:spcPct val="20000"/>
+              </a:spcBef>
+              <a:spcAft>
+                <a:spcPct val="0"/>
+              </a:spcAft>
+              <a:buChar char="»"/>
+              <a:defRPr kumimoji="1" sz="2000">
+                <a:solidFill>
+                  <a:schemeClr val="tx1"/>
+                </a:solidFill>
+                <a:latin typeface="+mn-lt"/>
+                <a:ea typeface="+mn-ea"/>
+              </a:defRPr>
+            </a:lvl6pPr>
+            <a:lvl7pPr marL="2971800" indent="-228600" algn="l" rtl="0" fontAlgn="base">
+              <a:spcBef>
+                <a:spcPct val="20000"/>
+              </a:spcBef>
+              <a:spcAft>
+                <a:spcPct val="0"/>
+              </a:spcAft>
+              <a:buChar char="»"/>
+              <a:defRPr kumimoji="1" sz="2000">
+                <a:solidFill>
+                  <a:schemeClr val="tx1"/>
+                </a:solidFill>
+                <a:latin typeface="+mn-lt"/>
+                <a:ea typeface="+mn-ea"/>
+              </a:defRPr>
+            </a:lvl7pPr>
+            <a:lvl8pPr marL="3429000" indent="-228600" algn="l" rtl="0" fontAlgn="base">
+              <a:spcBef>
+                <a:spcPct val="20000"/>
+              </a:spcBef>
+              <a:spcAft>
+                <a:spcPct val="0"/>
+              </a:spcAft>
+              <a:buChar char="»"/>
+              <a:defRPr kumimoji="1" sz="2000">
+                <a:solidFill>
+                  <a:schemeClr val="tx1"/>
+                </a:solidFill>
+                <a:latin typeface="+mn-lt"/>
+                <a:ea typeface="+mn-ea"/>
+              </a:defRPr>
+            </a:lvl8pPr>
+            <a:lvl9pPr marL="3886200" indent="-228600" algn="l" rtl="0" fontAlgn="base">
+              <a:spcBef>
+                <a:spcPct val="20000"/>
+              </a:spcBef>
+              <a:spcAft>
+                <a:spcPct val="0"/>
+              </a:spcAft>
+              <a:buChar char="»"/>
+              <a:defRPr kumimoji="1" sz="2000">
+                <a:solidFill>
+                  <a:schemeClr val="tx1"/>
+                </a:solidFill>
+                <a:latin typeface="+mn-lt"/>
+                <a:ea typeface="+mn-ea"/>
+              </a:defRPr>
+            </a:lvl9pPr>
+          </a:lstStyle>
+          <a:p>
+            <a:r>
+              <a:rPr lang="ja-JP" altLang="en-US" sz="2800" kern="0" dirty="0" smtClean="0"/>
+              <a:t>同票</a:t>
+            </a:r>
+            <a:r>
+              <a:rPr lang="en-US" altLang="ja-JP" sz="2800" kern="0" dirty="0" smtClean="0"/>
+              <a:t>1</a:t>
+            </a:r>
+            <a:r>
+              <a:rPr lang="ja-JP" altLang="en-US" sz="2800" kern="0" dirty="0" smtClean="0"/>
+              <a:t>位が発生する回数の調査</a:t>
+            </a:r>
+            <a:endParaRPr lang="en-US" altLang="ja-JP" sz="2800" kern="0" dirty="0" smtClean="0"/>
+          </a:p>
+          <a:p>
+            <a:r>
+              <a:rPr lang="ja-JP" altLang="en-US" sz="2800" kern="0" dirty="0" smtClean="0"/>
+              <a:t>同票</a:t>
+            </a:r>
+            <a:r>
+              <a:rPr lang="en-US" altLang="ja-JP" sz="2800" kern="0" dirty="0" smtClean="0"/>
+              <a:t>1</a:t>
+            </a:r>
+            <a:r>
+              <a:rPr lang="ja-JP" altLang="en-US" sz="2800" kern="0" dirty="0" smtClean="0"/>
+              <a:t>位が発生しないような弱識別器個数の考察</a:t>
+            </a:r>
+            <a:endParaRPr lang="en-US" altLang="ja-JP" sz="2800" kern="0" dirty="0" smtClean="0"/>
+          </a:p>
+          <a:p>
+            <a:r>
+              <a:rPr lang="ja-JP" altLang="en-US" sz="2800" kern="0" dirty="0" smtClean="0"/>
+              <a:t>重み付け多数決に用いる重みの</a:t>
+            </a:r>
+            <a:r>
+              <a:rPr lang="ja-JP" altLang="en-US" sz="2800" kern="0" dirty="0" smtClean="0"/>
+              <a:t>計算方法の</a:t>
+            </a:r>
+            <a:r>
+              <a:rPr lang="ja-JP" altLang="en-US" sz="2800" kern="0" dirty="0" smtClean="0"/>
+              <a:t>再考</a:t>
+            </a:r>
+            <a:endParaRPr lang="en-US" altLang="ja-JP" sz="2800" kern="0" dirty="0"/>
+          </a:p>
+          <a:p>
+            <a:endParaRPr lang="en-US" altLang="ja-JP" sz="2800" kern="0" dirty="0"/>
+          </a:p>
+        </p:txBody>
+      </p:sp>
+      <p:sp>
+        <p:nvSpPr>
+          <p:cNvPr id="6" name="テキスト ボックス 5">
+            <a:extLst>
+              <a:ext uri="{FF2B5EF4-FFF2-40B4-BE49-F238E27FC236}">
+                <a16:creationId xmlns:a16="http://schemas.microsoft.com/office/drawing/2014/main" id="{A4A2B24A-5F59-544B-8D76-756BA47A7E45}"/>
+              </a:ext>
+            </a:extLst>
+          </p:cNvPr>
+          <p:cNvSpPr txBox="1"/>
+          <p:nvPr/>
+        </p:nvSpPr>
+        <p:spPr>
+          <a:xfrm>
+            <a:off x="381000" y="3610097"/>
+            <a:ext cx="7848600" cy="523220"/>
+          </a:xfrm>
+          <a:prstGeom prst="rect">
+            <a:avLst/>
+          </a:prstGeom>
+          <a:noFill/>
+          <a:ln w="19050">
+            <a:solidFill>
+              <a:schemeClr val="accent6"/>
+            </a:solidFill>
+          </a:ln>
+        </p:spPr>
+        <p:txBody>
+          <a:bodyPr wrap="square" rtlCol="0">
+            <a:spAutoFit/>
+          </a:bodyPr>
+          <a:lstStyle/>
+          <a:p>
+            <a:r>
+              <a:rPr lang="ja-JP" altLang="en-US" sz="2800" dirty="0" smtClean="0"/>
+              <a:t>多数決方法の改善案</a:t>
+            </a:r>
+            <a:endParaRPr kumimoji="1" lang="ja-JP" altLang="en-US" sz="2800" dirty="0"/>
+          </a:p>
+        </p:txBody>
+      </p:sp>
+    </p:spTree>
+    <p:extLst>
+      <p:ext uri="{BB962C8B-B14F-4D97-AF65-F5344CB8AC3E}">
+        <p14:creationId xmlns:p14="http://schemas.microsoft.com/office/powerpoint/2010/main" val="4174208103"/>
+      </p:ext>
+    </p:extLst>
+  </p:cSld>
+  <p:clrMapOvr>
+    <a:masterClrMapping/>
+  </p:clrMapOvr>
+  <p:timing>
+    <p:tnLst>
+      <p:par>
+        <p:cTn id="1" dur="indefinite" restart="never" nodeType="tmRoot"/>
+      </p:par>
+    </p:tnLst>
+  </p:timing>
+</p:sld>
+</file>
+
+<file path=ppt/slides/slide9.xml><?xml version="1.0" encoding="utf-8"?>
 <p:sld xmlns:a="http://schemas.openxmlformats.org/drawingml/2006/main" xmlns:r="http://schemas.openxmlformats.org/officeDocument/2006/relationships" xmlns:p="http://schemas.openxmlformats.org/presentationml/2006/main">
   <p:cSld>
     <p:spTree>
@@ -19776,6 +21251,13 @@
   <p:clrMapOvr>
     <a:masterClrMapping/>
   </p:clrMapOvr>
+  <p:timing>
+    <p:tnLst>
+      <p:par>
+        <p:cTn id="1" dur="indefinite" restart="never" nodeType="tmRoot"/>
+      </p:par>
+    </p:tnLst>
+  </p:timing>
 </p:sld>
 </file>
 

--- a/進捗報告_第2回_20190115.pptx
+++ b/進捗報告_第2回_20190115.pptx
@@ -20179,7 +20179,7 @@
                     <a:p>
                       <a:pPr algn="ctr" fontAlgn="ctr"/>
                       <a:r>
-                        <a:rPr lang="en-US" altLang="ja-JP" sz="1400" b="0" i="0" u="none" strike="noStrike">
+                        <a:rPr lang="en-US" altLang="ja-JP" sz="1400" b="0" i="0" u="none" strike="noStrike" dirty="0">
                           <a:solidFill>
                             <a:srgbClr val="000000"/>
                           </a:solidFill>
@@ -20374,8 +20374,8 @@
           <a:lstStyle/>
           <a:p>
             <a:r>
-              <a:rPr kumimoji="1" lang="ja-JP" altLang="en-US" dirty="0" smtClean="0"/>
-              <a:t>改良できる点</a:t>
+              <a:rPr lang="ja-JP" altLang="en-US" dirty="0" smtClean="0"/>
+              <a:t>現段階の考察</a:t>
             </a:r>
             <a:endParaRPr kumimoji="1" lang="ja-JP" altLang="en-US" dirty="0"/>
           </a:p>
@@ -20848,15 +20848,7 @@
           <a:p>
             <a:r>
               <a:rPr lang="ja-JP" altLang="en-US" sz="2800" kern="0" dirty="0" smtClean="0"/>
-              <a:t>重み付け多数決に用いる重みの</a:t>
-            </a:r>
-            <a:r>
-              <a:rPr lang="ja-JP" altLang="en-US" sz="2800" kern="0" dirty="0" smtClean="0"/>
-              <a:t>計算方法の</a:t>
-            </a:r>
-            <a:r>
-              <a:rPr lang="ja-JP" altLang="en-US" sz="2800" kern="0" dirty="0" smtClean="0"/>
-              <a:t>再考</a:t>
+              <a:t>重み付け多数決に用いる重みの計算方法の再考</a:t>
             </a:r>
             <a:endParaRPr lang="en-US" altLang="ja-JP" sz="2800" kern="0" dirty="0"/>
           </a:p>
@@ -20965,17 +20957,22 @@
           <a:lstStyle/>
           <a:p>
             <a:r>
-              <a:rPr kumimoji="1" lang="ja-JP" altLang="en-US"/>
+              <a:rPr kumimoji="1" lang="ja-JP" altLang="en-US" dirty="0"/>
               <a:t>非劣解集合</a:t>
             </a:r>
             <a:r>
-              <a:rPr kumimoji="1" lang="en-US" altLang="ja-JP"/>
+              <a:rPr kumimoji="1" lang="en-US" altLang="ja-JP" dirty="0"/>
               <a:t> </a:t>
             </a:r>
             <a:r>
-              <a:rPr kumimoji="1" lang="ja-JP" altLang="en-US"/>
-              <a:t>弱識別器</a:t>
-            </a:r>
+              <a:rPr kumimoji="1" lang="ja-JP" altLang="en-US" dirty="0"/>
+              <a:t>弱</a:t>
+            </a:r>
+            <a:r>
+              <a:rPr kumimoji="1" lang="ja-JP" altLang="en-US" dirty="0" smtClean="0"/>
+              <a:t>識別器の例</a:t>
+            </a:r>
+            <a:endParaRPr kumimoji="1" lang="ja-JP" altLang="en-US" dirty="0"/>
           </a:p>
         </p:txBody>
       </p:sp>
@@ -21219,25 +21216,25 @@
           <a:lstStyle/>
           <a:p>
             <a:r>
-              <a:rPr lang="ja-JP" altLang="en-US"/>
+              <a:rPr lang="ja-JP" altLang="en-US" dirty="0"/>
               <a:t>過剰適合ありの方が</a:t>
             </a:r>
             <a:r>
-              <a:rPr lang="en-US" altLang="ja-JP"/>
+              <a:rPr lang="en-US" altLang="ja-JP" dirty="0"/>
               <a:t>2</a:t>
             </a:r>
             <a:r>
-              <a:rPr lang="ja-JP" altLang="en-US"/>
+              <a:rPr lang="ja-JP" altLang="en-US" dirty="0"/>
               <a:t>目的空間において広く分布した非劣解が得られる．</a:t>
             </a:r>
-            <a:endParaRPr lang="en-US" altLang="ja-JP"/>
-          </a:p>
-          <a:p>
-            <a:r>
-              <a:rPr lang="ja-JP" altLang="en-US"/>
+            <a:endParaRPr lang="en-US" altLang="ja-JP" dirty="0"/>
+          </a:p>
+          <a:p>
+            <a:r>
+              <a:rPr lang="ja-JP" altLang="en-US" dirty="0"/>
               <a:t>過剰適合なしの方が識別率が高い個体を得ているが，重複した個体も多い．</a:t>
             </a:r>
-            <a:endParaRPr lang="en-US" altLang="ja-JP"/>
+            <a:endParaRPr lang="en-US" altLang="ja-JP" dirty="0"/>
           </a:p>
         </p:txBody>
       </p:sp>
